--- a/Images/graphics/Reinforcement Learning Explanation.pptx
+++ b/Images/graphics/Reinforcement Learning Explanation.pptx
@@ -6,6 +6,9 @@
   </p:sldMasterIdLst>
   <p:sldIdLst>
     <p:sldId id="256" r:id="rId2"/>
+    <p:sldId id="257" r:id="rId3"/>
+    <p:sldId id="258" r:id="rId4"/>
+    <p:sldId id="259" r:id="rId5"/>
   </p:sldIdLst>
   <p:sldSz cx="12192000" cy="6858000"/>
   <p:notesSz cx="6858000" cy="9144000"/>
@@ -107,7 +110,7 @@
   <p:extLst>
     <p:ext uri="{EFAFB233-063F-42B5-8137-9DF3F51BA10A}">
       <p15:sldGuideLst xmlns:p15="http://schemas.microsoft.com/office/powerpoint/2012/main">
-        <p15:guide id="1" orient="horz" pos="2160" userDrawn="1">
+        <p15:guide id="1" orient="horz" pos="2183" userDrawn="1">
           <p15:clr>
             <a:srgbClr val="A4A3A4"/>
           </p15:clr>
@@ -272,7 +275,7 @@
           <a:p>
             <a:fld id="{D0171463-CBCA-4076-AB44-D31473FB8486}" type="datetimeFigureOut">
               <a:rPr lang="es-ES" smtClean="0"/>
-              <a:t>31/01/2021</a:t>
+              <a:t>07/02/2021</a:t>
             </a:fld>
             <a:endParaRPr lang="es-ES"/>
           </a:p>
@@ -472,7 +475,7 @@
           <a:p>
             <a:fld id="{D0171463-CBCA-4076-AB44-D31473FB8486}" type="datetimeFigureOut">
               <a:rPr lang="es-ES" smtClean="0"/>
-              <a:t>31/01/2021</a:t>
+              <a:t>07/02/2021</a:t>
             </a:fld>
             <a:endParaRPr lang="es-ES"/>
           </a:p>
@@ -682,7 +685,7 @@
           <a:p>
             <a:fld id="{D0171463-CBCA-4076-AB44-D31473FB8486}" type="datetimeFigureOut">
               <a:rPr lang="es-ES" smtClean="0"/>
-              <a:t>31/01/2021</a:t>
+              <a:t>07/02/2021</a:t>
             </a:fld>
             <a:endParaRPr lang="es-ES"/>
           </a:p>
@@ -882,7 +885,7 @@
           <a:p>
             <a:fld id="{D0171463-CBCA-4076-AB44-D31473FB8486}" type="datetimeFigureOut">
               <a:rPr lang="es-ES" smtClean="0"/>
-              <a:t>31/01/2021</a:t>
+              <a:t>07/02/2021</a:t>
             </a:fld>
             <a:endParaRPr lang="es-ES"/>
           </a:p>
@@ -1158,7 +1161,7 @@
           <a:p>
             <a:fld id="{D0171463-CBCA-4076-AB44-D31473FB8486}" type="datetimeFigureOut">
               <a:rPr lang="es-ES" smtClean="0"/>
-              <a:t>31/01/2021</a:t>
+              <a:t>07/02/2021</a:t>
             </a:fld>
             <a:endParaRPr lang="es-ES"/>
           </a:p>
@@ -1426,7 +1429,7 @@
           <a:p>
             <a:fld id="{D0171463-CBCA-4076-AB44-D31473FB8486}" type="datetimeFigureOut">
               <a:rPr lang="es-ES" smtClean="0"/>
-              <a:t>31/01/2021</a:t>
+              <a:t>07/02/2021</a:t>
             </a:fld>
             <a:endParaRPr lang="es-ES"/>
           </a:p>
@@ -1841,7 +1844,7 @@
           <a:p>
             <a:fld id="{D0171463-CBCA-4076-AB44-D31473FB8486}" type="datetimeFigureOut">
               <a:rPr lang="es-ES" smtClean="0"/>
-              <a:t>31/01/2021</a:t>
+              <a:t>07/02/2021</a:t>
             </a:fld>
             <a:endParaRPr lang="es-ES"/>
           </a:p>
@@ -1983,7 +1986,7 @@
           <a:p>
             <a:fld id="{D0171463-CBCA-4076-AB44-D31473FB8486}" type="datetimeFigureOut">
               <a:rPr lang="es-ES" smtClean="0"/>
-              <a:t>31/01/2021</a:t>
+              <a:t>07/02/2021</a:t>
             </a:fld>
             <a:endParaRPr lang="es-ES"/>
           </a:p>
@@ -2096,7 +2099,7 @@
           <a:p>
             <a:fld id="{D0171463-CBCA-4076-AB44-D31473FB8486}" type="datetimeFigureOut">
               <a:rPr lang="es-ES" smtClean="0"/>
-              <a:t>31/01/2021</a:t>
+              <a:t>07/02/2021</a:t>
             </a:fld>
             <a:endParaRPr lang="es-ES"/>
           </a:p>
@@ -2409,7 +2412,7 @@
           <a:p>
             <a:fld id="{D0171463-CBCA-4076-AB44-D31473FB8486}" type="datetimeFigureOut">
               <a:rPr lang="es-ES" smtClean="0"/>
-              <a:t>31/01/2021</a:t>
+              <a:t>07/02/2021</a:t>
             </a:fld>
             <a:endParaRPr lang="es-ES"/>
           </a:p>
@@ -2698,7 +2701,7 @@
           <a:p>
             <a:fld id="{D0171463-CBCA-4076-AB44-D31473FB8486}" type="datetimeFigureOut">
               <a:rPr lang="es-ES" smtClean="0"/>
-              <a:t>31/01/2021</a:t>
+              <a:t>07/02/2021</a:t>
             </a:fld>
             <a:endParaRPr lang="es-ES"/>
           </a:p>
@@ -2941,7 +2944,7 @@
           <a:p>
             <a:fld id="{D0171463-CBCA-4076-AB44-D31473FB8486}" type="datetimeFigureOut">
               <a:rPr lang="es-ES" smtClean="0"/>
-              <a:t>31/01/2021</a:t>
+              <a:t>07/02/2021</a:t>
             </a:fld>
             <a:endParaRPr lang="es-ES"/>
           </a:p>
@@ -3709,6 +3712,9196 @@
 </p:sld>
 </file>
 
+<file path=ppt/slides/slide2.xml><?xml version="1.0" encoding="utf-8"?>
+<p:sld xmlns:a="http://schemas.openxmlformats.org/drawingml/2006/main" xmlns:r="http://schemas.openxmlformats.org/officeDocument/2006/relationships" xmlns:p="http://schemas.openxmlformats.org/presentationml/2006/main">
+  <p:cSld>
+    <p:bg>
+      <p:bgPr>
+        <a:solidFill>
+          <a:schemeClr val="bg1"/>
+        </a:solidFill>
+        <a:effectLst/>
+      </p:bgPr>
+    </p:bg>
+    <p:spTree>
+      <p:nvGrpSpPr>
+        <p:cNvPr id="1" name=""/>
+        <p:cNvGrpSpPr/>
+        <p:nvPr/>
+      </p:nvGrpSpPr>
+      <p:grpSpPr>
+        <a:xfrm>
+          <a:off x="0" y="0"/>
+          <a:ext cx="0" cy="0"/>
+          <a:chOff x="0" y="0"/>
+          <a:chExt cx="0" cy="0"/>
+        </a:xfrm>
+      </p:grpSpPr>
+      <p:sp>
+        <p:nvSpPr>
+          <p:cNvPr id="4" name="Rectangle 3">
+            <a:extLst>
+              <a:ext uri="{FF2B5EF4-FFF2-40B4-BE49-F238E27FC236}">
+                <a16:creationId xmlns:a16="http://schemas.microsoft.com/office/drawing/2014/main" id="{6AEA7987-616E-4188-A114-F11181CD1E3E}"/>
+              </a:ext>
+            </a:extLst>
+          </p:cNvPr>
+          <p:cNvSpPr/>
+          <p:nvPr/>
+        </p:nvSpPr>
+        <p:spPr>
+          <a:xfrm>
+            <a:off x="0" y="0"/>
+            <a:ext cx="1636451" cy="1082150"/>
+          </a:xfrm>
+          <a:prstGeom prst="rect">
+            <a:avLst/>
+          </a:prstGeom>
+          <a:solidFill>
+            <a:schemeClr val="dk1">
+              <a:alpha val="50000"/>
+            </a:schemeClr>
+          </a:solidFill>
+          <a:ln>
+            <a:noFill/>
+          </a:ln>
+        </p:spPr>
+        <p:style>
+          <a:lnRef idx="0">
+            <a:scrgbClr r="0" g="0" b="0"/>
+          </a:lnRef>
+          <a:fillRef idx="0">
+            <a:scrgbClr r="0" g="0" b="0"/>
+          </a:fillRef>
+          <a:effectRef idx="0">
+            <a:scrgbClr r="0" g="0" b="0"/>
+          </a:effectRef>
+          <a:fontRef idx="minor">
+            <a:schemeClr val="lt1"/>
+          </a:fontRef>
+        </p:style>
+        <p:txBody>
+          <a:bodyPr rtlCol="0" anchor="ctr"/>
+          <a:lstStyle/>
+          <a:p>
+            <a:pPr algn="ctr"/>
+            <a:r>
+              <a:rPr lang="es-ES" dirty="0" err="1"/>
+              <a:t>EnvManager</a:t>
+            </a:r>
+            <a:endParaRPr lang="es-ES" dirty="0"/>
+          </a:p>
+        </p:txBody>
+      </p:sp>
+      <p:sp>
+        <p:nvSpPr>
+          <p:cNvPr id="5" name="Rectangle 4">
+            <a:extLst>
+              <a:ext uri="{FF2B5EF4-FFF2-40B4-BE49-F238E27FC236}">
+                <a16:creationId xmlns:a16="http://schemas.microsoft.com/office/drawing/2014/main" id="{A2DE147B-1639-46CE-BA90-3F1DBADF401F}"/>
+              </a:ext>
+            </a:extLst>
+          </p:cNvPr>
+          <p:cNvSpPr/>
+          <p:nvPr/>
+        </p:nvSpPr>
+        <p:spPr>
+          <a:xfrm>
+            <a:off x="1935331" y="0"/>
+            <a:ext cx="1636451" cy="1082150"/>
+          </a:xfrm>
+          <a:prstGeom prst="rect">
+            <a:avLst/>
+          </a:prstGeom>
+          <a:solidFill>
+            <a:schemeClr val="dk1">
+              <a:alpha val="50000"/>
+            </a:schemeClr>
+          </a:solidFill>
+          <a:ln>
+            <a:noFill/>
+          </a:ln>
+        </p:spPr>
+        <p:style>
+          <a:lnRef idx="0">
+            <a:scrgbClr r="0" g="0" b="0"/>
+          </a:lnRef>
+          <a:fillRef idx="0">
+            <a:scrgbClr r="0" g="0" b="0"/>
+          </a:fillRef>
+          <a:effectRef idx="0">
+            <a:scrgbClr r="0" g="0" b="0"/>
+          </a:effectRef>
+          <a:fontRef idx="minor">
+            <a:schemeClr val="lt1"/>
+          </a:fontRef>
+        </p:style>
+        <p:txBody>
+          <a:bodyPr rtlCol="0" anchor="ctr"/>
+          <a:lstStyle/>
+          <a:p>
+            <a:pPr algn="ctr"/>
+            <a:r>
+              <a:rPr lang="es-ES" dirty="0" err="1"/>
+              <a:t>Image</a:t>
+            </a:r>
+            <a:endParaRPr lang="es-ES" dirty="0"/>
+          </a:p>
+          <a:p>
+            <a:pPr algn="ctr"/>
+            <a:r>
+              <a:rPr lang="es-ES" dirty="0" err="1"/>
+              <a:t>Controller</a:t>
+            </a:r>
+            <a:endParaRPr lang="es-ES" dirty="0"/>
+          </a:p>
+        </p:txBody>
+      </p:sp>
+      <p:sp>
+        <p:nvSpPr>
+          <p:cNvPr id="6" name="Rectangle 5">
+            <a:extLst>
+              <a:ext uri="{FF2B5EF4-FFF2-40B4-BE49-F238E27FC236}">
+                <a16:creationId xmlns:a16="http://schemas.microsoft.com/office/drawing/2014/main" id="{EB65C562-EF76-430D-A098-D77210ABF692}"/>
+              </a:ext>
+            </a:extLst>
+          </p:cNvPr>
+          <p:cNvSpPr/>
+          <p:nvPr/>
+        </p:nvSpPr>
+        <p:spPr>
+          <a:xfrm>
+            <a:off x="3870662" y="0"/>
+            <a:ext cx="1636451" cy="1082150"/>
+          </a:xfrm>
+          <a:prstGeom prst="rect">
+            <a:avLst/>
+          </a:prstGeom>
+          <a:solidFill>
+            <a:schemeClr val="dk1">
+              <a:alpha val="50000"/>
+            </a:schemeClr>
+          </a:solidFill>
+          <a:ln>
+            <a:noFill/>
+          </a:ln>
+        </p:spPr>
+        <p:style>
+          <a:lnRef idx="0">
+            <a:scrgbClr r="0" g="0" b="0"/>
+          </a:lnRef>
+          <a:fillRef idx="0">
+            <a:scrgbClr r="0" g="0" b="0"/>
+          </a:fillRef>
+          <a:effectRef idx="0">
+            <a:scrgbClr r="0" g="0" b="0"/>
+          </a:effectRef>
+          <a:fontRef idx="minor">
+            <a:schemeClr val="lt1"/>
+          </a:fontRef>
+        </p:style>
+        <p:txBody>
+          <a:bodyPr rtlCol="0" anchor="ctr"/>
+          <a:lstStyle/>
+          <a:p>
+            <a:pPr algn="ctr"/>
+            <a:r>
+              <a:rPr lang="es-ES" dirty="0" err="1"/>
+              <a:t>Image</a:t>
+            </a:r>
+            <a:endParaRPr lang="es-ES" dirty="0"/>
+          </a:p>
+          <a:p>
+            <a:pPr algn="ctr"/>
+            <a:r>
+              <a:rPr lang="es-ES" dirty="0" err="1"/>
+              <a:t>Model</a:t>
+            </a:r>
+            <a:endParaRPr lang="es-ES" dirty="0"/>
+          </a:p>
+        </p:txBody>
+      </p:sp>
+      <p:sp>
+        <p:nvSpPr>
+          <p:cNvPr id="7" name="Rectangle 6">
+            <a:extLst>
+              <a:ext uri="{FF2B5EF4-FFF2-40B4-BE49-F238E27FC236}">
+                <a16:creationId xmlns:a16="http://schemas.microsoft.com/office/drawing/2014/main" id="{6DAC8E58-C14D-4E98-8F17-1748A20B05F2}"/>
+              </a:ext>
+            </a:extLst>
+          </p:cNvPr>
+          <p:cNvSpPr/>
+          <p:nvPr/>
+        </p:nvSpPr>
+        <p:spPr>
+          <a:xfrm>
+            <a:off x="5805993" y="0"/>
+            <a:ext cx="1636451" cy="1082150"/>
+          </a:xfrm>
+          <a:prstGeom prst="rect">
+            <a:avLst/>
+          </a:prstGeom>
+          <a:solidFill>
+            <a:schemeClr val="dk1">
+              <a:alpha val="50000"/>
+            </a:schemeClr>
+          </a:solidFill>
+          <a:ln>
+            <a:noFill/>
+          </a:ln>
+        </p:spPr>
+        <p:style>
+          <a:lnRef idx="0">
+            <a:scrgbClr r="0" g="0" b="0"/>
+          </a:lnRef>
+          <a:fillRef idx="0">
+            <a:scrgbClr r="0" g="0" b="0"/>
+          </a:fillRef>
+          <a:effectRef idx="0">
+            <a:scrgbClr r="0" g="0" b="0"/>
+          </a:effectRef>
+          <a:fontRef idx="minor">
+            <a:schemeClr val="lt1"/>
+          </a:fontRef>
+        </p:style>
+        <p:txBody>
+          <a:bodyPr rtlCol="0" anchor="ctr"/>
+          <a:lstStyle/>
+          <a:p>
+            <a:pPr algn="ctr"/>
+            <a:r>
+              <a:rPr lang="es-ES" dirty="0" err="1"/>
+              <a:t>Agent</a:t>
+            </a:r>
+            <a:endParaRPr lang="es-ES" dirty="0"/>
+          </a:p>
+        </p:txBody>
+      </p:sp>
+      <p:sp>
+        <p:nvSpPr>
+          <p:cNvPr id="8" name="Rectangle 7">
+            <a:extLst>
+              <a:ext uri="{FF2B5EF4-FFF2-40B4-BE49-F238E27FC236}">
+                <a16:creationId xmlns:a16="http://schemas.microsoft.com/office/drawing/2014/main" id="{1E0D893A-7C84-4876-B9D2-A6AA11025E2F}"/>
+              </a:ext>
+            </a:extLst>
+          </p:cNvPr>
+          <p:cNvSpPr/>
+          <p:nvPr/>
+        </p:nvSpPr>
+        <p:spPr>
+          <a:xfrm>
+            <a:off x="7741324" y="0"/>
+            <a:ext cx="1636451" cy="1082150"/>
+          </a:xfrm>
+          <a:prstGeom prst="rect">
+            <a:avLst/>
+          </a:prstGeom>
+          <a:solidFill>
+            <a:schemeClr val="dk1">
+              <a:alpha val="50000"/>
+            </a:schemeClr>
+          </a:solidFill>
+          <a:ln>
+            <a:noFill/>
+          </a:ln>
+        </p:spPr>
+        <p:style>
+          <a:lnRef idx="0">
+            <a:scrgbClr r="0" g="0" b="0"/>
+          </a:lnRef>
+          <a:fillRef idx="0">
+            <a:scrgbClr r="0" g="0" b="0"/>
+          </a:fillRef>
+          <a:effectRef idx="0">
+            <a:scrgbClr r="0" g="0" b="0"/>
+          </a:effectRef>
+          <a:fontRef idx="minor">
+            <a:schemeClr val="lt1"/>
+          </a:fontRef>
+        </p:style>
+        <p:txBody>
+          <a:bodyPr rtlCol="0" anchor="ctr"/>
+          <a:lstStyle/>
+          <a:p>
+            <a:pPr algn="ctr"/>
+            <a:r>
+              <a:rPr lang="es-ES" dirty="0" err="1"/>
+              <a:t>Epsilon</a:t>
+            </a:r>
+            <a:endParaRPr lang="es-ES" dirty="0"/>
+          </a:p>
+          <a:p>
+            <a:pPr algn="ctr"/>
+            <a:r>
+              <a:rPr lang="es-ES" dirty="0" err="1"/>
+              <a:t>Greedy</a:t>
+            </a:r>
+            <a:endParaRPr lang="es-ES" dirty="0"/>
+          </a:p>
+          <a:p>
+            <a:pPr algn="ctr"/>
+            <a:r>
+              <a:rPr lang="es-ES" dirty="0" err="1"/>
+              <a:t>Strategy</a:t>
+            </a:r>
+            <a:endParaRPr lang="es-ES" dirty="0"/>
+          </a:p>
+        </p:txBody>
+      </p:sp>
+      <p:sp>
+        <p:nvSpPr>
+          <p:cNvPr id="9" name="Rectangle 8">
+            <a:extLst>
+              <a:ext uri="{FF2B5EF4-FFF2-40B4-BE49-F238E27FC236}">
+                <a16:creationId xmlns:a16="http://schemas.microsoft.com/office/drawing/2014/main" id="{9D72BD54-090B-4CD1-9E68-1044A1D866BC}"/>
+              </a:ext>
+            </a:extLst>
+          </p:cNvPr>
+          <p:cNvSpPr/>
+          <p:nvPr/>
+        </p:nvSpPr>
+        <p:spPr>
+          <a:xfrm>
+            <a:off x="9676655" y="0"/>
+            <a:ext cx="1636451" cy="1082150"/>
+          </a:xfrm>
+          <a:prstGeom prst="rect">
+            <a:avLst/>
+          </a:prstGeom>
+          <a:solidFill>
+            <a:schemeClr val="dk1">
+              <a:alpha val="50000"/>
+            </a:schemeClr>
+          </a:solidFill>
+          <a:ln>
+            <a:noFill/>
+          </a:ln>
+        </p:spPr>
+        <p:style>
+          <a:lnRef idx="0">
+            <a:scrgbClr r="0" g="0" b="0"/>
+          </a:lnRef>
+          <a:fillRef idx="0">
+            <a:scrgbClr r="0" g="0" b="0"/>
+          </a:fillRef>
+          <a:effectRef idx="0">
+            <a:scrgbClr r="0" g="0" b="0"/>
+          </a:effectRef>
+          <a:fontRef idx="minor">
+            <a:schemeClr val="lt1"/>
+          </a:fontRef>
+        </p:style>
+        <p:txBody>
+          <a:bodyPr rtlCol="0" anchor="ctr"/>
+          <a:lstStyle/>
+          <a:p>
+            <a:pPr marL="0" algn="ctr" rtl="0" eaLnBrk="1" latinLnBrk="0" hangingPunct="1">
+              <a:spcBef>
+                <a:spcPts val="0"/>
+              </a:spcBef>
+              <a:spcAft>
+                <a:spcPts val="0"/>
+              </a:spcAft>
+            </a:pPr>
+            <a:r>
+              <a:rPr lang="es-ES" sz="1800" kern="1200" dirty="0">
+                <a:solidFill>
+                  <a:schemeClr val="bg1"/>
+                </a:solidFill>
+                <a:effectLst/>
+                <a:latin typeface="Calibri" panose="020F0502020204030204" pitchFamily="34" charset="0"/>
+                <a:ea typeface="+mn-ea"/>
+                <a:cs typeface="+mn-cs"/>
+              </a:rPr>
+              <a:t>DQN</a:t>
+            </a:r>
+            <a:endParaRPr lang="es-ES" dirty="0">
+              <a:solidFill>
+                <a:schemeClr val="bg1"/>
+              </a:solidFill>
+              <a:effectLst/>
+            </a:endParaRPr>
+          </a:p>
+          <a:p>
+            <a:pPr marL="0" algn="ctr" rtl="0" eaLnBrk="1" latinLnBrk="0" hangingPunct="1">
+              <a:spcBef>
+                <a:spcPts val="0"/>
+              </a:spcBef>
+              <a:spcAft>
+                <a:spcPts val="0"/>
+              </a:spcAft>
+            </a:pPr>
+            <a:r>
+              <a:rPr lang="es-ES" sz="1800" kern="1200" dirty="0">
+                <a:solidFill>
+                  <a:schemeClr val="bg1"/>
+                </a:solidFill>
+                <a:effectLst/>
+                <a:latin typeface="Calibri" panose="020F0502020204030204" pitchFamily="34" charset="0"/>
+                <a:ea typeface="+mn-ea"/>
+                <a:cs typeface="+mn-cs"/>
+              </a:rPr>
+              <a:t>(</a:t>
+            </a:r>
+            <a:r>
+              <a:rPr lang="es-ES" sz="1800" kern="1200" dirty="0" err="1">
+                <a:solidFill>
+                  <a:schemeClr val="bg1"/>
+                </a:solidFill>
+                <a:effectLst/>
+                <a:latin typeface="Calibri" panose="020F0502020204030204" pitchFamily="34" charset="0"/>
+                <a:ea typeface="+mn-ea"/>
+                <a:cs typeface="+mn-cs"/>
+              </a:rPr>
+              <a:t>Policy</a:t>
+            </a:r>
+            <a:r>
+              <a:rPr lang="es-ES" sz="1800" kern="1200" dirty="0">
+                <a:solidFill>
+                  <a:schemeClr val="bg1"/>
+                </a:solidFill>
+                <a:effectLst/>
+                <a:latin typeface="Calibri" panose="020F0502020204030204" pitchFamily="34" charset="0"/>
+                <a:ea typeface="+mn-ea"/>
+                <a:cs typeface="+mn-cs"/>
+              </a:rPr>
+              <a:t> net)</a:t>
+            </a:r>
+            <a:endParaRPr lang="es-ES" dirty="0">
+              <a:solidFill>
+                <a:schemeClr val="bg1"/>
+              </a:solidFill>
+              <a:effectLst/>
+            </a:endParaRPr>
+          </a:p>
+        </p:txBody>
+      </p:sp>
+      <p:sp>
+        <p:nvSpPr>
+          <p:cNvPr id="10" name="Rectangle 9">
+            <a:extLst>
+              <a:ext uri="{FF2B5EF4-FFF2-40B4-BE49-F238E27FC236}">
+                <a16:creationId xmlns:a16="http://schemas.microsoft.com/office/drawing/2014/main" id="{4AD80466-456E-49A4-ADB0-3F6C5D1CAD7C}"/>
+              </a:ext>
+            </a:extLst>
+          </p:cNvPr>
+          <p:cNvSpPr/>
+          <p:nvPr/>
+        </p:nvSpPr>
+        <p:spPr>
+          <a:xfrm>
+            <a:off x="11611986" y="0"/>
+            <a:ext cx="1636451" cy="1082150"/>
+          </a:xfrm>
+          <a:prstGeom prst="rect">
+            <a:avLst/>
+          </a:prstGeom>
+          <a:solidFill>
+            <a:schemeClr val="dk1">
+              <a:alpha val="50000"/>
+            </a:schemeClr>
+          </a:solidFill>
+          <a:ln>
+            <a:noFill/>
+          </a:ln>
+        </p:spPr>
+        <p:style>
+          <a:lnRef idx="0">
+            <a:scrgbClr r="0" g="0" b="0"/>
+          </a:lnRef>
+          <a:fillRef idx="0">
+            <a:scrgbClr r="0" g="0" b="0"/>
+          </a:fillRef>
+          <a:effectRef idx="0">
+            <a:scrgbClr r="0" g="0" b="0"/>
+          </a:effectRef>
+          <a:fontRef idx="minor">
+            <a:schemeClr val="lt1"/>
+          </a:fontRef>
+        </p:style>
+        <p:txBody>
+          <a:bodyPr rtlCol="0" anchor="ctr"/>
+          <a:lstStyle/>
+          <a:p>
+            <a:pPr algn="ctr"/>
+            <a:r>
+              <a:rPr lang="es-ES" dirty="0"/>
+              <a:t>Replay</a:t>
+            </a:r>
+          </a:p>
+          <a:p>
+            <a:pPr algn="ctr"/>
+            <a:r>
+              <a:rPr lang="es-ES" dirty="0" err="1"/>
+              <a:t>Memory</a:t>
+            </a:r>
+            <a:endParaRPr lang="es-ES" dirty="0"/>
+          </a:p>
+        </p:txBody>
+      </p:sp>
+      <p:sp>
+        <p:nvSpPr>
+          <p:cNvPr id="12" name="Rectangle 11">
+            <a:extLst>
+              <a:ext uri="{FF2B5EF4-FFF2-40B4-BE49-F238E27FC236}">
+                <a16:creationId xmlns:a16="http://schemas.microsoft.com/office/drawing/2014/main" id="{CEC15072-BFA4-4C6A-8C7E-FDD2BF1D9694}"/>
+              </a:ext>
+            </a:extLst>
+          </p:cNvPr>
+          <p:cNvSpPr/>
+          <p:nvPr/>
+        </p:nvSpPr>
+        <p:spPr>
+          <a:xfrm>
+            <a:off x="-1902197" y="0"/>
+            <a:ext cx="1636451" cy="1082150"/>
+          </a:xfrm>
+          <a:prstGeom prst="rect">
+            <a:avLst/>
+          </a:prstGeom>
+          <a:solidFill>
+            <a:schemeClr val="dk1">
+              <a:alpha val="50000"/>
+            </a:schemeClr>
+          </a:solidFill>
+          <a:ln>
+            <a:noFill/>
+          </a:ln>
+        </p:spPr>
+        <p:style>
+          <a:lnRef idx="0">
+            <a:scrgbClr r="0" g="0" b="0"/>
+          </a:lnRef>
+          <a:fillRef idx="0">
+            <a:scrgbClr r="0" g="0" b="0"/>
+          </a:fillRef>
+          <a:effectRef idx="0">
+            <a:scrgbClr r="0" g="0" b="0"/>
+          </a:effectRef>
+          <a:fontRef idx="minor">
+            <a:schemeClr val="lt1"/>
+          </a:fontRef>
+        </p:style>
+        <p:txBody>
+          <a:bodyPr rtlCol="0" anchor="ctr"/>
+          <a:lstStyle/>
+          <a:p>
+            <a:pPr algn="ctr"/>
+            <a:r>
+              <a:rPr lang="es-ES" dirty="0" err="1"/>
+              <a:t>Agent</a:t>
+            </a:r>
+            <a:r>
+              <a:rPr lang="es-ES" dirty="0"/>
+              <a:t> Step</a:t>
+            </a:r>
+          </a:p>
+        </p:txBody>
+      </p:sp>
+      <p:cxnSp>
+        <p:nvCxnSpPr>
+          <p:cNvPr id="14" name="Straight Connector 13">
+            <a:extLst>
+              <a:ext uri="{FF2B5EF4-FFF2-40B4-BE49-F238E27FC236}">
+                <a16:creationId xmlns:a16="http://schemas.microsoft.com/office/drawing/2014/main" id="{9A3D8898-84EF-4D10-94B1-EF0E99991D11}"/>
+              </a:ext>
+            </a:extLst>
+          </p:cNvPr>
+          <p:cNvCxnSpPr>
+            <a:cxnSpLocks/>
+            <a:stCxn id="12" idx="2"/>
+          </p:cNvCxnSpPr>
+          <p:nvPr/>
+        </p:nvCxnSpPr>
+        <p:spPr>
+          <a:xfrm flipH="1">
+            <a:off x="-1083972" y="1082150"/>
+            <a:ext cx="1" cy="10518723"/>
+          </a:xfrm>
+          <a:prstGeom prst="line">
+            <a:avLst/>
+          </a:prstGeom>
+          <a:ln w="19050">
+            <a:solidFill>
+              <a:schemeClr val="bg1">
+                <a:lumMod val="75000"/>
+              </a:schemeClr>
+            </a:solidFill>
+            <a:prstDash val="dash"/>
+          </a:ln>
+        </p:spPr>
+        <p:style>
+          <a:lnRef idx="1">
+            <a:schemeClr val="accent1"/>
+          </a:lnRef>
+          <a:fillRef idx="0">
+            <a:schemeClr val="accent1"/>
+          </a:fillRef>
+          <a:effectRef idx="0">
+            <a:schemeClr val="accent1"/>
+          </a:effectRef>
+          <a:fontRef idx="minor">
+            <a:schemeClr val="tx1"/>
+          </a:fontRef>
+        </p:style>
+      </p:cxnSp>
+      <p:cxnSp>
+        <p:nvCxnSpPr>
+          <p:cNvPr id="16" name="Straight Connector 15">
+            <a:extLst>
+              <a:ext uri="{FF2B5EF4-FFF2-40B4-BE49-F238E27FC236}">
+                <a16:creationId xmlns:a16="http://schemas.microsoft.com/office/drawing/2014/main" id="{D6E1D4D9-282B-4048-A1B1-1A934F9E4A7A}"/>
+              </a:ext>
+            </a:extLst>
+          </p:cNvPr>
+          <p:cNvCxnSpPr>
+            <a:cxnSpLocks/>
+          </p:cNvCxnSpPr>
+          <p:nvPr/>
+        </p:nvCxnSpPr>
+        <p:spPr>
+          <a:xfrm flipH="1">
+            <a:off x="818224" y="1082149"/>
+            <a:ext cx="1" cy="10518723"/>
+          </a:xfrm>
+          <a:prstGeom prst="line">
+            <a:avLst/>
+          </a:prstGeom>
+          <a:ln w="19050">
+            <a:solidFill>
+              <a:schemeClr val="bg1">
+                <a:lumMod val="75000"/>
+              </a:schemeClr>
+            </a:solidFill>
+            <a:prstDash val="dash"/>
+          </a:ln>
+        </p:spPr>
+        <p:style>
+          <a:lnRef idx="1">
+            <a:schemeClr val="accent1"/>
+          </a:lnRef>
+          <a:fillRef idx="0">
+            <a:schemeClr val="accent1"/>
+          </a:fillRef>
+          <a:effectRef idx="0">
+            <a:schemeClr val="accent1"/>
+          </a:effectRef>
+          <a:fontRef idx="minor">
+            <a:schemeClr val="tx1"/>
+          </a:fontRef>
+        </p:style>
+      </p:cxnSp>
+      <p:cxnSp>
+        <p:nvCxnSpPr>
+          <p:cNvPr id="17" name="Straight Connector 16">
+            <a:extLst>
+              <a:ext uri="{FF2B5EF4-FFF2-40B4-BE49-F238E27FC236}">
+                <a16:creationId xmlns:a16="http://schemas.microsoft.com/office/drawing/2014/main" id="{32C0325E-F87E-4DC4-9E26-FD8033669D1C}"/>
+              </a:ext>
+            </a:extLst>
+          </p:cNvPr>
+          <p:cNvCxnSpPr>
+            <a:cxnSpLocks/>
+          </p:cNvCxnSpPr>
+          <p:nvPr/>
+        </p:nvCxnSpPr>
+        <p:spPr>
+          <a:xfrm flipH="1">
+            <a:off x="2753556" y="1082149"/>
+            <a:ext cx="1" cy="10518723"/>
+          </a:xfrm>
+          <a:prstGeom prst="line">
+            <a:avLst/>
+          </a:prstGeom>
+          <a:ln w="19050">
+            <a:solidFill>
+              <a:schemeClr val="bg1">
+                <a:lumMod val="75000"/>
+              </a:schemeClr>
+            </a:solidFill>
+            <a:prstDash val="dash"/>
+          </a:ln>
+        </p:spPr>
+        <p:style>
+          <a:lnRef idx="1">
+            <a:schemeClr val="accent1"/>
+          </a:lnRef>
+          <a:fillRef idx="0">
+            <a:schemeClr val="accent1"/>
+          </a:fillRef>
+          <a:effectRef idx="0">
+            <a:schemeClr val="accent1"/>
+          </a:effectRef>
+          <a:fontRef idx="minor">
+            <a:schemeClr val="tx1"/>
+          </a:fontRef>
+        </p:style>
+      </p:cxnSp>
+      <p:cxnSp>
+        <p:nvCxnSpPr>
+          <p:cNvPr id="18" name="Straight Connector 17">
+            <a:extLst>
+              <a:ext uri="{FF2B5EF4-FFF2-40B4-BE49-F238E27FC236}">
+                <a16:creationId xmlns:a16="http://schemas.microsoft.com/office/drawing/2014/main" id="{D3C6C924-4E8F-465D-B2C1-3897D8E71507}"/>
+              </a:ext>
+            </a:extLst>
+          </p:cNvPr>
+          <p:cNvCxnSpPr>
+            <a:cxnSpLocks/>
+          </p:cNvCxnSpPr>
+          <p:nvPr/>
+        </p:nvCxnSpPr>
+        <p:spPr>
+          <a:xfrm flipH="1">
+            <a:off x="4688886" y="1082148"/>
+            <a:ext cx="1" cy="10518723"/>
+          </a:xfrm>
+          <a:prstGeom prst="line">
+            <a:avLst/>
+          </a:prstGeom>
+          <a:ln w="19050">
+            <a:solidFill>
+              <a:schemeClr val="bg1">
+                <a:lumMod val="75000"/>
+              </a:schemeClr>
+            </a:solidFill>
+            <a:prstDash val="dash"/>
+          </a:ln>
+        </p:spPr>
+        <p:style>
+          <a:lnRef idx="1">
+            <a:schemeClr val="accent1"/>
+          </a:lnRef>
+          <a:fillRef idx="0">
+            <a:schemeClr val="accent1"/>
+          </a:fillRef>
+          <a:effectRef idx="0">
+            <a:schemeClr val="accent1"/>
+          </a:effectRef>
+          <a:fontRef idx="minor">
+            <a:schemeClr val="tx1"/>
+          </a:fontRef>
+        </p:style>
+      </p:cxnSp>
+      <p:cxnSp>
+        <p:nvCxnSpPr>
+          <p:cNvPr id="19" name="Straight Connector 18">
+            <a:extLst>
+              <a:ext uri="{FF2B5EF4-FFF2-40B4-BE49-F238E27FC236}">
+                <a16:creationId xmlns:a16="http://schemas.microsoft.com/office/drawing/2014/main" id="{01C939F3-4DBF-42EC-BDD5-4AC36121CC86}"/>
+              </a:ext>
+            </a:extLst>
+          </p:cNvPr>
+          <p:cNvCxnSpPr>
+            <a:cxnSpLocks/>
+          </p:cNvCxnSpPr>
+          <p:nvPr/>
+        </p:nvCxnSpPr>
+        <p:spPr>
+          <a:xfrm flipH="1">
+            <a:off x="6624215" y="1082147"/>
+            <a:ext cx="1" cy="10518723"/>
+          </a:xfrm>
+          <a:prstGeom prst="line">
+            <a:avLst/>
+          </a:prstGeom>
+          <a:ln w="19050">
+            <a:solidFill>
+              <a:schemeClr val="bg1">
+                <a:lumMod val="75000"/>
+              </a:schemeClr>
+            </a:solidFill>
+            <a:prstDash val="dash"/>
+          </a:ln>
+        </p:spPr>
+        <p:style>
+          <a:lnRef idx="1">
+            <a:schemeClr val="accent1"/>
+          </a:lnRef>
+          <a:fillRef idx="0">
+            <a:schemeClr val="accent1"/>
+          </a:fillRef>
+          <a:effectRef idx="0">
+            <a:schemeClr val="accent1"/>
+          </a:effectRef>
+          <a:fontRef idx="minor">
+            <a:schemeClr val="tx1"/>
+          </a:fontRef>
+        </p:style>
+      </p:cxnSp>
+      <p:cxnSp>
+        <p:nvCxnSpPr>
+          <p:cNvPr id="20" name="Straight Connector 19">
+            <a:extLst>
+              <a:ext uri="{FF2B5EF4-FFF2-40B4-BE49-F238E27FC236}">
+                <a16:creationId xmlns:a16="http://schemas.microsoft.com/office/drawing/2014/main" id="{ACBD96A7-E3A8-419E-BA4E-3CF1CBE46B82}"/>
+              </a:ext>
+            </a:extLst>
+          </p:cNvPr>
+          <p:cNvCxnSpPr>
+            <a:cxnSpLocks/>
+          </p:cNvCxnSpPr>
+          <p:nvPr/>
+        </p:nvCxnSpPr>
+        <p:spPr>
+          <a:xfrm flipH="1">
+            <a:off x="8559543" y="1082146"/>
+            <a:ext cx="1" cy="10518723"/>
+          </a:xfrm>
+          <a:prstGeom prst="line">
+            <a:avLst/>
+          </a:prstGeom>
+          <a:ln w="19050">
+            <a:solidFill>
+              <a:schemeClr val="bg1">
+                <a:lumMod val="75000"/>
+              </a:schemeClr>
+            </a:solidFill>
+            <a:prstDash val="dash"/>
+          </a:ln>
+        </p:spPr>
+        <p:style>
+          <a:lnRef idx="1">
+            <a:schemeClr val="accent1"/>
+          </a:lnRef>
+          <a:fillRef idx="0">
+            <a:schemeClr val="accent1"/>
+          </a:fillRef>
+          <a:effectRef idx="0">
+            <a:schemeClr val="accent1"/>
+          </a:effectRef>
+          <a:fontRef idx="minor">
+            <a:schemeClr val="tx1"/>
+          </a:fontRef>
+        </p:style>
+      </p:cxnSp>
+      <p:cxnSp>
+        <p:nvCxnSpPr>
+          <p:cNvPr id="21" name="Straight Connector 20">
+            <a:extLst>
+              <a:ext uri="{FF2B5EF4-FFF2-40B4-BE49-F238E27FC236}">
+                <a16:creationId xmlns:a16="http://schemas.microsoft.com/office/drawing/2014/main" id="{888B0956-AF8D-442D-A13F-C70FCD417D3D}"/>
+              </a:ext>
+            </a:extLst>
+          </p:cNvPr>
+          <p:cNvCxnSpPr>
+            <a:cxnSpLocks/>
+          </p:cNvCxnSpPr>
+          <p:nvPr/>
+        </p:nvCxnSpPr>
+        <p:spPr>
+          <a:xfrm flipH="1">
+            <a:off x="10494870" y="1082146"/>
+            <a:ext cx="1" cy="10518723"/>
+          </a:xfrm>
+          <a:prstGeom prst="line">
+            <a:avLst/>
+          </a:prstGeom>
+          <a:ln w="19050">
+            <a:solidFill>
+              <a:schemeClr val="bg1">
+                <a:lumMod val="75000"/>
+              </a:schemeClr>
+            </a:solidFill>
+            <a:prstDash val="dash"/>
+          </a:ln>
+        </p:spPr>
+        <p:style>
+          <a:lnRef idx="1">
+            <a:schemeClr val="accent1"/>
+          </a:lnRef>
+          <a:fillRef idx="0">
+            <a:schemeClr val="accent1"/>
+          </a:fillRef>
+          <a:effectRef idx="0">
+            <a:schemeClr val="accent1"/>
+          </a:effectRef>
+          <a:fontRef idx="minor">
+            <a:schemeClr val="tx1"/>
+          </a:fontRef>
+        </p:style>
+      </p:cxnSp>
+      <p:cxnSp>
+        <p:nvCxnSpPr>
+          <p:cNvPr id="22" name="Straight Connector 21">
+            <a:extLst>
+              <a:ext uri="{FF2B5EF4-FFF2-40B4-BE49-F238E27FC236}">
+                <a16:creationId xmlns:a16="http://schemas.microsoft.com/office/drawing/2014/main" id="{51420552-E504-489A-8293-76B167A3FA66}"/>
+              </a:ext>
+            </a:extLst>
+          </p:cNvPr>
+          <p:cNvCxnSpPr>
+            <a:cxnSpLocks/>
+          </p:cNvCxnSpPr>
+          <p:nvPr/>
+        </p:nvCxnSpPr>
+        <p:spPr>
+          <a:xfrm flipH="1">
+            <a:off x="12430196" y="1082145"/>
+            <a:ext cx="1" cy="10518723"/>
+          </a:xfrm>
+          <a:prstGeom prst="line">
+            <a:avLst/>
+          </a:prstGeom>
+          <a:ln w="19050">
+            <a:solidFill>
+              <a:schemeClr val="bg1">
+                <a:lumMod val="75000"/>
+              </a:schemeClr>
+            </a:solidFill>
+            <a:prstDash val="dash"/>
+          </a:ln>
+        </p:spPr>
+        <p:style>
+          <a:lnRef idx="1">
+            <a:schemeClr val="accent1"/>
+          </a:lnRef>
+          <a:fillRef idx="0">
+            <a:schemeClr val="accent1"/>
+          </a:fillRef>
+          <a:effectRef idx="0">
+            <a:schemeClr val="accent1"/>
+          </a:effectRef>
+          <a:fontRef idx="minor">
+            <a:schemeClr val="tx1"/>
+          </a:fontRef>
+        </p:style>
+      </p:cxnSp>
+      <p:cxnSp>
+        <p:nvCxnSpPr>
+          <p:cNvPr id="24" name="Straight Arrow Connector 23">
+            <a:extLst>
+              <a:ext uri="{FF2B5EF4-FFF2-40B4-BE49-F238E27FC236}">
+                <a16:creationId xmlns:a16="http://schemas.microsoft.com/office/drawing/2014/main" id="{D51BF6AD-3A22-454D-9CFB-30A8FE731AA5}"/>
+              </a:ext>
+            </a:extLst>
+          </p:cNvPr>
+          <p:cNvCxnSpPr>
+            <a:cxnSpLocks/>
+          </p:cNvCxnSpPr>
+          <p:nvPr/>
+        </p:nvCxnSpPr>
+        <p:spPr>
+          <a:xfrm>
+            <a:off x="-1083972" y="2473007"/>
+            <a:ext cx="1902196" cy="0"/>
+          </a:xfrm>
+          <a:prstGeom prst="straightConnector1">
+            <a:avLst/>
+          </a:prstGeom>
+          <a:ln w="28575">
+            <a:solidFill>
+              <a:schemeClr val="tx1">
+                <a:lumMod val="95000"/>
+                <a:lumOff val="5000"/>
+              </a:schemeClr>
+            </a:solidFill>
+            <a:tailEnd type="triangle"/>
+          </a:ln>
+        </p:spPr>
+        <p:style>
+          <a:lnRef idx="1">
+            <a:schemeClr val="accent1"/>
+          </a:lnRef>
+          <a:fillRef idx="0">
+            <a:schemeClr val="accent1"/>
+          </a:fillRef>
+          <a:effectRef idx="0">
+            <a:schemeClr val="accent1"/>
+          </a:effectRef>
+          <a:fontRef idx="minor">
+            <a:schemeClr val="tx1"/>
+          </a:fontRef>
+        </p:style>
+      </p:cxnSp>
+      <p:sp>
+        <p:nvSpPr>
+          <p:cNvPr id="27" name="TextBox 26">
+            <a:extLst>
+              <a:ext uri="{FF2B5EF4-FFF2-40B4-BE49-F238E27FC236}">
+                <a16:creationId xmlns:a16="http://schemas.microsoft.com/office/drawing/2014/main" id="{D6CA7C39-A6BC-438E-A901-62A9D1677D87}"/>
+              </a:ext>
+            </a:extLst>
+          </p:cNvPr>
+          <p:cNvSpPr txBox="1"/>
+          <p:nvPr/>
+        </p:nvSpPr>
+        <p:spPr>
+          <a:xfrm>
+            <a:off x="-927447" y="2103675"/>
+            <a:ext cx="1745671" cy="369332"/>
+          </a:xfrm>
+          <a:prstGeom prst="rect">
+            <a:avLst/>
+          </a:prstGeom>
+          <a:noFill/>
+        </p:spPr>
+        <p:txBody>
+          <a:bodyPr wrap="square" rtlCol="0">
+            <a:spAutoFit/>
+          </a:bodyPr>
+          <a:lstStyle/>
+          <a:p>
+            <a:r>
+              <a:rPr lang="es-ES" dirty="0" err="1"/>
+              <a:t>getStateImage</a:t>
+            </a:r>
+            <a:r>
+              <a:rPr lang="es-ES" dirty="0"/>
+              <a:t>()</a:t>
+            </a:r>
+          </a:p>
+        </p:txBody>
+      </p:sp>
+      <p:cxnSp>
+        <p:nvCxnSpPr>
+          <p:cNvPr id="29" name="Straight Arrow Connector 28">
+            <a:extLst>
+              <a:ext uri="{FF2B5EF4-FFF2-40B4-BE49-F238E27FC236}">
+                <a16:creationId xmlns:a16="http://schemas.microsoft.com/office/drawing/2014/main" id="{2ED8A5F0-5ACD-4758-B174-63856384C186}"/>
+              </a:ext>
+            </a:extLst>
+          </p:cNvPr>
+          <p:cNvCxnSpPr>
+            <a:cxnSpLocks/>
+          </p:cNvCxnSpPr>
+          <p:nvPr/>
+        </p:nvCxnSpPr>
+        <p:spPr>
+          <a:xfrm flipH="1">
+            <a:off x="-1083972" y="3978534"/>
+            <a:ext cx="1902196" cy="0"/>
+          </a:xfrm>
+          <a:prstGeom prst="straightConnector1">
+            <a:avLst/>
+          </a:prstGeom>
+          <a:ln w="28575">
+            <a:solidFill>
+              <a:schemeClr val="tx1">
+                <a:lumMod val="95000"/>
+                <a:lumOff val="5000"/>
+              </a:schemeClr>
+            </a:solidFill>
+            <a:tailEnd type="triangle"/>
+          </a:ln>
+        </p:spPr>
+        <p:style>
+          <a:lnRef idx="1">
+            <a:schemeClr val="accent1"/>
+          </a:lnRef>
+          <a:fillRef idx="0">
+            <a:schemeClr val="accent1"/>
+          </a:fillRef>
+          <a:effectRef idx="0">
+            <a:schemeClr val="accent1"/>
+          </a:effectRef>
+          <a:fontRef idx="minor">
+            <a:schemeClr val="tx1"/>
+          </a:fontRef>
+        </p:style>
+      </p:cxnSp>
+      <p:sp>
+        <p:nvSpPr>
+          <p:cNvPr id="32" name="TextBox 31">
+            <a:extLst>
+              <a:ext uri="{FF2B5EF4-FFF2-40B4-BE49-F238E27FC236}">
+                <a16:creationId xmlns:a16="http://schemas.microsoft.com/office/drawing/2014/main" id="{A9EEC5BA-0DA0-4EFA-8324-A79C0C756FDE}"/>
+              </a:ext>
+            </a:extLst>
+          </p:cNvPr>
+          <p:cNvSpPr txBox="1"/>
+          <p:nvPr/>
+        </p:nvSpPr>
+        <p:spPr>
+          <a:xfrm>
+            <a:off x="-927446" y="3646146"/>
+            <a:ext cx="1800282" cy="369332"/>
+          </a:xfrm>
+          <a:prstGeom prst="rect">
+            <a:avLst/>
+          </a:prstGeom>
+          <a:noFill/>
+        </p:spPr>
+        <p:txBody>
+          <a:bodyPr wrap="square" rtlCol="0">
+            <a:spAutoFit/>
+          </a:bodyPr>
+          <a:lstStyle/>
+          <a:p>
+            <a:r>
+              <a:rPr lang="es-ES" dirty="0" err="1"/>
+              <a:t>Image</a:t>
+            </a:r>
+            <a:r>
+              <a:rPr lang="es-ES" dirty="0"/>
+              <a:t> </a:t>
+            </a:r>
+            <a:r>
+              <a:rPr lang="es-ES" dirty="0" err="1"/>
+              <a:t>Features</a:t>
+            </a:r>
+            <a:endParaRPr lang="es-ES" dirty="0"/>
+          </a:p>
+        </p:txBody>
+      </p:sp>
+      <p:cxnSp>
+        <p:nvCxnSpPr>
+          <p:cNvPr id="33" name="Straight Arrow Connector 32">
+            <a:extLst>
+              <a:ext uri="{FF2B5EF4-FFF2-40B4-BE49-F238E27FC236}">
+                <a16:creationId xmlns:a16="http://schemas.microsoft.com/office/drawing/2014/main" id="{6A00A68E-A0FC-4DC5-96FA-80B5A1DFB658}"/>
+              </a:ext>
+            </a:extLst>
+          </p:cNvPr>
+          <p:cNvCxnSpPr>
+            <a:cxnSpLocks/>
+          </p:cNvCxnSpPr>
+          <p:nvPr/>
+        </p:nvCxnSpPr>
+        <p:spPr>
+          <a:xfrm>
+            <a:off x="820086" y="2588461"/>
+            <a:ext cx="1902196" cy="0"/>
+          </a:xfrm>
+          <a:prstGeom prst="straightConnector1">
+            <a:avLst/>
+          </a:prstGeom>
+          <a:ln w="28575">
+            <a:solidFill>
+              <a:schemeClr val="tx1">
+                <a:lumMod val="95000"/>
+                <a:lumOff val="5000"/>
+              </a:schemeClr>
+            </a:solidFill>
+            <a:tailEnd type="triangle"/>
+          </a:ln>
+        </p:spPr>
+        <p:style>
+          <a:lnRef idx="1">
+            <a:schemeClr val="accent1"/>
+          </a:lnRef>
+          <a:fillRef idx="0">
+            <a:schemeClr val="accent1"/>
+          </a:fillRef>
+          <a:effectRef idx="0">
+            <a:schemeClr val="accent1"/>
+          </a:effectRef>
+          <a:fontRef idx="minor">
+            <a:schemeClr val="tx1"/>
+          </a:fontRef>
+        </p:style>
+      </p:cxnSp>
+      <p:sp>
+        <p:nvSpPr>
+          <p:cNvPr id="34" name="TextBox 33">
+            <a:extLst>
+              <a:ext uri="{FF2B5EF4-FFF2-40B4-BE49-F238E27FC236}">
+                <a16:creationId xmlns:a16="http://schemas.microsoft.com/office/drawing/2014/main" id="{0B725560-53E8-487F-8A02-8416A79A061F}"/>
+              </a:ext>
+            </a:extLst>
+          </p:cNvPr>
+          <p:cNvSpPr txBox="1"/>
+          <p:nvPr/>
+        </p:nvSpPr>
+        <p:spPr>
+          <a:xfrm>
+            <a:off x="1308552" y="2219129"/>
+            <a:ext cx="1745671" cy="369332"/>
+          </a:xfrm>
+          <a:prstGeom prst="rect">
+            <a:avLst/>
+          </a:prstGeom>
+          <a:noFill/>
+        </p:spPr>
+        <p:txBody>
+          <a:bodyPr wrap="square" rtlCol="0">
+            <a:spAutoFit/>
+          </a:bodyPr>
+          <a:lstStyle/>
+          <a:p>
+            <a:r>
+              <a:rPr lang="es-ES" dirty="0" err="1"/>
+              <a:t>getImage</a:t>
+            </a:r>
+            <a:r>
+              <a:rPr lang="es-ES" dirty="0"/>
+              <a:t>()</a:t>
+            </a:r>
+          </a:p>
+        </p:txBody>
+      </p:sp>
+      <p:cxnSp>
+        <p:nvCxnSpPr>
+          <p:cNvPr id="35" name="Straight Arrow Connector 34">
+            <a:extLst>
+              <a:ext uri="{FF2B5EF4-FFF2-40B4-BE49-F238E27FC236}">
+                <a16:creationId xmlns:a16="http://schemas.microsoft.com/office/drawing/2014/main" id="{7D7005E0-2388-4B61-9D49-8DF6018CCB96}"/>
+              </a:ext>
+            </a:extLst>
+          </p:cNvPr>
+          <p:cNvCxnSpPr>
+            <a:cxnSpLocks/>
+          </p:cNvCxnSpPr>
+          <p:nvPr/>
+        </p:nvCxnSpPr>
+        <p:spPr>
+          <a:xfrm flipH="1">
+            <a:off x="824458" y="2906990"/>
+            <a:ext cx="1902196" cy="0"/>
+          </a:xfrm>
+          <a:prstGeom prst="straightConnector1">
+            <a:avLst/>
+          </a:prstGeom>
+          <a:ln w="28575">
+            <a:solidFill>
+              <a:schemeClr val="tx1">
+                <a:lumMod val="95000"/>
+                <a:lumOff val="5000"/>
+              </a:schemeClr>
+            </a:solidFill>
+            <a:tailEnd type="triangle"/>
+          </a:ln>
+        </p:spPr>
+        <p:style>
+          <a:lnRef idx="1">
+            <a:schemeClr val="accent1"/>
+          </a:lnRef>
+          <a:fillRef idx="0">
+            <a:schemeClr val="accent1"/>
+          </a:fillRef>
+          <a:effectRef idx="0">
+            <a:schemeClr val="accent1"/>
+          </a:effectRef>
+          <a:fontRef idx="minor">
+            <a:schemeClr val="tx1"/>
+          </a:fontRef>
+        </p:style>
+      </p:cxnSp>
+      <p:sp>
+        <p:nvSpPr>
+          <p:cNvPr id="36" name="TextBox 35">
+            <a:extLst>
+              <a:ext uri="{FF2B5EF4-FFF2-40B4-BE49-F238E27FC236}">
+                <a16:creationId xmlns:a16="http://schemas.microsoft.com/office/drawing/2014/main" id="{8675DF94-B6AA-4C15-B976-E0369C907180}"/>
+              </a:ext>
+            </a:extLst>
+          </p:cNvPr>
+          <p:cNvSpPr txBox="1"/>
+          <p:nvPr/>
+        </p:nvSpPr>
+        <p:spPr>
+          <a:xfrm>
+            <a:off x="1363490" y="2574602"/>
+            <a:ext cx="1417775" cy="369332"/>
+          </a:xfrm>
+          <a:prstGeom prst="rect">
+            <a:avLst/>
+          </a:prstGeom>
+          <a:noFill/>
+        </p:spPr>
+        <p:txBody>
+          <a:bodyPr wrap="square" rtlCol="0">
+            <a:spAutoFit/>
+          </a:bodyPr>
+          <a:lstStyle/>
+          <a:p>
+            <a:r>
+              <a:rPr lang="es-ES" dirty="0" err="1"/>
+              <a:t>Image</a:t>
+            </a:r>
+            <a:endParaRPr lang="es-ES" dirty="0"/>
+          </a:p>
+        </p:txBody>
+      </p:sp>
+      <p:cxnSp>
+        <p:nvCxnSpPr>
+          <p:cNvPr id="37" name="Straight Arrow Connector 36">
+            <a:extLst>
+              <a:ext uri="{FF2B5EF4-FFF2-40B4-BE49-F238E27FC236}">
+                <a16:creationId xmlns:a16="http://schemas.microsoft.com/office/drawing/2014/main" id="{ACAC5C31-C737-4EF9-91E2-2F862B4803D8}"/>
+              </a:ext>
+            </a:extLst>
+          </p:cNvPr>
+          <p:cNvCxnSpPr>
+            <a:cxnSpLocks/>
+          </p:cNvCxnSpPr>
+          <p:nvPr/>
+        </p:nvCxnSpPr>
+        <p:spPr>
+          <a:xfrm>
+            <a:off x="818224" y="3276189"/>
+            <a:ext cx="3829829" cy="0"/>
+          </a:xfrm>
+          <a:prstGeom prst="straightConnector1">
+            <a:avLst/>
+          </a:prstGeom>
+          <a:ln w="28575">
+            <a:solidFill>
+              <a:schemeClr val="tx1">
+                <a:lumMod val="95000"/>
+                <a:lumOff val="5000"/>
+              </a:schemeClr>
+            </a:solidFill>
+            <a:tailEnd type="triangle"/>
+          </a:ln>
+        </p:spPr>
+        <p:style>
+          <a:lnRef idx="1">
+            <a:schemeClr val="accent1"/>
+          </a:lnRef>
+          <a:fillRef idx="0">
+            <a:schemeClr val="accent1"/>
+          </a:fillRef>
+          <a:effectRef idx="0">
+            <a:schemeClr val="accent1"/>
+          </a:effectRef>
+          <a:fontRef idx="minor">
+            <a:schemeClr val="tx1"/>
+          </a:fontRef>
+        </p:style>
+      </p:cxnSp>
+      <p:sp>
+        <p:nvSpPr>
+          <p:cNvPr id="38" name="TextBox 37">
+            <a:extLst>
+              <a:ext uri="{FF2B5EF4-FFF2-40B4-BE49-F238E27FC236}">
+                <a16:creationId xmlns:a16="http://schemas.microsoft.com/office/drawing/2014/main" id="{6F3FFB6C-F48A-4632-A1BA-32DEB2B024F8}"/>
+              </a:ext>
+            </a:extLst>
+          </p:cNvPr>
+          <p:cNvSpPr txBox="1"/>
+          <p:nvPr/>
+        </p:nvSpPr>
+        <p:spPr>
+          <a:xfrm>
+            <a:off x="1582476" y="2934438"/>
+            <a:ext cx="3514686" cy="369332"/>
+          </a:xfrm>
+          <a:prstGeom prst="rect">
+            <a:avLst/>
+          </a:prstGeom>
+          <a:noFill/>
+        </p:spPr>
+        <p:txBody>
+          <a:bodyPr wrap="square" rtlCol="0">
+            <a:spAutoFit/>
+          </a:bodyPr>
+          <a:lstStyle/>
+          <a:p>
+            <a:r>
+              <a:rPr lang="es-ES" dirty="0" err="1"/>
+              <a:t>extractFeatures</a:t>
+            </a:r>
+            <a:r>
+              <a:rPr lang="es-ES" dirty="0"/>
+              <a:t>(</a:t>
+            </a:r>
+            <a:r>
+              <a:rPr lang="es-ES" dirty="0" err="1"/>
+              <a:t>Image</a:t>
+            </a:r>
+            <a:r>
+              <a:rPr lang="es-ES" dirty="0"/>
+              <a:t>)</a:t>
+            </a:r>
+          </a:p>
+        </p:txBody>
+      </p:sp>
+      <p:cxnSp>
+        <p:nvCxnSpPr>
+          <p:cNvPr id="40" name="Straight Arrow Connector 39">
+            <a:extLst>
+              <a:ext uri="{FF2B5EF4-FFF2-40B4-BE49-F238E27FC236}">
+                <a16:creationId xmlns:a16="http://schemas.microsoft.com/office/drawing/2014/main" id="{BCFAB828-0618-4528-84F5-62636796E7D2}"/>
+              </a:ext>
+            </a:extLst>
+          </p:cNvPr>
+          <p:cNvCxnSpPr>
+            <a:cxnSpLocks/>
+          </p:cNvCxnSpPr>
+          <p:nvPr/>
+        </p:nvCxnSpPr>
+        <p:spPr>
+          <a:xfrm flipH="1">
+            <a:off x="797811" y="3644020"/>
+            <a:ext cx="3870654" cy="0"/>
+          </a:xfrm>
+          <a:prstGeom prst="straightConnector1">
+            <a:avLst/>
+          </a:prstGeom>
+          <a:ln w="28575">
+            <a:solidFill>
+              <a:schemeClr val="tx1">
+                <a:lumMod val="95000"/>
+                <a:lumOff val="5000"/>
+              </a:schemeClr>
+            </a:solidFill>
+            <a:tailEnd type="triangle"/>
+          </a:ln>
+        </p:spPr>
+        <p:style>
+          <a:lnRef idx="1">
+            <a:schemeClr val="accent1"/>
+          </a:lnRef>
+          <a:fillRef idx="0">
+            <a:schemeClr val="accent1"/>
+          </a:fillRef>
+          <a:effectRef idx="0">
+            <a:schemeClr val="accent1"/>
+          </a:effectRef>
+          <a:fontRef idx="minor">
+            <a:schemeClr val="tx1"/>
+          </a:fontRef>
+        </p:style>
+      </p:cxnSp>
+      <p:sp>
+        <p:nvSpPr>
+          <p:cNvPr id="41" name="TextBox 40">
+            <a:extLst>
+              <a:ext uri="{FF2B5EF4-FFF2-40B4-BE49-F238E27FC236}">
+                <a16:creationId xmlns:a16="http://schemas.microsoft.com/office/drawing/2014/main" id="{DA9A097E-08C2-406D-AE68-4A08A2E4C5E2}"/>
+              </a:ext>
+            </a:extLst>
+          </p:cNvPr>
+          <p:cNvSpPr txBox="1"/>
+          <p:nvPr/>
+        </p:nvSpPr>
+        <p:spPr>
+          <a:xfrm>
+            <a:off x="2271055" y="3290170"/>
+            <a:ext cx="1116469" cy="369332"/>
+          </a:xfrm>
+          <a:prstGeom prst="rect">
+            <a:avLst/>
+          </a:prstGeom>
+          <a:noFill/>
+        </p:spPr>
+        <p:txBody>
+          <a:bodyPr wrap="square" rtlCol="0">
+            <a:spAutoFit/>
+          </a:bodyPr>
+          <a:lstStyle/>
+          <a:p>
+            <a:r>
+              <a:rPr lang="es-ES" dirty="0" err="1"/>
+              <a:t>Features</a:t>
+            </a:r>
+            <a:endParaRPr lang="es-ES" dirty="0"/>
+          </a:p>
+        </p:txBody>
+      </p:sp>
+      <p:cxnSp>
+        <p:nvCxnSpPr>
+          <p:cNvPr id="44" name="Straight Arrow Connector 43">
+            <a:extLst>
+              <a:ext uri="{FF2B5EF4-FFF2-40B4-BE49-F238E27FC236}">
+                <a16:creationId xmlns:a16="http://schemas.microsoft.com/office/drawing/2014/main" id="{D188570E-6F36-4EA3-862C-F19C68B64B13}"/>
+              </a:ext>
+            </a:extLst>
+          </p:cNvPr>
+          <p:cNvCxnSpPr>
+            <a:cxnSpLocks/>
+          </p:cNvCxnSpPr>
+          <p:nvPr/>
+        </p:nvCxnSpPr>
+        <p:spPr>
+          <a:xfrm>
+            <a:off x="-1097423" y="1672709"/>
+            <a:ext cx="1902196" cy="0"/>
+          </a:xfrm>
+          <a:prstGeom prst="straightConnector1">
+            <a:avLst/>
+          </a:prstGeom>
+          <a:ln w="28575">
+            <a:solidFill>
+              <a:schemeClr val="tx1">
+                <a:lumMod val="95000"/>
+                <a:lumOff val="5000"/>
+              </a:schemeClr>
+            </a:solidFill>
+            <a:tailEnd type="triangle"/>
+          </a:ln>
+        </p:spPr>
+        <p:style>
+          <a:lnRef idx="1">
+            <a:schemeClr val="accent1"/>
+          </a:lnRef>
+          <a:fillRef idx="0">
+            <a:schemeClr val="accent1"/>
+          </a:fillRef>
+          <a:effectRef idx="0">
+            <a:schemeClr val="accent1"/>
+          </a:effectRef>
+          <a:fontRef idx="minor">
+            <a:schemeClr val="tx1"/>
+          </a:fontRef>
+        </p:style>
+      </p:cxnSp>
+      <p:sp>
+        <p:nvSpPr>
+          <p:cNvPr id="45" name="TextBox 44">
+            <a:extLst>
+              <a:ext uri="{FF2B5EF4-FFF2-40B4-BE49-F238E27FC236}">
+                <a16:creationId xmlns:a16="http://schemas.microsoft.com/office/drawing/2014/main" id="{E4E16E27-3BD9-4A25-8438-DECBADFCB84D}"/>
+              </a:ext>
+            </a:extLst>
+          </p:cNvPr>
+          <p:cNvSpPr txBox="1"/>
+          <p:nvPr/>
+        </p:nvSpPr>
+        <p:spPr>
+          <a:xfrm>
+            <a:off x="-1056183" y="1300185"/>
+            <a:ext cx="1901788" cy="369332"/>
+          </a:xfrm>
+          <a:prstGeom prst="rect">
+            <a:avLst/>
+          </a:prstGeom>
+          <a:noFill/>
+        </p:spPr>
+        <p:txBody>
+          <a:bodyPr wrap="square" rtlCol="0">
+            <a:spAutoFit/>
+          </a:bodyPr>
+          <a:lstStyle/>
+          <a:p>
+            <a:r>
+              <a:rPr lang="es-ES" dirty="0" err="1"/>
+              <a:t>CalculateReward</a:t>
+            </a:r>
+            <a:r>
+              <a:rPr lang="es-ES" dirty="0"/>
+              <a:t>()</a:t>
+            </a:r>
+          </a:p>
+        </p:txBody>
+      </p:sp>
+      <p:cxnSp>
+        <p:nvCxnSpPr>
+          <p:cNvPr id="48" name="Straight Arrow Connector 47">
+            <a:extLst>
+              <a:ext uri="{FF2B5EF4-FFF2-40B4-BE49-F238E27FC236}">
+                <a16:creationId xmlns:a16="http://schemas.microsoft.com/office/drawing/2014/main" id="{4DF8884C-321C-476E-80D7-6216D934DDC9}"/>
+              </a:ext>
+            </a:extLst>
+          </p:cNvPr>
+          <p:cNvCxnSpPr>
+            <a:cxnSpLocks/>
+          </p:cNvCxnSpPr>
+          <p:nvPr/>
+        </p:nvCxnSpPr>
+        <p:spPr>
+          <a:xfrm flipH="1">
+            <a:off x="-1083972" y="2000165"/>
+            <a:ext cx="1902196" cy="0"/>
+          </a:xfrm>
+          <a:prstGeom prst="straightConnector1">
+            <a:avLst/>
+          </a:prstGeom>
+          <a:ln w="28575">
+            <a:solidFill>
+              <a:schemeClr val="tx1">
+                <a:lumMod val="95000"/>
+                <a:lumOff val="5000"/>
+              </a:schemeClr>
+            </a:solidFill>
+            <a:tailEnd type="triangle"/>
+          </a:ln>
+        </p:spPr>
+        <p:style>
+          <a:lnRef idx="1">
+            <a:schemeClr val="accent1"/>
+          </a:lnRef>
+          <a:fillRef idx="0">
+            <a:schemeClr val="accent1"/>
+          </a:fillRef>
+          <a:effectRef idx="0">
+            <a:schemeClr val="accent1"/>
+          </a:effectRef>
+          <a:fontRef idx="minor">
+            <a:schemeClr val="tx1"/>
+          </a:fontRef>
+        </p:style>
+      </p:cxnSp>
+      <p:sp>
+        <p:nvSpPr>
+          <p:cNvPr id="49" name="TextBox 48">
+            <a:extLst>
+              <a:ext uri="{FF2B5EF4-FFF2-40B4-BE49-F238E27FC236}">
+                <a16:creationId xmlns:a16="http://schemas.microsoft.com/office/drawing/2014/main" id="{BAA9B03E-33E9-456D-B39C-B7149B591A0A}"/>
+              </a:ext>
+            </a:extLst>
+          </p:cNvPr>
+          <p:cNvSpPr txBox="1"/>
+          <p:nvPr/>
+        </p:nvSpPr>
+        <p:spPr>
+          <a:xfrm>
+            <a:off x="-576982" y="1669278"/>
+            <a:ext cx="1800282" cy="369332"/>
+          </a:xfrm>
+          <a:prstGeom prst="rect">
+            <a:avLst/>
+          </a:prstGeom>
+          <a:noFill/>
+        </p:spPr>
+        <p:txBody>
+          <a:bodyPr wrap="square" rtlCol="0">
+            <a:spAutoFit/>
+          </a:bodyPr>
+          <a:lstStyle/>
+          <a:p>
+            <a:r>
+              <a:rPr lang="es-ES" dirty="0" err="1"/>
+              <a:t>Reward</a:t>
+            </a:r>
+            <a:endParaRPr lang="es-ES" dirty="0"/>
+          </a:p>
+        </p:txBody>
+      </p:sp>
+      <p:cxnSp>
+        <p:nvCxnSpPr>
+          <p:cNvPr id="50" name="Straight Arrow Connector 49">
+            <a:extLst>
+              <a:ext uri="{FF2B5EF4-FFF2-40B4-BE49-F238E27FC236}">
+                <a16:creationId xmlns:a16="http://schemas.microsoft.com/office/drawing/2014/main" id="{64F6B464-76B3-44D2-8FE7-F3321C0E8F25}"/>
+              </a:ext>
+            </a:extLst>
+          </p:cNvPr>
+          <p:cNvCxnSpPr>
+            <a:cxnSpLocks/>
+          </p:cNvCxnSpPr>
+          <p:nvPr/>
+        </p:nvCxnSpPr>
+        <p:spPr>
+          <a:xfrm>
+            <a:off x="-1073682" y="5436186"/>
+            <a:ext cx="7697897" cy="0"/>
+          </a:xfrm>
+          <a:prstGeom prst="straightConnector1">
+            <a:avLst/>
+          </a:prstGeom>
+          <a:ln w="28575">
+            <a:solidFill>
+              <a:schemeClr val="tx1">
+                <a:lumMod val="95000"/>
+                <a:lumOff val="5000"/>
+              </a:schemeClr>
+            </a:solidFill>
+            <a:tailEnd type="triangle"/>
+          </a:ln>
+        </p:spPr>
+        <p:style>
+          <a:lnRef idx="1">
+            <a:schemeClr val="accent1"/>
+          </a:lnRef>
+          <a:fillRef idx="0">
+            <a:schemeClr val="accent1"/>
+          </a:fillRef>
+          <a:effectRef idx="0">
+            <a:schemeClr val="accent1"/>
+          </a:effectRef>
+          <a:fontRef idx="minor">
+            <a:schemeClr val="tx1"/>
+          </a:fontRef>
+        </p:style>
+      </p:cxnSp>
+      <p:sp>
+        <p:nvSpPr>
+          <p:cNvPr id="52" name="TextBox 51">
+            <a:extLst>
+              <a:ext uri="{FF2B5EF4-FFF2-40B4-BE49-F238E27FC236}">
+                <a16:creationId xmlns:a16="http://schemas.microsoft.com/office/drawing/2014/main" id="{534B121F-345F-4669-8DB3-F88824BB806A}"/>
+              </a:ext>
+            </a:extLst>
+          </p:cNvPr>
+          <p:cNvSpPr txBox="1"/>
+          <p:nvPr/>
+        </p:nvSpPr>
+        <p:spPr>
+          <a:xfrm>
+            <a:off x="-1056184" y="5051373"/>
+            <a:ext cx="7713937" cy="366648"/>
+          </a:xfrm>
+          <a:prstGeom prst="rect">
+            <a:avLst/>
+          </a:prstGeom>
+          <a:noFill/>
+        </p:spPr>
+        <p:txBody>
+          <a:bodyPr wrap="square" rtlCol="0">
+            <a:spAutoFit/>
+          </a:bodyPr>
+          <a:lstStyle/>
+          <a:p>
+            <a:pPr algn="ctr"/>
+            <a:r>
+              <a:rPr lang="es-ES" dirty="0" err="1"/>
+              <a:t>SelectAction</a:t>
+            </a:r>
+            <a:r>
+              <a:rPr lang="es-ES" dirty="0"/>
+              <a:t>(</a:t>
+            </a:r>
+            <a:r>
+              <a:rPr lang="es-ES" dirty="0" err="1"/>
+              <a:t>coordinates</a:t>
+            </a:r>
+            <a:r>
+              <a:rPr lang="es-ES" dirty="0"/>
+              <a:t>, </a:t>
+            </a:r>
+            <a:r>
+              <a:rPr lang="es-ES" dirty="0" err="1"/>
+              <a:t>ImageTensor</a:t>
+            </a:r>
+            <a:r>
+              <a:rPr lang="es-ES" dirty="0"/>
+              <a:t>)</a:t>
+            </a:r>
+          </a:p>
+        </p:txBody>
+      </p:sp>
+      <p:cxnSp>
+        <p:nvCxnSpPr>
+          <p:cNvPr id="53" name="Straight Arrow Connector 52">
+            <a:extLst>
+              <a:ext uri="{FF2B5EF4-FFF2-40B4-BE49-F238E27FC236}">
+                <a16:creationId xmlns:a16="http://schemas.microsoft.com/office/drawing/2014/main" id="{1E561AAD-686B-4B10-A257-75B37596ECF1}"/>
+              </a:ext>
+            </a:extLst>
+          </p:cNvPr>
+          <p:cNvCxnSpPr>
+            <a:cxnSpLocks/>
+          </p:cNvCxnSpPr>
+          <p:nvPr/>
+        </p:nvCxnSpPr>
+        <p:spPr>
+          <a:xfrm flipH="1">
+            <a:off x="-1089722" y="6507404"/>
+            <a:ext cx="7713937" cy="0"/>
+          </a:xfrm>
+          <a:prstGeom prst="straightConnector1">
+            <a:avLst/>
+          </a:prstGeom>
+          <a:ln w="28575">
+            <a:solidFill>
+              <a:schemeClr val="tx1">
+                <a:lumMod val="50000"/>
+                <a:lumOff val="50000"/>
+              </a:schemeClr>
+            </a:solidFill>
+            <a:prstDash val="sysDot"/>
+            <a:tailEnd type="triangle"/>
+          </a:ln>
+        </p:spPr>
+        <p:style>
+          <a:lnRef idx="1">
+            <a:schemeClr val="accent1"/>
+          </a:lnRef>
+          <a:fillRef idx="0">
+            <a:schemeClr val="accent1"/>
+          </a:fillRef>
+          <a:effectRef idx="0">
+            <a:schemeClr val="accent1"/>
+          </a:effectRef>
+          <a:fontRef idx="minor">
+            <a:schemeClr val="tx1"/>
+          </a:fontRef>
+        </p:style>
+      </p:cxnSp>
+      <p:cxnSp>
+        <p:nvCxnSpPr>
+          <p:cNvPr id="57" name="Straight Arrow Connector 56">
+            <a:extLst>
+              <a:ext uri="{FF2B5EF4-FFF2-40B4-BE49-F238E27FC236}">
+                <a16:creationId xmlns:a16="http://schemas.microsoft.com/office/drawing/2014/main" id="{4DFA178A-F50C-4AF9-AAA4-DA834A2BE15C}"/>
+              </a:ext>
+            </a:extLst>
+          </p:cNvPr>
+          <p:cNvCxnSpPr>
+            <a:cxnSpLocks/>
+          </p:cNvCxnSpPr>
+          <p:nvPr/>
+        </p:nvCxnSpPr>
+        <p:spPr>
+          <a:xfrm>
+            <a:off x="6647463" y="5520237"/>
+            <a:ext cx="1902196" cy="0"/>
+          </a:xfrm>
+          <a:prstGeom prst="straightConnector1">
+            <a:avLst/>
+          </a:prstGeom>
+          <a:ln w="28575">
+            <a:solidFill>
+              <a:schemeClr val="tx1">
+                <a:lumMod val="95000"/>
+                <a:lumOff val="5000"/>
+              </a:schemeClr>
+            </a:solidFill>
+            <a:tailEnd type="triangle"/>
+          </a:ln>
+        </p:spPr>
+        <p:style>
+          <a:lnRef idx="1">
+            <a:schemeClr val="accent1"/>
+          </a:lnRef>
+          <a:fillRef idx="0">
+            <a:schemeClr val="accent1"/>
+          </a:fillRef>
+          <a:effectRef idx="0">
+            <a:schemeClr val="accent1"/>
+          </a:effectRef>
+          <a:fontRef idx="minor">
+            <a:schemeClr val="tx1"/>
+          </a:fontRef>
+        </p:style>
+      </p:cxnSp>
+      <p:sp>
+        <p:nvSpPr>
+          <p:cNvPr id="58" name="TextBox 57">
+            <a:extLst>
+              <a:ext uri="{FF2B5EF4-FFF2-40B4-BE49-F238E27FC236}">
+                <a16:creationId xmlns:a16="http://schemas.microsoft.com/office/drawing/2014/main" id="{134C2B12-219E-4633-87A7-FE2A3998D84B}"/>
+              </a:ext>
+            </a:extLst>
+          </p:cNvPr>
+          <p:cNvSpPr txBox="1"/>
+          <p:nvPr/>
+        </p:nvSpPr>
+        <p:spPr>
+          <a:xfrm>
+            <a:off x="6573962" y="5150905"/>
+            <a:ext cx="2080278" cy="369332"/>
+          </a:xfrm>
+          <a:prstGeom prst="rect">
+            <a:avLst/>
+          </a:prstGeom>
+          <a:noFill/>
+        </p:spPr>
+        <p:txBody>
+          <a:bodyPr wrap="square" rtlCol="0">
+            <a:spAutoFit/>
+          </a:bodyPr>
+          <a:lstStyle/>
+          <a:p>
+            <a:r>
+              <a:rPr lang="es-ES" dirty="0" err="1"/>
+              <a:t>randomProbability</a:t>
+            </a:r>
+            <a:r>
+              <a:rPr lang="es-ES" dirty="0"/>
+              <a:t>()</a:t>
+            </a:r>
+          </a:p>
+        </p:txBody>
+      </p:sp>
+      <p:cxnSp>
+        <p:nvCxnSpPr>
+          <p:cNvPr id="59" name="Straight Arrow Connector 58">
+            <a:extLst>
+              <a:ext uri="{FF2B5EF4-FFF2-40B4-BE49-F238E27FC236}">
+                <a16:creationId xmlns:a16="http://schemas.microsoft.com/office/drawing/2014/main" id="{FDEDA0FC-F7AB-4F95-85C9-F84F753B5E5E}"/>
+              </a:ext>
+            </a:extLst>
+          </p:cNvPr>
+          <p:cNvCxnSpPr>
+            <a:cxnSpLocks/>
+          </p:cNvCxnSpPr>
+          <p:nvPr/>
+        </p:nvCxnSpPr>
+        <p:spPr>
+          <a:xfrm flipH="1">
+            <a:off x="6647463" y="5851469"/>
+            <a:ext cx="1902196" cy="0"/>
+          </a:xfrm>
+          <a:prstGeom prst="straightConnector1">
+            <a:avLst/>
+          </a:prstGeom>
+          <a:ln w="28575">
+            <a:solidFill>
+              <a:schemeClr val="tx1">
+                <a:lumMod val="95000"/>
+                <a:lumOff val="5000"/>
+              </a:schemeClr>
+            </a:solidFill>
+            <a:tailEnd type="triangle"/>
+          </a:ln>
+        </p:spPr>
+        <p:style>
+          <a:lnRef idx="1">
+            <a:schemeClr val="accent1"/>
+          </a:lnRef>
+          <a:fillRef idx="0">
+            <a:schemeClr val="accent1"/>
+          </a:fillRef>
+          <a:effectRef idx="0">
+            <a:schemeClr val="accent1"/>
+          </a:effectRef>
+          <a:fontRef idx="minor">
+            <a:schemeClr val="tx1"/>
+          </a:fontRef>
+        </p:style>
+      </p:cxnSp>
+      <p:sp>
+        <p:nvSpPr>
+          <p:cNvPr id="61" name="TextBox 60">
+            <a:extLst>
+              <a:ext uri="{FF2B5EF4-FFF2-40B4-BE49-F238E27FC236}">
+                <a16:creationId xmlns:a16="http://schemas.microsoft.com/office/drawing/2014/main" id="{B7052056-2FAF-43B6-BB6F-2ADAAF1C8D13}"/>
+              </a:ext>
+            </a:extLst>
+          </p:cNvPr>
+          <p:cNvSpPr txBox="1"/>
+          <p:nvPr/>
+        </p:nvSpPr>
+        <p:spPr>
+          <a:xfrm>
+            <a:off x="6629420" y="5494693"/>
+            <a:ext cx="2080278" cy="369332"/>
+          </a:xfrm>
+          <a:prstGeom prst="rect">
+            <a:avLst/>
+          </a:prstGeom>
+          <a:noFill/>
+        </p:spPr>
+        <p:txBody>
+          <a:bodyPr wrap="square" rtlCol="0">
+            <a:spAutoFit/>
+          </a:bodyPr>
+          <a:lstStyle/>
+          <a:p>
+            <a:r>
+              <a:rPr lang="es-ES" dirty="0" err="1"/>
+              <a:t>randomProbability</a:t>
+            </a:r>
+            <a:endParaRPr lang="es-ES" dirty="0"/>
+          </a:p>
+        </p:txBody>
+      </p:sp>
+      <p:cxnSp>
+        <p:nvCxnSpPr>
+          <p:cNvPr id="62" name="Straight Arrow Connector 61">
+            <a:extLst>
+              <a:ext uri="{FF2B5EF4-FFF2-40B4-BE49-F238E27FC236}">
+                <a16:creationId xmlns:a16="http://schemas.microsoft.com/office/drawing/2014/main" id="{3162C6C4-78CE-4168-9E08-D2EA850F1D08}"/>
+              </a:ext>
+            </a:extLst>
+          </p:cNvPr>
+          <p:cNvCxnSpPr>
+            <a:cxnSpLocks/>
+          </p:cNvCxnSpPr>
+          <p:nvPr/>
+        </p:nvCxnSpPr>
+        <p:spPr>
+          <a:xfrm flipH="1">
+            <a:off x="-1081703" y="6179744"/>
+            <a:ext cx="7713937" cy="0"/>
+          </a:xfrm>
+          <a:prstGeom prst="straightConnector1">
+            <a:avLst/>
+          </a:prstGeom>
+          <a:ln w="28575">
+            <a:solidFill>
+              <a:schemeClr val="tx1">
+                <a:lumMod val="50000"/>
+                <a:lumOff val="50000"/>
+              </a:schemeClr>
+            </a:solidFill>
+            <a:prstDash val="sysDot"/>
+            <a:tailEnd type="triangle"/>
+          </a:ln>
+        </p:spPr>
+        <p:style>
+          <a:lnRef idx="1">
+            <a:schemeClr val="accent1"/>
+          </a:lnRef>
+          <a:fillRef idx="0">
+            <a:schemeClr val="accent1"/>
+          </a:fillRef>
+          <a:effectRef idx="0">
+            <a:schemeClr val="accent1"/>
+          </a:effectRef>
+          <a:fontRef idx="minor">
+            <a:schemeClr val="tx1"/>
+          </a:fontRef>
+        </p:style>
+      </p:cxnSp>
+      <p:sp>
+        <p:nvSpPr>
+          <p:cNvPr id="63" name="TextBox 62">
+            <a:extLst>
+              <a:ext uri="{FF2B5EF4-FFF2-40B4-BE49-F238E27FC236}">
+                <a16:creationId xmlns:a16="http://schemas.microsoft.com/office/drawing/2014/main" id="{3907DE8E-62C3-44E5-8719-184E87C6C183}"/>
+              </a:ext>
+            </a:extLst>
+          </p:cNvPr>
+          <p:cNvSpPr txBox="1"/>
+          <p:nvPr/>
+        </p:nvSpPr>
+        <p:spPr>
+          <a:xfrm>
+            <a:off x="-1073548" y="5827842"/>
+            <a:ext cx="7713937" cy="366648"/>
+          </a:xfrm>
+          <a:prstGeom prst="rect">
+            <a:avLst/>
+          </a:prstGeom>
+          <a:noFill/>
+        </p:spPr>
+        <p:txBody>
+          <a:bodyPr wrap="square" rtlCol="0">
+            <a:spAutoFit/>
+          </a:bodyPr>
+          <a:lstStyle/>
+          <a:p>
+            <a:pPr algn="ctr"/>
+            <a:r>
+              <a:rPr lang="es-ES" dirty="0" err="1"/>
+              <a:t>Random</a:t>
+            </a:r>
+            <a:r>
+              <a:rPr lang="es-ES" dirty="0"/>
+              <a:t> </a:t>
+            </a:r>
+            <a:r>
+              <a:rPr lang="es-ES" dirty="0" err="1"/>
+              <a:t>Action</a:t>
+            </a:r>
+            <a:endParaRPr lang="es-ES" dirty="0"/>
+          </a:p>
+        </p:txBody>
+      </p:sp>
+      <p:sp>
+        <p:nvSpPr>
+          <p:cNvPr id="64" name="TextBox 63">
+            <a:extLst>
+              <a:ext uri="{FF2B5EF4-FFF2-40B4-BE49-F238E27FC236}">
+                <a16:creationId xmlns:a16="http://schemas.microsoft.com/office/drawing/2014/main" id="{A173FF80-B780-4104-B5D3-F7315781AD79}"/>
+              </a:ext>
+            </a:extLst>
+          </p:cNvPr>
+          <p:cNvSpPr txBox="1"/>
+          <p:nvPr/>
+        </p:nvSpPr>
+        <p:spPr>
+          <a:xfrm>
+            <a:off x="-1113153" y="6141267"/>
+            <a:ext cx="7713937" cy="366648"/>
+          </a:xfrm>
+          <a:prstGeom prst="rect">
+            <a:avLst/>
+          </a:prstGeom>
+          <a:noFill/>
+        </p:spPr>
+        <p:txBody>
+          <a:bodyPr wrap="square" rtlCol="0">
+            <a:spAutoFit/>
+          </a:bodyPr>
+          <a:lstStyle/>
+          <a:p>
+            <a:pPr algn="ctr"/>
+            <a:r>
+              <a:rPr lang="es-ES" dirty="0" err="1"/>
+              <a:t>Optimal</a:t>
+            </a:r>
+            <a:r>
+              <a:rPr lang="es-ES" dirty="0"/>
+              <a:t> </a:t>
+            </a:r>
+            <a:r>
+              <a:rPr lang="es-ES" dirty="0" err="1"/>
+              <a:t>action</a:t>
+            </a:r>
+            <a:endParaRPr lang="es-ES" dirty="0"/>
+          </a:p>
+        </p:txBody>
+      </p:sp>
+      <p:cxnSp>
+        <p:nvCxnSpPr>
+          <p:cNvPr id="65" name="Straight Arrow Connector 64">
+            <a:extLst>
+              <a:ext uri="{FF2B5EF4-FFF2-40B4-BE49-F238E27FC236}">
+                <a16:creationId xmlns:a16="http://schemas.microsoft.com/office/drawing/2014/main" id="{C1B552E1-6DE3-46C2-9F99-DE8AE0193C75}"/>
+              </a:ext>
+            </a:extLst>
+          </p:cNvPr>
+          <p:cNvCxnSpPr>
+            <a:cxnSpLocks/>
+          </p:cNvCxnSpPr>
+          <p:nvPr/>
+        </p:nvCxnSpPr>
+        <p:spPr>
+          <a:xfrm flipV="1">
+            <a:off x="6637666" y="6177059"/>
+            <a:ext cx="3857204" cy="2685"/>
+          </a:xfrm>
+          <a:prstGeom prst="straightConnector1">
+            <a:avLst/>
+          </a:prstGeom>
+          <a:ln w="28575">
+            <a:solidFill>
+              <a:schemeClr val="tx1">
+                <a:lumMod val="50000"/>
+                <a:lumOff val="50000"/>
+              </a:schemeClr>
+            </a:solidFill>
+            <a:prstDash val="sysDot"/>
+            <a:tailEnd type="triangle"/>
+          </a:ln>
+        </p:spPr>
+        <p:style>
+          <a:lnRef idx="1">
+            <a:schemeClr val="accent1"/>
+          </a:lnRef>
+          <a:fillRef idx="0">
+            <a:schemeClr val="accent1"/>
+          </a:fillRef>
+          <a:effectRef idx="0">
+            <a:schemeClr val="accent1"/>
+          </a:effectRef>
+          <a:fontRef idx="minor">
+            <a:schemeClr val="tx1"/>
+          </a:fontRef>
+        </p:style>
+      </p:cxnSp>
+      <p:sp>
+        <p:nvSpPr>
+          <p:cNvPr id="69" name="Diamond 68">
+            <a:extLst>
+              <a:ext uri="{FF2B5EF4-FFF2-40B4-BE49-F238E27FC236}">
+                <a16:creationId xmlns:a16="http://schemas.microsoft.com/office/drawing/2014/main" id="{512D5F80-F1C9-4A62-815B-3AA87C4B4F77}"/>
+              </a:ext>
+            </a:extLst>
+          </p:cNvPr>
+          <p:cNvSpPr/>
+          <p:nvPr/>
+        </p:nvSpPr>
+        <p:spPr>
+          <a:xfrm>
+            <a:off x="6447560" y="6035025"/>
+            <a:ext cx="342899" cy="284326"/>
+          </a:xfrm>
+          <a:prstGeom prst="diamond">
+            <a:avLst/>
+          </a:prstGeom>
+        </p:spPr>
+        <p:style>
+          <a:lnRef idx="2">
+            <a:schemeClr val="dk1">
+              <a:shade val="50000"/>
+            </a:schemeClr>
+          </a:lnRef>
+          <a:fillRef idx="1">
+            <a:schemeClr val="dk1"/>
+          </a:fillRef>
+          <a:effectRef idx="0">
+            <a:schemeClr val="dk1"/>
+          </a:effectRef>
+          <a:fontRef idx="minor">
+            <a:schemeClr val="lt1"/>
+          </a:fontRef>
+        </p:style>
+        <p:txBody>
+          <a:bodyPr rtlCol="0" anchor="ctr"/>
+          <a:lstStyle/>
+          <a:p>
+            <a:pPr algn="ctr"/>
+            <a:endParaRPr lang="es-ES"/>
+          </a:p>
+        </p:txBody>
+      </p:sp>
+      <p:sp>
+        <p:nvSpPr>
+          <p:cNvPr id="70" name="TextBox 69">
+            <a:extLst>
+              <a:ext uri="{FF2B5EF4-FFF2-40B4-BE49-F238E27FC236}">
+                <a16:creationId xmlns:a16="http://schemas.microsoft.com/office/drawing/2014/main" id="{41288B05-2517-4701-A1A8-86DE3CFC9D6E}"/>
+              </a:ext>
+            </a:extLst>
+          </p:cNvPr>
+          <p:cNvSpPr txBox="1"/>
+          <p:nvPr/>
+        </p:nvSpPr>
+        <p:spPr>
+          <a:xfrm>
+            <a:off x="6665451" y="6158247"/>
+            <a:ext cx="3819521" cy="369332"/>
+          </a:xfrm>
+          <a:prstGeom prst="rect">
+            <a:avLst/>
+          </a:prstGeom>
+          <a:noFill/>
+        </p:spPr>
+        <p:txBody>
+          <a:bodyPr wrap="square" rtlCol="0">
+            <a:spAutoFit/>
+          </a:bodyPr>
+          <a:lstStyle/>
+          <a:p>
+            <a:pPr algn="ctr"/>
+            <a:r>
+              <a:rPr lang="es-ES" dirty="0" err="1"/>
+              <a:t>evaluate</a:t>
+            </a:r>
+            <a:r>
+              <a:rPr lang="es-ES" dirty="0"/>
+              <a:t> (</a:t>
+            </a:r>
+            <a:r>
+              <a:rPr lang="es-ES" dirty="0" err="1"/>
+              <a:t>coordinates</a:t>
+            </a:r>
+            <a:r>
+              <a:rPr lang="es-ES" dirty="0"/>
+              <a:t>, </a:t>
+            </a:r>
+            <a:r>
+              <a:rPr lang="es-ES" dirty="0" err="1"/>
+              <a:t>ImageTensor</a:t>
+            </a:r>
+            <a:r>
+              <a:rPr lang="es-ES" dirty="0"/>
+              <a:t>)</a:t>
+            </a:r>
+          </a:p>
+        </p:txBody>
+      </p:sp>
+      <p:cxnSp>
+        <p:nvCxnSpPr>
+          <p:cNvPr id="71" name="Straight Arrow Connector 70">
+            <a:extLst>
+              <a:ext uri="{FF2B5EF4-FFF2-40B4-BE49-F238E27FC236}">
+                <a16:creationId xmlns:a16="http://schemas.microsoft.com/office/drawing/2014/main" id="{18AD01E0-95C5-4890-8887-95B551D094A1}"/>
+              </a:ext>
+            </a:extLst>
+          </p:cNvPr>
+          <p:cNvCxnSpPr>
+            <a:cxnSpLocks/>
+          </p:cNvCxnSpPr>
+          <p:nvPr/>
+        </p:nvCxnSpPr>
+        <p:spPr>
+          <a:xfrm flipH="1" flipV="1">
+            <a:off x="6651038" y="6484544"/>
+            <a:ext cx="3822199" cy="5807"/>
+          </a:xfrm>
+          <a:prstGeom prst="straightConnector1">
+            <a:avLst/>
+          </a:prstGeom>
+          <a:ln w="28575">
+            <a:solidFill>
+              <a:schemeClr val="tx1">
+                <a:lumMod val="50000"/>
+                <a:lumOff val="50000"/>
+              </a:schemeClr>
+            </a:solidFill>
+            <a:prstDash val="sysDot"/>
+            <a:tailEnd type="triangle"/>
+          </a:ln>
+        </p:spPr>
+        <p:style>
+          <a:lnRef idx="1">
+            <a:schemeClr val="accent1"/>
+          </a:lnRef>
+          <a:fillRef idx="0">
+            <a:schemeClr val="accent1"/>
+          </a:fillRef>
+          <a:effectRef idx="0">
+            <a:schemeClr val="accent1"/>
+          </a:effectRef>
+          <a:fontRef idx="minor">
+            <a:schemeClr val="tx1"/>
+          </a:fontRef>
+        </p:style>
+      </p:cxnSp>
+      <p:sp>
+        <p:nvSpPr>
+          <p:cNvPr id="75" name="TextBox 74">
+            <a:extLst>
+              <a:ext uri="{FF2B5EF4-FFF2-40B4-BE49-F238E27FC236}">
+                <a16:creationId xmlns:a16="http://schemas.microsoft.com/office/drawing/2014/main" id="{389EC404-87FF-49D2-A405-E92A33848780}"/>
+              </a:ext>
+            </a:extLst>
+          </p:cNvPr>
+          <p:cNvSpPr txBox="1"/>
+          <p:nvPr/>
+        </p:nvSpPr>
+        <p:spPr>
+          <a:xfrm>
+            <a:off x="6605035" y="5821820"/>
+            <a:ext cx="3819521" cy="369332"/>
+          </a:xfrm>
+          <a:prstGeom prst="rect">
+            <a:avLst/>
+          </a:prstGeom>
+          <a:noFill/>
+        </p:spPr>
+        <p:txBody>
+          <a:bodyPr wrap="square" rtlCol="0">
+            <a:spAutoFit/>
+          </a:bodyPr>
+          <a:lstStyle/>
+          <a:p>
+            <a:pPr algn="ctr"/>
+            <a:r>
+              <a:rPr lang="es-ES" dirty="0" err="1"/>
+              <a:t>Optimal</a:t>
+            </a:r>
+            <a:r>
+              <a:rPr lang="es-ES" dirty="0"/>
+              <a:t> </a:t>
+            </a:r>
+            <a:r>
+              <a:rPr lang="es-ES" dirty="0" err="1"/>
+              <a:t>action</a:t>
+            </a:r>
+            <a:endParaRPr lang="es-ES" dirty="0"/>
+          </a:p>
+        </p:txBody>
+      </p:sp>
+      <p:cxnSp>
+        <p:nvCxnSpPr>
+          <p:cNvPr id="86" name="Straight Arrow Connector 85">
+            <a:extLst>
+              <a:ext uri="{FF2B5EF4-FFF2-40B4-BE49-F238E27FC236}">
+                <a16:creationId xmlns:a16="http://schemas.microsoft.com/office/drawing/2014/main" id="{E37B8FA9-7B5C-4C99-BFF8-312DAEF20DF7}"/>
+              </a:ext>
+            </a:extLst>
+          </p:cNvPr>
+          <p:cNvCxnSpPr>
+            <a:cxnSpLocks/>
+          </p:cNvCxnSpPr>
+          <p:nvPr/>
+        </p:nvCxnSpPr>
+        <p:spPr>
+          <a:xfrm>
+            <a:off x="-1126667" y="4488984"/>
+            <a:ext cx="13556863" cy="0"/>
+          </a:xfrm>
+          <a:prstGeom prst="straightConnector1">
+            <a:avLst/>
+          </a:prstGeom>
+          <a:ln w="28575">
+            <a:solidFill>
+              <a:schemeClr val="tx1">
+                <a:lumMod val="95000"/>
+                <a:lumOff val="5000"/>
+              </a:schemeClr>
+            </a:solidFill>
+            <a:tailEnd type="triangle"/>
+          </a:ln>
+        </p:spPr>
+        <p:style>
+          <a:lnRef idx="1">
+            <a:schemeClr val="accent1"/>
+          </a:lnRef>
+          <a:fillRef idx="0">
+            <a:schemeClr val="accent1"/>
+          </a:fillRef>
+          <a:effectRef idx="0">
+            <a:schemeClr val="accent1"/>
+          </a:effectRef>
+          <a:fontRef idx="minor">
+            <a:schemeClr val="tx1"/>
+          </a:fontRef>
+        </p:style>
+      </p:cxnSp>
+      <p:cxnSp>
+        <p:nvCxnSpPr>
+          <p:cNvPr id="87" name="Straight Arrow Connector 86">
+            <a:extLst>
+              <a:ext uri="{FF2B5EF4-FFF2-40B4-BE49-F238E27FC236}">
+                <a16:creationId xmlns:a16="http://schemas.microsoft.com/office/drawing/2014/main" id="{FEA6FE36-5CA6-4D46-A031-E728C4A6D591}"/>
+              </a:ext>
+            </a:extLst>
+          </p:cNvPr>
+          <p:cNvCxnSpPr>
+            <a:cxnSpLocks/>
+          </p:cNvCxnSpPr>
+          <p:nvPr/>
+        </p:nvCxnSpPr>
+        <p:spPr>
+          <a:xfrm flipH="1" flipV="1">
+            <a:off x="-1097923" y="4855919"/>
+            <a:ext cx="13528119" cy="6362"/>
+          </a:xfrm>
+          <a:prstGeom prst="straightConnector1">
+            <a:avLst/>
+          </a:prstGeom>
+          <a:ln w="28575">
+            <a:solidFill>
+              <a:schemeClr val="tx1">
+                <a:lumMod val="95000"/>
+                <a:lumOff val="5000"/>
+              </a:schemeClr>
+            </a:solidFill>
+            <a:tailEnd type="triangle"/>
+          </a:ln>
+        </p:spPr>
+        <p:style>
+          <a:lnRef idx="1">
+            <a:schemeClr val="accent1"/>
+          </a:lnRef>
+          <a:fillRef idx="0">
+            <a:schemeClr val="accent1"/>
+          </a:fillRef>
+          <a:effectRef idx="0">
+            <a:schemeClr val="accent1"/>
+          </a:effectRef>
+          <a:fontRef idx="minor">
+            <a:schemeClr val="tx1"/>
+          </a:fontRef>
+        </p:style>
+      </p:cxnSp>
+      <p:sp>
+        <p:nvSpPr>
+          <p:cNvPr id="88" name="TextBox 87">
+            <a:extLst>
+              <a:ext uri="{FF2B5EF4-FFF2-40B4-BE49-F238E27FC236}">
+                <a16:creationId xmlns:a16="http://schemas.microsoft.com/office/drawing/2014/main" id="{CDF2F275-86DF-47B7-9121-F4618A3899CD}"/>
+              </a:ext>
+            </a:extLst>
+          </p:cNvPr>
+          <p:cNvSpPr txBox="1"/>
+          <p:nvPr/>
+        </p:nvSpPr>
+        <p:spPr>
+          <a:xfrm>
+            <a:off x="-1062444" y="4168192"/>
+            <a:ext cx="13492620" cy="369332"/>
+          </a:xfrm>
+          <a:prstGeom prst="rect">
+            <a:avLst/>
+          </a:prstGeom>
+          <a:noFill/>
+        </p:spPr>
+        <p:txBody>
+          <a:bodyPr wrap="square" rtlCol="0">
+            <a:spAutoFit/>
+          </a:bodyPr>
+          <a:lstStyle/>
+          <a:p>
+            <a:pPr algn="ctr"/>
+            <a:r>
+              <a:rPr lang="es-ES" dirty="0" err="1"/>
+              <a:t>Store_previous_experience</a:t>
+            </a:r>
+            <a:r>
+              <a:rPr lang="es-ES" dirty="0"/>
+              <a:t>(</a:t>
+            </a:r>
+            <a:r>
+              <a:rPr lang="es-ES" dirty="0" err="1"/>
+              <a:t>initial_coordinates</a:t>
+            </a:r>
+            <a:r>
+              <a:rPr lang="es-ES" dirty="0"/>
+              <a:t>, </a:t>
+            </a:r>
+            <a:r>
+              <a:rPr lang="es-ES" dirty="0" err="1"/>
+              <a:t>initial_ImageTensor</a:t>
+            </a:r>
+            <a:r>
+              <a:rPr lang="es-ES" dirty="0"/>
+              <a:t>, </a:t>
+            </a:r>
+            <a:r>
+              <a:rPr lang="es-ES" dirty="0" err="1"/>
+              <a:t>reward</a:t>
+            </a:r>
+            <a:r>
+              <a:rPr lang="es-ES" dirty="0"/>
+              <a:t>, </a:t>
+            </a:r>
+            <a:r>
+              <a:rPr lang="es-ES" dirty="0" err="1"/>
+              <a:t>final_coordinates</a:t>
+            </a:r>
+            <a:r>
+              <a:rPr lang="es-ES" dirty="0"/>
+              <a:t>, </a:t>
+            </a:r>
+            <a:r>
+              <a:rPr lang="es-ES" dirty="0" err="1"/>
+              <a:t>final_ImageTensor</a:t>
+            </a:r>
+            <a:r>
+              <a:rPr lang="es-ES" dirty="0"/>
+              <a:t>)</a:t>
+            </a:r>
+          </a:p>
+        </p:txBody>
+      </p:sp>
+      <p:sp>
+        <p:nvSpPr>
+          <p:cNvPr id="89" name="TextBox 88">
+            <a:extLst>
+              <a:ext uri="{FF2B5EF4-FFF2-40B4-BE49-F238E27FC236}">
+                <a16:creationId xmlns:a16="http://schemas.microsoft.com/office/drawing/2014/main" id="{195D8422-A4BB-47F4-9E92-39650CCDC6EC}"/>
+              </a:ext>
+            </a:extLst>
+          </p:cNvPr>
+          <p:cNvSpPr txBox="1"/>
+          <p:nvPr/>
+        </p:nvSpPr>
+        <p:spPr>
+          <a:xfrm>
+            <a:off x="-1062444" y="4517748"/>
+            <a:ext cx="13492620" cy="369332"/>
+          </a:xfrm>
+          <a:prstGeom prst="rect">
+            <a:avLst/>
+          </a:prstGeom>
+          <a:noFill/>
+        </p:spPr>
+        <p:txBody>
+          <a:bodyPr wrap="square" rtlCol="0">
+            <a:spAutoFit/>
+          </a:bodyPr>
+          <a:lstStyle/>
+          <a:p>
+            <a:pPr algn="ctr"/>
+            <a:r>
+              <a:rPr lang="es-ES" dirty="0" err="1"/>
+              <a:t>Stored</a:t>
+            </a:r>
+            <a:endParaRPr lang="es-ES" dirty="0"/>
+          </a:p>
+        </p:txBody>
+      </p:sp>
+      <p:sp>
+        <p:nvSpPr>
+          <p:cNvPr id="90" name="Rectangle: Rounded Corners 89">
+            <a:extLst>
+              <a:ext uri="{FF2B5EF4-FFF2-40B4-BE49-F238E27FC236}">
+                <a16:creationId xmlns:a16="http://schemas.microsoft.com/office/drawing/2014/main" id="{D3FFB01A-6C8B-43F3-9B4A-B43400D79605}"/>
+              </a:ext>
+            </a:extLst>
+          </p:cNvPr>
+          <p:cNvSpPr/>
+          <p:nvPr/>
+        </p:nvSpPr>
+        <p:spPr>
+          <a:xfrm>
+            <a:off x="-1700616" y="2137106"/>
+            <a:ext cx="7187877" cy="1950894"/>
+          </a:xfrm>
+          <a:prstGeom prst="roundRect">
+            <a:avLst/>
+          </a:prstGeom>
+          <a:noFill/>
+          <a:ln w="19050">
+            <a:solidFill>
+              <a:schemeClr val="tx1">
+                <a:lumMod val="95000"/>
+                <a:lumOff val="5000"/>
+              </a:schemeClr>
+            </a:solidFill>
+          </a:ln>
+        </p:spPr>
+        <p:style>
+          <a:lnRef idx="2">
+            <a:schemeClr val="accent1">
+              <a:shade val="50000"/>
+            </a:schemeClr>
+          </a:lnRef>
+          <a:fillRef idx="1">
+            <a:schemeClr val="accent1"/>
+          </a:fillRef>
+          <a:effectRef idx="0">
+            <a:schemeClr val="accent1"/>
+          </a:effectRef>
+          <a:fontRef idx="minor">
+            <a:schemeClr val="lt1"/>
+          </a:fontRef>
+        </p:style>
+        <p:txBody>
+          <a:bodyPr rtlCol="0" anchor="ctr"/>
+          <a:lstStyle/>
+          <a:p>
+            <a:pPr algn="ctr"/>
+            <a:endParaRPr lang="es-ES"/>
+          </a:p>
+        </p:txBody>
+      </p:sp>
+      <p:sp>
+        <p:nvSpPr>
+          <p:cNvPr id="92" name="TextBox 91">
+            <a:extLst>
+              <a:ext uri="{FF2B5EF4-FFF2-40B4-BE49-F238E27FC236}">
+                <a16:creationId xmlns:a16="http://schemas.microsoft.com/office/drawing/2014/main" id="{A4EE6973-57CA-49A5-95AA-1D149883E72D}"/>
+              </a:ext>
+            </a:extLst>
+          </p:cNvPr>
+          <p:cNvSpPr txBox="1"/>
+          <p:nvPr/>
+        </p:nvSpPr>
+        <p:spPr>
+          <a:xfrm>
+            <a:off x="1242480" y="1395064"/>
+            <a:ext cx="1910937" cy="523220"/>
+          </a:xfrm>
+          <a:prstGeom prst="rect">
+            <a:avLst/>
+          </a:prstGeom>
+        </p:spPr>
+        <p:style>
+          <a:lnRef idx="3">
+            <a:schemeClr val="lt1"/>
+          </a:lnRef>
+          <a:fillRef idx="1">
+            <a:schemeClr val="accent3"/>
+          </a:fillRef>
+          <a:effectRef idx="1">
+            <a:schemeClr val="accent3"/>
+          </a:effectRef>
+          <a:fontRef idx="minor">
+            <a:schemeClr val="lt1"/>
+          </a:fontRef>
+        </p:style>
+        <p:txBody>
+          <a:bodyPr wrap="square" rtlCol="0">
+            <a:spAutoFit/>
+          </a:bodyPr>
+          <a:lstStyle/>
+          <a:p>
+            <a:pPr algn="ctr"/>
+            <a:r>
+              <a:rPr lang="es-ES" sz="1400" i="1" dirty="0" err="1"/>
+              <a:t>Calculate</a:t>
+            </a:r>
+            <a:r>
+              <a:rPr lang="es-ES" sz="1400" i="1" dirty="0"/>
+              <a:t> </a:t>
+            </a:r>
+            <a:r>
+              <a:rPr lang="es-ES" sz="1400" i="1" dirty="0" err="1"/>
+              <a:t>previous</a:t>
+            </a:r>
+            <a:r>
+              <a:rPr lang="es-ES" sz="1400" i="1" dirty="0"/>
+              <a:t> </a:t>
+            </a:r>
+            <a:r>
+              <a:rPr lang="es-ES" sz="1400" i="1" dirty="0" err="1"/>
+              <a:t>Reward</a:t>
+            </a:r>
+            <a:endParaRPr lang="es-ES" sz="1400" i="1" dirty="0"/>
+          </a:p>
+        </p:txBody>
+      </p:sp>
+      <p:sp>
+        <p:nvSpPr>
+          <p:cNvPr id="93" name="TextBox 92">
+            <a:extLst>
+              <a:ext uri="{FF2B5EF4-FFF2-40B4-BE49-F238E27FC236}">
+                <a16:creationId xmlns:a16="http://schemas.microsoft.com/office/drawing/2014/main" id="{DE583C62-46D9-4162-BAF5-374A13F65BEE}"/>
+              </a:ext>
+            </a:extLst>
+          </p:cNvPr>
+          <p:cNvSpPr txBox="1"/>
+          <p:nvPr/>
+        </p:nvSpPr>
+        <p:spPr>
+          <a:xfrm>
+            <a:off x="3320297" y="2209462"/>
+            <a:ext cx="1910937" cy="307777"/>
+          </a:xfrm>
+          <a:prstGeom prst="rect">
+            <a:avLst/>
+          </a:prstGeom>
+        </p:spPr>
+        <p:style>
+          <a:lnRef idx="3">
+            <a:schemeClr val="lt1"/>
+          </a:lnRef>
+          <a:fillRef idx="1">
+            <a:schemeClr val="accent3"/>
+          </a:fillRef>
+          <a:effectRef idx="1">
+            <a:schemeClr val="accent3"/>
+          </a:effectRef>
+          <a:fontRef idx="minor">
+            <a:schemeClr val="lt1"/>
+          </a:fontRef>
+        </p:style>
+        <p:txBody>
+          <a:bodyPr wrap="square" rtlCol="0">
+            <a:spAutoFit/>
+          </a:bodyPr>
+          <a:lstStyle/>
+          <a:p>
+            <a:pPr algn="ctr"/>
+            <a:r>
+              <a:rPr lang="es-ES" sz="1400" i="1" dirty="0" err="1"/>
+              <a:t>Get</a:t>
+            </a:r>
+            <a:r>
+              <a:rPr lang="es-ES" sz="1400" i="1" dirty="0"/>
+              <a:t> </a:t>
+            </a:r>
+            <a:r>
+              <a:rPr lang="es-ES" sz="1400" i="1" dirty="0" err="1"/>
+              <a:t>current</a:t>
+            </a:r>
+            <a:r>
+              <a:rPr lang="es-ES" sz="1400" i="1" dirty="0"/>
+              <a:t> </a:t>
+            </a:r>
+            <a:r>
+              <a:rPr lang="es-ES" sz="1400" i="1" dirty="0" err="1"/>
+              <a:t>State</a:t>
+            </a:r>
+            <a:r>
+              <a:rPr lang="es-ES" sz="1400" i="1" dirty="0"/>
+              <a:t> </a:t>
+            </a:r>
+            <a:r>
+              <a:rPr lang="es-ES" sz="1400" i="1" dirty="0" err="1"/>
+              <a:t>Image</a:t>
+            </a:r>
+            <a:endParaRPr lang="es-ES" sz="1400" i="1" dirty="0"/>
+          </a:p>
+        </p:txBody>
+      </p:sp>
+      <p:sp>
+        <p:nvSpPr>
+          <p:cNvPr id="94" name="Rectangle: Rounded Corners 93">
+            <a:extLst>
+              <a:ext uri="{FF2B5EF4-FFF2-40B4-BE49-F238E27FC236}">
+                <a16:creationId xmlns:a16="http://schemas.microsoft.com/office/drawing/2014/main" id="{C64A1C04-141C-4D81-9ABE-B77302C13CFC}"/>
+              </a:ext>
+            </a:extLst>
+          </p:cNvPr>
+          <p:cNvSpPr/>
+          <p:nvPr/>
+        </p:nvSpPr>
+        <p:spPr>
+          <a:xfrm>
+            <a:off x="-1700615" y="1272133"/>
+            <a:ext cx="4999400" cy="802780"/>
+          </a:xfrm>
+          <a:prstGeom prst="roundRect">
+            <a:avLst/>
+          </a:prstGeom>
+          <a:noFill/>
+          <a:ln w="19050">
+            <a:solidFill>
+              <a:schemeClr val="tx1">
+                <a:lumMod val="95000"/>
+                <a:lumOff val="5000"/>
+              </a:schemeClr>
+            </a:solidFill>
+          </a:ln>
+        </p:spPr>
+        <p:style>
+          <a:lnRef idx="2">
+            <a:schemeClr val="accent1">
+              <a:shade val="50000"/>
+            </a:schemeClr>
+          </a:lnRef>
+          <a:fillRef idx="1">
+            <a:schemeClr val="accent1"/>
+          </a:fillRef>
+          <a:effectRef idx="0">
+            <a:schemeClr val="accent1"/>
+          </a:effectRef>
+          <a:fontRef idx="minor">
+            <a:schemeClr val="lt1"/>
+          </a:fontRef>
+        </p:style>
+        <p:txBody>
+          <a:bodyPr rtlCol="0" anchor="ctr"/>
+          <a:lstStyle/>
+          <a:p>
+            <a:pPr algn="ctr"/>
+            <a:endParaRPr lang="es-ES"/>
+          </a:p>
+        </p:txBody>
+      </p:sp>
+      <p:sp>
+        <p:nvSpPr>
+          <p:cNvPr id="95" name="Rectangle: Rounded Corners 94">
+            <a:extLst>
+              <a:ext uri="{FF2B5EF4-FFF2-40B4-BE49-F238E27FC236}">
+                <a16:creationId xmlns:a16="http://schemas.microsoft.com/office/drawing/2014/main" id="{ABDD119F-B151-4426-9CF8-72F137D97498}"/>
+              </a:ext>
+            </a:extLst>
+          </p:cNvPr>
+          <p:cNvSpPr/>
+          <p:nvPr/>
+        </p:nvSpPr>
+        <p:spPr>
+          <a:xfrm>
+            <a:off x="-1705250" y="4178895"/>
+            <a:ext cx="14298506" cy="802780"/>
+          </a:xfrm>
+          <a:prstGeom prst="roundRect">
+            <a:avLst/>
+          </a:prstGeom>
+          <a:noFill/>
+          <a:ln w="19050">
+            <a:solidFill>
+              <a:schemeClr val="tx1">
+                <a:lumMod val="95000"/>
+                <a:lumOff val="5000"/>
+              </a:schemeClr>
+            </a:solidFill>
+          </a:ln>
+        </p:spPr>
+        <p:style>
+          <a:lnRef idx="2">
+            <a:schemeClr val="accent1">
+              <a:shade val="50000"/>
+            </a:schemeClr>
+          </a:lnRef>
+          <a:fillRef idx="1">
+            <a:schemeClr val="accent1"/>
+          </a:fillRef>
+          <a:effectRef idx="0">
+            <a:schemeClr val="accent1"/>
+          </a:effectRef>
+          <a:fontRef idx="minor">
+            <a:schemeClr val="lt1"/>
+          </a:fontRef>
+        </p:style>
+        <p:txBody>
+          <a:bodyPr rtlCol="0" anchor="ctr"/>
+          <a:lstStyle/>
+          <a:p>
+            <a:pPr algn="ctr"/>
+            <a:endParaRPr lang="es-ES"/>
+          </a:p>
+        </p:txBody>
+      </p:sp>
+      <p:sp>
+        <p:nvSpPr>
+          <p:cNvPr id="96" name="TextBox 95">
+            <a:extLst>
+              <a:ext uri="{FF2B5EF4-FFF2-40B4-BE49-F238E27FC236}">
+                <a16:creationId xmlns:a16="http://schemas.microsoft.com/office/drawing/2014/main" id="{0861C7F5-DC68-4848-8972-3CAB0870A6EB}"/>
+              </a:ext>
+            </a:extLst>
+          </p:cNvPr>
+          <p:cNvSpPr txBox="1"/>
+          <p:nvPr/>
+        </p:nvSpPr>
+        <p:spPr>
+          <a:xfrm>
+            <a:off x="6521533" y="3659594"/>
+            <a:ext cx="5499558" cy="523220"/>
+          </a:xfrm>
+          <a:prstGeom prst="rect">
+            <a:avLst/>
+          </a:prstGeom>
+        </p:spPr>
+        <p:style>
+          <a:lnRef idx="3">
+            <a:schemeClr val="lt1"/>
+          </a:lnRef>
+          <a:fillRef idx="1">
+            <a:schemeClr val="accent3"/>
+          </a:fillRef>
+          <a:effectRef idx="1">
+            <a:schemeClr val="accent3"/>
+          </a:effectRef>
+          <a:fontRef idx="minor">
+            <a:schemeClr val="lt1"/>
+          </a:fontRef>
+        </p:style>
+        <p:txBody>
+          <a:bodyPr wrap="square" rtlCol="0">
+            <a:spAutoFit/>
+          </a:bodyPr>
+          <a:lstStyle/>
+          <a:p>
+            <a:pPr algn="ctr"/>
+            <a:r>
+              <a:rPr lang="es-ES" sz="1400" b="1" i="1" dirty="0"/>
+              <a:t>Store </a:t>
+            </a:r>
+            <a:r>
+              <a:rPr lang="es-ES" sz="1400" b="1" i="1" dirty="0" err="1"/>
+              <a:t>Previous</a:t>
+            </a:r>
+            <a:r>
+              <a:rPr lang="es-ES" sz="1400" b="1" i="1" dirty="0"/>
+              <a:t> Experience</a:t>
+            </a:r>
+            <a:r>
+              <a:rPr lang="es-ES" sz="1400" i="1" dirty="0"/>
+              <a:t>. </a:t>
+            </a:r>
+            <a:r>
+              <a:rPr lang="es-ES" sz="1400" i="1" dirty="0" err="1"/>
+              <a:t>We</a:t>
+            </a:r>
+            <a:r>
+              <a:rPr lang="es-ES" sz="1400" i="1" dirty="0"/>
+              <a:t> are </a:t>
+            </a:r>
+            <a:r>
+              <a:rPr lang="es-ES" sz="1400" i="1" dirty="0" err="1"/>
+              <a:t>forced</a:t>
+            </a:r>
+            <a:r>
+              <a:rPr lang="es-ES" sz="1400" i="1" dirty="0"/>
+              <a:t> to do </a:t>
+            </a:r>
+            <a:r>
+              <a:rPr lang="es-ES" sz="1400" i="1" dirty="0" err="1"/>
+              <a:t>it</a:t>
+            </a:r>
+            <a:r>
+              <a:rPr lang="es-ES" sz="1400" i="1" dirty="0"/>
+              <a:t> in </a:t>
+            </a:r>
+            <a:r>
+              <a:rPr lang="es-ES" sz="1400" i="1" dirty="0" err="1"/>
+              <a:t>this</a:t>
+            </a:r>
+            <a:r>
+              <a:rPr lang="es-ES" sz="1400" i="1" dirty="0"/>
+              <a:t> step </a:t>
+            </a:r>
+            <a:r>
+              <a:rPr lang="es-ES" sz="1400" i="1" dirty="0" err="1"/>
+              <a:t>because</a:t>
+            </a:r>
+            <a:r>
+              <a:rPr lang="es-ES" sz="1400" i="1" dirty="0"/>
+              <a:t> </a:t>
+            </a:r>
+            <a:r>
+              <a:rPr lang="es-ES" sz="1400" i="1" dirty="0" err="1"/>
+              <a:t>we</a:t>
+            </a:r>
+            <a:r>
+              <a:rPr lang="es-ES" sz="1400" i="1" dirty="0"/>
+              <a:t> </a:t>
+            </a:r>
+            <a:r>
+              <a:rPr lang="es-ES" sz="1400" i="1" dirty="0" err="1"/>
+              <a:t>need</a:t>
+            </a:r>
+            <a:r>
+              <a:rPr lang="es-ES" sz="1400" i="1" dirty="0"/>
+              <a:t> to </a:t>
+            </a:r>
+            <a:r>
+              <a:rPr lang="es-ES" sz="1400" i="1" dirty="0" err="1"/>
+              <a:t>calculate</a:t>
+            </a:r>
+            <a:r>
+              <a:rPr lang="es-ES" sz="1400" i="1" dirty="0"/>
+              <a:t> the </a:t>
+            </a:r>
+            <a:r>
+              <a:rPr lang="es-ES" sz="1400" i="1" dirty="0" err="1"/>
+              <a:t>reward</a:t>
+            </a:r>
+            <a:r>
+              <a:rPr lang="es-ES" sz="1400" i="1" dirty="0"/>
+              <a:t> and </a:t>
+            </a:r>
+            <a:r>
+              <a:rPr lang="es-ES" sz="1400" i="1" dirty="0" err="1"/>
+              <a:t>get</a:t>
+            </a:r>
+            <a:r>
+              <a:rPr lang="es-ES" sz="1400" i="1" dirty="0"/>
+              <a:t> the </a:t>
+            </a:r>
+            <a:r>
+              <a:rPr lang="es-ES" sz="1400" i="1" dirty="0" err="1"/>
+              <a:t>current</a:t>
+            </a:r>
+            <a:r>
+              <a:rPr lang="es-ES" sz="1400" i="1" dirty="0"/>
+              <a:t> </a:t>
+            </a:r>
+            <a:r>
+              <a:rPr lang="es-ES" sz="1400" i="1" dirty="0" err="1"/>
+              <a:t>image</a:t>
+            </a:r>
+            <a:r>
+              <a:rPr lang="es-ES" sz="1400" i="1" dirty="0"/>
+              <a:t> </a:t>
+            </a:r>
+            <a:r>
+              <a:rPr lang="es-ES" sz="1400" i="1" dirty="0" err="1"/>
+              <a:t>state</a:t>
+            </a:r>
+            <a:r>
+              <a:rPr lang="es-ES" sz="1400" i="1" dirty="0"/>
+              <a:t>.</a:t>
+            </a:r>
+          </a:p>
+        </p:txBody>
+      </p:sp>
+      <p:sp>
+        <p:nvSpPr>
+          <p:cNvPr id="97" name="Rectangle: Rounded Corners 96">
+            <a:extLst>
+              <a:ext uri="{FF2B5EF4-FFF2-40B4-BE49-F238E27FC236}">
+                <a16:creationId xmlns:a16="http://schemas.microsoft.com/office/drawing/2014/main" id="{F2224C8D-D1E5-47CB-8994-51381A5EF117}"/>
+              </a:ext>
+            </a:extLst>
+          </p:cNvPr>
+          <p:cNvSpPr/>
+          <p:nvPr/>
+        </p:nvSpPr>
+        <p:spPr>
+          <a:xfrm>
+            <a:off x="-1700616" y="5065232"/>
+            <a:ext cx="12395615" cy="1527690"/>
+          </a:xfrm>
+          <a:prstGeom prst="roundRect">
+            <a:avLst/>
+          </a:prstGeom>
+          <a:noFill/>
+          <a:ln w="19050">
+            <a:solidFill>
+              <a:schemeClr val="tx1">
+                <a:lumMod val="95000"/>
+                <a:lumOff val="5000"/>
+              </a:schemeClr>
+            </a:solidFill>
+          </a:ln>
+        </p:spPr>
+        <p:style>
+          <a:lnRef idx="2">
+            <a:schemeClr val="accent1">
+              <a:shade val="50000"/>
+            </a:schemeClr>
+          </a:lnRef>
+          <a:fillRef idx="1">
+            <a:schemeClr val="accent1"/>
+          </a:fillRef>
+          <a:effectRef idx="0">
+            <a:schemeClr val="accent1"/>
+          </a:effectRef>
+          <a:fontRef idx="minor">
+            <a:schemeClr val="lt1"/>
+          </a:fontRef>
+        </p:style>
+        <p:txBody>
+          <a:bodyPr rtlCol="0" anchor="ctr"/>
+          <a:lstStyle/>
+          <a:p>
+            <a:pPr algn="ctr"/>
+            <a:endParaRPr lang="es-ES"/>
+          </a:p>
+        </p:txBody>
+      </p:sp>
+      <p:sp>
+        <p:nvSpPr>
+          <p:cNvPr id="98" name="TextBox 97">
+            <a:extLst>
+              <a:ext uri="{FF2B5EF4-FFF2-40B4-BE49-F238E27FC236}">
+                <a16:creationId xmlns:a16="http://schemas.microsoft.com/office/drawing/2014/main" id="{EEE0E9DE-2C48-4822-A63C-2B9ACC795E6E}"/>
+              </a:ext>
+            </a:extLst>
+          </p:cNvPr>
+          <p:cNvSpPr txBox="1"/>
+          <p:nvPr/>
+        </p:nvSpPr>
+        <p:spPr>
+          <a:xfrm>
+            <a:off x="8877356" y="5151301"/>
+            <a:ext cx="1598548" cy="315002"/>
+          </a:xfrm>
+          <a:prstGeom prst="rect">
+            <a:avLst/>
+          </a:prstGeom>
+        </p:spPr>
+        <p:style>
+          <a:lnRef idx="3">
+            <a:schemeClr val="lt1"/>
+          </a:lnRef>
+          <a:fillRef idx="1">
+            <a:schemeClr val="accent3"/>
+          </a:fillRef>
+          <a:effectRef idx="1">
+            <a:schemeClr val="accent3"/>
+          </a:effectRef>
+          <a:fontRef idx="minor">
+            <a:schemeClr val="lt1"/>
+          </a:fontRef>
+        </p:style>
+        <p:txBody>
+          <a:bodyPr wrap="square" rtlCol="0">
+            <a:spAutoFit/>
+          </a:bodyPr>
+          <a:lstStyle/>
+          <a:p>
+            <a:pPr algn="ctr"/>
+            <a:r>
+              <a:rPr lang="es-ES" sz="1400" i="1" dirty="0"/>
+              <a:t>Select </a:t>
+            </a:r>
+            <a:r>
+              <a:rPr lang="es-ES" sz="1400" i="1" dirty="0" err="1"/>
+              <a:t>Action</a:t>
+            </a:r>
+            <a:endParaRPr lang="es-ES" sz="1400" i="1" dirty="0"/>
+          </a:p>
+        </p:txBody>
+      </p:sp>
+    </p:spTree>
+    <p:extLst>
+      <p:ext uri="{BB962C8B-B14F-4D97-AF65-F5344CB8AC3E}">
+        <p14:creationId xmlns:p14="http://schemas.microsoft.com/office/powerpoint/2010/main" val="929865733"/>
+      </p:ext>
+    </p:extLst>
+  </p:cSld>
+  <p:clrMapOvr>
+    <a:masterClrMapping/>
+  </p:clrMapOvr>
+</p:sld>
+</file>
+
+<file path=ppt/slides/slide3.xml><?xml version="1.0" encoding="utf-8"?>
+<p:sld xmlns:a="http://schemas.openxmlformats.org/drawingml/2006/main" xmlns:r="http://schemas.openxmlformats.org/officeDocument/2006/relationships" xmlns:p="http://schemas.openxmlformats.org/presentationml/2006/main">
+  <p:cSld>
+    <p:spTree>
+      <p:nvGrpSpPr>
+        <p:cNvPr id="1" name=""/>
+        <p:cNvGrpSpPr/>
+        <p:nvPr/>
+      </p:nvGrpSpPr>
+      <p:grpSpPr>
+        <a:xfrm>
+          <a:off x="0" y="0"/>
+          <a:ext cx="0" cy="0"/>
+          <a:chOff x="0" y="0"/>
+          <a:chExt cx="0" cy="0"/>
+        </a:xfrm>
+      </p:grpSpPr>
+      <p:sp>
+        <p:nvSpPr>
+          <p:cNvPr id="4" name="Rectangle 3">
+            <a:extLst>
+              <a:ext uri="{FF2B5EF4-FFF2-40B4-BE49-F238E27FC236}">
+                <a16:creationId xmlns:a16="http://schemas.microsoft.com/office/drawing/2014/main" id="{6AEA7987-616E-4188-A114-F11181CD1E3E}"/>
+              </a:ext>
+            </a:extLst>
+          </p:cNvPr>
+          <p:cNvSpPr/>
+          <p:nvPr/>
+        </p:nvSpPr>
+        <p:spPr>
+          <a:xfrm>
+            <a:off x="1721524" y="0"/>
+            <a:ext cx="1636451" cy="1082150"/>
+          </a:xfrm>
+          <a:prstGeom prst="rect">
+            <a:avLst/>
+          </a:prstGeom>
+          <a:solidFill>
+            <a:schemeClr val="dk1">
+              <a:alpha val="50000"/>
+            </a:schemeClr>
+          </a:solidFill>
+          <a:ln>
+            <a:noFill/>
+          </a:ln>
+        </p:spPr>
+        <p:style>
+          <a:lnRef idx="0">
+            <a:scrgbClr r="0" g="0" b="0"/>
+          </a:lnRef>
+          <a:fillRef idx="0">
+            <a:scrgbClr r="0" g="0" b="0"/>
+          </a:fillRef>
+          <a:effectRef idx="0">
+            <a:scrgbClr r="0" g="0" b="0"/>
+          </a:effectRef>
+          <a:fontRef idx="minor">
+            <a:schemeClr val="lt1"/>
+          </a:fontRef>
+        </p:style>
+        <p:txBody>
+          <a:bodyPr rtlCol="0" anchor="ctr"/>
+          <a:lstStyle/>
+          <a:p>
+            <a:pPr algn="ctr"/>
+            <a:r>
+              <a:rPr lang="es-ES" dirty="0"/>
+              <a:t>Replay </a:t>
+            </a:r>
+            <a:r>
+              <a:rPr lang="es-ES" dirty="0" err="1"/>
+              <a:t>Memory</a:t>
+            </a:r>
+            <a:endParaRPr lang="es-ES" dirty="0"/>
+          </a:p>
+        </p:txBody>
+      </p:sp>
+      <p:sp>
+        <p:nvSpPr>
+          <p:cNvPr id="5" name="Rectangle 4">
+            <a:extLst>
+              <a:ext uri="{FF2B5EF4-FFF2-40B4-BE49-F238E27FC236}">
+                <a16:creationId xmlns:a16="http://schemas.microsoft.com/office/drawing/2014/main" id="{A2DE147B-1639-46CE-BA90-3F1DBADF401F}"/>
+              </a:ext>
+            </a:extLst>
+          </p:cNvPr>
+          <p:cNvSpPr/>
+          <p:nvPr/>
+        </p:nvSpPr>
+        <p:spPr>
+          <a:xfrm>
+            <a:off x="4062759" y="-4"/>
+            <a:ext cx="1636451" cy="1082150"/>
+          </a:xfrm>
+          <a:prstGeom prst="rect">
+            <a:avLst/>
+          </a:prstGeom>
+          <a:solidFill>
+            <a:schemeClr val="dk1">
+              <a:alpha val="50000"/>
+            </a:schemeClr>
+          </a:solidFill>
+          <a:ln>
+            <a:noFill/>
+          </a:ln>
+        </p:spPr>
+        <p:style>
+          <a:lnRef idx="0">
+            <a:scrgbClr r="0" g="0" b="0"/>
+          </a:lnRef>
+          <a:fillRef idx="0">
+            <a:scrgbClr r="0" g="0" b="0"/>
+          </a:fillRef>
+          <a:effectRef idx="0">
+            <a:scrgbClr r="0" g="0" b="0"/>
+          </a:effectRef>
+          <a:fontRef idx="minor">
+            <a:schemeClr val="lt1"/>
+          </a:fontRef>
+        </p:style>
+        <p:txBody>
+          <a:bodyPr rtlCol="0" anchor="ctr"/>
+          <a:lstStyle/>
+          <a:p>
+            <a:pPr algn="ctr"/>
+            <a:r>
+              <a:rPr lang="es-ES" dirty="0" err="1"/>
+              <a:t>QValues</a:t>
+            </a:r>
+            <a:endParaRPr lang="es-ES" dirty="0"/>
+          </a:p>
+        </p:txBody>
+      </p:sp>
+      <p:sp>
+        <p:nvSpPr>
+          <p:cNvPr id="6" name="Rectangle 5">
+            <a:extLst>
+              <a:ext uri="{FF2B5EF4-FFF2-40B4-BE49-F238E27FC236}">
+                <a16:creationId xmlns:a16="http://schemas.microsoft.com/office/drawing/2014/main" id="{EB65C562-EF76-430D-A098-D77210ABF692}"/>
+              </a:ext>
+            </a:extLst>
+          </p:cNvPr>
+          <p:cNvSpPr/>
+          <p:nvPr/>
+        </p:nvSpPr>
+        <p:spPr>
+          <a:xfrm>
+            <a:off x="6403994" y="0"/>
+            <a:ext cx="1636451" cy="1082150"/>
+          </a:xfrm>
+          <a:prstGeom prst="rect">
+            <a:avLst/>
+          </a:prstGeom>
+          <a:solidFill>
+            <a:schemeClr val="dk1">
+              <a:alpha val="50000"/>
+            </a:schemeClr>
+          </a:solidFill>
+          <a:ln>
+            <a:noFill/>
+          </a:ln>
+        </p:spPr>
+        <p:style>
+          <a:lnRef idx="0">
+            <a:scrgbClr r="0" g="0" b="0"/>
+          </a:lnRef>
+          <a:fillRef idx="0">
+            <a:scrgbClr r="0" g="0" b="0"/>
+          </a:fillRef>
+          <a:effectRef idx="0">
+            <a:scrgbClr r="0" g="0" b="0"/>
+          </a:effectRef>
+          <a:fontRef idx="minor">
+            <a:schemeClr val="lt1"/>
+          </a:fontRef>
+        </p:style>
+        <p:txBody>
+          <a:bodyPr rtlCol="0" anchor="ctr"/>
+          <a:lstStyle/>
+          <a:p>
+            <a:pPr marL="0" algn="ctr" rtl="0" eaLnBrk="1" latinLnBrk="0" hangingPunct="1">
+              <a:spcBef>
+                <a:spcPts val="0"/>
+              </a:spcBef>
+              <a:spcAft>
+                <a:spcPts val="0"/>
+              </a:spcAft>
+            </a:pPr>
+            <a:r>
+              <a:rPr lang="es-ES" sz="1800" kern="1200" dirty="0">
+                <a:solidFill>
+                  <a:schemeClr val="bg1"/>
+                </a:solidFill>
+                <a:effectLst/>
+                <a:latin typeface="Calibri" panose="020F0502020204030204" pitchFamily="34" charset="0"/>
+                <a:ea typeface="+mn-ea"/>
+                <a:cs typeface="+mn-cs"/>
+              </a:rPr>
+              <a:t>DQN</a:t>
+            </a:r>
+            <a:endParaRPr lang="es-ES" dirty="0">
+              <a:solidFill>
+                <a:schemeClr val="bg1"/>
+              </a:solidFill>
+              <a:effectLst/>
+            </a:endParaRPr>
+          </a:p>
+          <a:p>
+            <a:pPr marL="0" algn="ctr" rtl="0" eaLnBrk="1" latinLnBrk="0" hangingPunct="1">
+              <a:spcBef>
+                <a:spcPts val="0"/>
+              </a:spcBef>
+              <a:spcAft>
+                <a:spcPts val="0"/>
+              </a:spcAft>
+            </a:pPr>
+            <a:r>
+              <a:rPr lang="es-ES" sz="1800" kern="1200" dirty="0">
+                <a:solidFill>
+                  <a:schemeClr val="bg1"/>
+                </a:solidFill>
+                <a:effectLst/>
+                <a:latin typeface="Calibri" panose="020F0502020204030204" pitchFamily="34" charset="0"/>
+                <a:ea typeface="+mn-ea"/>
+                <a:cs typeface="+mn-cs"/>
+              </a:rPr>
+              <a:t>(</a:t>
+            </a:r>
+            <a:r>
+              <a:rPr lang="es-ES" sz="1800" kern="1200" dirty="0" err="1">
+                <a:solidFill>
+                  <a:schemeClr val="bg1"/>
+                </a:solidFill>
+                <a:effectLst/>
+                <a:latin typeface="Calibri" panose="020F0502020204030204" pitchFamily="34" charset="0"/>
+                <a:ea typeface="+mn-ea"/>
+                <a:cs typeface="+mn-cs"/>
+              </a:rPr>
+              <a:t>Policy</a:t>
+            </a:r>
+            <a:r>
+              <a:rPr lang="es-ES" sz="1800" kern="1200" dirty="0">
+                <a:solidFill>
+                  <a:schemeClr val="bg1"/>
+                </a:solidFill>
+                <a:effectLst/>
+                <a:latin typeface="Calibri" panose="020F0502020204030204" pitchFamily="34" charset="0"/>
+                <a:ea typeface="+mn-ea"/>
+                <a:cs typeface="+mn-cs"/>
+              </a:rPr>
+              <a:t> net)</a:t>
+            </a:r>
+            <a:endParaRPr lang="es-ES" dirty="0">
+              <a:solidFill>
+                <a:schemeClr val="bg1"/>
+              </a:solidFill>
+              <a:effectLst/>
+            </a:endParaRPr>
+          </a:p>
+        </p:txBody>
+      </p:sp>
+      <p:sp>
+        <p:nvSpPr>
+          <p:cNvPr id="7" name="Rectangle 6">
+            <a:extLst>
+              <a:ext uri="{FF2B5EF4-FFF2-40B4-BE49-F238E27FC236}">
+                <a16:creationId xmlns:a16="http://schemas.microsoft.com/office/drawing/2014/main" id="{6DAC8E58-C14D-4E98-8F17-1748A20B05F2}"/>
+              </a:ext>
+            </a:extLst>
+          </p:cNvPr>
+          <p:cNvSpPr/>
+          <p:nvPr/>
+        </p:nvSpPr>
+        <p:spPr>
+          <a:xfrm>
+            <a:off x="8745226" y="-5"/>
+            <a:ext cx="1636451" cy="1082150"/>
+          </a:xfrm>
+          <a:prstGeom prst="rect">
+            <a:avLst/>
+          </a:prstGeom>
+          <a:solidFill>
+            <a:schemeClr val="dk1">
+              <a:alpha val="50000"/>
+            </a:schemeClr>
+          </a:solidFill>
+          <a:ln>
+            <a:noFill/>
+          </a:ln>
+        </p:spPr>
+        <p:style>
+          <a:lnRef idx="0">
+            <a:scrgbClr r="0" g="0" b="0"/>
+          </a:lnRef>
+          <a:fillRef idx="0">
+            <a:scrgbClr r="0" g="0" b="0"/>
+          </a:fillRef>
+          <a:effectRef idx="0">
+            <a:scrgbClr r="0" g="0" b="0"/>
+          </a:effectRef>
+          <a:fontRef idx="minor">
+            <a:schemeClr val="lt1"/>
+          </a:fontRef>
+        </p:style>
+        <p:txBody>
+          <a:bodyPr rtlCol="0" anchor="ctr"/>
+          <a:lstStyle/>
+          <a:p>
+            <a:pPr marL="0" algn="ctr" rtl="0" eaLnBrk="1" latinLnBrk="0" hangingPunct="1">
+              <a:spcBef>
+                <a:spcPts val="0"/>
+              </a:spcBef>
+              <a:spcAft>
+                <a:spcPts val="0"/>
+              </a:spcAft>
+            </a:pPr>
+            <a:r>
+              <a:rPr lang="es-ES" sz="1800" kern="1200" dirty="0">
+                <a:solidFill>
+                  <a:schemeClr val="bg1"/>
+                </a:solidFill>
+                <a:effectLst/>
+                <a:latin typeface="Calibri" panose="020F0502020204030204" pitchFamily="34" charset="0"/>
+                <a:ea typeface="+mn-ea"/>
+                <a:cs typeface="+mn-cs"/>
+              </a:rPr>
+              <a:t>DQN</a:t>
+            </a:r>
+            <a:endParaRPr lang="es-ES" dirty="0">
+              <a:solidFill>
+                <a:schemeClr val="bg1"/>
+              </a:solidFill>
+              <a:effectLst/>
+            </a:endParaRPr>
+          </a:p>
+          <a:p>
+            <a:pPr marL="0" algn="ctr" rtl="0" eaLnBrk="1" latinLnBrk="0" hangingPunct="1">
+              <a:spcBef>
+                <a:spcPts val="0"/>
+              </a:spcBef>
+              <a:spcAft>
+                <a:spcPts val="0"/>
+              </a:spcAft>
+            </a:pPr>
+            <a:r>
+              <a:rPr lang="es-ES" sz="1800" kern="1200" dirty="0">
+                <a:solidFill>
+                  <a:schemeClr val="bg1"/>
+                </a:solidFill>
+                <a:effectLst/>
+                <a:latin typeface="Calibri" panose="020F0502020204030204" pitchFamily="34" charset="0"/>
+                <a:ea typeface="+mn-ea"/>
+                <a:cs typeface="+mn-cs"/>
+              </a:rPr>
+              <a:t>(Target net)</a:t>
+            </a:r>
+            <a:endParaRPr lang="es-ES" dirty="0">
+              <a:solidFill>
+                <a:schemeClr val="bg1"/>
+              </a:solidFill>
+              <a:effectLst/>
+            </a:endParaRPr>
+          </a:p>
+        </p:txBody>
+      </p:sp>
+      <p:sp>
+        <p:nvSpPr>
+          <p:cNvPr id="8" name="Rectangle 7">
+            <a:extLst>
+              <a:ext uri="{FF2B5EF4-FFF2-40B4-BE49-F238E27FC236}">
+                <a16:creationId xmlns:a16="http://schemas.microsoft.com/office/drawing/2014/main" id="{1E0D893A-7C84-4876-B9D2-A6AA11025E2F}"/>
+              </a:ext>
+            </a:extLst>
+          </p:cNvPr>
+          <p:cNvSpPr/>
+          <p:nvPr/>
+        </p:nvSpPr>
+        <p:spPr>
+          <a:xfrm>
+            <a:off x="11086455" y="0"/>
+            <a:ext cx="1636451" cy="1082150"/>
+          </a:xfrm>
+          <a:prstGeom prst="rect">
+            <a:avLst/>
+          </a:prstGeom>
+          <a:solidFill>
+            <a:schemeClr val="dk1">
+              <a:alpha val="50000"/>
+            </a:schemeClr>
+          </a:solidFill>
+          <a:ln>
+            <a:noFill/>
+          </a:ln>
+        </p:spPr>
+        <p:style>
+          <a:lnRef idx="0">
+            <a:scrgbClr r="0" g="0" b="0"/>
+          </a:lnRef>
+          <a:fillRef idx="0">
+            <a:scrgbClr r="0" g="0" b="0"/>
+          </a:fillRef>
+          <a:effectRef idx="0">
+            <a:scrgbClr r="0" g="0" b="0"/>
+          </a:effectRef>
+          <a:fontRef idx="minor">
+            <a:schemeClr val="lt1"/>
+          </a:fontRef>
+        </p:style>
+        <p:txBody>
+          <a:bodyPr rtlCol="0" anchor="ctr"/>
+          <a:lstStyle/>
+          <a:p>
+            <a:pPr algn="ctr"/>
+            <a:r>
+              <a:rPr lang="es-ES" dirty="0" err="1"/>
+              <a:t>Optimizer</a:t>
+            </a:r>
+            <a:endParaRPr lang="es-ES" dirty="0"/>
+          </a:p>
+        </p:txBody>
+      </p:sp>
+      <p:sp>
+        <p:nvSpPr>
+          <p:cNvPr id="12" name="Rectangle 11">
+            <a:extLst>
+              <a:ext uri="{FF2B5EF4-FFF2-40B4-BE49-F238E27FC236}">
+                <a16:creationId xmlns:a16="http://schemas.microsoft.com/office/drawing/2014/main" id="{CEC15072-BFA4-4C6A-8C7E-FDD2BF1D9694}"/>
+              </a:ext>
+            </a:extLst>
+          </p:cNvPr>
+          <p:cNvSpPr/>
+          <p:nvPr/>
+        </p:nvSpPr>
+        <p:spPr>
+          <a:xfrm>
+            <a:off x="-619714" y="0"/>
+            <a:ext cx="1636451" cy="1082150"/>
+          </a:xfrm>
+          <a:prstGeom prst="rect">
+            <a:avLst/>
+          </a:prstGeom>
+          <a:solidFill>
+            <a:schemeClr val="dk1">
+              <a:alpha val="50000"/>
+            </a:schemeClr>
+          </a:solidFill>
+          <a:ln>
+            <a:noFill/>
+          </a:ln>
+        </p:spPr>
+        <p:style>
+          <a:lnRef idx="0">
+            <a:scrgbClr r="0" g="0" b="0"/>
+          </a:lnRef>
+          <a:fillRef idx="0">
+            <a:scrgbClr r="0" g="0" b="0"/>
+          </a:fillRef>
+          <a:effectRef idx="0">
+            <a:scrgbClr r="0" g="0" b="0"/>
+          </a:effectRef>
+          <a:fontRef idx="minor">
+            <a:schemeClr val="lt1"/>
+          </a:fontRef>
+        </p:style>
+        <p:txBody>
+          <a:bodyPr rtlCol="0" anchor="ctr"/>
+          <a:lstStyle/>
+          <a:p>
+            <a:pPr algn="ctr"/>
+            <a:r>
+              <a:rPr lang="es-ES" dirty="0"/>
+              <a:t>Training</a:t>
+            </a:r>
+          </a:p>
+        </p:txBody>
+      </p:sp>
+      <p:cxnSp>
+        <p:nvCxnSpPr>
+          <p:cNvPr id="14" name="Straight Connector 13">
+            <a:extLst>
+              <a:ext uri="{FF2B5EF4-FFF2-40B4-BE49-F238E27FC236}">
+                <a16:creationId xmlns:a16="http://schemas.microsoft.com/office/drawing/2014/main" id="{9A3D8898-84EF-4D10-94B1-EF0E99991D11}"/>
+              </a:ext>
+            </a:extLst>
+          </p:cNvPr>
+          <p:cNvCxnSpPr>
+            <a:cxnSpLocks/>
+            <a:stCxn id="12" idx="2"/>
+          </p:cNvCxnSpPr>
+          <p:nvPr/>
+        </p:nvCxnSpPr>
+        <p:spPr>
+          <a:xfrm flipH="1">
+            <a:off x="187029" y="1082150"/>
+            <a:ext cx="11483" cy="5849859"/>
+          </a:xfrm>
+          <a:prstGeom prst="line">
+            <a:avLst/>
+          </a:prstGeom>
+          <a:ln w="19050">
+            <a:solidFill>
+              <a:schemeClr val="bg1">
+                <a:lumMod val="75000"/>
+              </a:schemeClr>
+            </a:solidFill>
+            <a:prstDash val="dash"/>
+          </a:ln>
+        </p:spPr>
+        <p:style>
+          <a:lnRef idx="1">
+            <a:schemeClr val="accent1"/>
+          </a:lnRef>
+          <a:fillRef idx="0">
+            <a:schemeClr val="accent1"/>
+          </a:fillRef>
+          <a:effectRef idx="0">
+            <a:schemeClr val="accent1"/>
+          </a:effectRef>
+          <a:fontRef idx="minor">
+            <a:schemeClr val="tx1"/>
+          </a:fontRef>
+        </p:style>
+      </p:cxnSp>
+      <p:cxnSp>
+        <p:nvCxnSpPr>
+          <p:cNvPr id="16" name="Straight Connector 15">
+            <a:extLst>
+              <a:ext uri="{FF2B5EF4-FFF2-40B4-BE49-F238E27FC236}">
+                <a16:creationId xmlns:a16="http://schemas.microsoft.com/office/drawing/2014/main" id="{D6E1D4D9-282B-4048-A1B1-1A934F9E4A7A}"/>
+              </a:ext>
+            </a:extLst>
+          </p:cNvPr>
+          <p:cNvCxnSpPr>
+            <a:cxnSpLocks/>
+          </p:cNvCxnSpPr>
+          <p:nvPr/>
+        </p:nvCxnSpPr>
+        <p:spPr>
+          <a:xfrm flipH="1">
+            <a:off x="2516950" y="1082149"/>
+            <a:ext cx="22800" cy="6696038"/>
+          </a:xfrm>
+          <a:prstGeom prst="line">
+            <a:avLst/>
+          </a:prstGeom>
+          <a:ln w="19050">
+            <a:solidFill>
+              <a:schemeClr val="bg1">
+                <a:lumMod val="75000"/>
+              </a:schemeClr>
+            </a:solidFill>
+            <a:prstDash val="dash"/>
+          </a:ln>
+        </p:spPr>
+        <p:style>
+          <a:lnRef idx="1">
+            <a:schemeClr val="accent1"/>
+          </a:lnRef>
+          <a:fillRef idx="0">
+            <a:schemeClr val="accent1"/>
+          </a:fillRef>
+          <a:effectRef idx="0">
+            <a:schemeClr val="accent1"/>
+          </a:effectRef>
+          <a:fontRef idx="minor">
+            <a:schemeClr val="tx1"/>
+          </a:fontRef>
+        </p:style>
+      </p:cxnSp>
+      <p:cxnSp>
+        <p:nvCxnSpPr>
+          <p:cNvPr id="80" name="Straight Arrow Connector 79">
+            <a:extLst>
+              <a:ext uri="{FF2B5EF4-FFF2-40B4-BE49-F238E27FC236}">
+                <a16:creationId xmlns:a16="http://schemas.microsoft.com/office/drawing/2014/main" id="{F3055DAF-D478-4B58-AD1D-7027C6C5892B}"/>
+              </a:ext>
+            </a:extLst>
+          </p:cNvPr>
+          <p:cNvCxnSpPr>
+            <a:cxnSpLocks/>
+          </p:cNvCxnSpPr>
+          <p:nvPr/>
+        </p:nvCxnSpPr>
+        <p:spPr>
+          <a:xfrm flipV="1">
+            <a:off x="190505" y="1611272"/>
+            <a:ext cx="2348342" cy="4832"/>
+          </a:xfrm>
+          <a:prstGeom prst="straightConnector1">
+            <a:avLst/>
+          </a:prstGeom>
+          <a:ln w="28575">
+            <a:solidFill>
+              <a:schemeClr val="tx1">
+                <a:lumMod val="95000"/>
+                <a:lumOff val="5000"/>
+              </a:schemeClr>
+            </a:solidFill>
+            <a:tailEnd type="triangle"/>
+          </a:ln>
+        </p:spPr>
+        <p:style>
+          <a:lnRef idx="1">
+            <a:schemeClr val="accent1"/>
+          </a:lnRef>
+          <a:fillRef idx="0">
+            <a:schemeClr val="accent1"/>
+          </a:fillRef>
+          <a:effectRef idx="0">
+            <a:schemeClr val="accent1"/>
+          </a:effectRef>
+          <a:fontRef idx="minor">
+            <a:schemeClr val="tx1"/>
+          </a:fontRef>
+        </p:style>
+      </p:cxnSp>
+      <p:sp>
+        <p:nvSpPr>
+          <p:cNvPr id="81" name="TextBox 80">
+            <a:extLst>
+              <a:ext uri="{FF2B5EF4-FFF2-40B4-BE49-F238E27FC236}">
+                <a16:creationId xmlns:a16="http://schemas.microsoft.com/office/drawing/2014/main" id="{1051168F-84F7-47AF-839E-38B0B0ED9972}"/>
+              </a:ext>
+            </a:extLst>
+          </p:cNvPr>
+          <p:cNvSpPr txBox="1"/>
+          <p:nvPr/>
+        </p:nvSpPr>
+        <p:spPr>
+          <a:xfrm>
+            <a:off x="240183" y="1230736"/>
+            <a:ext cx="2283871" cy="369332"/>
+          </a:xfrm>
+          <a:prstGeom prst="rect">
+            <a:avLst/>
+          </a:prstGeom>
+          <a:noFill/>
+        </p:spPr>
+        <p:txBody>
+          <a:bodyPr wrap="square" rtlCol="0">
+            <a:spAutoFit/>
+          </a:bodyPr>
+          <a:lstStyle/>
+          <a:p>
+            <a:pPr algn="ctr"/>
+            <a:r>
+              <a:rPr lang="es-ES" dirty="0" err="1"/>
+              <a:t>CanProvideSample</a:t>
+            </a:r>
+            <a:r>
+              <a:rPr lang="es-ES" dirty="0"/>
+              <a:t>()</a:t>
+            </a:r>
+          </a:p>
+        </p:txBody>
+      </p:sp>
+      <p:cxnSp>
+        <p:nvCxnSpPr>
+          <p:cNvPr id="82" name="Straight Arrow Connector 81">
+            <a:extLst>
+              <a:ext uri="{FF2B5EF4-FFF2-40B4-BE49-F238E27FC236}">
+                <a16:creationId xmlns:a16="http://schemas.microsoft.com/office/drawing/2014/main" id="{9AB9D189-18BC-4EE6-ABC7-B067F2FD4473}"/>
+              </a:ext>
+            </a:extLst>
+          </p:cNvPr>
+          <p:cNvCxnSpPr>
+            <a:cxnSpLocks/>
+          </p:cNvCxnSpPr>
+          <p:nvPr/>
+        </p:nvCxnSpPr>
+        <p:spPr>
+          <a:xfrm flipH="1">
+            <a:off x="212395" y="2000165"/>
+            <a:ext cx="2326452" cy="0"/>
+          </a:xfrm>
+          <a:prstGeom prst="straightConnector1">
+            <a:avLst/>
+          </a:prstGeom>
+          <a:ln w="28575">
+            <a:solidFill>
+              <a:schemeClr val="tx1">
+                <a:lumMod val="95000"/>
+                <a:lumOff val="5000"/>
+              </a:schemeClr>
+            </a:solidFill>
+            <a:tailEnd type="triangle"/>
+          </a:ln>
+        </p:spPr>
+        <p:style>
+          <a:lnRef idx="1">
+            <a:schemeClr val="accent1"/>
+          </a:lnRef>
+          <a:fillRef idx="0">
+            <a:schemeClr val="accent1"/>
+          </a:fillRef>
+          <a:effectRef idx="0">
+            <a:schemeClr val="accent1"/>
+          </a:effectRef>
+          <a:fontRef idx="minor">
+            <a:schemeClr val="tx1"/>
+          </a:fontRef>
+        </p:style>
+      </p:cxnSp>
+      <p:sp>
+        <p:nvSpPr>
+          <p:cNvPr id="83" name="TextBox 82">
+            <a:extLst>
+              <a:ext uri="{FF2B5EF4-FFF2-40B4-BE49-F238E27FC236}">
+                <a16:creationId xmlns:a16="http://schemas.microsoft.com/office/drawing/2014/main" id="{9908897E-C3D7-4095-90E4-97C6531DDD6E}"/>
+              </a:ext>
+            </a:extLst>
+          </p:cNvPr>
+          <p:cNvSpPr txBox="1"/>
+          <p:nvPr/>
+        </p:nvSpPr>
+        <p:spPr>
+          <a:xfrm>
+            <a:off x="197609" y="1634553"/>
+            <a:ext cx="2326451" cy="369332"/>
+          </a:xfrm>
+          <a:prstGeom prst="rect">
+            <a:avLst/>
+          </a:prstGeom>
+          <a:noFill/>
+        </p:spPr>
+        <p:txBody>
+          <a:bodyPr wrap="square" rtlCol="0">
+            <a:spAutoFit/>
+          </a:bodyPr>
+          <a:lstStyle/>
+          <a:p>
+            <a:pPr algn="ctr"/>
+            <a:r>
+              <a:rPr lang="es-ES" dirty="0"/>
+              <a:t>True/False</a:t>
+            </a:r>
+          </a:p>
+        </p:txBody>
+      </p:sp>
+      <p:sp>
+        <p:nvSpPr>
+          <p:cNvPr id="84" name="TextBox 83">
+            <a:extLst>
+              <a:ext uri="{FF2B5EF4-FFF2-40B4-BE49-F238E27FC236}">
+                <a16:creationId xmlns:a16="http://schemas.microsoft.com/office/drawing/2014/main" id="{F252D144-752C-4F9B-87E0-9AE9DAA2AD3C}"/>
+              </a:ext>
+            </a:extLst>
+          </p:cNvPr>
+          <p:cNvSpPr txBox="1"/>
+          <p:nvPr/>
+        </p:nvSpPr>
+        <p:spPr>
+          <a:xfrm>
+            <a:off x="345189" y="6756181"/>
+            <a:ext cx="1910937" cy="307777"/>
+          </a:xfrm>
+          <a:prstGeom prst="rect">
+            <a:avLst/>
+          </a:prstGeom>
+        </p:spPr>
+        <p:style>
+          <a:lnRef idx="3">
+            <a:schemeClr val="lt1"/>
+          </a:lnRef>
+          <a:fillRef idx="1">
+            <a:schemeClr val="accent3"/>
+          </a:fillRef>
+          <a:effectRef idx="1">
+            <a:schemeClr val="accent3"/>
+          </a:effectRef>
+          <a:fontRef idx="minor">
+            <a:schemeClr val="lt1"/>
+          </a:fontRef>
+        </p:style>
+        <p:txBody>
+          <a:bodyPr wrap="square" rtlCol="0">
+            <a:spAutoFit/>
+          </a:bodyPr>
+          <a:lstStyle/>
+          <a:p>
+            <a:pPr algn="ctr"/>
+            <a:r>
+              <a:rPr lang="es-ES" sz="1400" i="1" dirty="0"/>
+              <a:t>After N steps</a:t>
+            </a:r>
+          </a:p>
+        </p:txBody>
+      </p:sp>
+      <p:cxnSp>
+        <p:nvCxnSpPr>
+          <p:cNvPr id="91" name="Straight Arrow Connector 90">
+            <a:extLst>
+              <a:ext uri="{FF2B5EF4-FFF2-40B4-BE49-F238E27FC236}">
+                <a16:creationId xmlns:a16="http://schemas.microsoft.com/office/drawing/2014/main" id="{521B41BF-09E8-4D20-907B-3DBD8E89CAB2}"/>
+              </a:ext>
+            </a:extLst>
+          </p:cNvPr>
+          <p:cNvCxnSpPr>
+            <a:cxnSpLocks/>
+          </p:cNvCxnSpPr>
+          <p:nvPr/>
+        </p:nvCxnSpPr>
+        <p:spPr>
+          <a:xfrm flipV="1">
+            <a:off x="183401" y="2474271"/>
+            <a:ext cx="2348342" cy="4832"/>
+          </a:xfrm>
+          <a:prstGeom prst="straightConnector1">
+            <a:avLst/>
+          </a:prstGeom>
+          <a:ln w="28575">
+            <a:solidFill>
+              <a:schemeClr val="tx1">
+                <a:lumMod val="95000"/>
+                <a:lumOff val="5000"/>
+              </a:schemeClr>
+            </a:solidFill>
+            <a:tailEnd type="triangle"/>
+          </a:ln>
+        </p:spPr>
+        <p:style>
+          <a:lnRef idx="1">
+            <a:schemeClr val="accent1"/>
+          </a:lnRef>
+          <a:fillRef idx="0">
+            <a:schemeClr val="accent1"/>
+          </a:fillRef>
+          <a:effectRef idx="0">
+            <a:schemeClr val="accent1"/>
+          </a:effectRef>
+          <a:fontRef idx="minor">
+            <a:schemeClr val="tx1"/>
+          </a:fontRef>
+        </p:style>
+      </p:cxnSp>
+      <p:sp>
+        <p:nvSpPr>
+          <p:cNvPr id="99" name="TextBox 98">
+            <a:extLst>
+              <a:ext uri="{FF2B5EF4-FFF2-40B4-BE49-F238E27FC236}">
+                <a16:creationId xmlns:a16="http://schemas.microsoft.com/office/drawing/2014/main" id="{956CC3A0-2379-42FC-9E7A-A631EE57FF78}"/>
+              </a:ext>
+            </a:extLst>
+          </p:cNvPr>
+          <p:cNvSpPr txBox="1"/>
+          <p:nvPr/>
+        </p:nvSpPr>
+        <p:spPr>
+          <a:xfrm>
+            <a:off x="233079" y="2093735"/>
+            <a:ext cx="2283871" cy="369332"/>
+          </a:xfrm>
+          <a:prstGeom prst="rect">
+            <a:avLst/>
+          </a:prstGeom>
+          <a:noFill/>
+        </p:spPr>
+        <p:txBody>
+          <a:bodyPr wrap="square" rtlCol="0">
+            <a:spAutoFit/>
+          </a:bodyPr>
+          <a:lstStyle/>
+          <a:p>
+            <a:pPr algn="ctr"/>
+            <a:r>
+              <a:rPr lang="es-ES" dirty="0" err="1"/>
+              <a:t>getRandomSample</a:t>
+            </a:r>
+            <a:r>
+              <a:rPr lang="es-ES" dirty="0"/>
+              <a:t>()</a:t>
+            </a:r>
+          </a:p>
+        </p:txBody>
+      </p:sp>
+      <p:cxnSp>
+        <p:nvCxnSpPr>
+          <p:cNvPr id="100" name="Straight Arrow Connector 99">
+            <a:extLst>
+              <a:ext uri="{FF2B5EF4-FFF2-40B4-BE49-F238E27FC236}">
+                <a16:creationId xmlns:a16="http://schemas.microsoft.com/office/drawing/2014/main" id="{D1969847-343B-47FC-8653-B67F1CA42D50}"/>
+              </a:ext>
+            </a:extLst>
+          </p:cNvPr>
+          <p:cNvCxnSpPr>
+            <a:cxnSpLocks/>
+          </p:cNvCxnSpPr>
+          <p:nvPr/>
+        </p:nvCxnSpPr>
+        <p:spPr>
+          <a:xfrm flipH="1">
+            <a:off x="205291" y="2863164"/>
+            <a:ext cx="2326452" cy="0"/>
+          </a:xfrm>
+          <a:prstGeom prst="straightConnector1">
+            <a:avLst/>
+          </a:prstGeom>
+          <a:ln w="28575">
+            <a:solidFill>
+              <a:schemeClr val="tx1">
+                <a:lumMod val="95000"/>
+                <a:lumOff val="5000"/>
+              </a:schemeClr>
+            </a:solidFill>
+            <a:tailEnd type="triangle"/>
+          </a:ln>
+        </p:spPr>
+        <p:style>
+          <a:lnRef idx="1">
+            <a:schemeClr val="accent1"/>
+          </a:lnRef>
+          <a:fillRef idx="0">
+            <a:schemeClr val="accent1"/>
+          </a:fillRef>
+          <a:effectRef idx="0">
+            <a:schemeClr val="accent1"/>
+          </a:effectRef>
+          <a:fontRef idx="minor">
+            <a:schemeClr val="tx1"/>
+          </a:fontRef>
+        </p:style>
+      </p:cxnSp>
+      <p:sp>
+        <p:nvSpPr>
+          <p:cNvPr id="101" name="TextBox 100">
+            <a:extLst>
+              <a:ext uri="{FF2B5EF4-FFF2-40B4-BE49-F238E27FC236}">
+                <a16:creationId xmlns:a16="http://schemas.microsoft.com/office/drawing/2014/main" id="{19593D17-42C4-406B-82B1-4A492A27E5F4}"/>
+              </a:ext>
+            </a:extLst>
+          </p:cNvPr>
+          <p:cNvSpPr txBox="1"/>
+          <p:nvPr/>
+        </p:nvSpPr>
+        <p:spPr>
+          <a:xfrm>
+            <a:off x="190505" y="2497552"/>
+            <a:ext cx="2326451" cy="369332"/>
+          </a:xfrm>
+          <a:prstGeom prst="rect">
+            <a:avLst/>
+          </a:prstGeom>
+          <a:noFill/>
+        </p:spPr>
+        <p:txBody>
+          <a:bodyPr wrap="square" rtlCol="0">
+            <a:spAutoFit/>
+          </a:bodyPr>
+          <a:lstStyle/>
+          <a:p>
+            <a:pPr algn="ctr"/>
+            <a:r>
+              <a:rPr lang="es-ES" dirty="0" err="1"/>
+              <a:t>Sample</a:t>
+            </a:r>
+            <a:endParaRPr lang="es-ES" dirty="0"/>
+          </a:p>
+        </p:txBody>
+      </p:sp>
+      <p:cxnSp>
+        <p:nvCxnSpPr>
+          <p:cNvPr id="102" name="Straight Arrow Connector 101">
+            <a:extLst>
+              <a:ext uri="{FF2B5EF4-FFF2-40B4-BE49-F238E27FC236}">
+                <a16:creationId xmlns:a16="http://schemas.microsoft.com/office/drawing/2014/main" id="{FD141ECD-4C36-41D2-9190-1BA5B357AA95}"/>
+              </a:ext>
+            </a:extLst>
+          </p:cNvPr>
+          <p:cNvCxnSpPr>
+            <a:cxnSpLocks/>
+          </p:cNvCxnSpPr>
+          <p:nvPr/>
+        </p:nvCxnSpPr>
+        <p:spPr>
+          <a:xfrm flipV="1">
+            <a:off x="197609" y="3228777"/>
+            <a:ext cx="4679818" cy="18449"/>
+          </a:xfrm>
+          <a:prstGeom prst="straightConnector1">
+            <a:avLst/>
+          </a:prstGeom>
+          <a:ln w="28575">
+            <a:solidFill>
+              <a:schemeClr val="tx1">
+                <a:lumMod val="95000"/>
+                <a:lumOff val="5000"/>
+              </a:schemeClr>
+            </a:solidFill>
+            <a:tailEnd type="triangle"/>
+          </a:ln>
+        </p:spPr>
+        <p:style>
+          <a:lnRef idx="1">
+            <a:schemeClr val="accent1"/>
+          </a:lnRef>
+          <a:fillRef idx="0">
+            <a:schemeClr val="accent1"/>
+          </a:fillRef>
+          <a:effectRef idx="0">
+            <a:schemeClr val="accent1"/>
+          </a:effectRef>
+          <a:fontRef idx="minor">
+            <a:schemeClr val="tx1"/>
+          </a:fontRef>
+        </p:style>
+      </p:cxnSp>
+      <p:cxnSp>
+        <p:nvCxnSpPr>
+          <p:cNvPr id="103" name="Straight Arrow Connector 102">
+            <a:extLst>
+              <a:ext uri="{FF2B5EF4-FFF2-40B4-BE49-F238E27FC236}">
+                <a16:creationId xmlns:a16="http://schemas.microsoft.com/office/drawing/2014/main" id="{EC024756-994E-495D-87C1-7B42BF905925}"/>
+              </a:ext>
+            </a:extLst>
+          </p:cNvPr>
+          <p:cNvCxnSpPr>
+            <a:cxnSpLocks/>
+          </p:cNvCxnSpPr>
+          <p:nvPr/>
+        </p:nvCxnSpPr>
+        <p:spPr>
+          <a:xfrm flipH="1" flipV="1">
+            <a:off x="212395" y="3817461"/>
+            <a:ext cx="4672147" cy="7439"/>
+          </a:xfrm>
+          <a:prstGeom prst="straightConnector1">
+            <a:avLst/>
+          </a:prstGeom>
+          <a:ln w="28575">
+            <a:solidFill>
+              <a:schemeClr val="tx1">
+                <a:lumMod val="95000"/>
+                <a:lumOff val="5000"/>
+              </a:schemeClr>
+            </a:solidFill>
+            <a:tailEnd type="triangle"/>
+          </a:ln>
+        </p:spPr>
+        <p:style>
+          <a:lnRef idx="1">
+            <a:schemeClr val="accent1"/>
+          </a:lnRef>
+          <a:fillRef idx="0">
+            <a:schemeClr val="accent1"/>
+          </a:fillRef>
+          <a:effectRef idx="0">
+            <a:schemeClr val="accent1"/>
+          </a:effectRef>
+          <a:fontRef idx="minor">
+            <a:schemeClr val="tx1"/>
+          </a:fontRef>
+        </p:style>
+      </p:cxnSp>
+      <p:sp>
+        <p:nvSpPr>
+          <p:cNvPr id="104" name="TextBox 103">
+            <a:extLst>
+              <a:ext uri="{FF2B5EF4-FFF2-40B4-BE49-F238E27FC236}">
+                <a16:creationId xmlns:a16="http://schemas.microsoft.com/office/drawing/2014/main" id="{34DBC948-4EC7-4FAD-80D2-04DCA99DBDE4}"/>
+              </a:ext>
+            </a:extLst>
+          </p:cNvPr>
+          <p:cNvSpPr txBox="1"/>
+          <p:nvPr/>
+        </p:nvSpPr>
+        <p:spPr>
+          <a:xfrm>
+            <a:off x="205291" y="2855725"/>
+            <a:ext cx="4664127" cy="369332"/>
+          </a:xfrm>
+          <a:prstGeom prst="rect">
+            <a:avLst/>
+          </a:prstGeom>
+          <a:noFill/>
+        </p:spPr>
+        <p:txBody>
+          <a:bodyPr wrap="square" rtlCol="0">
+            <a:spAutoFit/>
+          </a:bodyPr>
+          <a:lstStyle/>
+          <a:p>
+            <a:pPr algn="ctr"/>
+            <a:r>
+              <a:rPr lang="es-ES" dirty="0" err="1"/>
+              <a:t>GetCurrentQValues</a:t>
+            </a:r>
+            <a:r>
+              <a:rPr lang="es-ES" dirty="0"/>
+              <a:t>()</a:t>
+            </a:r>
+          </a:p>
+        </p:txBody>
+      </p:sp>
+      <p:sp>
+        <p:nvSpPr>
+          <p:cNvPr id="105" name="TextBox 104">
+            <a:extLst>
+              <a:ext uri="{FF2B5EF4-FFF2-40B4-BE49-F238E27FC236}">
+                <a16:creationId xmlns:a16="http://schemas.microsoft.com/office/drawing/2014/main" id="{343E0FC5-14DE-4DDA-B4A7-25B2A3A1B77F}"/>
+              </a:ext>
+            </a:extLst>
+          </p:cNvPr>
+          <p:cNvSpPr txBox="1"/>
+          <p:nvPr/>
+        </p:nvSpPr>
+        <p:spPr>
+          <a:xfrm>
+            <a:off x="206783" y="3423841"/>
+            <a:ext cx="4664127" cy="369332"/>
+          </a:xfrm>
+          <a:prstGeom prst="rect">
+            <a:avLst/>
+          </a:prstGeom>
+          <a:noFill/>
+        </p:spPr>
+        <p:txBody>
+          <a:bodyPr wrap="square" rtlCol="0">
+            <a:spAutoFit/>
+          </a:bodyPr>
+          <a:lstStyle/>
+          <a:p>
+            <a:pPr algn="ctr"/>
+            <a:r>
+              <a:rPr lang="es-ES" dirty="0" err="1"/>
+              <a:t>current</a:t>
+            </a:r>
+            <a:r>
+              <a:rPr lang="es-ES" dirty="0"/>
+              <a:t> </a:t>
+            </a:r>
+            <a:r>
+              <a:rPr lang="es-ES" dirty="0">
+                <a:solidFill>
+                  <a:schemeClr val="tx1">
+                    <a:lumMod val="50000"/>
+                    <a:lumOff val="50000"/>
+                  </a:schemeClr>
+                </a:solidFill>
+              </a:rPr>
+              <a:t>(Q </a:t>
+            </a:r>
+            <a:r>
+              <a:rPr lang="es-ES" dirty="0" err="1">
+                <a:solidFill>
+                  <a:schemeClr val="tx1">
+                    <a:lumMod val="50000"/>
+                    <a:lumOff val="50000"/>
+                  </a:schemeClr>
+                </a:solidFill>
+              </a:rPr>
+              <a:t>Values</a:t>
+            </a:r>
+            <a:r>
+              <a:rPr lang="es-ES" dirty="0">
+                <a:solidFill>
+                  <a:schemeClr val="tx1">
+                    <a:lumMod val="50000"/>
+                    <a:lumOff val="50000"/>
+                  </a:schemeClr>
+                </a:solidFill>
+              </a:rPr>
+              <a:t>)</a:t>
+            </a:r>
+            <a:endParaRPr lang="es-ES" dirty="0"/>
+          </a:p>
+        </p:txBody>
+      </p:sp>
+      <p:cxnSp>
+        <p:nvCxnSpPr>
+          <p:cNvPr id="111" name="Straight Arrow Connector 110">
+            <a:extLst>
+              <a:ext uri="{FF2B5EF4-FFF2-40B4-BE49-F238E27FC236}">
+                <a16:creationId xmlns:a16="http://schemas.microsoft.com/office/drawing/2014/main" id="{A68E8B3A-06D5-49D0-B0D6-D0C1C38CC015}"/>
+              </a:ext>
+            </a:extLst>
+          </p:cNvPr>
+          <p:cNvCxnSpPr>
+            <a:cxnSpLocks/>
+          </p:cNvCxnSpPr>
+          <p:nvPr/>
+        </p:nvCxnSpPr>
+        <p:spPr>
+          <a:xfrm flipV="1">
+            <a:off x="211241" y="4220891"/>
+            <a:ext cx="4679818" cy="18449"/>
+          </a:xfrm>
+          <a:prstGeom prst="straightConnector1">
+            <a:avLst/>
+          </a:prstGeom>
+          <a:ln w="28575">
+            <a:solidFill>
+              <a:schemeClr val="tx1">
+                <a:lumMod val="95000"/>
+                <a:lumOff val="5000"/>
+              </a:schemeClr>
+            </a:solidFill>
+            <a:tailEnd type="triangle"/>
+          </a:ln>
+        </p:spPr>
+        <p:style>
+          <a:lnRef idx="1">
+            <a:schemeClr val="accent1"/>
+          </a:lnRef>
+          <a:fillRef idx="0">
+            <a:schemeClr val="accent1"/>
+          </a:fillRef>
+          <a:effectRef idx="0">
+            <a:schemeClr val="accent1"/>
+          </a:effectRef>
+          <a:fontRef idx="minor">
+            <a:schemeClr val="tx1"/>
+          </a:fontRef>
+        </p:style>
+      </p:cxnSp>
+      <p:cxnSp>
+        <p:nvCxnSpPr>
+          <p:cNvPr id="112" name="Straight Arrow Connector 111">
+            <a:extLst>
+              <a:ext uri="{FF2B5EF4-FFF2-40B4-BE49-F238E27FC236}">
+                <a16:creationId xmlns:a16="http://schemas.microsoft.com/office/drawing/2014/main" id="{8A039595-6D7C-4DD9-9FD4-E15E38E9A514}"/>
+              </a:ext>
+            </a:extLst>
+          </p:cNvPr>
+          <p:cNvCxnSpPr>
+            <a:cxnSpLocks/>
+          </p:cNvCxnSpPr>
+          <p:nvPr/>
+        </p:nvCxnSpPr>
+        <p:spPr>
+          <a:xfrm flipH="1" flipV="1">
+            <a:off x="226027" y="4994775"/>
+            <a:ext cx="4672147" cy="7439"/>
+          </a:xfrm>
+          <a:prstGeom prst="straightConnector1">
+            <a:avLst/>
+          </a:prstGeom>
+          <a:ln w="28575">
+            <a:solidFill>
+              <a:schemeClr val="tx1">
+                <a:lumMod val="95000"/>
+                <a:lumOff val="5000"/>
+              </a:schemeClr>
+            </a:solidFill>
+            <a:tailEnd type="triangle"/>
+          </a:ln>
+        </p:spPr>
+        <p:style>
+          <a:lnRef idx="1">
+            <a:schemeClr val="accent1"/>
+          </a:lnRef>
+          <a:fillRef idx="0">
+            <a:schemeClr val="accent1"/>
+          </a:fillRef>
+          <a:effectRef idx="0">
+            <a:schemeClr val="accent1"/>
+          </a:effectRef>
+          <a:fontRef idx="minor">
+            <a:schemeClr val="tx1"/>
+          </a:fontRef>
+        </p:style>
+      </p:cxnSp>
+      <p:sp>
+        <p:nvSpPr>
+          <p:cNvPr id="113" name="TextBox 112">
+            <a:extLst>
+              <a:ext uri="{FF2B5EF4-FFF2-40B4-BE49-F238E27FC236}">
+                <a16:creationId xmlns:a16="http://schemas.microsoft.com/office/drawing/2014/main" id="{0B0716D3-2BFA-49C1-9594-463B55748FC2}"/>
+              </a:ext>
+            </a:extLst>
+          </p:cNvPr>
+          <p:cNvSpPr txBox="1"/>
+          <p:nvPr/>
+        </p:nvSpPr>
+        <p:spPr>
+          <a:xfrm>
+            <a:off x="218923" y="3847839"/>
+            <a:ext cx="4664127" cy="369332"/>
+          </a:xfrm>
+          <a:prstGeom prst="rect">
+            <a:avLst/>
+          </a:prstGeom>
+          <a:noFill/>
+        </p:spPr>
+        <p:txBody>
+          <a:bodyPr wrap="square" rtlCol="0">
+            <a:spAutoFit/>
+          </a:bodyPr>
+          <a:lstStyle/>
+          <a:p>
+            <a:pPr algn="ctr"/>
+            <a:r>
+              <a:rPr lang="es-ES" dirty="0" err="1"/>
+              <a:t>GetNextQValues</a:t>
+            </a:r>
+            <a:r>
+              <a:rPr lang="es-ES" dirty="0"/>
+              <a:t>()</a:t>
+            </a:r>
+          </a:p>
+        </p:txBody>
+      </p:sp>
+      <p:sp>
+        <p:nvSpPr>
+          <p:cNvPr id="114" name="TextBox 113">
+            <a:extLst>
+              <a:ext uri="{FF2B5EF4-FFF2-40B4-BE49-F238E27FC236}">
+                <a16:creationId xmlns:a16="http://schemas.microsoft.com/office/drawing/2014/main" id="{37045EC2-CE16-4145-8D36-B4035DACBE58}"/>
+              </a:ext>
+            </a:extLst>
+          </p:cNvPr>
+          <p:cNvSpPr txBox="1"/>
+          <p:nvPr/>
+        </p:nvSpPr>
+        <p:spPr>
+          <a:xfrm>
+            <a:off x="220415" y="4601155"/>
+            <a:ext cx="4664127" cy="369332"/>
+          </a:xfrm>
+          <a:prstGeom prst="rect">
+            <a:avLst/>
+          </a:prstGeom>
+          <a:noFill/>
+        </p:spPr>
+        <p:txBody>
+          <a:bodyPr wrap="square" rtlCol="0">
+            <a:spAutoFit/>
+          </a:bodyPr>
+          <a:lstStyle/>
+          <a:p>
+            <a:pPr algn="ctr"/>
+            <a:r>
+              <a:rPr lang="es-ES" dirty="0" err="1"/>
+              <a:t>next</a:t>
+            </a:r>
+            <a:r>
+              <a:rPr lang="es-ES" dirty="0"/>
+              <a:t> </a:t>
+            </a:r>
+            <a:r>
+              <a:rPr lang="es-ES" dirty="0">
+                <a:solidFill>
+                  <a:schemeClr val="tx1">
+                    <a:lumMod val="50000"/>
+                    <a:lumOff val="50000"/>
+                  </a:schemeClr>
+                </a:solidFill>
+              </a:rPr>
+              <a:t>(Q </a:t>
+            </a:r>
+            <a:r>
+              <a:rPr lang="es-ES" dirty="0" err="1">
+                <a:solidFill>
+                  <a:schemeClr val="tx1">
+                    <a:lumMod val="50000"/>
+                    <a:lumOff val="50000"/>
+                  </a:schemeClr>
+                </a:solidFill>
+              </a:rPr>
+              <a:t>Values</a:t>
+            </a:r>
+            <a:r>
+              <a:rPr lang="es-ES" dirty="0">
+                <a:solidFill>
+                  <a:schemeClr val="tx1">
+                    <a:lumMod val="50000"/>
+                    <a:lumOff val="50000"/>
+                  </a:schemeClr>
+                </a:solidFill>
+              </a:rPr>
+              <a:t>)</a:t>
+            </a:r>
+            <a:endParaRPr lang="es-ES" dirty="0"/>
+          </a:p>
+        </p:txBody>
+      </p:sp>
+      <p:cxnSp>
+        <p:nvCxnSpPr>
+          <p:cNvPr id="115" name="Straight Arrow Connector 114">
+            <a:extLst>
+              <a:ext uri="{FF2B5EF4-FFF2-40B4-BE49-F238E27FC236}">
+                <a16:creationId xmlns:a16="http://schemas.microsoft.com/office/drawing/2014/main" id="{905B9549-6582-419B-9A63-1A72CFF589C7}"/>
+              </a:ext>
+            </a:extLst>
+          </p:cNvPr>
+          <p:cNvCxnSpPr>
+            <a:cxnSpLocks/>
+          </p:cNvCxnSpPr>
+          <p:nvPr/>
+        </p:nvCxnSpPr>
+        <p:spPr>
+          <a:xfrm flipV="1">
+            <a:off x="212395" y="5411483"/>
+            <a:ext cx="4679818" cy="18449"/>
+          </a:xfrm>
+          <a:prstGeom prst="straightConnector1">
+            <a:avLst/>
+          </a:prstGeom>
+          <a:ln w="28575">
+            <a:solidFill>
+              <a:schemeClr val="tx1">
+                <a:lumMod val="95000"/>
+                <a:lumOff val="5000"/>
+              </a:schemeClr>
+            </a:solidFill>
+            <a:tailEnd type="triangle"/>
+          </a:ln>
+        </p:spPr>
+        <p:style>
+          <a:lnRef idx="1">
+            <a:schemeClr val="accent1"/>
+          </a:lnRef>
+          <a:fillRef idx="0">
+            <a:schemeClr val="accent1"/>
+          </a:fillRef>
+          <a:effectRef idx="0">
+            <a:schemeClr val="accent1"/>
+          </a:effectRef>
+          <a:fontRef idx="minor">
+            <a:schemeClr val="tx1"/>
+          </a:fontRef>
+        </p:style>
+      </p:cxnSp>
+      <p:cxnSp>
+        <p:nvCxnSpPr>
+          <p:cNvPr id="116" name="Straight Arrow Connector 115">
+            <a:extLst>
+              <a:ext uri="{FF2B5EF4-FFF2-40B4-BE49-F238E27FC236}">
+                <a16:creationId xmlns:a16="http://schemas.microsoft.com/office/drawing/2014/main" id="{AF4B6F0F-8A31-4773-B919-481EDC26474C}"/>
+              </a:ext>
+            </a:extLst>
+          </p:cNvPr>
+          <p:cNvCxnSpPr>
+            <a:cxnSpLocks/>
+          </p:cNvCxnSpPr>
+          <p:nvPr/>
+        </p:nvCxnSpPr>
+        <p:spPr>
+          <a:xfrm flipH="1" flipV="1">
+            <a:off x="227181" y="5791825"/>
+            <a:ext cx="4672147" cy="7439"/>
+          </a:xfrm>
+          <a:prstGeom prst="straightConnector1">
+            <a:avLst/>
+          </a:prstGeom>
+          <a:ln w="28575">
+            <a:solidFill>
+              <a:schemeClr val="tx1">
+                <a:lumMod val="95000"/>
+                <a:lumOff val="5000"/>
+              </a:schemeClr>
+            </a:solidFill>
+            <a:tailEnd type="triangle"/>
+          </a:ln>
+        </p:spPr>
+        <p:style>
+          <a:lnRef idx="1">
+            <a:schemeClr val="accent1"/>
+          </a:lnRef>
+          <a:fillRef idx="0">
+            <a:schemeClr val="accent1"/>
+          </a:fillRef>
+          <a:effectRef idx="0">
+            <a:schemeClr val="accent1"/>
+          </a:effectRef>
+          <a:fontRef idx="minor">
+            <a:schemeClr val="tx1"/>
+          </a:fontRef>
+        </p:style>
+      </p:cxnSp>
+      <p:sp>
+        <p:nvSpPr>
+          <p:cNvPr id="117" name="TextBox 116">
+            <a:extLst>
+              <a:ext uri="{FF2B5EF4-FFF2-40B4-BE49-F238E27FC236}">
+                <a16:creationId xmlns:a16="http://schemas.microsoft.com/office/drawing/2014/main" id="{E07E41AB-1D52-4EF4-B7EC-508F9180C1FB}"/>
+              </a:ext>
+            </a:extLst>
+          </p:cNvPr>
+          <p:cNvSpPr txBox="1"/>
+          <p:nvPr/>
+        </p:nvSpPr>
+        <p:spPr>
+          <a:xfrm>
+            <a:off x="220077" y="5038431"/>
+            <a:ext cx="4664127" cy="369332"/>
+          </a:xfrm>
+          <a:prstGeom prst="rect">
+            <a:avLst/>
+          </a:prstGeom>
+          <a:noFill/>
+        </p:spPr>
+        <p:txBody>
+          <a:bodyPr wrap="square" rtlCol="0">
+            <a:spAutoFit/>
+          </a:bodyPr>
+          <a:lstStyle/>
+          <a:p>
+            <a:pPr algn="ctr"/>
+            <a:r>
+              <a:rPr lang="es-ES" dirty="0" err="1"/>
+              <a:t>TargetQValues</a:t>
+            </a:r>
+            <a:r>
+              <a:rPr lang="es-ES" dirty="0"/>
+              <a:t>(</a:t>
+            </a:r>
+            <a:r>
+              <a:rPr lang="es-ES" dirty="0" err="1"/>
+              <a:t>current</a:t>
+            </a:r>
+            <a:r>
+              <a:rPr lang="es-ES" dirty="0"/>
+              <a:t>, </a:t>
+            </a:r>
+            <a:r>
+              <a:rPr lang="es-ES" dirty="0" err="1"/>
+              <a:t>next</a:t>
+            </a:r>
+            <a:r>
+              <a:rPr lang="es-ES" dirty="0"/>
+              <a:t>)</a:t>
+            </a:r>
+          </a:p>
+        </p:txBody>
+      </p:sp>
+      <p:cxnSp>
+        <p:nvCxnSpPr>
+          <p:cNvPr id="119" name="Straight Arrow Connector 118">
+            <a:extLst>
+              <a:ext uri="{FF2B5EF4-FFF2-40B4-BE49-F238E27FC236}">
+                <a16:creationId xmlns:a16="http://schemas.microsoft.com/office/drawing/2014/main" id="{2D46C6EA-B3DE-4409-827E-739DF460E62B}"/>
+              </a:ext>
+            </a:extLst>
+          </p:cNvPr>
+          <p:cNvCxnSpPr>
+            <a:cxnSpLocks/>
+          </p:cNvCxnSpPr>
+          <p:nvPr/>
+        </p:nvCxnSpPr>
+        <p:spPr>
+          <a:xfrm flipV="1">
+            <a:off x="4878592" y="3324642"/>
+            <a:ext cx="2348342" cy="4832"/>
+          </a:xfrm>
+          <a:prstGeom prst="straightConnector1">
+            <a:avLst/>
+          </a:prstGeom>
+          <a:ln w="28575">
+            <a:solidFill>
+              <a:schemeClr val="tx1">
+                <a:lumMod val="95000"/>
+                <a:lumOff val="5000"/>
+              </a:schemeClr>
+            </a:solidFill>
+            <a:tailEnd type="triangle"/>
+          </a:ln>
+        </p:spPr>
+        <p:style>
+          <a:lnRef idx="1">
+            <a:schemeClr val="accent1"/>
+          </a:lnRef>
+          <a:fillRef idx="0">
+            <a:schemeClr val="accent1"/>
+          </a:fillRef>
+          <a:effectRef idx="0">
+            <a:schemeClr val="accent1"/>
+          </a:effectRef>
+          <a:fontRef idx="minor">
+            <a:schemeClr val="tx1"/>
+          </a:fontRef>
+        </p:style>
+      </p:cxnSp>
+      <p:sp>
+        <p:nvSpPr>
+          <p:cNvPr id="120" name="TextBox 119">
+            <a:extLst>
+              <a:ext uri="{FF2B5EF4-FFF2-40B4-BE49-F238E27FC236}">
+                <a16:creationId xmlns:a16="http://schemas.microsoft.com/office/drawing/2014/main" id="{C9BDC496-4050-43D4-9D9C-073E984FDCCB}"/>
+              </a:ext>
+            </a:extLst>
+          </p:cNvPr>
+          <p:cNvSpPr txBox="1"/>
+          <p:nvPr/>
+        </p:nvSpPr>
+        <p:spPr>
+          <a:xfrm>
+            <a:off x="4928270" y="2944106"/>
+            <a:ext cx="2283871" cy="369332"/>
+          </a:xfrm>
+          <a:prstGeom prst="rect">
+            <a:avLst/>
+          </a:prstGeom>
+          <a:noFill/>
+        </p:spPr>
+        <p:txBody>
+          <a:bodyPr wrap="square" rtlCol="0">
+            <a:spAutoFit/>
+          </a:bodyPr>
+          <a:lstStyle/>
+          <a:p>
+            <a:pPr algn="ctr"/>
+            <a:r>
+              <a:rPr lang="es-ES" dirty="0" err="1"/>
+              <a:t>Evaluate</a:t>
+            </a:r>
+            <a:r>
+              <a:rPr lang="es-ES" dirty="0"/>
+              <a:t>(</a:t>
+            </a:r>
+            <a:r>
+              <a:rPr lang="es-ES" dirty="0" err="1"/>
+              <a:t>Coord</a:t>
+            </a:r>
+            <a:r>
+              <a:rPr lang="es-ES" dirty="0"/>
+              <a:t>, </a:t>
+            </a:r>
+            <a:r>
+              <a:rPr lang="es-ES" dirty="0" err="1"/>
+              <a:t>img</a:t>
+            </a:r>
+            <a:r>
+              <a:rPr lang="es-ES" dirty="0"/>
+              <a:t>)</a:t>
+            </a:r>
+          </a:p>
+        </p:txBody>
+      </p:sp>
+      <p:cxnSp>
+        <p:nvCxnSpPr>
+          <p:cNvPr id="121" name="Straight Arrow Connector 120">
+            <a:extLst>
+              <a:ext uri="{FF2B5EF4-FFF2-40B4-BE49-F238E27FC236}">
+                <a16:creationId xmlns:a16="http://schemas.microsoft.com/office/drawing/2014/main" id="{5EA648F3-0D4A-493B-82F0-9C54E029CF3B}"/>
+              </a:ext>
+            </a:extLst>
+          </p:cNvPr>
+          <p:cNvCxnSpPr>
+            <a:cxnSpLocks/>
+          </p:cNvCxnSpPr>
+          <p:nvPr/>
+        </p:nvCxnSpPr>
+        <p:spPr>
+          <a:xfrm flipH="1">
+            <a:off x="4900482" y="3713535"/>
+            <a:ext cx="2326452" cy="0"/>
+          </a:xfrm>
+          <a:prstGeom prst="straightConnector1">
+            <a:avLst/>
+          </a:prstGeom>
+          <a:ln w="28575">
+            <a:solidFill>
+              <a:schemeClr val="tx1">
+                <a:lumMod val="95000"/>
+                <a:lumOff val="5000"/>
+              </a:schemeClr>
+            </a:solidFill>
+            <a:tailEnd type="triangle"/>
+          </a:ln>
+        </p:spPr>
+        <p:style>
+          <a:lnRef idx="1">
+            <a:schemeClr val="accent1"/>
+          </a:lnRef>
+          <a:fillRef idx="0">
+            <a:schemeClr val="accent1"/>
+          </a:fillRef>
+          <a:effectRef idx="0">
+            <a:schemeClr val="accent1"/>
+          </a:effectRef>
+          <a:fontRef idx="minor">
+            <a:schemeClr val="tx1"/>
+          </a:fontRef>
+        </p:style>
+      </p:cxnSp>
+      <p:sp>
+        <p:nvSpPr>
+          <p:cNvPr id="122" name="TextBox 121">
+            <a:extLst>
+              <a:ext uri="{FF2B5EF4-FFF2-40B4-BE49-F238E27FC236}">
+                <a16:creationId xmlns:a16="http://schemas.microsoft.com/office/drawing/2014/main" id="{4ED4A699-9B7E-48DE-BCD5-E61FB9DE2F90}"/>
+              </a:ext>
+            </a:extLst>
+          </p:cNvPr>
+          <p:cNvSpPr txBox="1"/>
+          <p:nvPr/>
+        </p:nvSpPr>
+        <p:spPr>
+          <a:xfrm>
+            <a:off x="4885696" y="3347923"/>
+            <a:ext cx="2326451" cy="369332"/>
+          </a:xfrm>
+          <a:prstGeom prst="rect">
+            <a:avLst/>
+          </a:prstGeom>
+          <a:noFill/>
+        </p:spPr>
+        <p:txBody>
+          <a:bodyPr wrap="square" rtlCol="0">
+            <a:spAutoFit/>
+          </a:bodyPr>
+          <a:lstStyle/>
+          <a:p>
+            <a:pPr algn="ctr"/>
+            <a:r>
+              <a:rPr lang="es-ES" dirty="0"/>
+              <a:t>Q </a:t>
+            </a:r>
+            <a:r>
+              <a:rPr lang="es-ES" dirty="0" err="1"/>
+              <a:t>Values</a:t>
+            </a:r>
+            <a:endParaRPr lang="es-ES" dirty="0"/>
+          </a:p>
+        </p:txBody>
+      </p:sp>
+      <p:cxnSp>
+        <p:nvCxnSpPr>
+          <p:cNvPr id="123" name="Straight Arrow Connector 122">
+            <a:extLst>
+              <a:ext uri="{FF2B5EF4-FFF2-40B4-BE49-F238E27FC236}">
+                <a16:creationId xmlns:a16="http://schemas.microsoft.com/office/drawing/2014/main" id="{766E0179-820C-4C74-95AF-5FF3A82A012B}"/>
+              </a:ext>
+            </a:extLst>
+          </p:cNvPr>
+          <p:cNvCxnSpPr>
+            <a:cxnSpLocks/>
+          </p:cNvCxnSpPr>
+          <p:nvPr/>
+        </p:nvCxnSpPr>
+        <p:spPr>
+          <a:xfrm flipV="1">
+            <a:off x="4879654" y="4533608"/>
+            <a:ext cx="4679818" cy="18449"/>
+          </a:xfrm>
+          <a:prstGeom prst="straightConnector1">
+            <a:avLst/>
+          </a:prstGeom>
+          <a:ln w="28575">
+            <a:solidFill>
+              <a:schemeClr val="tx1">
+                <a:lumMod val="95000"/>
+                <a:lumOff val="5000"/>
+              </a:schemeClr>
+            </a:solidFill>
+            <a:tailEnd type="triangle"/>
+          </a:ln>
+        </p:spPr>
+        <p:style>
+          <a:lnRef idx="1">
+            <a:schemeClr val="accent1"/>
+          </a:lnRef>
+          <a:fillRef idx="0">
+            <a:schemeClr val="accent1"/>
+          </a:fillRef>
+          <a:effectRef idx="0">
+            <a:schemeClr val="accent1"/>
+          </a:effectRef>
+          <a:fontRef idx="minor">
+            <a:schemeClr val="tx1"/>
+          </a:fontRef>
+        </p:style>
+      </p:cxnSp>
+      <p:cxnSp>
+        <p:nvCxnSpPr>
+          <p:cNvPr id="124" name="Straight Arrow Connector 123">
+            <a:extLst>
+              <a:ext uri="{FF2B5EF4-FFF2-40B4-BE49-F238E27FC236}">
+                <a16:creationId xmlns:a16="http://schemas.microsoft.com/office/drawing/2014/main" id="{701AE555-49FB-40CA-B9DE-DBE5F2D57E07}"/>
+              </a:ext>
+            </a:extLst>
+          </p:cNvPr>
+          <p:cNvCxnSpPr>
+            <a:cxnSpLocks/>
+          </p:cNvCxnSpPr>
+          <p:nvPr/>
+        </p:nvCxnSpPr>
+        <p:spPr>
+          <a:xfrm flipH="1" flipV="1">
+            <a:off x="4894440" y="4913950"/>
+            <a:ext cx="4672147" cy="7439"/>
+          </a:xfrm>
+          <a:prstGeom prst="straightConnector1">
+            <a:avLst/>
+          </a:prstGeom>
+          <a:ln w="28575">
+            <a:solidFill>
+              <a:schemeClr val="tx1">
+                <a:lumMod val="95000"/>
+                <a:lumOff val="5000"/>
+              </a:schemeClr>
+            </a:solidFill>
+            <a:tailEnd type="triangle"/>
+          </a:ln>
+        </p:spPr>
+        <p:style>
+          <a:lnRef idx="1">
+            <a:schemeClr val="accent1"/>
+          </a:lnRef>
+          <a:fillRef idx="0">
+            <a:schemeClr val="accent1"/>
+          </a:fillRef>
+          <a:effectRef idx="0">
+            <a:schemeClr val="accent1"/>
+          </a:effectRef>
+          <a:fontRef idx="minor">
+            <a:schemeClr val="tx1"/>
+          </a:fontRef>
+        </p:style>
+      </p:cxnSp>
+      <p:sp>
+        <p:nvSpPr>
+          <p:cNvPr id="125" name="TextBox 124">
+            <a:extLst>
+              <a:ext uri="{FF2B5EF4-FFF2-40B4-BE49-F238E27FC236}">
+                <a16:creationId xmlns:a16="http://schemas.microsoft.com/office/drawing/2014/main" id="{ACFB07D7-DC64-4E97-9748-BC22DD6AF171}"/>
+              </a:ext>
+            </a:extLst>
+          </p:cNvPr>
+          <p:cNvSpPr txBox="1"/>
+          <p:nvPr/>
+        </p:nvSpPr>
+        <p:spPr>
+          <a:xfrm>
+            <a:off x="4887336" y="4160556"/>
+            <a:ext cx="4664127" cy="369332"/>
+          </a:xfrm>
+          <a:prstGeom prst="rect">
+            <a:avLst/>
+          </a:prstGeom>
+          <a:noFill/>
+        </p:spPr>
+        <p:txBody>
+          <a:bodyPr wrap="square" rtlCol="0">
+            <a:spAutoFit/>
+          </a:bodyPr>
+          <a:lstStyle/>
+          <a:p>
+            <a:pPr algn="ctr"/>
+            <a:r>
+              <a:rPr lang="es-ES" dirty="0" err="1"/>
+              <a:t>Evaluate</a:t>
+            </a:r>
+            <a:r>
+              <a:rPr lang="es-ES" dirty="0"/>
+              <a:t>(</a:t>
+            </a:r>
+            <a:r>
+              <a:rPr lang="es-ES" dirty="0" err="1"/>
+              <a:t>Coordinates</a:t>
+            </a:r>
+            <a:r>
+              <a:rPr lang="es-ES" dirty="0"/>
+              <a:t>, </a:t>
+            </a:r>
+            <a:r>
+              <a:rPr lang="es-ES" dirty="0" err="1"/>
+              <a:t>img_tensors</a:t>
+            </a:r>
+            <a:r>
+              <a:rPr lang="es-ES" dirty="0"/>
+              <a:t>, </a:t>
+            </a:r>
+            <a:r>
+              <a:rPr lang="es-ES" dirty="0" err="1"/>
+              <a:t>final_states</a:t>
+            </a:r>
+            <a:r>
+              <a:rPr lang="es-ES" dirty="0"/>
+              <a:t>)</a:t>
+            </a:r>
+          </a:p>
+        </p:txBody>
+      </p:sp>
+      <p:sp>
+        <p:nvSpPr>
+          <p:cNvPr id="126" name="TextBox 125">
+            <a:extLst>
+              <a:ext uri="{FF2B5EF4-FFF2-40B4-BE49-F238E27FC236}">
+                <a16:creationId xmlns:a16="http://schemas.microsoft.com/office/drawing/2014/main" id="{D1A0B74F-0710-49D8-8382-474BF2397EF9}"/>
+              </a:ext>
+            </a:extLst>
+          </p:cNvPr>
+          <p:cNvSpPr txBox="1"/>
+          <p:nvPr/>
+        </p:nvSpPr>
+        <p:spPr>
+          <a:xfrm>
+            <a:off x="4888828" y="4520330"/>
+            <a:ext cx="4664127" cy="369332"/>
+          </a:xfrm>
+          <a:prstGeom prst="rect">
+            <a:avLst/>
+          </a:prstGeom>
+          <a:noFill/>
+        </p:spPr>
+        <p:txBody>
+          <a:bodyPr wrap="square" rtlCol="0">
+            <a:spAutoFit/>
+          </a:bodyPr>
+          <a:lstStyle/>
+          <a:p>
+            <a:pPr algn="ctr"/>
+            <a:r>
+              <a:rPr lang="es-ES" dirty="0"/>
+              <a:t>Q </a:t>
+            </a:r>
+            <a:r>
+              <a:rPr lang="es-ES" dirty="0" err="1"/>
+              <a:t>Values</a:t>
+            </a:r>
+            <a:endParaRPr lang="es-ES" dirty="0"/>
+          </a:p>
+        </p:txBody>
+      </p:sp>
+      <p:cxnSp>
+        <p:nvCxnSpPr>
+          <p:cNvPr id="127" name="Straight Arrow Connector 126">
+            <a:extLst>
+              <a:ext uri="{FF2B5EF4-FFF2-40B4-BE49-F238E27FC236}">
+                <a16:creationId xmlns:a16="http://schemas.microsoft.com/office/drawing/2014/main" id="{13D7EB05-0D7E-4C30-AB9E-DA97EA969A72}"/>
+              </a:ext>
+            </a:extLst>
+          </p:cNvPr>
+          <p:cNvCxnSpPr>
+            <a:cxnSpLocks/>
+          </p:cNvCxnSpPr>
+          <p:nvPr/>
+        </p:nvCxnSpPr>
+        <p:spPr>
+          <a:xfrm flipV="1">
+            <a:off x="192909" y="6142630"/>
+            <a:ext cx="11711765" cy="24749"/>
+          </a:xfrm>
+          <a:prstGeom prst="straightConnector1">
+            <a:avLst/>
+          </a:prstGeom>
+          <a:ln w="28575">
+            <a:solidFill>
+              <a:schemeClr val="tx1">
+                <a:lumMod val="95000"/>
+                <a:lumOff val="5000"/>
+              </a:schemeClr>
+            </a:solidFill>
+            <a:tailEnd type="triangle"/>
+          </a:ln>
+        </p:spPr>
+        <p:style>
+          <a:lnRef idx="1">
+            <a:schemeClr val="accent1"/>
+          </a:lnRef>
+          <a:fillRef idx="0">
+            <a:schemeClr val="accent1"/>
+          </a:fillRef>
+          <a:effectRef idx="0">
+            <a:schemeClr val="accent1"/>
+          </a:effectRef>
+          <a:fontRef idx="minor">
+            <a:schemeClr val="tx1"/>
+          </a:fontRef>
+        </p:style>
+      </p:cxnSp>
+      <p:sp>
+        <p:nvSpPr>
+          <p:cNvPr id="128" name="TextBox 127">
+            <a:extLst>
+              <a:ext uri="{FF2B5EF4-FFF2-40B4-BE49-F238E27FC236}">
+                <a16:creationId xmlns:a16="http://schemas.microsoft.com/office/drawing/2014/main" id="{425E69A9-EF10-4BBC-98B0-CD916EF7CE51}"/>
+              </a:ext>
+            </a:extLst>
+          </p:cNvPr>
+          <p:cNvSpPr txBox="1"/>
+          <p:nvPr/>
+        </p:nvSpPr>
+        <p:spPr>
+          <a:xfrm>
+            <a:off x="213300" y="5799264"/>
+            <a:ext cx="11691365" cy="375093"/>
+          </a:xfrm>
+          <a:prstGeom prst="rect">
+            <a:avLst/>
+          </a:prstGeom>
+          <a:noFill/>
+        </p:spPr>
+        <p:txBody>
+          <a:bodyPr wrap="square" rtlCol="0">
+            <a:spAutoFit/>
+          </a:bodyPr>
+          <a:lstStyle/>
+          <a:p>
+            <a:pPr algn="ctr"/>
+            <a:r>
+              <a:rPr lang="es-ES" dirty="0" err="1"/>
+              <a:t>UpdateNNWeights</a:t>
+            </a:r>
+            <a:r>
+              <a:rPr lang="es-ES" dirty="0"/>
+              <a:t>(</a:t>
+            </a:r>
+            <a:r>
+              <a:rPr lang="es-ES" dirty="0" err="1"/>
+              <a:t>loss</a:t>
+            </a:r>
+            <a:r>
+              <a:rPr lang="es-ES" dirty="0"/>
+              <a:t> = target – </a:t>
+            </a:r>
+            <a:r>
+              <a:rPr lang="es-ES" dirty="0" err="1"/>
+              <a:t>current</a:t>
+            </a:r>
+            <a:r>
+              <a:rPr lang="es-ES" dirty="0"/>
+              <a:t>)</a:t>
+            </a:r>
+          </a:p>
+        </p:txBody>
+      </p:sp>
+      <p:sp>
+        <p:nvSpPr>
+          <p:cNvPr id="129" name="TextBox 128">
+            <a:extLst>
+              <a:ext uri="{FF2B5EF4-FFF2-40B4-BE49-F238E27FC236}">
+                <a16:creationId xmlns:a16="http://schemas.microsoft.com/office/drawing/2014/main" id="{561E7515-CBC9-462B-8382-748CD8CEDBF8}"/>
+              </a:ext>
+            </a:extLst>
+          </p:cNvPr>
+          <p:cNvSpPr txBox="1"/>
+          <p:nvPr/>
+        </p:nvSpPr>
+        <p:spPr>
+          <a:xfrm>
+            <a:off x="169572" y="5437147"/>
+            <a:ext cx="4664127" cy="369332"/>
+          </a:xfrm>
+          <a:prstGeom prst="rect">
+            <a:avLst/>
+          </a:prstGeom>
+          <a:noFill/>
+        </p:spPr>
+        <p:txBody>
+          <a:bodyPr wrap="square" rtlCol="0">
+            <a:spAutoFit/>
+          </a:bodyPr>
+          <a:lstStyle/>
+          <a:p>
+            <a:pPr algn="ctr"/>
+            <a:r>
+              <a:rPr lang="es-ES" dirty="0"/>
+              <a:t>target </a:t>
+            </a:r>
+            <a:r>
+              <a:rPr lang="es-ES" dirty="0">
+                <a:solidFill>
+                  <a:schemeClr val="tx1">
+                    <a:lumMod val="50000"/>
+                    <a:lumOff val="50000"/>
+                  </a:schemeClr>
+                </a:solidFill>
+              </a:rPr>
+              <a:t>(Q </a:t>
+            </a:r>
+            <a:r>
+              <a:rPr lang="es-ES" dirty="0" err="1">
+                <a:solidFill>
+                  <a:schemeClr val="tx1">
+                    <a:lumMod val="50000"/>
+                    <a:lumOff val="50000"/>
+                  </a:schemeClr>
+                </a:solidFill>
+              </a:rPr>
+              <a:t>Values</a:t>
+            </a:r>
+            <a:r>
+              <a:rPr lang="es-ES" dirty="0">
+                <a:solidFill>
+                  <a:schemeClr val="tx1">
+                    <a:lumMod val="50000"/>
+                    <a:lumOff val="50000"/>
+                  </a:schemeClr>
+                </a:solidFill>
+              </a:rPr>
+              <a:t>)</a:t>
+            </a:r>
+            <a:endParaRPr lang="es-ES" dirty="0"/>
+          </a:p>
+        </p:txBody>
+      </p:sp>
+      <p:cxnSp>
+        <p:nvCxnSpPr>
+          <p:cNvPr id="54" name="Straight Connector 53">
+            <a:extLst>
+              <a:ext uri="{FF2B5EF4-FFF2-40B4-BE49-F238E27FC236}">
+                <a16:creationId xmlns:a16="http://schemas.microsoft.com/office/drawing/2014/main" id="{5B10432A-2E56-4C53-BAC4-EFF42E7B82C8}"/>
+              </a:ext>
+            </a:extLst>
+          </p:cNvPr>
+          <p:cNvCxnSpPr>
+            <a:cxnSpLocks/>
+          </p:cNvCxnSpPr>
+          <p:nvPr/>
+        </p:nvCxnSpPr>
+        <p:spPr>
+          <a:xfrm flipH="1">
+            <a:off x="128671" y="6885063"/>
+            <a:ext cx="58498" cy="25007"/>
+          </a:xfrm>
+          <a:prstGeom prst="line">
+            <a:avLst/>
+          </a:prstGeom>
+          <a:ln w="12700">
+            <a:solidFill>
+              <a:schemeClr val="bg1">
+                <a:lumMod val="75000"/>
+              </a:schemeClr>
+            </a:solidFill>
+          </a:ln>
+        </p:spPr>
+        <p:style>
+          <a:lnRef idx="1">
+            <a:schemeClr val="accent1"/>
+          </a:lnRef>
+          <a:fillRef idx="0">
+            <a:schemeClr val="accent1"/>
+          </a:fillRef>
+          <a:effectRef idx="0">
+            <a:schemeClr val="accent1"/>
+          </a:effectRef>
+          <a:fontRef idx="minor">
+            <a:schemeClr val="tx1"/>
+          </a:fontRef>
+        </p:style>
+      </p:cxnSp>
+      <p:cxnSp>
+        <p:nvCxnSpPr>
+          <p:cNvPr id="130" name="Straight Connector 129">
+            <a:extLst>
+              <a:ext uri="{FF2B5EF4-FFF2-40B4-BE49-F238E27FC236}">
+                <a16:creationId xmlns:a16="http://schemas.microsoft.com/office/drawing/2014/main" id="{0CDBC072-3747-4FEC-895E-20513371B624}"/>
+              </a:ext>
+            </a:extLst>
+          </p:cNvPr>
+          <p:cNvCxnSpPr>
+            <a:cxnSpLocks/>
+          </p:cNvCxnSpPr>
+          <p:nvPr/>
+        </p:nvCxnSpPr>
+        <p:spPr>
+          <a:xfrm flipH="1" flipV="1">
+            <a:off x="128671" y="6910807"/>
+            <a:ext cx="108218" cy="27164"/>
+          </a:xfrm>
+          <a:prstGeom prst="line">
+            <a:avLst/>
+          </a:prstGeom>
+          <a:ln w="12700">
+            <a:solidFill>
+              <a:schemeClr val="bg1">
+                <a:lumMod val="75000"/>
+              </a:schemeClr>
+            </a:solidFill>
+          </a:ln>
+        </p:spPr>
+        <p:style>
+          <a:lnRef idx="1">
+            <a:schemeClr val="accent1"/>
+          </a:lnRef>
+          <a:fillRef idx="0">
+            <a:schemeClr val="accent1"/>
+          </a:fillRef>
+          <a:effectRef idx="0">
+            <a:schemeClr val="accent1"/>
+          </a:effectRef>
+          <a:fontRef idx="minor">
+            <a:schemeClr val="tx1"/>
+          </a:fontRef>
+        </p:style>
+      </p:cxnSp>
+      <p:cxnSp>
+        <p:nvCxnSpPr>
+          <p:cNvPr id="132" name="Straight Connector 131">
+            <a:extLst>
+              <a:ext uri="{FF2B5EF4-FFF2-40B4-BE49-F238E27FC236}">
+                <a16:creationId xmlns:a16="http://schemas.microsoft.com/office/drawing/2014/main" id="{B1BAC874-E3DF-4B4E-907B-C57A37D362C4}"/>
+              </a:ext>
+            </a:extLst>
+          </p:cNvPr>
+          <p:cNvCxnSpPr>
+            <a:cxnSpLocks/>
+          </p:cNvCxnSpPr>
+          <p:nvPr/>
+        </p:nvCxnSpPr>
+        <p:spPr>
+          <a:xfrm flipH="1">
+            <a:off x="128671" y="6935814"/>
+            <a:ext cx="108220" cy="17193"/>
+          </a:xfrm>
+          <a:prstGeom prst="line">
+            <a:avLst/>
+          </a:prstGeom>
+          <a:ln w="12700">
+            <a:solidFill>
+              <a:schemeClr val="bg1">
+                <a:lumMod val="75000"/>
+              </a:schemeClr>
+            </a:solidFill>
+          </a:ln>
+        </p:spPr>
+        <p:style>
+          <a:lnRef idx="1">
+            <a:schemeClr val="accent1"/>
+          </a:lnRef>
+          <a:fillRef idx="0">
+            <a:schemeClr val="accent1"/>
+          </a:fillRef>
+          <a:effectRef idx="0">
+            <a:schemeClr val="accent1"/>
+          </a:effectRef>
+          <a:fontRef idx="minor">
+            <a:schemeClr val="tx1"/>
+          </a:fontRef>
+        </p:style>
+      </p:cxnSp>
+      <p:cxnSp>
+        <p:nvCxnSpPr>
+          <p:cNvPr id="137" name="Straight Connector 136">
+            <a:extLst>
+              <a:ext uri="{FF2B5EF4-FFF2-40B4-BE49-F238E27FC236}">
+                <a16:creationId xmlns:a16="http://schemas.microsoft.com/office/drawing/2014/main" id="{4CF273F4-6D3C-4195-960A-62D925F68F2F}"/>
+              </a:ext>
+            </a:extLst>
+          </p:cNvPr>
+          <p:cNvCxnSpPr>
+            <a:cxnSpLocks/>
+          </p:cNvCxnSpPr>
+          <p:nvPr/>
+        </p:nvCxnSpPr>
+        <p:spPr>
+          <a:xfrm flipH="1" flipV="1">
+            <a:off x="128671" y="6956200"/>
+            <a:ext cx="108218" cy="27164"/>
+          </a:xfrm>
+          <a:prstGeom prst="line">
+            <a:avLst/>
+          </a:prstGeom>
+          <a:ln w="12700">
+            <a:solidFill>
+              <a:schemeClr val="bg1">
+                <a:lumMod val="75000"/>
+              </a:schemeClr>
+            </a:solidFill>
+          </a:ln>
+        </p:spPr>
+        <p:style>
+          <a:lnRef idx="1">
+            <a:schemeClr val="accent1"/>
+          </a:lnRef>
+          <a:fillRef idx="0">
+            <a:schemeClr val="accent1"/>
+          </a:fillRef>
+          <a:effectRef idx="0">
+            <a:schemeClr val="accent1"/>
+          </a:effectRef>
+          <a:fontRef idx="minor">
+            <a:schemeClr val="tx1"/>
+          </a:fontRef>
+        </p:style>
+      </p:cxnSp>
+      <p:cxnSp>
+        <p:nvCxnSpPr>
+          <p:cNvPr id="138" name="Straight Connector 137">
+            <a:extLst>
+              <a:ext uri="{FF2B5EF4-FFF2-40B4-BE49-F238E27FC236}">
+                <a16:creationId xmlns:a16="http://schemas.microsoft.com/office/drawing/2014/main" id="{1F8249B2-83A4-45C9-9A2C-4B01D6E4E6CF}"/>
+              </a:ext>
+            </a:extLst>
+          </p:cNvPr>
+          <p:cNvCxnSpPr>
+            <a:cxnSpLocks/>
+          </p:cNvCxnSpPr>
+          <p:nvPr/>
+        </p:nvCxnSpPr>
+        <p:spPr>
+          <a:xfrm flipH="1">
+            <a:off x="182780" y="6981207"/>
+            <a:ext cx="54112" cy="21409"/>
+          </a:xfrm>
+          <a:prstGeom prst="line">
+            <a:avLst/>
+          </a:prstGeom>
+          <a:ln w="12700">
+            <a:solidFill>
+              <a:schemeClr val="bg1">
+                <a:lumMod val="75000"/>
+              </a:schemeClr>
+            </a:solidFill>
+          </a:ln>
+        </p:spPr>
+        <p:style>
+          <a:lnRef idx="1">
+            <a:schemeClr val="accent1"/>
+          </a:lnRef>
+          <a:fillRef idx="0">
+            <a:schemeClr val="accent1"/>
+          </a:fillRef>
+          <a:effectRef idx="0">
+            <a:schemeClr val="accent1"/>
+          </a:effectRef>
+          <a:fontRef idx="minor">
+            <a:schemeClr val="tx1"/>
+          </a:fontRef>
+        </p:style>
+      </p:cxnSp>
+      <p:cxnSp>
+        <p:nvCxnSpPr>
+          <p:cNvPr id="148" name="Straight Connector 147">
+            <a:extLst>
+              <a:ext uri="{FF2B5EF4-FFF2-40B4-BE49-F238E27FC236}">
+                <a16:creationId xmlns:a16="http://schemas.microsoft.com/office/drawing/2014/main" id="{E18670F5-0F6A-4364-82B2-6FF8DF782FF9}"/>
+              </a:ext>
+            </a:extLst>
+          </p:cNvPr>
+          <p:cNvCxnSpPr>
+            <a:cxnSpLocks/>
+          </p:cNvCxnSpPr>
+          <p:nvPr/>
+        </p:nvCxnSpPr>
+        <p:spPr>
+          <a:xfrm flipH="1">
+            <a:off x="183401" y="7000711"/>
+            <a:ext cx="5797" cy="777476"/>
+          </a:xfrm>
+          <a:prstGeom prst="line">
+            <a:avLst/>
+          </a:prstGeom>
+          <a:ln w="19050">
+            <a:solidFill>
+              <a:schemeClr val="bg1">
+                <a:lumMod val="75000"/>
+              </a:schemeClr>
+            </a:solidFill>
+            <a:prstDash val="dash"/>
+          </a:ln>
+        </p:spPr>
+        <p:style>
+          <a:lnRef idx="1">
+            <a:schemeClr val="accent1"/>
+          </a:lnRef>
+          <a:fillRef idx="0">
+            <a:schemeClr val="accent1"/>
+          </a:fillRef>
+          <a:effectRef idx="0">
+            <a:schemeClr val="accent1"/>
+          </a:effectRef>
+          <a:fontRef idx="minor">
+            <a:schemeClr val="tx1"/>
+          </a:fontRef>
+        </p:style>
+      </p:cxnSp>
+      <p:cxnSp>
+        <p:nvCxnSpPr>
+          <p:cNvPr id="162" name="Straight Arrow Connector 161">
+            <a:extLst>
+              <a:ext uri="{FF2B5EF4-FFF2-40B4-BE49-F238E27FC236}">
+                <a16:creationId xmlns:a16="http://schemas.microsoft.com/office/drawing/2014/main" id="{2A0105A0-EC01-4F1E-919C-4AD8A33CF44A}"/>
+              </a:ext>
+            </a:extLst>
+          </p:cNvPr>
+          <p:cNvCxnSpPr>
+            <a:cxnSpLocks/>
+          </p:cNvCxnSpPr>
+          <p:nvPr/>
+        </p:nvCxnSpPr>
+        <p:spPr>
+          <a:xfrm flipH="1" flipV="1">
+            <a:off x="7205798" y="6516766"/>
+            <a:ext cx="4672147" cy="7439"/>
+          </a:xfrm>
+          <a:prstGeom prst="straightConnector1">
+            <a:avLst/>
+          </a:prstGeom>
+          <a:ln w="28575">
+            <a:solidFill>
+              <a:schemeClr val="tx1">
+                <a:lumMod val="95000"/>
+                <a:lumOff val="5000"/>
+              </a:schemeClr>
+            </a:solidFill>
+            <a:tailEnd type="triangle"/>
+          </a:ln>
+        </p:spPr>
+        <p:style>
+          <a:lnRef idx="1">
+            <a:schemeClr val="accent1"/>
+          </a:lnRef>
+          <a:fillRef idx="0">
+            <a:schemeClr val="accent1"/>
+          </a:fillRef>
+          <a:effectRef idx="0">
+            <a:schemeClr val="accent1"/>
+          </a:effectRef>
+          <a:fontRef idx="minor">
+            <a:schemeClr val="tx1"/>
+          </a:fontRef>
+        </p:style>
+      </p:cxnSp>
+      <p:sp>
+        <p:nvSpPr>
+          <p:cNvPr id="163" name="TextBox 162">
+            <a:extLst>
+              <a:ext uri="{FF2B5EF4-FFF2-40B4-BE49-F238E27FC236}">
+                <a16:creationId xmlns:a16="http://schemas.microsoft.com/office/drawing/2014/main" id="{21A7FEE5-141C-488D-AC90-DE1C14B1946F}"/>
+              </a:ext>
+            </a:extLst>
+          </p:cNvPr>
+          <p:cNvSpPr txBox="1"/>
+          <p:nvPr/>
+        </p:nvSpPr>
+        <p:spPr>
+          <a:xfrm>
+            <a:off x="7234911" y="6123146"/>
+            <a:ext cx="4664127" cy="369332"/>
+          </a:xfrm>
+          <a:prstGeom prst="rect">
+            <a:avLst/>
+          </a:prstGeom>
+          <a:noFill/>
+        </p:spPr>
+        <p:txBody>
+          <a:bodyPr wrap="square" rtlCol="0">
+            <a:spAutoFit/>
+          </a:bodyPr>
+          <a:lstStyle/>
+          <a:p>
+            <a:pPr algn="ctr"/>
+            <a:r>
+              <a:rPr lang="es-ES" dirty="0" err="1"/>
+              <a:t>Update</a:t>
+            </a:r>
+            <a:r>
+              <a:rPr lang="es-ES" dirty="0"/>
+              <a:t> </a:t>
+            </a:r>
+            <a:r>
+              <a:rPr lang="es-ES" dirty="0" err="1"/>
+              <a:t>Weights</a:t>
+            </a:r>
+            <a:r>
+              <a:rPr lang="es-ES" dirty="0"/>
+              <a:t>(</a:t>
+            </a:r>
+            <a:r>
+              <a:rPr lang="es-ES" dirty="0" err="1"/>
+              <a:t>loss</a:t>
+            </a:r>
+            <a:r>
+              <a:rPr lang="es-ES" dirty="0"/>
+              <a:t>)</a:t>
+            </a:r>
+          </a:p>
+        </p:txBody>
+      </p:sp>
+      <p:cxnSp>
+        <p:nvCxnSpPr>
+          <p:cNvPr id="164" name="Straight Arrow Connector 163">
+            <a:extLst>
+              <a:ext uri="{FF2B5EF4-FFF2-40B4-BE49-F238E27FC236}">
+                <a16:creationId xmlns:a16="http://schemas.microsoft.com/office/drawing/2014/main" id="{3A3ED78B-9A24-4816-AB27-289B2376E41F}"/>
+              </a:ext>
+            </a:extLst>
+          </p:cNvPr>
+          <p:cNvCxnSpPr>
+            <a:cxnSpLocks/>
+          </p:cNvCxnSpPr>
+          <p:nvPr/>
+        </p:nvCxnSpPr>
+        <p:spPr>
+          <a:xfrm>
+            <a:off x="218923" y="7472421"/>
+            <a:ext cx="7015988" cy="1251"/>
+          </a:xfrm>
+          <a:prstGeom prst="straightConnector1">
+            <a:avLst/>
+          </a:prstGeom>
+          <a:ln w="28575">
+            <a:solidFill>
+              <a:schemeClr val="tx1">
+                <a:lumMod val="95000"/>
+                <a:lumOff val="5000"/>
+              </a:schemeClr>
+            </a:solidFill>
+            <a:tailEnd type="triangle"/>
+          </a:ln>
+        </p:spPr>
+        <p:style>
+          <a:lnRef idx="1">
+            <a:schemeClr val="accent1"/>
+          </a:lnRef>
+          <a:fillRef idx="0">
+            <a:schemeClr val="accent1"/>
+          </a:fillRef>
+          <a:effectRef idx="0">
+            <a:schemeClr val="accent1"/>
+          </a:effectRef>
+          <a:fontRef idx="minor">
+            <a:schemeClr val="tx1"/>
+          </a:fontRef>
+        </p:style>
+      </p:cxnSp>
+      <p:sp>
+        <p:nvSpPr>
+          <p:cNvPr id="171" name="TextBox 170">
+            <a:extLst>
+              <a:ext uri="{FF2B5EF4-FFF2-40B4-BE49-F238E27FC236}">
+                <a16:creationId xmlns:a16="http://schemas.microsoft.com/office/drawing/2014/main" id="{7AB255D6-7577-4F1A-AB9E-1EAC84DC40FF}"/>
+              </a:ext>
+            </a:extLst>
+          </p:cNvPr>
+          <p:cNvSpPr txBox="1"/>
+          <p:nvPr/>
+        </p:nvSpPr>
+        <p:spPr>
+          <a:xfrm>
+            <a:off x="193214" y="7106185"/>
+            <a:ext cx="7025866" cy="369332"/>
+          </a:xfrm>
+          <a:prstGeom prst="rect">
+            <a:avLst/>
+          </a:prstGeom>
+          <a:noFill/>
+        </p:spPr>
+        <p:txBody>
+          <a:bodyPr wrap="square" rtlCol="0">
+            <a:spAutoFit/>
+          </a:bodyPr>
+          <a:lstStyle/>
+          <a:p>
+            <a:pPr algn="ctr"/>
+            <a:r>
+              <a:rPr lang="es-ES" dirty="0" err="1"/>
+              <a:t>UpdateTargetNetwork</a:t>
+            </a:r>
+            <a:r>
+              <a:rPr lang="es-ES" dirty="0"/>
+              <a:t>()</a:t>
+            </a:r>
+          </a:p>
+        </p:txBody>
+      </p:sp>
+      <p:cxnSp>
+        <p:nvCxnSpPr>
+          <p:cNvPr id="172" name="Straight Arrow Connector 171">
+            <a:extLst>
+              <a:ext uri="{FF2B5EF4-FFF2-40B4-BE49-F238E27FC236}">
+                <a16:creationId xmlns:a16="http://schemas.microsoft.com/office/drawing/2014/main" id="{8CE6CBF7-C39E-4ED2-9B8C-D98BD15639B5}"/>
+              </a:ext>
+            </a:extLst>
+          </p:cNvPr>
+          <p:cNvCxnSpPr>
+            <a:cxnSpLocks/>
+          </p:cNvCxnSpPr>
+          <p:nvPr/>
+        </p:nvCxnSpPr>
+        <p:spPr>
+          <a:xfrm flipV="1">
+            <a:off x="7216687" y="7587829"/>
+            <a:ext cx="2348342" cy="4832"/>
+          </a:xfrm>
+          <a:prstGeom prst="straightConnector1">
+            <a:avLst/>
+          </a:prstGeom>
+          <a:ln w="28575">
+            <a:solidFill>
+              <a:schemeClr val="tx1">
+                <a:lumMod val="95000"/>
+                <a:lumOff val="5000"/>
+              </a:schemeClr>
+            </a:solidFill>
+            <a:tailEnd type="triangle"/>
+          </a:ln>
+        </p:spPr>
+        <p:style>
+          <a:lnRef idx="1">
+            <a:schemeClr val="accent1"/>
+          </a:lnRef>
+          <a:fillRef idx="0">
+            <a:schemeClr val="accent1"/>
+          </a:fillRef>
+          <a:effectRef idx="0">
+            <a:schemeClr val="accent1"/>
+          </a:effectRef>
+          <a:fontRef idx="minor">
+            <a:schemeClr val="tx1"/>
+          </a:fontRef>
+        </p:style>
+      </p:cxnSp>
+      <p:sp>
+        <p:nvSpPr>
+          <p:cNvPr id="173" name="TextBox 172">
+            <a:extLst>
+              <a:ext uri="{FF2B5EF4-FFF2-40B4-BE49-F238E27FC236}">
+                <a16:creationId xmlns:a16="http://schemas.microsoft.com/office/drawing/2014/main" id="{A9A12DE0-9536-4991-BC41-23F19E9BE31C}"/>
+              </a:ext>
+            </a:extLst>
+          </p:cNvPr>
+          <p:cNvSpPr txBox="1"/>
+          <p:nvPr/>
+        </p:nvSpPr>
+        <p:spPr>
+          <a:xfrm>
+            <a:off x="7266365" y="7207293"/>
+            <a:ext cx="2283871" cy="369332"/>
+          </a:xfrm>
+          <a:prstGeom prst="rect">
+            <a:avLst/>
+          </a:prstGeom>
+          <a:noFill/>
+        </p:spPr>
+        <p:txBody>
+          <a:bodyPr wrap="square" rtlCol="0">
+            <a:spAutoFit/>
+          </a:bodyPr>
+          <a:lstStyle/>
+          <a:p>
+            <a:pPr algn="ctr"/>
+            <a:r>
+              <a:rPr lang="es-ES" dirty="0" err="1"/>
+              <a:t>UpdateWeights</a:t>
+            </a:r>
+            <a:r>
+              <a:rPr lang="es-ES" dirty="0"/>
+              <a:t>(w)</a:t>
+            </a:r>
+          </a:p>
+        </p:txBody>
+      </p:sp>
+      <p:cxnSp>
+        <p:nvCxnSpPr>
+          <p:cNvPr id="179" name="Straight Connector 178">
+            <a:extLst>
+              <a:ext uri="{FF2B5EF4-FFF2-40B4-BE49-F238E27FC236}">
+                <a16:creationId xmlns:a16="http://schemas.microsoft.com/office/drawing/2014/main" id="{AED1D1CF-A66A-42D9-B04A-3A8825D11AFC}"/>
+              </a:ext>
+            </a:extLst>
+          </p:cNvPr>
+          <p:cNvCxnSpPr>
+            <a:cxnSpLocks/>
+          </p:cNvCxnSpPr>
+          <p:nvPr/>
+        </p:nvCxnSpPr>
+        <p:spPr>
+          <a:xfrm flipH="1">
+            <a:off x="4857269" y="1082145"/>
+            <a:ext cx="22800" cy="6696038"/>
+          </a:xfrm>
+          <a:prstGeom prst="line">
+            <a:avLst/>
+          </a:prstGeom>
+          <a:ln w="19050">
+            <a:solidFill>
+              <a:schemeClr val="bg1">
+                <a:lumMod val="75000"/>
+              </a:schemeClr>
+            </a:solidFill>
+            <a:prstDash val="dash"/>
+          </a:ln>
+        </p:spPr>
+        <p:style>
+          <a:lnRef idx="1">
+            <a:schemeClr val="accent1"/>
+          </a:lnRef>
+          <a:fillRef idx="0">
+            <a:schemeClr val="accent1"/>
+          </a:fillRef>
+          <a:effectRef idx="0">
+            <a:schemeClr val="accent1"/>
+          </a:effectRef>
+          <a:fontRef idx="minor">
+            <a:schemeClr val="tx1"/>
+          </a:fontRef>
+        </p:style>
+      </p:cxnSp>
+      <p:cxnSp>
+        <p:nvCxnSpPr>
+          <p:cNvPr id="180" name="Straight Connector 179">
+            <a:extLst>
+              <a:ext uri="{FF2B5EF4-FFF2-40B4-BE49-F238E27FC236}">
+                <a16:creationId xmlns:a16="http://schemas.microsoft.com/office/drawing/2014/main" id="{3C99A337-0E2C-4D34-A090-D0BEE9228B43}"/>
+              </a:ext>
+            </a:extLst>
+          </p:cNvPr>
+          <p:cNvCxnSpPr>
+            <a:cxnSpLocks/>
+          </p:cNvCxnSpPr>
+          <p:nvPr/>
+        </p:nvCxnSpPr>
+        <p:spPr>
+          <a:xfrm flipH="1">
+            <a:off x="7197411" y="1066653"/>
+            <a:ext cx="22800" cy="6696038"/>
+          </a:xfrm>
+          <a:prstGeom prst="line">
+            <a:avLst/>
+          </a:prstGeom>
+          <a:ln w="19050">
+            <a:solidFill>
+              <a:schemeClr val="bg1">
+                <a:lumMod val="75000"/>
+              </a:schemeClr>
+            </a:solidFill>
+            <a:prstDash val="dash"/>
+          </a:ln>
+        </p:spPr>
+        <p:style>
+          <a:lnRef idx="1">
+            <a:schemeClr val="accent1"/>
+          </a:lnRef>
+          <a:fillRef idx="0">
+            <a:schemeClr val="accent1"/>
+          </a:fillRef>
+          <a:effectRef idx="0">
+            <a:schemeClr val="accent1"/>
+          </a:effectRef>
+          <a:fontRef idx="minor">
+            <a:schemeClr val="tx1"/>
+          </a:fontRef>
+        </p:style>
+      </p:cxnSp>
+      <p:cxnSp>
+        <p:nvCxnSpPr>
+          <p:cNvPr id="181" name="Straight Connector 180">
+            <a:extLst>
+              <a:ext uri="{FF2B5EF4-FFF2-40B4-BE49-F238E27FC236}">
+                <a16:creationId xmlns:a16="http://schemas.microsoft.com/office/drawing/2014/main" id="{4A897D33-F434-4853-BB0A-61D6A047B2F7}"/>
+              </a:ext>
+            </a:extLst>
+          </p:cNvPr>
+          <p:cNvCxnSpPr>
+            <a:cxnSpLocks/>
+          </p:cNvCxnSpPr>
+          <p:nvPr/>
+        </p:nvCxnSpPr>
+        <p:spPr>
+          <a:xfrm flipH="1">
+            <a:off x="9537009" y="1082145"/>
+            <a:ext cx="22800" cy="6696038"/>
+          </a:xfrm>
+          <a:prstGeom prst="line">
+            <a:avLst/>
+          </a:prstGeom>
+          <a:ln w="19050">
+            <a:solidFill>
+              <a:schemeClr val="bg1">
+                <a:lumMod val="75000"/>
+              </a:schemeClr>
+            </a:solidFill>
+            <a:prstDash val="dash"/>
+          </a:ln>
+        </p:spPr>
+        <p:style>
+          <a:lnRef idx="1">
+            <a:schemeClr val="accent1"/>
+          </a:lnRef>
+          <a:fillRef idx="0">
+            <a:schemeClr val="accent1"/>
+          </a:fillRef>
+          <a:effectRef idx="0">
+            <a:schemeClr val="accent1"/>
+          </a:effectRef>
+          <a:fontRef idx="minor">
+            <a:schemeClr val="tx1"/>
+          </a:fontRef>
+        </p:style>
+      </p:cxnSp>
+      <p:cxnSp>
+        <p:nvCxnSpPr>
+          <p:cNvPr id="182" name="Straight Connector 181">
+            <a:extLst>
+              <a:ext uri="{FF2B5EF4-FFF2-40B4-BE49-F238E27FC236}">
+                <a16:creationId xmlns:a16="http://schemas.microsoft.com/office/drawing/2014/main" id="{D6C9A04F-9CC9-4833-9A05-7CE2468DAD49}"/>
+              </a:ext>
+            </a:extLst>
+          </p:cNvPr>
+          <p:cNvCxnSpPr>
+            <a:cxnSpLocks/>
+          </p:cNvCxnSpPr>
+          <p:nvPr/>
+        </p:nvCxnSpPr>
+        <p:spPr>
+          <a:xfrm flipH="1">
+            <a:off x="11887832" y="1082145"/>
+            <a:ext cx="22800" cy="6696038"/>
+          </a:xfrm>
+          <a:prstGeom prst="line">
+            <a:avLst/>
+          </a:prstGeom>
+          <a:ln w="19050">
+            <a:solidFill>
+              <a:schemeClr val="bg1">
+                <a:lumMod val="75000"/>
+              </a:schemeClr>
+            </a:solidFill>
+            <a:prstDash val="dash"/>
+          </a:ln>
+        </p:spPr>
+        <p:style>
+          <a:lnRef idx="1">
+            <a:schemeClr val="accent1"/>
+          </a:lnRef>
+          <a:fillRef idx="0">
+            <a:schemeClr val="accent1"/>
+          </a:fillRef>
+          <a:effectRef idx="0">
+            <a:schemeClr val="accent1"/>
+          </a:effectRef>
+          <a:fontRef idx="minor">
+            <a:schemeClr val="tx1"/>
+          </a:fontRef>
+        </p:style>
+      </p:cxnSp>
+    </p:spTree>
+    <p:extLst>
+      <p:ext uri="{BB962C8B-B14F-4D97-AF65-F5344CB8AC3E}">
+        <p14:creationId xmlns:p14="http://schemas.microsoft.com/office/powerpoint/2010/main" val="2089576875"/>
+      </p:ext>
+    </p:extLst>
+  </p:cSld>
+  <p:clrMapOvr>
+    <a:masterClrMapping/>
+  </p:clrMapOvr>
+</p:sld>
+</file>
+
+<file path=ppt/slides/slide4.xml><?xml version="1.0" encoding="utf-8"?>
+<p:sld xmlns:a="http://schemas.openxmlformats.org/drawingml/2006/main" xmlns:r="http://schemas.openxmlformats.org/officeDocument/2006/relationships" xmlns:p="http://schemas.openxmlformats.org/presentationml/2006/main">
+  <p:cSld>
+    <p:spTree>
+      <p:nvGrpSpPr>
+        <p:cNvPr id="1" name=""/>
+        <p:cNvGrpSpPr/>
+        <p:nvPr/>
+      </p:nvGrpSpPr>
+      <p:grpSpPr>
+        <a:xfrm>
+          <a:off x="0" y="0"/>
+          <a:ext cx="0" cy="0"/>
+          <a:chOff x="0" y="0"/>
+          <a:chExt cx="0" cy="0"/>
+        </a:xfrm>
+      </p:grpSpPr>
+      <p:sp>
+        <p:nvSpPr>
+          <p:cNvPr id="77" name="TextBox 76">
+            <a:extLst>
+              <a:ext uri="{FF2B5EF4-FFF2-40B4-BE49-F238E27FC236}">
+                <a16:creationId xmlns:a16="http://schemas.microsoft.com/office/drawing/2014/main" id="{AABBF981-E7EA-4AF5-A69D-B3B1D62755FA}"/>
+              </a:ext>
+            </a:extLst>
+          </p:cNvPr>
+          <p:cNvSpPr txBox="1"/>
+          <p:nvPr/>
+        </p:nvSpPr>
+        <p:spPr>
+          <a:xfrm>
+            <a:off x="214628" y="3261106"/>
+            <a:ext cx="4664127" cy="369332"/>
+          </a:xfrm>
+          <a:prstGeom prst="rect">
+            <a:avLst/>
+          </a:prstGeom>
+          <a:noFill/>
+        </p:spPr>
+        <p:txBody>
+          <a:bodyPr wrap="square" rtlCol="0">
+            <a:spAutoFit/>
+          </a:bodyPr>
+          <a:lstStyle/>
+          <a:p>
+            <a:pPr algn="ctr"/>
+            <a:r>
+              <a:rPr lang="es-ES" dirty="0"/>
+              <a:t>                                </a:t>
+            </a:r>
+            <a:r>
+              <a:rPr lang="es-ES" dirty="0" err="1"/>
+              <a:t>PerformPath</a:t>
+            </a:r>
+            <a:r>
+              <a:rPr lang="es-ES" dirty="0"/>
+              <a:t>(</a:t>
+            </a:r>
+            <a:r>
+              <a:rPr lang="es-ES" dirty="0" err="1"/>
+              <a:t>go_down</a:t>
+            </a:r>
+            <a:r>
+              <a:rPr lang="es-ES" dirty="0"/>
+              <a:t>)</a:t>
+            </a:r>
+          </a:p>
+        </p:txBody>
+      </p:sp>
+      <p:sp>
+        <p:nvSpPr>
+          <p:cNvPr id="78" name="TextBox 77">
+            <a:extLst>
+              <a:ext uri="{FF2B5EF4-FFF2-40B4-BE49-F238E27FC236}">
+                <a16:creationId xmlns:a16="http://schemas.microsoft.com/office/drawing/2014/main" id="{2A241CAD-8D48-4776-BC9B-183CAC08B453}"/>
+              </a:ext>
+            </a:extLst>
+          </p:cNvPr>
+          <p:cNvSpPr txBox="1"/>
+          <p:nvPr/>
+        </p:nvSpPr>
+        <p:spPr>
+          <a:xfrm>
+            <a:off x="206516" y="4389755"/>
+            <a:ext cx="11698152" cy="369332"/>
+          </a:xfrm>
+          <a:prstGeom prst="rect">
+            <a:avLst/>
+          </a:prstGeom>
+          <a:noFill/>
+        </p:spPr>
+        <p:txBody>
+          <a:bodyPr wrap="square" rtlCol="0">
+            <a:spAutoFit/>
+          </a:bodyPr>
+          <a:lstStyle/>
+          <a:p>
+            <a:pPr algn="ctr"/>
+            <a:r>
+              <a:rPr lang="es-ES" dirty="0"/>
+              <a:t>x10 </a:t>
+            </a:r>
+            <a:r>
+              <a:rPr lang="es-ES" dirty="0" err="1"/>
+              <a:t>ActivateGripper</a:t>
+            </a:r>
+            <a:r>
+              <a:rPr lang="es-ES" dirty="0"/>
+              <a:t>()</a:t>
+            </a:r>
+          </a:p>
+        </p:txBody>
+      </p:sp>
+      <p:sp>
+        <p:nvSpPr>
+          <p:cNvPr id="88" name="TextBox 87">
+            <a:extLst>
+              <a:ext uri="{FF2B5EF4-FFF2-40B4-BE49-F238E27FC236}">
+                <a16:creationId xmlns:a16="http://schemas.microsoft.com/office/drawing/2014/main" id="{A619D3B9-1082-4284-9011-7E7DE1FA8C0E}"/>
+              </a:ext>
+            </a:extLst>
+          </p:cNvPr>
+          <p:cNvSpPr txBox="1"/>
+          <p:nvPr/>
+        </p:nvSpPr>
+        <p:spPr>
+          <a:xfrm>
+            <a:off x="223584" y="4725212"/>
+            <a:ext cx="4664127" cy="369332"/>
+          </a:xfrm>
+          <a:prstGeom prst="rect">
+            <a:avLst/>
+          </a:prstGeom>
+          <a:noFill/>
+        </p:spPr>
+        <p:txBody>
+          <a:bodyPr wrap="square" rtlCol="0">
+            <a:spAutoFit/>
+          </a:bodyPr>
+          <a:lstStyle/>
+          <a:p>
+            <a:pPr algn="ctr"/>
+            <a:r>
+              <a:rPr lang="es-ES" dirty="0" err="1"/>
+              <a:t>PerformPath</a:t>
+            </a:r>
+            <a:r>
+              <a:rPr lang="es-ES" dirty="0"/>
+              <a:t>(</a:t>
+            </a:r>
+            <a:r>
+              <a:rPr lang="es-ES" dirty="0" err="1"/>
+              <a:t>go_up</a:t>
+            </a:r>
+            <a:r>
+              <a:rPr lang="es-ES" dirty="0"/>
+              <a:t>)</a:t>
+            </a:r>
+          </a:p>
+        </p:txBody>
+      </p:sp>
+      <p:sp>
+        <p:nvSpPr>
+          <p:cNvPr id="4" name="Rectangle 3">
+            <a:extLst>
+              <a:ext uri="{FF2B5EF4-FFF2-40B4-BE49-F238E27FC236}">
+                <a16:creationId xmlns:a16="http://schemas.microsoft.com/office/drawing/2014/main" id="{6AEA7987-616E-4188-A114-F11181CD1E3E}"/>
+              </a:ext>
+            </a:extLst>
+          </p:cNvPr>
+          <p:cNvSpPr/>
+          <p:nvPr/>
+        </p:nvSpPr>
+        <p:spPr>
+          <a:xfrm>
+            <a:off x="1721524" y="0"/>
+            <a:ext cx="1636451" cy="1082150"/>
+          </a:xfrm>
+          <a:prstGeom prst="rect">
+            <a:avLst/>
+          </a:prstGeom>
+          <a:solidFill>
+            <a:schemeClr val="dk1">
+              <a:alpha val="50000"/>
+            </a:schemeClr>
+          </a:solidFill>
+          <a:ln>
+            <a:noFill/>
+          </a:ln>
+        </p:spPr>
+        <p:style>
+          <a:lnRef idx="0">
+            <a:scrgbClr r="0" g="0" b="0"/>
+          </a:lnRef>
+          <a:fillRef idx="0">
+            <a:scrgbClr r="0" g="0" b="0"/>
+          </a:fillRef>
+          <a:effectRef idx="0">
+            <a:scrgbClr r="0" g="0" b="0"/>
+          </a:effectRef>
+          <a:fontRef idx="minor">
+            <a:schemeClr val="lt1"/>
+          </a:fontRef>
+        </p:style>
+        <p:txBody>
+          <a:bodyPr rtlCol="0" anchor="ctr"/>
+          <a:lstStyle/>
+          <a:p>
+            <a:pPr algn="ctr"/>
+            <a:r>
+              <a:rPr lang="es-ES" dirty="0"/>
+              <a:t>AI Manager</a:t>
+            </a:r>
+          </a:p>
+        </p:txBody>
+      </p:sp>
+      <p:sp>
+        <p:nvSpPr>
+          <p:cNvPr id="5" name="Rectangle 4">
+            <a:extLst>
+              <a:ext uri="{FF2B5EF4-FFF2-40B4-BE49-F238E27FC236}">
+                <a16:creationId xmlns:a16="http://schemas.microsoft.com/office/drawing/2014/main" id="{A2DE147B-1639-46CE-BA90-3F1DBADF401F}"/>
+              </a:ext>
+            </a:extLst>
+          </p:cNvPr>
+          <p:cNvSpPr/>
+          <p:nvPr/>
+        </p:nvSpPr>
+        <p:spPr>
+          <a:xfrm>
+            <a:off x="4062759" y="-4"/>
+            <a:ext cx="1636451" cy="1082150"/>
+          </a:xfrm>
+          <a:prstGeom prst="rect">
+            <a:avLst/>
+          </a:prstGeom>
+          <a:solidFill>
+            <a:schemeClr val="dk1">
+              <a:alpha val="50000"/>
+            </a:schemeClr>
+          </a:solidFill>
+          <a:ln>
+            <a:noFill/>
+          </a:ln>
+        </p:spPr>
+        <p:style>
+          <a:lnRef idx="0">
+            <a:scrgbClr r="0" g="0" b="0"/>
+          </a:lnRef>
+          <a:fillRef idx="0">
+            <a:scrgbClr r="0" g="0" b="0"/>
+          </a:fillRef>
+          <a:effectRef idx="0">
+            <a:scrgbClr r="0" g="0" b="0"/>
+          </a:effectRef>
+          <a:fontRef idx="minor">
+            <a:schemeClr val="lt1"/>
+          </a:fontRef>
+        </p:style>
+        <p:txBody>
+          <a:bodyPr rtlCol="0" anchor="ctr"/>
+          <a:lstStyle/>
+          <a:p>
+            <a:pPr algn="ctr"/>
+            <a:r>
+              <a:rPr lang="es-ES" dirty="0"/>
+              <a:t>UR Driver</a:t>
+            </a:r>
+          </a:p>
+        </p:txBody>
+      </p:sp>
+      <p:sp>
+        <p:nvSpPr>
+          <p:cNvPr id="6" name="Rectangle 5">
+            <a:extLst>
+              <a:ext uri="{FF2B5EF4-FFF2-40B4-BE49-F238E27FC236}">
+                <a16:creationId xmlns:a16="http://schemas.microsoft.com/office/drawing/2014/main" id="{EB65C562-EF76-430D-A098-D77210ABF692}"/>
+              </a:ext>
+            </a:extLst>
+          </p:cNvPr>
+          <p:cNvSpPr/>
+          <p:nvPr/>
+        </p:nvSpPr>
+        <p:spPr>
+          <a:xfrm>
+            <a:off x="6403994" y="0"/>
+            <a:ext cx="1636451" cy="1082150"/>
+          </a:xfrm>
+          <a:prstGeom prst="rect">
+            <a:avLst/>
+          </a:prstGeom>
+          <a:solidFill>
+            <a:schemeClr val="dk1">
+              <a:alpha val="50000"/>
+            </a:schemeClr>
+          </a:solidFill>
+          <a:ln>
+            <a:noFill/>
+          </a:ln>
+        </p:spPr>
+        <p:style>
+          <a:lnRef idx="0">
+            <a:scrgbClr r="0" g="0" b="0"/>
+          </a:lnRef>
+          <a:fillRef idx="0">
+            <a:scrgbClr r="0" g="0" b="0"/>
+          </a:fillRef>
+          <a:effectRef idx="0">
+            <a:scrgbClr r="0" g="0" b="0"/>
+          </a:effectRef>
+          <a:fontRef idx="minor">
+            <a:schemeClr val="lt1"/>
+          </a:fontRef>
+        </p:style>
+        <p:txBody>
+          <a:bodyPr rtlCol="0" anchor="ctr"/>
+          <a:lstStyle/>
+          <a:p>
+            <a:pPr marL="0" algn="ctr" rtl="0" eaLnBrk="1" latinLnBrk="0" hangingPunct="1">
+              <a:spcBef>
+                <a:spcPts val="0"/>
+              </a:spcBef>
+              <a:spcAft>
+                <a:spcPts val="0"/>
+              </a:spcAft>
+            </a:pPr>
+            <a:r>
+              <a:rPr lang="es-ES" dirty="0" err="1">
+                <a:solidFill>
+                  <a:schemeClr val="bg1"/>
+                </a:solidFill>
+                <a:latin typeface="Calibri" panose="020F0502020204030204" pitchFamily="34" charset="0"/>
+              </a:rPr>
+              <a:t>Onboard</a:t>
+            </a:r>
+            <a:r>
+              <a:rPr lang="es-ES" dirty="0">
+                <a:solidFill>
+                  <a:schemeClr val="bg1"/>
+                </a:solidFill>
+                <a:latin typeface="Calibri" panose="020F0502020204030204" pitchFamily="34" charset="0"/>
+              </a:rPr>
+              <a:t> Camera</a:t>
+            </a:r>
+            <a:endParaRPr lang="es-ES" dirty="0">
+              <a:solidFill>
+                <a:schemeClr val="bg1"/>
+              </a:solidFill>
+              <a:effectLst/>
+            </a:endParaRPr>
+          </a:p>
+        </p:txBody>
+      </p:sp>
+      <p:sp>
+        <p:nvSpPr>
+          <p:cNvPr id="7" name="Rectangle 6">
+            <a:extLst>
+              <a:ext uri="{FF2B5EF4-FFF2-40B4-BE49-F238E27FC236}">
+                <a16:creationId xmlns:a16="http://schemas.microsoft.com/office/drawing/2014/main" id="{6DAC8E58-C14D-4E98-8F17-1748A20B05F2}"/>
+              </a:ext>
+            </a:extLst>
+          </p:cNvPr>
+          <p:cNvSpPr/>
+          <p:nvPr/>
+        </p:nvSpPr>
+        <p:spPr>
+          <a:xfrm>
+            <a:off x="8745226" y="-5"/>
+            <a:ext cx="1636451" cy="1082150"/>
+          </a:xfrm>
+          <a:prstGeom prst="rect">
+            <a:avLst/>
+          </a:prstGeom>
+          <a:solidFill>
+            <a:schemeClr val="dk1">
+              <a:alpha val="50000"/>
+            </a:schemeClr>
+          </a:solidFill>
+          <a:ln>
+            <a:noFill/>
+          </a:ln>
+        </p:spPr>
+        <p:style>
+          <a:lnRef idx="0">
+            <a:scrgbClr r="0" g="0" b="0"/>
+          </a:lnRef>
+          <a:fillRef idx="0">
+            <a:scrgbClr r="0" g="0" b="0"/>
+          </a:fillRef>
+          <a:effectRef idx="0">
+            <a:scrgbClr r="0" g="0" b="0"/>
+          </a:effectRef>
+          <a:fontRef idx="minor">
+            <a:schemeClr val="lt1"/>
+          </a:fontRef>
+        </p:style>
+        <p:txBody>
+          <a:bodyPr rtlCol="0" anchor="ctr"/>
+          <a:lstStyle/>
+          <a:p>
+            <a:pPr marL="0" algn="ctr" rtl="0" eaLnBrk="1" latinLnBrk="0" hangingPunct="1">
+              <a:spcBef>
+                <a:spcPts val="0"/>
+              </a:spcBef>
+              <a:spcAft>
+                <a:spcPts val="0"/>
+              </a:spcAft>
+            </a:pPr>
+            <a:r>
+              <a:rPr lang="es-ES" sz="1800" kern="1200" dirty="0" err="1">
+                <a:solidFill>
+                  <a:schemeClr val="bg1"/>
+                </a:solidFill>
+                <a:effectLst/>
+                <a:latin typeface="Calibri" panose="020F0502020204030204" pitchFamily="34" charset="0"/>
+                <a:ea typeface="+mn-ea"/>
+                <a:cs typeface="+mn-cs"/>
+              </a:rPr>
+              <a:t>Upper</a:t>
+            </a:r>
+            <a:r>
+              <a:rPr lang="es-ES" sz="1800" kern="1200" dirty="0">
+                <a:solidFill>
+                  <a:schemeClr val="bg1"/>
+                </a:solidFill>
+                <a:effectLst/>
+                <a:latin typeface="Calibri" panose="020F0502020204030204" pitchFamily="34" charset="0"/>
+                <a:ea typeface="+mn-ea"/>
+                <a:cs typeface="+mn-cs"/>
+              </a:rPr>
+              <a:t> Camera</a:t>
+            </a:r>
+            <a:endParaRPr lang="es-ES" dirty="0">
+              <a:solidFill>
+                <a:schemeClr val="bg1"/>
+              </a:solidFill>
+              <a:effectLst/>
+            </a:endParaRPr>
+          </a:p>
+        </p:txBody>
+      </p:sp>
+      <p:sp>
+        <p:nvSpPr>
+          <p:cNvPr id="8" name="Rectangle 7">
+            <a:extLst>
+              <a:ext uri="{FF2B5EF4-FFF2-40B4-BE49-F238E27FC236}">
+                <a16:creationId xmlns:a16="http://schemas.microsoft.com/office/drawing/2014/main" id="{1E0D893A-7C84-4876-B9D2-A6AA11025E2F}"/>
+              </a:ext>
+            </a:extLst>
+          </p:cNvPr>
+          <p:cNvSpPr/>
+          <p:nvPr/>
+        </p:nvSpPr>
+        <p:spPr>
+          <a:xfrm>
+            <a:off x="11086455" y="0"/>
+            <a:ext cx="1636451" cy="1082150"/>
+          </a:xfrm>
+          <a:prstGeom prst="rect">
+            <a:avLst/>
+          </a:prstGeom>
+          <a:solidFill>
+            <a:schemeClr val="dk1">
+              <a:alpha val="50000"/>
+            </a:schemeClr>
+          </a:solidFill>
+          <a:ln>
+            <a:noFill/>
+          </a:ln>
+        </p:spPr>
+        <p:style>
+          <a:lnRef idx="0">
+            <a:scrgbClr r="0" g="0" b="0"/>
+          </a:lnRef>
+          <a:fillRef idx="0">
+            <a:scrgbClr r="0" g="0" b="0"/>
+          </a:fillRef>
+          <a:effectRef idx="0">
+            <a:scrgbClr r="0" g="0" b="0"/>
+          </a:effectRef>
+          <a:fontRef idx="minor">
+            <a:schemeClr val="lt1"/>
+          </a:fontRef>
+        </p:style>
+        <p:txBody>
+          <a:bodyPr rtlCol="0" anchor="ctr"/>
+          <a:lstStyle/>
+          <a:p>
+            <a:pPr algn="ctr"/>
+            <a:r>
+              <a:rPr lang="es-ES" dirty="0" err="1"/>
+              <a:t>Gripper</a:t>
+            </a:r>
+            <a:endParaRPr lang="es-ES" dirty="0"/>
+          </a:p>
+        </p:txBody>
+      </p:sp>
+      <p:sp>
+        <p:nvSpPr>
+          <p:cNvPr id="12" name="Rectangle 11">
+            <a:extLst>
+              <a:ext uri="{FF2B5EF4-FFF2-40B4-BE49-F238E27FC236}">
+                <a16:creationId xmlns:a16="http://schemas.microsoft.com/office/drawing/2014/main" id="{CEC15072-BFA4-4C6A-8C7E-FDD2BF1D9694}"/>
+              </a:ext>
+            </a:extLst>
+          </p:cNvPr>
+          <p:cNvSpPr/>
+          <p:nvPr/>
+        </p:nvSpPr>
+        <p:spPr>
+          <a:xfrm>
+            <a:off x="-619714" y="0"/>
+            <a:ext cx="1636451" cy="1082150"/>
+          </a:xfrm>
+          <a:prstGeom prst="rect">
+            <a:avLst/>
+          </a:prstGeom>
+          <a:solidFill>
+            <a:schemeClr val="dk1">
+              <a:alpha val="50000"/>
+            </a:schemeClr>
+          </a:solidFill>
+          <a:ln>
+            <a:noFill/>
+          </a:ln>
+        </p:spPr>
+        <p:style>
+          <a:lnRef idx="0">
+            <a:scrgbClr r="0" g="0" b="0"/>
+          </a:lnRef>
+          <a:fillRef idx="0">
+            <a:scrgbClr r="0" g="0" b="0"/>
+          </a:fillRef>
+          <a:effectRef idx="0">
+            <a:scrgbClr r="0" g="0" b="0"/>
+          </a:effectRef>
+          <a:fontRef idx="minor">
+            <a:schemeClr val="lt1"/>
+          </a:fontRef>
+        </p:style>
+        <p:txBody>
+          <a:bodyPr rtlCol="0" anchor="ctr"/>
+          <a:lstStyle/>
+          <a:p>
+            <a:pPr algn="ctr"/>
+            <a:r>
+              <a:rPr lang="es-ES" dirty="0"/>
+              <a:t>Robot </a:t>
+            </a:r>
+            <a:r>
+              <a:rPr lang="es-ES" dirty="0" err="1"/>
+              <a:t>Controller</a:t>
+            </a:r>
+            <a:endParaRPr lang="es-ES" dirty="0"/>
+          </a:p>
+        </p:txBody>
+      </p:sp>
+      <p:cxnSp>
+        <p:nvCxnSpPr>
+          <p:cNvPr id="57" name="Straight Connector 56">
+            <a:extLst>
+              <a:ext uri="{FF2B5EF4-FFF2-40B4-BE49-F238E27FC236}">
+                <a16:creationId xmlns:a16="http://schemas.microsoft.com/office/drawing/2014/main" id="{02BDFEBA-0DA9-4463-BAE2-3FC7382D6D2E}"/>
+              </a:ext>
+            </a:extLst>
+          </p:cNvPr>
+          <p:cNvCxnSpPr>
+            <a:cxnSpLocks/>
+          </p:cNvCxnSpPr>
+          <p:nvPr/>
+        </p:nvCxnSpPr>
+        <p:spPr>
+          <a:xfrm>
+            <a:off x="198512" y="1082141"/>
+            <a:ext cx="73598" cy="9254051"/>
+          </a:xfrm>
+          <a:prstGeom prst="line">
+            <a:avLst/>
+          </a:prstGeom>
+          <a:ln w="19050">
+            <a:solidFill>
+              <a:schemeClr val="bg1">
+                <a:lumMod val="75000"/>
+              </a:schemeClr>
+            </a:solidFill>
+            <a:prstDash val="dash"/>
+          </a:ln>
+        </p:spPr>
+        <p:style>
+          <a:lnRef idx="1">
+            <a:schemeClr val="accent1"/>
+          </a:lnRef>
+          <a:fillRef idx="0">
+            <a:schemeClr val="accent1"/>
+          </a:fillRef>
+          <a:effectRef idx="0">
+            <a:schemeClr val="accent1"/>
+          </a:effectRef>
+          <a:fontRef idx="minor">
+            <a:schemeClr val="tx1"/>
+          </a:fontRef>
+        </p:style>
+      </p:cxnSp>
+      <p:cxnSp>
+        <p:nvCxnSpPr>
+          <p:cNvPr id="58" name="Straight Arrow Connector 57">
+            <a:extLst>
+              <a:ext uri="{FF2B5EF4-FFF2-40B4-BE49-F238E27FC236}">
+                <a16:creationId xmlns:a16="http://schemas.microsoft.com/office/drawing/2014/main" id="{218CB289-4886-4196-84B9-4844792016BE}"/>
+              </a:ext>
+            </a:extLst>
+          </p:cNvPr>
+          <p:cNvCxnSpPr>
+            <a:cxnSpLocks/>
+          </p:cNvCxnSpPr>
+          <p:nvPr/>
+        </p:nvCxnSpPr>
+        <p:spPr>
+          <a:xfrm flipV="1">
+            <a:off x="190505" y="1611272"/>
+            <a:ext cx="2348342" cy="4832"/>
+          </a:xfrm>
+          <a:prstGeom prst="straightConnector1">
+            <a:avLst/>
+          </a:prstGeom>
+          <a:ln w="28575">
+            <a:solidFill>
+              <a:schemeClr val="tx1">
+                <a:lumMod val="95000"/>
+                <a:lumOff val="5000"/>
+              </a:schemeClr>
+            </a:solidFill>
+            <a:tailEnd type="triangle"/>
+          </a:ln>
+        </p:spPr>
+        <p:style>
+          <a:lnRef idx="1">
+            <a:schemeClr val="accent1"/>
+          </a:lnRef>
+          <a:fillRef idx="0">
+            <a:schemeClr val="accent1"/>
+          </a:fillRef>
+          <a:effectRef idx="0">
+            <a:schemeClr val="accent1"/>
+          </a:effectRef>
+          <a:fontRef idx="minor">
+            <a:schemeClr val="tx1"/>
+          </a:fontRef>
+        </p:style>
+      </p:cxnSp>
+      <p:sp>
+        <p:nvSpPr>
+          <p:cNvPr id="59" name="TextBox 58">
+            <a:extLst>
+              <a:ext uri="{FF2B5EF4-FFF2-40B4-BE49-F238E27FC236}">
+                <a16:creationId xmlns:a16="http://schemas.microsoft.com/office/drawing/2014/main" id="{0443EFA2-B8B4-4433-96D8-0F4D15DAD119}"/>
+              </a:ext>
+            </a:extLst>
+          </p:cNvPr>
+          <p:cNvSpPr txBox="1"/>
+          <p:nvPr/>
+        </p:nvSpPr>
+        <p:spPr>
+          <a:xfrm>
+            <a:off x="240183" y="1230736"/>
+            <a:ext cx="2283871" cy="369332"/>
+          </a:xfrm>
+          <a:prstGeom prst="rect">
+            <a:avLst/>
+          </a:prstGeom>
+          <a:noFill/>
+        </p:spPr>
+        <p:txBody>
+          <a:bodyPr wrap="square" rtlCol="0">
+            <a:spAutoFit/>
+          </a:bodyPr>
+          <a:lstStyle/>
+          <a:p>
+            <a:pPr algn="ctr"/>
+            <a:r>
+              <a:rPr lang="es-ES" dirty="0" err="1"/>
+              <a:t>GetAction</a:t>
+            </a:r>
+            <a:r>
+              <a:rPr lang="es-ES" dirty="0"/>
+              <a:t>(</a:t>
+            </a:r>
+            <a:r>
+              <a:rPr lang="es-ES" dirty="0" err="1"/>
+              <a:t>Coord,OP</a:t>
+            </a:r>
+            <a:r>
+              <a:rPr lang="es-ES" dirty="0"/>
+              <a:t>)</a:t>
+            </a:r>
+          </a:p>
+        </p:txBody>
+      </p:sp>
+      <p:cxnSp>
+        <p:nvCxnSpPr>
+          <p:cNvPr id="60" name="Straight Arrow Connector 59">
+            <a:extLst>
+              <a:ext uri="{FF2B5EF4-FFF2-40B4-BE49-F238E27FC236}">
+                <a16:creationId xmlns:a16="http://schemas.microsoft.com/office/drawing/2014/main" id="{6821B9EA-350D-48AE-A39D-972E8B7F8E64}"/>
+              </a:ext>
+            </a:extLst>
+          </p:cNvPr>
+          <p:cNvCxnSpPr>
+            <a:cxnSpLocks/>
+          </p:cNvCxnSpPr>
+          <p:nvPr/>
+        </p:nvCxnSpPr>
+        <p:spPr>
+          <a:xfrm flipH="1">
+            <a:off x="212395" y="2220089"/>
+            <a:ext cx="2326452" cy="0"/>
+          </a:xfrm>
+          <a:prstGeom prst="straightConnector1">
+            <a:avLst/>
+          </a:prstGeom>
+          <a:ln w="28575">
+            <a:solidFill>
+              <a:schemeClr val="tx1">
+                <a:lumMod val="95000"/>
+                <a:lumOff val="5000"/>
+              </a:schemeClr>
+            </a:solidFill>
+            <a:tailEnd type="triangle"/>
+          </a:ln>
+        </p:spPr>
+        <p:style>
+          <a:lnRef idx="1">
+            <a:schemeClr val="accent1"/>
+          </a:lnRef>
+          <a:fillRef idx="0">
+            <a:schemeClr val="accent1"/>
+          </a:fillRef>
+          <a:effectRef idx="0">
+            <a:schemeClr val="accent1"/>
+          </a:effectRef>
+          <a:fontRef idx="minor">
+            <a:schemeClr val="tx1"/>
+          </a:fontRef>
+        </p:style>
+      </p:cxnSp>
+      <p:sp>
+        <p:nvSpPr>
+          <p:cNvPr id="61" name="TextBox 60">
+            <a:extLst>
+              <a:ext uri="{FF2B5EF4-FFF2-40B4-BE49-F238E27FC236}">
+                <a16:creationId xmlns:a16="http://schemas.microsoft.com/office/drawing/2014/main" id="{B5A1436E-4AFA-4B57-BF8E-17BB6A370221}"/>
+              </a:ext>
+            </a:extLst>
+          </p:cNvPr>
+          <p:cNvSpPr txBox="1"/>
+          <p:nvPr/>
+        </p:nvSpPr>
+        <p:spPr>
+          <a:xfrm>
+            <a:off x="197609" y="1854477"/>
+            <a:ext cx="2326451" cy="369332"/>
+          </a:xfrm>
+          <a:prstGeom prst="rect">
+            <a:avLst/>
+          </a:prstGeom>
+          <a:noFill/>
+        </p:spPr>
+        <p:txBody>
+          <a:bodyPr wrap="square" rtlCol="0">
+            <a:spAutoFit/>
+          </a:bodyPr>
+          <a:lstStyle/>
+          <a:p>
+            <a:pPr algn="ctr"/>
+            <a:r>
+              <a:rPr lang="es-ES" dirty="0" err="1"/>
+              <a:t>Action</a:t>
+            </a:r>
+            <a:endParaRPr lang="es-ES" dirty="0"/>
+          </a:p>
+        </p:txBody>
+      </p:sp>
+      <p:cxnSp>
+        <p:nvCxnSpPr>
+          <p:cNvPr id="62" name="Straight Arrow Connector 61">
+            <a:extLst>
+              <a:ext uri="{FF2B5EF4-FFF2-40B4-BE49-F238E27FC236}">
+                <a16:creationId xmlns:a16="http://schemas.microsoft.com/office/drawing/2014/main" id="{F2450D7D-D24B-437D-BED4-C6F057E4B42C}"/>
+              </a:ext>
+            </a:extLst>
+          </p:cNvPr>
+          <p:cNvCxnSpPr>
+            <a:cxnSpLocks/>
+          </p:cNvCxnSpPr>
+          <p:nvPr/>
+        </p:nvCxnSpPr>
+        <p:spPr>
+          <a:xfrm flipV="1">
+            <a:off x="206946" y="2791543"/>
+            <a:ext cx="4679818" cy="18449"/>
+          </a:xfrm>
+          <a:prstGeom prst="straightConnector1">
+            <a:avLst/>
+          </a:prstGeom>
+          <a:ln w="28575">
+            <a:solidFill>
+              <a:schemeClr val="tx1">
+                <a:lumMod val="95000"/>
+                <a:lumOff val="5000"/>
+              </a:schemeClr>
+            </a:solidFill>
+            <a:tailEnd type="triangle"/>
+          </a:ln>
+        </p:spPr>
+        <p:style>
+          <a:lnRef idx="1">
+            <a:schemeClr val="accent1"/>
+          </a:lnRef>
+          <a:fillRef idx="0">
+            <a:schemeClr val="accent1"/>
+          </a:fillRef>
+          <a:effectRef idx="0">
+            <a:schemeClr val="accent1"/>
+          </a:effectRef>
+          <a:fontRef idx="minor">
+            <a:schemeClr val="tx1"/>
+          </a:fontRef>
+        </p:style>
+      </p:cxnSp>
+      <p:cxnSp>
+        <p:nvCxnSpPr>
+          <p:cNvPr id="63" name="Straight Arrow Connector 62">
+            <a:extLst>
+              <a:ext uri="{FF2B5EF4-FFF2-40B4-BE49-F238E27FC236}">
+                <a16:creationId xmlns:a16="http://schemas.microsoft.com/office/drawing/2014/main" id="{62D898AA-E3D0-40EB-AE27-9EF3A89B3B65}"/>
+              </a:ext>
+            </a:extLst>
+          </p:cNvPr>
+          <p:cNvCxnSpPr>
+            <a:cxnSpLocks/>
+          </p:cNvCxnSpPr>
+          <p:nvPr/>
+        </p:nvCxnSpPr>
+        <p:spPr>
+          <a:xfrm flipH="1" flipV="1">
+            <a:off x="221732" y="3171885"/>
+            <a:ext cx="4672147" cy="7439"/>
+          </a:xfrm>
+          <a:prstGeom prst="straightConnector1">
+            <a:avLst/>
+          </a:prstGeom>
+          <a:ln w="28575">
+            <a:solidFill>
+              <a:schemeClr val="tx1">
+                <a:lumMod val="95000"/>
+                <a:lumOff val="5000"/>
+              </a:schemeClr>
+            </a:solidFill>
+            <a:tailEnd type="triangle"/>
+          </a:ln>
+        </p:spPr>
+        <p:style>
+          <a:lnRef idx="1">
+            <a:schemeClr val="accent1"/>
+          </a:lnRef>
+          <a:fillRef idx="0">
+            <a:schemeClr val="accent1"/>
+          </a:fillRef>
+          <a:effectRef idx="0">
+            <a:schemeClr val="accent1"/>
+          </a:effectRef>
+          <a:fontRef idx="minor">
+            <a:schemeClr val="tx1"/>
+          </a:fontRef>
+        </p:style>
+      </p:cxnSp>
+      <p:sp>
+        <p:nvSpPr>
+          <p:cNvPr id="64" name="TextBox 63">
+            <a:extLst>
+              <a:ext uri="{FF2B5EF4-FFF2-40B4-BE49-F238E27FC236}">
+                <a16:creationId xmlns:a16="http://schemas.microsoft.com/office/drawing/2014/main" id="{6EEFDCBB-0651-4B9D-BC34-A62FC130D37A}"/>
+              </a:ext>
+            </a:extLst>
+          </p:cNvPr>
+          <p:cNvSpPr txBox="1"/>
+          <p:nvPr/>
+        </p:nvSpPr>
+        <p:spPr>
+          <a:xfrm>
+            <a:off x="214628" y="2418491"/>
+            <a:ext cx="4664127" cy="369332"/>
+          </a:xfrm>
+          <a:prstGeom prst="rect">
+            <a:avLst/>
+          </a:prstGeom>
+          <a:noFill/>
+        </p:spPr>
+        <p:txBody>
+          <a:bodyPr wrap="square" rtlCol="0">
+            <a:spAutoFit/>
+          </a:bodyPr>
+          <a:lstStyle/>
+          <a:p>
+            <a:pPr algn="ctr"/>
+            <a:r>
+              <a:rPr lang="es-ES" dirty="0"/>
+              <a:t>                                </a:t>
+            </a:r>
+            <a:r>
+              <a:rPr lang="es-ES" dirty="0" err="1"/>
+              <a:t>PerformPath</a:t>
+            </a:r>
+            <a:r>
+              <a:rPr lang="es-ES" dirty="0"/>
+              <a:t>(</a:t>
+            </a:r>
+            <a:r>
+              <a:rPr lang="es-ES" dirty="0" err="1"/>
+              <a:t>path</a:t>
+            </a:r>
+            <a:r>
+              <a:rPr lang="es-ES" dirty="0"/>
+              <a:t>)</a:t>
+            </a:r>
+          </a:p>
+        </p:txBody>
+      </p:sp>
+      <p:sp>
+        <p:nvSpPr>
+          <p:cNvPr id="65" name="TextBox 64">
+            <a:extLst>
+              <a:ext uri="{FF2B5EF4-FFF2-40B4-BE49-F238E27FC236}">
+                <a16:creationId xmlns:a16="http://schemas.microsoft.com/office/drawing/2014/main" id="{98F936A1-8EA9-4E9F-9B1F-AC4CAA64C8F2}"/>
+              </a:ext>
+            </a:extLst>
+          </p:cNvPr>
+          <p:cNvSpPr txBox="1"/>
+          <p:nvPr/>
+        </p:nvSpPr>
+        <p:spPr>
+          <a:xfrm>
+            <a:off x="216120" y="2778265"/>
+            <a:ext cx="4664127" cy="369332"/>
+          </a:xfrm>
+          <a:prstGeom prst="rect">
+            <a:avLst/>
+          </a:prstGeom>
+          <a:noFill/>
+        </p:spPr>
+        <p:txBody>
+          <a:bodyPr wrap="square" rtlCol="0">
+            <a:spAutoFit/>
+          </a:bodyPr>
+          <a:lstStyle/>
+          <a:p>
+            <a:pPr algn="ctr"/>
+            <a:r>
+              <a:rPr lang="es-ES" dirty="0"/>
+              <a:t>Done</a:t>
+            </a:r>
+          </a:p>
+        </p:txBody>
+      </p:sp>
+      <p:sp>
+        <p:nvSpPr>
+          <p:cNvPr id="66" name="TextBox 65">
+            <a:extLst>
+              <a:ext uri="{FF2B5EF4-FFF2-40B4-BE49-F238E27FC236}">
+                <a16:creationId xmlns:a16="http://schemas.microsoft.com/office/drawing/2014/main" id="{7501F271-9055-4611-9CBF-02EDB88C3402}"/>
+              </a:ext>
+            </a:extLst>
+          </p:cNvPr>
+          <p:cNvSpPr txBox="1"/>
+          <p:nvPr/>
+        </p:nvSpPr>
+        <p:spPr>
+          <a:xfrm>
+            <a:off x="188653" y="2430043"/>
+            <a:ext cx="1910937" cy="307777"/>
+          </a:xfrm>
+          <a:prstGeom prst="rect">
+            <a:avLst/>
+          </a:prstGeom>
+        </p:spPr>
+        <p:style>
+          <a:lnRef idx="3">
+            <a:schemeClr val="lt1"/>
+          </a:lnRef>
+          <a:fillRef idx="1">
+            <a:schemeClr val="accent3"/>
+          </a:fillRef>
+          <a:effectRef idx="1">
+            <a:schemeClr val="accent3"/>
+          </a:effectRef>
+          <a:fontRef idx="minor">
+            <a:schemeClr val="lt1"/>
+          </a:fontRef>
+        </p:style>
+        <p:txBody>
+          <a:bodyPr wrap="square" rtlCol="0">
+            <a:spAutoFit/>
+          </a:bodyPr>
+          <a:lstStyle/>
+          <a:p>
+            <a:pPr algn="ctr"/>
+            <a:r>
+              <a:rPr lang="es-ES" sz="1400" i="1" dirty="0"/>
+              <a:t>If </a:t>
+            </a:r>
+            <a:r>
+              <a:rPr lang="es-ES" sz="1400" i="1" dirty="0" err="1"/>
+              <a:t>action</a:t>
+            </a:r>
+            <a:r>
+              <a:rPr lang="es-ES" sz="1400" i="1" dirty="0"/>
+              <a:t> in [N, S, W, E]</a:t>
+            </a:r>
+          </a:p>
+        </p:txBody>
+      </p:sp>
+      <p:cxnSp>
+        <p:nvCxnSpPr>
+          <p:cNvPr id="68" name="Straight Arrow Connector 67">
+            <a:extLst>
+              <a:ext uri="{FF2B5EF4-FFF2-40B4-BE49-F238E27FC236}">
+                <a16:creationId xmlns:a16="http://schemas.microsoft.com/office/drawing/2014/main" id="{12E8A3FF-4197-4A8A-BEDB-8BE20412FE61}"/>
+              </a:ext>
+            </a:extLst>
+          </p:cNvPr>
+          <p:cNvCxnSpPr>
+            <a:cxnSpLocks/>
+          </p:cNvCxnSpPr>
+          <p:nvPr/>
+        </p:nvCxnSpPr>
+        <p:spPr>
+          <a:xfrm flipV="1">
+            <a:off x="206946" y="3634158"/>
+            <a:ext cx="4679818" cy="18449"/>
+          </a:xfrm>
+          <a:prstGeom prst="straightConnector1">
+            <a:avLst/>
+          </a:prstGeom>
+          <a:ln w="28575">
+            <a:solidFill>
+              <a:schemeClr val="tx1">
+                <a:lumMod val="95000"/>
+                <a:lumOff val="5000"/>
+              </a:schemeClr>
+            </a:solidFill>
+            <a:tailEnd type="triangle"/>
+          </a:ln>
+        </p:spPr>
+        <p:style>
+          <a:lnRef idx="1">
+            <a:schemeClr val="accent1"/>
+          </a:lnRef>
+          <a:fillRef idx="0">
+            <a:schemeClr val="accent1"/>
+          </a:fillRef>
+          <a:effectRef idx="0">
+            <a:schemeClr val="accent1"/>
+          </a:effectRef>
+          <a:fontRef idx="minor">
+            <a:schemeClr val="tx1"/>
+          </a:fontRef>
+        </p:style>
+      </p:cxnSp>
+      <p:cxnSp>
+        <p:nvCxnSpPr>
+          <p:cNvPr id="69" name="Straight Arrow Connector 68">
+            <a:extLst>
+              <a:ext uri="{FF2B5EF4-FFF2-40B4-BE49-F238E27FC236}">
+                <a16:creationId xmlns:a16="http://schemas.microsoft.com/office/drawing/2014/main" id="{5726093A-4B92-461E-A088-E63DB82ACBFC}"/>
+              </a:ext>
+            </a:extLst>
+          </p:cNvPr>
+          <p:cNvCxnSpPr>
+            <a:cxnSpLocks/>
+          </p:cNvCxnSpPr>
+          <p:nvPr/>
+        </p:nvCxnSpPr>
+        <p:spPr>
+          <a:xfrm flipH="1">
+            <a:off x="221733" y="3986478"/>
+            <a:ext cx="11682935" cy="28023"/>
+          </a:xfrm>
+          <a:prstGeom prst="straightConnector1">
+            <a:avLst/>
+          </a:prstGeom>
+          <a:ln w="28575">
+            <a:solidFill>
+              <a:schemeClr val="tx1">
+                <a:lumMod val="95000"/>
+                <a:lumOff val="5000"/>
+              </a:schemeClr>
+            </a:solidFill>
+            <a:tailEnd type="triangle"/>
+          </a:ln>
+        </p:spPr>
+        <p:style>
+          <a:lnRef idx="1">
+            <a:schemeClr val="accent1"/>
+          </a:lnRef>
+          <a:fillRef idx="0">
+            <a:schemeClr val="accent1"/>
+          </a:fillRef>
+          <a:effectRef idx="0">
+            <a:schemeClr val="accent1"/>
+          </a:effectRef>
+          <a:fontRef idx="minor">
+            <a:schemeClr val="tx1"/>
+          </a:fontRef>
+        </p:style>
+      </p:cxnSp>
+      <p:sp>
+        <p:nvSpPr>
+          <p:cNvPr id="71" name="TextBox 70">
+            <a:extLst>
+              <a:ext uri="{FF2B5EF4-FFF2-40B4-BE49-F238E27FC236}">
+                <a16:creationId xmlns:a16="http://schemas.microsoft.com/office/drawing/2014/main" id="{F840E54B-C4A0-4F18-977E-29C313617334}"/>
+              </a:ext>
+            </a:extLst>
+          </p:cNvPr>
+          <p:cNvSpPr txBox="1"/>
+          <p:nvPr/>
+        </p:nvSpPr>
+        <p:spPr>
+          <a:xfrm>
+            <a:off x="216120" y="3620879"/>
+            <a:ext cx="11682931" cy="369332"/>
+          </a:xfrm>
+          <a:prstGeom prst="rect">
+            <a:avLst/>
+          </a:prstGeom>
+          <a:noFill/>
+        </p:spPr>
+        <p:txBody>
+          <a:bodyPr wrap="square" rtlCol="0">
+            <a:spAutoFit/>
+          </a:bodyPr>
+          <a:lstStyle/>
+          <a:p>
+            <a:pPr algn="ctr"/>
+            <a:r>
+              <a:rPr lang="es-ES" dirty="0" err="1"/>
+              <a:t>ObjectTouched</a:t>
+            </a:r>
+            <a:r>
+              <a:rPr lang="es-ES" dirty="0"/>
+              <a:t>()</a:t>
+            </a:r>
+          </a:p>
+        </p:txBody>
+      </p:sp>
+      <p:sp>
+        <p:nvSpPr>
+          <p:cNvPr id="72" name="TextBox 71">
+            <a:extLst>
+              <a:ext uri="{FF2B5EF4-FFF2-40B4-BE49-F238E27FC236}">
+                <a16:creationId xmlns:a16="http://schemas.microsoft.com/office/drawing/2014/main" id="{F4C2FC01-6128-4B4B-A528-4B2D30C098CB}"/>
+              </a:ext>
+            </a:extLst>
+          </p:cNvPr>
+          <p:cNvSpPr txBox="1"/>
+          <p:nvPr/>
+        </p:nvSpPr>
+        <p:spPr>
+          <a:xfrm>
+            <a:off x="188653" y="3296553"/>
+            <a:ext cx="1910937" cy="307777"/>
+          </a:xfrm>
+          <a:prstGeom prst="rect">
+            <a:avLst/>
+          </a:prstGeom>
+        </p:spPr>
+        <p:style>
+          <a:lnRef idx="3">
+            <a:schemeClr val="lt1"/>
+          </a:lnRef>
+          <a:fillRef idx="1">
+            <a:schemeClr val="accent3"/>
+          </a:fillRef>
+          <a:effectRef idx="1">
+            <a:schemeClr val="accent3"/>
+          </a:effectRef>
+          <a:fontRef idx="minor">
+            <a:schemeClr val="lt1"/>
+          </a:fontRef>
+        </p:style>
+        <p:txBody>
+          <a:bodyPr wrap="square" rtlCol="0">
+            <a:spAutoFit/>
+          </a:bodyPr>
+          <a:lstStyle/>
+          <a:p>
+            <a:pPr algn="ctr"/>
+            <a:r>
+              <a:rPr lang="es-ES" sz="1400" i="1" dirty="0"/>
+              <a:t>If </a:t>
+            </a:r>
+            <a:r>
+              <a:rPr lang="es-ES" sz="1400" i="1" dirty="0" err="1"/>
+              <a:t>action</a:t>
+            </a:r>
+            <a:r>
+              <a:rPr lang="es-ES" sz="1400" i="1" dirty="0"/>
+              <a:t> == Pick</a:t>
+            </a:r>
+          </a:p>
+        </p:txBody>
+      </p:sp>
+      <p:cxnSp>
+        <p:nvCxnSpPr>
+          <p:cNvPr id="74" name="Straight Arrow Connector 73">
+            <a:extLst>
+              <a:ext uri="{FF2B5EF4-FFF2-40B4-BE49-F238E27FC236}">
+                <a16:creationId xmlns:a16="http://schemas.microsoft.com/office/drawing/2014/main" id="{3B7D99B6-5B3E-475A-825D-A352588CE8B3}"/>
+              </a:ext>
+            </a:extLst>
+          </p:cNvPr>
+          <p:cNvCxnSpPr>
+            <a:cxnSpLocks/>
+          </p:cNvCxnSpPr>
+          <p:nvPr/>
+        </p:nvCxnSpPr>
+        <p:spPr>
+          <a:xfrm flipV="1">
+            <a:off x="198938" y="4731987"/>
+            <a:ext cx="11705736" cy="2769"/>
+          </a:xfrm>
+          <a:prstGeom prst="straightConnector1">
+            <a:avLst/>
+          </a:prstGeom>
+          <a:ln w="28575">
+            <a:solidFill>
+              <a:schemeClr val="tx1">
+                <a:lumMod val="95000"/>
+                <a:lumOff val="5000"/>
+              </a:schemeClr>
+            </a:solidFill>
+            <a:tailEnd type="triangle"/>
+          </a:ln>
+        </p:spPr>
+        <p:style>
+          <a:lnRef idx="1">
+            <a:schemeClr val="accent1"/>
+          </a:lnRef>
+          <a:fillRef idx="0">
+            <a:schemeClr val="accent1"/>
+          </a:fillRef>
+          <a:effectRef idx="0">
+            <a:schemeClr val="accent1"/>
+          </a:effectRef>
+          <a:fontRef idx="minor">
+            <a:schemeClr val="tx1"/>
+          </a:fontRef>
+        </p:style>
+      </p:cxnSp>
+      <p:cxnSp>
+        <p:nvCxnSpPr>
+          <p:cNvPr id="79" name="Straight Arrow Connector 78">
+            <a:extLst>
+              <a:ext uri="{FF2B5EF4-FFF2-40B4-BE49-F238E27FC236}">
+                <a16:creationId xmlns:a16="http://schemas.microsoft.com/office/drawing/2014/main" id="{B7067575-5A9D-4FAA-990C-705C5E7A085A}"/>
+              </a:ext>
+            </a:extLst>
+          </p:cNvPr>
+          <p:cNvCxnSpPr>
+            <a:cxnSpLocks/>
+          </p:cNvCxnSpPr>
+          <p:nvPr/>
+        </p:nvCxnSpPr>
+        <p:spPr>
+          <a:xfrm flipV="1">
+            <a:off x="215902" y="5098264"/>
+            <a:ext cx="4679818" cy="18449"/>
+          </a:xfrm>
+          <a:prstGeom prst="straightConnector1">
+            <a:avLst/>
+          </a:prstGeom>
+          <a:ln w="28575">
+            <a:solidFill>
+              <a:schemeClr val="tx1">
+                <a:lumMod val="95000"/>
+                <a:lumOff val="5000"/>
+              </a:schemeClr>
+            </a:solidFill>
+            <a:tailEnd type="triangle"/>
+          </a:ln>
+        </p:spPr>
+        <p:style>
+          <a:lnRef idx="1">
+            <a:schemeClr val="accent1"/>
+          </a:lnRef>
+          <a:fillRef idx="0">
+            <a:schemeClr val="accent1"/>
+          </a:fillRef>
+          <a:effectRef idx="0">
+            <a:schemeClr val="accent1"/>
+          </a:effectRef>
+          <a:fontRef idx="minor">
+            <a:schemeClr val="tx1"/>
+          </a:fontRef>
+        </p:style>
+      </p:cxnSp>
+      <p:cxnSp>
+        <p:nvCxnSpPr>
+          <p:cNvPr id="85" name="Straight Arrow Connector 84">
+            <a:extLst>
+              <a:ext uri="{FF2B5EF4-FFF2-40B4-BE49-F238E27FC236}">
+                <a16:creationId xmlns:a16="http://schemas.microsoft.com/office/drawing/2014/main" id="{6753E44F-7092-42FF-BB0E-E6757A3D9F53}"/>
+              </a:ext>
+            </a:extLst>
+          </p:cNvPr>
+          <p:cNvCxnSpPr>
+            <a:cxnSpLocks/>
+          </p:cNvCxnSpPr>
+          <p:nvPr/>
+        </p:nvCxnSpPr>
+        <p:spPr>
+          <a:xfrm flipH="1" flipV="1">
+            <a:off x="230688" y="5478606"/>
+            <a:ext cx="4672147" cy="7439"/>
+          </a:xfrm>
+          <a:prstGeom prst="straightConnector1">
+            <a:avLst/>
+          </a:prstGeom>
+          <a:ln w="28575">
+            <a:solidFill>
+              <a:schemeClr val="tx1">
+                <a:lumMod val="95000"/>
+                <a:lumOff val="5000"/>
+              </a:schemeClr>
+            </a:solidFill>
+            <a:tailEnd type="triangle"/>
+          </a:ln>
+        </p:spPr>
+        <p:style>
+          <a:lnRef idx="1">
+            <a:schemeClr val="accent1"/>
+          </a:lnRef>
+          <a:fillRef idx="0">
+            <a:schemeClr val="accent1"/>
+          </a:fillRef>
+          <a:effectRef idx="0">
+            <a:schemeClr val="accent1"/>
+          </a:effectRef>
+          <a:fontRef idx="minor">
+            <a:schemeClr val="tx1"/>
+          </a:fontRef>
+        </p:style>
+      </p:cxnSp>
+      <p:sp>
+        <p:nvSpPr>
+          <p:cNvPr id="86" name="TextBox 85">
+            <a:extLst>
+              <a:ext uri="{FF2B5EF4-FFF2-40B4-BE49-F238E27FC236}">
+                <a16:creationId xmlns:a16="http://schemas.microsoft.com/office/drawing/2014/main" id="{946679F7-DA79-44E9-ADDD-FA1454E74F86}"/>
+              </a:ext>
+            </a:extLst>
+          </p:cNvPr>
+          <p:cNvSpPr txBox="1"/>
+          <p:nvPr/>
+        </p:nvSpPr>
+        <p:spPr>
+          <a:xfrm>
+            <a:off x="225076" y="5084986"/>
+            <a:ext cx="4664127" cy="369332"/>
+          </a:xfrm>
+          <a:prstGeom prst="rect">
+            <a:avLst/>
+          </a:prstGeom>
+          <a:noFill/>
+        </p:spPr>
+        <p:txBody>
+          <a:bodyPr wrap="square" rtlCol="0">
+            <a:spAutoFit/>
+          </a:bodyPr>
+          <a:lstStyle/>
+          <a:p>
+            <a:pPr algn="ctr"/>
+            <a:r>
+              <a:rPr lang="es-ES" dirty="0"/>
+              <a:t>Done</a:t>
+            </a:r>
+          </a:p>
+        </p:txBody>
+      </p:sp>
+      <p:sp>
+        <p:nvSpPr>
+          <p:cNvPr id="92" name="TextBox 91">
+            <a:extLst>
+              <a:ext uri="{FF2B5EF4-FFF2-40B4-BE49-F238E27FC236}">
+                <a16:creationId xmlns:a16="http://schemas.microsoft.com/office/drawing/2014/main" id="{35FD7D80-7F0B-46C3-A0B2-555B4C4A050E}"/>
+              </a:ext>
+            </a:extLst>
+          </p:cNvPr>
+          <p:cNvSpPr txBox="1"/>
+          <p:nvPr/>
+        </p:nvSpPr>
+        <p:spPr>
+          <a:xfrm>
+            <a:off x="222637" y="3986477"/>
+            <a:ext cx="4664127" cy="369332"/>
+          </a:xfrm>
+          <a:prstGeom prst="rect">
+            <a:avLst/>
+          </a:prstGeom>
+          <a:noFill/>
+        </p:spPr>
+        <p:txBody>
+          <a:bodyPr wrap="square" rtlCol="0">
+            <a:spAutoFit/>
+          </a:bodyPr>
+          <a:lstStyle/>
+          <a:p>
+            <a:pPr algn="ctr"/>
+            <a:r>
+              <a:rPr lang="es-ES" dirty="0"/>
+              <a:t>Stop()</a:t>
+            </a:r>
+          </a:p>
+        </p:txBody>
+      </p:sp>
+      <p:cxnSp>
+        <p:nvCxnSpPr>
+          <p:cNvPr id="93" name="Straight Arrow Connector 92">
+            <a:extLst>
+              <a:ext uri="{FF2B5EF4-FFF2-40B4-BE49-F238E27FC236}">
+                <a16:creationId xmlns:a16="http://schemas.microsoft.com/office/drawing/2014/main" id="{D5F63E15-A309-484C-BFD1-8EEF3D71AA6B}"/>
+              </a:ext>
+            </a:extLst>
+          </p:cNvPr>
+          <p:cNvCxnSpPr>
+            <a:cxnSpLocks/>
+          </p:cNvCxnSpPr>
+          <p:nvPr/>
+        </p:nvCxnSpPr>
+        <p:spPr>
+          <a:xfrm flipV="1">
+            <a:off x="214955" y="4359529"/>
+            <a:ext cx="4679818" cy="18449"/>
+          </a:xfrm>
+          <a:prstGeom prst="straightConnector1">
+            <a:avLst/>
+          </a:prstGeom>
+          <a:ln w="28575">
+            <a:solidFill>
+              <a:schemeClr val="tx1">
+                <a:lumMod val="95000"/>
+                <a:lumOff val="5000"/>
+              </a:schemeClr>
+            </a:solidFill>
+            <a:tailEnd type="triangle"/>
+          </a:ln>
+        </p:spPr>
+        <p:style>
+          <a:lnRef idx="1">
+            <a:schemeClr val="accent1"/>
+          </a:lnRef>
+          <a:fillRef idx="0">
+            <a:schemeClr val="accent1"/>
+          </a:fillRef>
+          <a:effectRef idx="0">
+            <a:schemeClr val="accent1"/>
+          </a:effectRef>
+          <a:fontRef idx="minor">
+            <a:schemeClr val="tx1"/>
+          </a:fontRef>
+        </p:style>
+      </p:cxnSp>
+      <p:sp>
+        <p:nvSpPr>
+          <p:cNvPr id="11" name="Rectangle 10">
+            <a:extLst>
+              <a:ext uri="{FF2B5EF4-FFF2-40B4-BE49-F238E27FC236}">
+                <a16:creationId xmlns:a16="http://schemas.microsoft.com/office/drawing/2014/main" id="{B1562162-6E56-4292-B302-678C91077813}"/>
+              </a:ext>
+            </a:extLst>
+          </p:cNvPr>
+          <p:cNvSpPr/>
+          <p:nvPr/>
+        </p:nvSpPr>
+        <p:spPr>
+          <a:xfrm>
+            <a:off x="0" y="3296553"/>
+            <a:ext cx="12108180" cy="6831300"/>
+          </a:xfrm>
+          <a:prstGeom prst="rect">
+            <a:avLst/>
+          </a:prstGeom>
+          <a:noFill/>
+          <a:ln w="19050" cap="flat" cmpd="sng" algn="ctr">
+            <a:solidFill>
+              <a:schemeClr val="dk1"/>
+            </a:solidFill>
+            <a:prstDash val="solid"/>
+            <a:round/>
+            <a:headEnd type="none" w="med" len="med"/>
+            <a:tailEnd type="none" w="med" len="med"/>
+          </a:ln>
+        </p:spPr>
+        <p:style>
+          <a:lnRef idx="0">
+            <a:scrgbClr r="0" g="0" b="0"/>
+          </a:lnRef>
+          <a:fillRef idx="0">
+            <a:scrgbClr r="0" g="0" b="0"/>
+          </a:fillRef>
+          <a:effectRef idx="0">
+            <a:scrgbClr r="0" g="0" b="0"/>
+          </a:effectRef>
+          <a:fontRef idx="minor">
+            <a:schemeClr val="dk1"/>
+          </a:fontRef>
+        </p:style>
+        <p:txBody>
+          <a:bodyPr rtlCol="0" anchor="ctr"/>
+          <a:lstStyle/>
+          <a:p>
+            <a:pPr algn="ctr"/>
+            <a:endParaRPr lang="es-ES"/>
+          </a:p>
+        </p:txBody>
+      </p:sp>
+      <p:sp>
+        <p:nvSpPr>
+          <p:cNvPr id="13" name="Rectangle 12">
+            <a:extLst>
+              <a:ext uri="{FF2B5EF4-FFF2-40B4-BE49-F238E27FC236}">
+                <a16:creationId xmlns:a16="http://schemas.microsoft.com/office/drawing/2014/main" id="{8C2C2C4D-7C3B-4B82-BD15-7BDC14C10A7A}"/>
+              </a:ext>
+            </a:extLst>
+          </p:cNvPr>
+          <p:cNvSpPr/>
+          <p:nvPr/>
+        </p:nvSpPr>
+        <p:spPr>
+          <a:xfrm>
+            <a:off x="1072" y="2429152"/>
+            <a:ext cx="5076443" cy="826066"/>
+          </a:xfrm>
+          <a:prstGeom prst="rect">
+            <a:avLst/>
+          </a:prstGeom>
+          <a:noFill/>
+          <a:ln w="19050" cap="flat" cmpd="sng" algn="ctr">
+            <a:solidFill>
+              <a:schemeClr val="dk1"/>
+            </a:solidFill>
+            <a:prstDash val="solid"/>
+            <a:round/>
+            <a:headEnd type="none" w="med" len="med"/>
+            <a:tailEnd type="none" w="med" len="med"/>
+          </a:ln>
+        </p:spPr>
+        <p:style>
+          <a:lnRef idx="0">
+            <a:scrgbClr r="0" g="0" b="0"/>
+          </a:lnRef>
+          <a:fillRef idx="0">
+            <a:scrgbClr r="0" g="0" b="0"/>
+          </a:fillRef>
+          <a:effectRef idx="0">
+            <a:scrgbClr r="0" g="0" b="0"/>
+          </a:effectRef>
+          <a:fontRef idx="minor">
+            <a:schemeClr val="dk1"/>
+          </a:fontRef>
+        </p:style>
+        <p:txBody>
+          <a:bodyPr rtlCol="0" anchor="ctr"/>
+          <a:lstStyle/>
+          <a:p>
+            <a:pPr algn="ctr"/>
+            <a:endParaRPr lang="es-ES"/>
+          </a:p>
+        </p:txBody>
+      </p:sp>
+      <p:sp>
+        <p:nvSpPr>
+          <p:cNvPr id="94" name="TextBox 93">
+            <a:extLst>
+              <a:ext uri="{FF2B5EF4-FFF2-40B4-BE49-F238E27FC236}">
+                <a16:creationId xmlns:a16="http://schemas.microsoft.com/office/drawing/2014/main" id="{1EF15A37-6642-4EBD-8D07-5CCBFE07C2FF}"/>
+              </a:ext>
+            </a:extLst>
+          </p:cNvPr>
+          <p:cNvSpPr txBox="1"/>
+          <p:nvPr/>
+        </p:nvSpPr>
+        <p:spPr>
+          <a:xfrm>
+            <a:off x="221732" y="6022573"/>
+            <a:ext cx="11698152" cy="369332"/>
+          </a:xfrm>
+          <a:prstGeom prst="rect">
+            <a:avLst/>
+          </a:prstGeom>
+          <a:noFill/>
+        </p:spPr>
+        <p:txBody>
+          <a:bodyPr wrap="square" rtlCol="0">
+            <a:spAutoFit/>
+          </a:bodyPr>
+          <a:lstStyle/>
+          <a:p>
+            <a:pPr algn="ctr"/>
+            <a:r>
+              <a:rPr lang="es-ES" dirty="0"/>
+              <a:t>x10 </a:t>
+            </a:r>
+            <a:r>
+              <a:rPr lang="es-ES" dirty="0" err="1"/>
+              <a:t>DeactivateGripper</a:t>
+            </a:r>
+            <a:r>
+              <a:rPr lang="es-ES" dirty="0"/>
+              <a:t>()</a:t>
+            </a:r>
+          </a:p>
+        </p:txBody>
+      </p:sp>
+      <p:cxnSp>
+        <p:nvCxnSpPr>
+          <p:cNvPr id="95" name="Straight Arrow Connector 94">
+            <a:extLst>
+              <a:ext uri="{FF2B5EF4-FFF2-40B4-BE49-F238E27FC236}">
+                <a16:creationId xmlns:a16="http://schemas.microsoft.com/office/drawing/2014/main" id="{FE1152F5-CE49-4671-A00B-E19AEDD4BD79}"/>
+              </a:ext>
+            </a:extLst>
+          </p:cNvPr>
+          <p:cNvCxnSpPr>
+            <a:cxnSpLocks/>
+          </p:cNvCxnSpPr>
+          <p:nvPr/>
+        </p:nvCxnSpPr>
+        <p:spPr>
+          <a:xfrm flipV="1">
+            <a:off x="214154" y="6364805"/>
+            <a:ext cx="11705736" cy="2769"/>
+          </a:xfrm>
+          <a:prstGeom prst="straightConnector1">
+            <a:avLst/>
+          </a:prstGeom>
+          <a:ln w="28575">
+            <a:solidFill>
+              <a:schemeClr val="tx1">
+                <a:lumMod val="95000"/>
+                <a:lumOff val="5000"/>
+              </a:schemeClr>
+            </a:solidFill>
+            <a:tailEnd type="triangle"/>
+          </a:ln>
+        </p:spPr>
+        <p:style>
+          <a:lnRef idx="1">
+            <a:schemeClr val="accent1"/>
+          </a:lnRef>
+          <a:fillRef idx="0">
+            <a:schemeClr val="accent1"/>
+          </a:fillRef>
+          <a:effectRef idx="0">
+            <a:schemeClr val="accent1"/>
+          </a:effectRef>
+          <a:fontRef idx="minor">
+            <a:schemeClr val="tx1"/>
+          </a:fontRef>
+        </p:style>
+      </p:cxnSp>
+      <p:cxnSp>
+        <p:nvCxnSpPr>
+          <p:cNvPr id="96" name="Straight Arrow Connector 95">
+            <a:extLst>
+              <a:ext uri="{FF2B5EF4-FFF2-40B4-BE49-F238E27FC236}">
+                <a16:creationId xmlns:a16="http://schemas.microsoft.com/office/drawing/2014/main" id="{503A43AB-F264-4BF4-B8E6-7123441D91B3}"/>
+              </a:ext>
+            </a:extLst>
+          </p:cNvPr>
+          <p:cNvCxnSpPr>
+            <a:cxnSpLocks/>
+          </p:cNvCxnSpPr>
+          <p:nvPr/>
+        </p:nvCxnSpPr>
+        <p:spPr>
+          <a:xfrm flipH="1">
+            <a:off x="203222" y="5793770"/>
+            <a:ext cx="11682935" cy="28023"/>
+          </a:xfrm>
+          <a:prstGeom prst="straightConnector1">
+            <a:avLst/>
+          </a:prstGeom>
+          <a:ln w="28575">
+            <a:solidFill>
+              <a:schemeClr val="tx1">
+                <a:lumMod val="95000"/>
+                <a:lumOff val="5000"/>
+              </a:schemeClr>
+            </a:solidFill>
+            <a:tailEnd type="triangle"/>
+          </a:ln>
+        </p:spPr>
+        <p:style>
+          <a:lnRef idx="1">
+            <a:schemeClr val="accent1"/>
+          </a:lnRef>
+          <a:fillRef idx="0">
+            <a:schemeClr val="accent1"/>
+          </a:fillRef>
+          <a:effectRef idx="0">
+            <a:schemeClr val="accent1"/>
+          </a:effectRef>
+          <a:fontRef idx="minor">
+            <a:schemeClr val="tx1"/>
+          </a:fontRef>
+        </p:style>
+      </p:cxnSp>
+      <p:sp>
+        <p:nvSpPr>
+          <p:cNvPr id="97" name="TextBox 96">
+            <a:extLst>
+              <a:ext uri="{FF2B5EF4-FFF2-40B4-BE49-F238E27FC236}">
+                <a16:creationId xmlns:a16="http://schemas.microsoft.com/office/drawing/2014/main" id="{6FD8B6A4-F9C7-4D26-9F4B-A7F560FAB421}"/>
+              </a:ext>
+            </a:extLst>
+          </p:cNvPr>
+          <p:cNvSpPr txBox="1"/>
+          <p:nvPr/>
+        </p:nvSpPr>
+        <p:spPr>
+          <a:xfrm>
+            <a:off x="197609" y="5428171"/>
+            <a:ext cx="11682931" cy="369332"/>
+          </a:xfrm>
+          <a:prstGeom prst="rect">
+            <a:avLst/>
+          </a:prstGeom>
+          <a:noFill/>
+        </p:spPr>
+        <p:txBody>
+          <a:bodyPr wrap="square" rtlCol="0">
+            <a:spAutoFit/>
+          </a:bodyPr>
+          <a:lstStyle/>
+          <a:p>
+            <a:pPr algn="ctr"/>
+            <a:r>
+              <a:rPr lang="es-ES" dirty="0" err="1"/>
+              <a:t>object_gripped</a:t>
+            </a:r>
+            <a:r>
+              <a:rPr lang="es-ES" dirty="0"/>
+              <a:t> = </a:t>
+            </a:r>
+            <a:r>
+              <a:rPr lang="es-ES" dirty="0" err="1"/>
+              <a:t>ObjectGripped</a:t>
+            </a:r>
+            <a:r>
+              <a:rPr lang="es-ES" dirty="0"/>
+              <a:t>()</a:t>
+            </a:r>
+          </a:p>
+        </p:txBody>
+      </p:sp>
+      <p:sp>
+        <p:nvSpPr>
+          <p:cNvPr id="98" name="TextBox 97">
+            <a:extLst>
+              <a:ext uri="{FF2B5EF4-FFF2-40B4-BE49-F238E27FC236}">
+                <a16:creationId xmlns:a16="http://schemas.microsoft.com/office/drawing/2014/main" id="{2741C97D-B842-42ED-B0EB-1A972A4AEA09}"/>
+              </a:ext>
+            </a:extLst>
+          </p:cNvPr>
+          <p:cNvSpPr txBox="1"/>
+          <p:nvPr/>
+        </p:nvSpPr>
+        <p:spPr>
+          <a:xfrm>
+            <a:off x="236885" y="5908475"/>
+            <a:ext cx="1887195" cy="307777"/>
+          </a:xfrm>
+          <a:prstGeom prst="rect">
+            <a:avLst/>
+          </a:prstGeom>
+        </p:spPr>
+        <p:style>
+          <a:lnRef idx="3">
+            <a:schemeClr val="lt1"/>
+          </a:lnRef>
+          <a:fillRef idx="1">
+            <a:schemeClr val="accent3"/>
+          </a:fillRef>
+          <a:effectRef idx="1">
+            <a:schemeClr val="accent3"/>
+          </a:effectRef>
+          <a:fontRef idx="minor">
+            <a:schemeClr val="lt1"/>
+          </a:fontRef>
+        </p:style>
+        <p:txBody>
+          <a:bodyPr wrap="square" rtlCol="0">
+            <a:spAutoFit/>
+          </a:bodyPr>
+          <a:lstStyle/>
+          <a:p>
+            <a:pPr algn="ctr"/>
+            <a:r>
+              <a:rPr lang="es-ES" sz="1400" i="1" dirty="0"/>
+              <a:t>If </a:t>
+            </a:r>
+            <a:r>
+              <a:rPr lang="es-ES" sz="1400" i="1" dirty="0" err="1"/>
+              <a:t>not</a:t>
+            </a:r>
+            <a:r>
+              <a:rPr lang="es-ES" sz="1400" i="1" dirty="0"/>
+              <a:t> </a:t>
+            </a:r>
+            <a:r>
+              <a:rPr lang="es-ES" sz="1400" dirty="0" err="1"/>
+              <a:t>object_gripped</a:t>
+            </a:r>
+            <a:endParaRPr lang="es-ES" sz="1400" i="1" dirty="0"/>
+          </a:p>
+        </p:txBody>
+      </p:sp>
+      <p:sp>
+        <p:nvSpPr>
+          <p:cNvPr id="106" name="Rectangle 105">
+            <a:extLst>
+              <a:ext uri="{FF2B5EF4-FFF2-40B4-BE49-F238E27FC236}">
+                <a16:creationId xmlns:a16="http://schemas.microsoft.com/office/drawing/2014/main" id="{1EC205D8-ECD8-4D2D-A48A-25C690859249}"/>
+              </a:ext>
+            </a:extLst>
+          </p:cNvPr>
+          <p:cNvSpPr/>
+          <p:nvPr/>
+        </p:nvSpPr>
+        <p:spPr>
+          <a:xfrm>
+            <a:off x="82957" y="5908476"/>
+            <a:ext cx="11945258" cy="650121"/>
+          </a:xfrm>
+          <a:prstGeom prst="rect">
+            <a:avLst/>
+          </a:prstGeom>
+          <a:noFill/>
+          <a:ln w="19050" cap="flat" cmpd="sng" algn="ctr">
+            <a:solidFill>
+              <a:schemeClr val="dk1"/>
+            </a:solidFill>
+            <a:prstDash val="solid"/>
+            <a:round/>
+            <a:headEnd type="none" w="med" len="med"/>
+            <a:tailEnd type="none" w="med" len="med"/>
+          </a:ln>
+        </p:spPr>
+        <p:style>
+          <a:lnRef idx="0">
+            <a:scrgbClr r="0" g="0" b="0"/>
+          </a:lnRef>
+          <a:fillRef idx="0">
+            <a:scrgbClr r="0" g="0" b="0"/>
+          </a:fillRef>
+          <a:effectRef idx="0">
+            <a:scrgbClr r="0" g="0" b="0"/>
+          </a:effectRef>
+          <a:fontRef idx="minor">
+            <a:schemeClr val="dk1"/>
+          </a:fontRef>
+        </p:style>
+        <p:txBody>
+          <a:bodyPr rtlCol="0" anchor="ctr"/>
+          <a:lstStyle/>
+          <a:p>
+            <a:pPr algn="ctr"/>
+            <a:endParaRPr lang="es-ES"/>
+          </a:p>
+        </p:txBody>
+      </p:sp>
+      <p:sp>
+        <p:nvSpPr>
+          <p:cNvPr id="107" name="TextBox 106">
+            <a:extLst>
+              <a:ext uri="{FF2B5EF4-FFF2-40B4-BE49-F238E27FC236}">
+                <a16:creationId xmlns:a16="http://schemas.microsoft.com/office/drawing/2014/main" id="{E94F86E5-C3B4-4388-83F4-6ACC3DB83E8B}"/>
+              </a:ext>
+            </a:extLst>
+          </p:cNvPr>
+          <p:cNvSpPr txBox="1"/>
+          <p:nvPr/>
+        </p:nvSpPr>
+        <p:spPr>
+          <a:xfrm>
+            <a:off x="235239" y="7413466"/>
+            <a:ext cx="11698152" cy="369332"/>
+          </a:xfrm>
+          <a:prstGeom prst="rect">
+            <a:avLst/>
+          </a:prstGeom>
+          <a:noFill/>
+        </p:spPr>
+        <p:txBody>
+          <a:bodyPr wrap="square" rtlCol="0">
+            <a:spAutoFit/>
+          </a:bodyPr>
+          <a:lstStyle/>
+          <a:p>
+            <a:pPr algn="ctr"/>
+            <a:r>
+              <a:rPr lang="es-ES" dirty="0"/>
+              <a:t>x10 </a:t>
+            </a:r>
+            <a:r>
+              <a:rPr lang="es-ES" dirty="0" err="1"/>
+              <a:t>DeactivateGripper</a:t>
+            </a:r>
+            <a:r>
+              <a:rPr lang="es-ES" dirty="0"/>
+              <a:t>()</a:t>
+            </a:r>
+          </a:p>
+        </p:txBody>
+      </p:sp>
+      <p:cxnSp>
+        <p:nvCxnSpPr>
+          <p:cNvPr id="108" name="Straight Arrow Connector 107">
+            <a:extLst>
+              <a:ext uri="{FF2B5EF4-FFF2-40B4-BE49-F238E27FC236}">
+                <a16:creationId xmlns:a16="http://schemas.microsoft.com/office/drawing/2014/main" id="{47FBBF5A-1D57-4E82-9808-B3163CF0ABB8}"/>
+              </a:ext>
+            </a:extLst>
+          </p:cNvPr>
+          <p:cNvCxnSpPr>
+            <a:cxnSpLocks/>
+          </p:cNvCxnSpPr>
+          <p:nvPr/>
+        </p:nvCxnSpPr>
+        <p:spPr>
+          <a:xfrm flipV="1">
+            <a:off x="192936" y="7755698"/>
+            <a:ext cx="11705736" cy="2769"/>
+          </a:xfrm>
+          <a:prstGeom prst="straightConnector1">
+            <a:avLst/>
+          </a:prstGeom>
+          <a:ln w="28575">
+            <a:solidFill>
+              <a:schemeClr val="tx1">
+                <a:lumMod val="95000"/>
+                <a:lumOff val="5000"/>
+              </a:schemeClr>
+            </a:solidFill>
+            <a:tailEnd type="triangle"/>
+          </a:ln>
+        </p:spPr>
+        <p:style>
+          <a:lnRef idx="1">
+            <a:schemeClr val="accent1"/>
+          </a:lnRef>
+          <a:fillRef idx="0">
+            <a:schemeClr val="accent1"/>
+          </a:fillRef>
+          <a:effectRef idx="0">
+            <a:schemeClr val="accent1"/>
+          </a:effectRef>
+          <a:fontRef idx="minor">
+            <a:schemeClr val="tx1"/>
+          </a:fontRef>
+        </p:style>
+      </p:cxnSp>
+      <p:sp>
+        <p:nvSpPr>
+          <p:cNvPr id="109" name="TextBox 108">
+            <a:extLst>
+              <a:ext uri="{FF2B5EF4-FFF2-40B4-BE49-F238E27FC236}">
+                <a16:creationId xmlns:a16="http://schemas.microsoft.com/office/drawing/2014/main" id="{BBA38F83-63B3-4D47-861D-BDE7045A0066}"/>
+              </a:ext>
+            </a:extLst>
+          </p:cNvPr>
+          <p:cNvSpPr txBox="1"/>
+          <p:nvPr/>
+        </p:nvSpPr>
+        <p:spPr>
+          <a:xfrm>
+            <a:off x="250392" y="6628037"/>
+            <a:ext cx="1887195" cy="307777"/>
+          </a:xfrm>
+          <a:prstGeom prst="rect">
+            <a:avLst/>
+          </a:prstGeom>
+        </p:spPr>
+        <p:style>
+          <a:lnRef idx="3">
+            <a:schemeClr val="lt1"/>
+          </a:lnRef>
+          <a:fillRef idx="1">
+            <a:schemeClr val="accent3"/>
+          </a:fillRef>
+          <a:effectRef idx="1">
+            <a:schemeClr val="accent3"/>
+          </a:effectRef>
+          <a:fontRef idx="minor">
+            <a:schemeClr val="lt1"/>
+          </a:fontRef>
+        </p:style>
+        <p:txBody>
+          <a:bodyPr wrap="square" rtlCol="0">
+            <a:spAutoFit/>
+          </a:bodyPr>
+          <a:lstStyle/>
+          <a:p>
+            <a:pPr algn="ctr"/>
+            <a:r>
+              <a:rPr lang="es-ES" sz="1400" i="1" dirty="0"/>
+              <a:t>If </a:t>
+            </a:r>
+            <a:r>
+              <a:rPr lang="es-ES" sz="1400" dirty="0" err="1"/>
+              <a:t>object_gripped</a:t>
+            </a:r>
+            <a:endParaRPr lang="es-ES" sz="1400" i="1" dirty="0"/>
+          </a:p>
+        </p:txBody>
+      </p:sp>
+      <p:sp>
+        <p:nvSpPr>
+          <p:cNvPr id="110" name="Rectangle 109">
+            <a:extLst>
+              <a:ext uri="{FF2B5EF4-FFF2-40B4-BE49-F238E27FC236}">
+                <a16:creationId xmlns:a16="http://schemas.microsoft.com/office/drawing/2014/main" id="{441716B1-11A1-4934-9AC1-9626B94941BC}"/>
+              </a:ext>
+            </a:extLst>
+          </p:cNvPr>
+          <p:cNvSpPr/>
+          <p:nvPr/>
+        </p:nvSpPr>
+        <p:spPr>
+          <a:xfrm>
+            <a:off x="82957" y="6628411"/>
+            <a:ext cx="11945258" cy="3395644"/>
+          </a:xfrm>
+          <a:prstGeom prst="rect">
+            <a:avLst/>
+          </a:prstGeom>
+          <a:noFill/>
+          <a:ln w="19050" cap="flat" cmpd="sng" algn="ctr">
+            <a:solidFill>
+              <a:schemeClr val="dk1"/>
+            </a:solidFill>
+            <a:prstDash val="solid"/>
+            <a:round/>
+            <a:headEnd type="none" w="med" len="med"/>
+            <a:tailEnd type="none" w="med" len="med"/>
+          </a:ln>
+        </p:spPr>
+        <p:style>
+          <a:lnRef idx="0">
+            <a:scrgbClr r="0" g="0" b="0"/>
+          </a:lnRef>
+          <a:fillRef idx="0">
+            <a:scrgbClr r="0" g="0" b="0"/>
+          </a:fillRef>
+          <a:effectRef idx="0">
+            <a:scrgbClr r="0" g="0" b="0"/>
+          </a:effectRef>
+          <a:fontRef idx="minor">
+            <a:schemeClr val="dk1"/>
+          </a:fontRef>
+        </p:style>
+        <p:txBody>
+          <a:bodyPr rtlCol="0" anchor="ctr"/>
+          <a:lstStyle/>
+          <a:p>
+            <a:pPr algn="ctr"/>
+            <a:endParaRPr lang="es-ES"/>
+          </a:p>
+        </p:txBody>
+      </p:sp>
+      <p:sp>
+        <p:nvSpPr>
+          <p:cNvPr id="118" name="TextBox 117">
+            <a:extLst>
+              <a:ext uri="{FF2B5EF4-FFF2-40B4-BE49-F238E27FC236}">
+                <a16:creationId xmlns:a16="http://schemas.microsoft.com/office/drawing/2014/main" id="{8EA1B161-E25E-4DDD-B945-40950FC730D6}"/>
+              </a:ext>
+            </a:extLst>
+          </p:cNvPr>
+          <p:cNvSpPr txBox="1"/>
+          <p:nvPr/>
+        </p:nvSpPr>
+        <p:spPr>
+          <a:xfrm>
+            <a:off x="212395" y="6685425"/>
+            <a:ext cx="4664127" cy="369332"/>
+          </a:xfrm>
+          <a:prstGeom prst="rect">
+            <a:avLst/>
+          </a:prstGeom>
+          <a:noFill/>
+        </p:spPr>
+        <p:txBody>
+          <a:bodyPr wrap="square" rtlCol="0">
+            <a:spAutoFit/>
+          </a:bodyPr>
+          <a:lstStyle/>
+          <a:p>
+            <a:pPr algn="ctr"/>
+            <a:r>
+              <a:rPr lang="es-ES" dirty="0"/>
+              <a:t>                                </a:t>
+            </a:r>
+            <a:r>
+              <a:rPr lang="es-ES" dirty="0" err="1"/>
+              <a:t>PerformPath</a:t>
+            </a:r>
+            <a:r>
+              <a:rPr lang="es-ES" dirty="0"/>
+              <a:t>(</a:t>
+            </a:r>
+            <a:r>
+              <a:rPr lang="es-ES" dirty="0" err="1"/>
+              <a:t>place_box</a:t>
+            </a:r>
+            <a:r>
+              <a:rPr lang="es-ES" dirty="0"/>
+              <a:t>)</a:t>
+            </a:r>
+          </a:p>
+        </p:txBody>
+      </p:sp>
+      <p:cxnSp>
+        <p:nvCxnSpPr>
+          <p:cNvPr id="131" name="Straight Arrow Connector 130">
+            <a:extLst>
+              <a:ext uri="{FF2B5EF4-FFF2-40B4-BE49-F238E27FC236}">
+                <a16:creationId xmlns:a16="http://schemas.microsoft.com/office/drawing/2014/main" id="{18BECF0A-7976-45C6-9AE0-7BDCCD60210E}"/>
+              </a:ext>
+            </a:extLst>
+          </p:cNvPr>
+          <p:cNvCxnSpPr>
+            <a:cxnSpLocks/>
+          </p:cNvCxnSpPr>
+          <p:nvPr/>
+        </p:nvCxnSpPr>
+        <p:spPr>
+          <a:xfrm flipV="1">
+            <a:off x="204713" y="7058477"/>
+            <a:ext cx="4679818" cy="18449"/>
+          </a:xfrm>
+          <a:prstGeom prst="straightConnector1">
+            <a:avLst/>
+          </a:prstGeom>
+          <a:ln w="28575">
+            <a:solidFill>
+              <a:schemeClr val="tx1">
+                <a:lumMod val="95000"/>
+                <a:lumOff val="5000"/>
+              </a:schemeClr>
+            </a:solidFill>
+            <a:tailEnd type="triangle"/>
+          </a:ln>
+        </p:spPr>
+        <p:style>
+          <a:lnRef idx="1">
+            <a:schemeClr val="accent1"/>
+          </a:lnRef>
+          <a:fillRef idx="0">
+            <a:schemeClr val="accent1"/>
+          </a:fillRef>
+          <a:effectRef idx="0">
+            <a:schemeClr val="accent1"/>
+          </a:effectRef>
+          <a:fontRef idx="minor">
+            <a:schemeClr val="tx1"/>
+          </a:fontRef>
+        </p:style>
+      </p:cxnSp>
+      <p:cxnSp>
+        <p:nvCxnSpPr>
+          <p:cNvPr id="133" name="Straight Arrow Connector 132">
+            <a:extLst>
+              <a:ext uri="{FF2B5EF4-FFF2-40B4-BE49-F238E27FC236}">
+                <a16:creationId xmlns:a16="http://schemas.microsoft.com/office/drawing/2014/main" id="{FF6DBD99-D99E-4C9B-A45B-4863E571360E}"/>
+              </a:ext>
+            </a:extLst>
+          </p:cNvPr>
+          <p:cNvCxnSpPr>
+            <a:cxnSpLocks/>
+          </p:cNvCxnSpPr>
+          <p:nvPr/>
+        </p:nvCxnSpPr>
+        <p:spPr>
+          <a:xfrm flipH="1" flipV="1">
+            <a:off x="184774" y="7438819"/>
+            <a:ext cx="4672147" cy="7439"/>
+          </a:xfrm>
+          <a:prstGeom prst="straightConnector1">
+            <a:avLst/>
+          </a:prstGeom>
+          <a:ln w="28575">
+            <a:solidFill>
+              <a:schemeClr val="tx1">
+                <a:lumMod val="95000"/>
+                <a:lumOff val="5000"/>
+              </a:schemeClr>
+            </a:solidFill>
+            <a:tailEnd type="triangle"/>
+          </a:ln>
+        </p:spPr>
+        <p:style>
+          <a:lnRef idx="1">
+            <a:schemeClr val="accent1"/>
+          </a:lnRef>
+          <a:fillRef idx="0">
+            <a:schemeClr val="accent1"/>
+          </a:fillRef>
+          <a:effectRef idx="0">
+            <a:schemeClr val="accent1"/>
+          </a:effectRef>
+          <a:fontRef idx="minor">
+            <a:schemeClr val="tx1"/>
+          </a:fontRef>
+        </p:style>
+      </p:cxnSp>
+      <p:sp>
+        <p:nvSpPr>
+          <p:cNvPr id="134" name="TextBox 133">
+            <a:extLst>
+              <a:ext uri="{FF2B5EF4-FFF2-40B4-BE49-F238E27FC236}">
+                <a16:creationId xmlns:a16="http://schemas.microsoft.com/office/drawing/2014/main" id="{2A47B29A-4C2A-4674-B6A8-6C4DC65C1CCC}"/>
+              </a:ext>
+            </a:extLst>
+          </p:cNvPr>
+          <p:cNvSpPr txBox="1"/>
+          <p:nvPr/>
+        </p:nvSpPr>
+        <p:spPr>
+          <a:xfrm>
+            <a:off x="213887" y="7045199"/>
+            <a:ext cx="4664127" cy="369332"/>
+          </a:xfrm>
+          <a:prstGeom prst="rect">
+            <a:avLst/>
+          </a:prstGeom>
+          <a:noFill/>
+        </p:spPr>
+        <p:txBody>
+          <a:bodyPr wrap="square" rtlCol="0">
+            <a:spAutoFit/>
+          </a:bodyPr>
+          <a:lstStyle/>
+          <a:p>
+            <a:pPr algn="ctr"/>
+            <a:r>
+              <a:rPr lang="es-ES" dirty="0"/>
+              <a:t>Done</a:t>
+            </a:r>
+          </a:p>
+        </p:txBody>
+      </p:sp>
+      <p:sp>
+        <p:nvSpPr>
+          <p:cNvPr id="135" name="TextBox 134">
+            <a:extLst>
+              <a:ext uri="{FF2B5EF4-FFF2-40B4-BE49-F238E27FC236}">
+                <a16:creationId xmlns:a16="http://schemas.microsoft.com/office/drawing/2014/main" id="{80DCB9C5-7B9A-43DD-BEE7-388E5EBADE6D}"/>
+              </a:ext>
+            </a:extLst>
+          </p:cNvPr>
+          <p:cNvSpPr txBox="1"/>
+          <p:nvPr/>
+        </p:nvSpPr>
+        <p:spPr>
+          <a:xfrm>
+            <a:off x="200514" y="7748073"/>
+            <a:ext cx="9362933" cy="369332"/>
+          </a:xfrm>
+          <a:prstGeom prst="rect">
+            <a:avLst/>
+          </a:prstGeom>
+          <a:noFill/>
+        </p:spPr>
+        <p:txBody>
+          <a:bodyPr wrap="square" rtlCol="0">
+            <a:spAutoFit/>
+          </a:bodyPr>
+          <a:lstStyle/>
+          <a:p>
+            <a:pPr algn="ctr"/>
+            <a:r>
+              <a:rPr lang="es-ES" dirty="0" err="1"/>
+              <a:t>getImage</a:t>
+            </a:r>
+            <a:r>
+              <a:rPr lang="es-ES" dirty="0"/>
+              <a:t>()</a:t>
+            </a:r>
+          </a:p>
+        </p:txBody>
+      </p:sp>
+      <p:cxnSp>
+        <p:nvCxnSpPr>
+          <p:cNvPr id="136" name="Straight Arrow Connector 135">
+            <a:extLst>
+              <a:ext uri="{FF2B5EF4-FFF2-40B4-BE49-F238E27FC236}">
+                <a16:creationId xmlns:a16="http://schemas.microsoft.com/office/drawing/2014/main" id="{40D48B6C-160A-4D23-B472-843FB2728A25}"/>
+              </a:ext>
+            </a:extLst>
+          </p:cNvPr>
+          <p:cNvCxnSpPr>
+            <a:cxnSpLocks/>
+          </p:cNvCxnSpPr>
+          <p:nvPr/>
+        </p:nvCxnSpPr>
+        <p:spPr>
+          <a:xfrm flipV="1">
+            <a:off x="192936" y="8081172"/>
+            <a:ext cx="9370512" cy="46628"/>
+          </a:xfrm>
+          <a:prstGeom prst="straightConnector1">
+            <a:avLst/>
+          </a:prstGeom>
+          <a:ln w="28575">
+            <a:solidFill>
+              <a:schemeClr val="tx1">
+                <a:lumMod val="95000"/>
+                <a:lumOff val="5000"/>
+              </a:schemeClr>
+            </a:solidFill>
+            <a:tailEnd type="triangle"/>
+          </a:ln>
+        </p:spPr>
+        <p:style>
+          <a:lnRef idx="1">
+            <a:schemeClr val="accent1"/>
+          </a:lnRef>
+          <a:fillRef idx="0">
+            <a:schemeClr val="accent1"/>
+          </a:fillRef>
+          <a:effectRef idx="0">
+            <a:schemeClr val="accent1"/>
+          </a:effectRef>
+          <a:fontRef idx="minor">
+            <a:schemeClr val="tx1"/>
+          </a:fontRef>
+        </p:style>
+      </p:cxnSp>
+      <p:cxnSp>
+        <p:nvCxnSpPr>
+          <p:cNvPr id="139" name="Straight Arrow Connector 138">
+            <a:extLst>
+              <a:ext uri="{FF2B5EF4-FFF2-40B4-BE49-F238E27FC236}">
+                <a16:creationId xmlns:a16="http://schemas.microsoft.com/office/drawing/2014/main" id="{1194FAF5-7B0F-4D8E-A231-E91500C98CD5}"/>
+              </a:ext>
+            </a:extLst>
+          </p:cNvPr>
+          <p:cNvCxnSpPr>
+            <a:cxnSpLocks/>
+          </p:cNvCxnSpPr>
+          <p:nvPr/>
+        </p:nvCxnSpPr>
+        <p:spPr>
+          <a:xfrm flipH="1">
+            <a:off x="200514" y="8409426"/>
+            <a:ext cx="9362926" cy="38772"/>
+          </a:xfrm>
+          <a:prstGeom prst="straightConnector1">
+            <a:avLst/>
+          </a:prstGeom>
+          <a:ln w="28575">
+            <a:solidFill>
+              <a:schemeClr val="tx1">
+                <a:lumMod val="95000"/>
+                <a:lumOff val="5000"/>
+              </a:schemeClr>
+            </a:solidFill>
+            <a:tailEnd type="triangle"/>
+          </a:ln>
+        </p:spPr>
+        <p:style>
+          <a:lnRef idx="1">
+            <a:schemeClr val="accent1"/>
+          </a:lnRef>
+          <a:fillRef idx="0">
+            <a:schemeClr val="accent1"/>
+          </a:fillRef>
+          <a:effectRef idx="0">
+            <a:schemeClr val="accent1"/>
+          </a:effectRef>
+          <a:fontRef idx="minor">
+            <a:schemeClr val="tx1"/>
+          </a:fontRef>
+        </p:style>
+      </p:cxnSp>
+      <p:sp>
+        <p:nvSpPr>
+          <p:cNvPr id="140" name="TextBox 139">
+            <a:extLst>
+              <a:ext uri="{FF2B5EF4-FFF2-40B4-BE49-F238E27FC236}">
+                <a16:creationId xmlns:a16="http://schemas.microsoft.com/office/drawing/2014/main" id="{99A6E7E2-D18E-45E4-B2AB-38245D6D8743}"/>
+              </a:ext>
+            </a:extLst>
+          </p:cNvPr>
+          <p:cNvSpPr txBox="1"/>
+          <p:nvPr/>
+        </p:nvSpPr>
+        <p:spPr>
+          <a:xfrm>
+            <a:off x="188653" y="8087305"/>
+            <a:ext cx="9362933" cy="369332"/>
+          </a:xfrm>
+          <a:prstGeom prst="rect">
+            <a:avLst/>
+          </a:prstGeom>
+          <a:noFill/>
+        </p:spPr>
+        <p:txBody>
+          <a:bodyPr wrap="square" rtlCol="0">
+            <a:spAutoFit/>
+          </a:bodyPr>
+          <a:lstStyle/>
+          <a:p>
+            <a:pPr algn="ctr"/>
+            <a:r>
+              <a:rPr lang="es-ES" dirty="0" err="1"/>
+              <a:t>Image</a:t>
+            </a:r>
+            <a:endParaRPr lang="es-ES" dirty="0"/>
+          </a:p>
+        </p:txBody>
+      </p:sp>
+      <p:cxnSp>
+        <p:nvCxnSpPr>
+          <p:cNvPr id="141" name="Straight Arrow Connector 140">
+            <a:extLst>
+              <a:ext uri="{FF2B5EF4-FFF2-40B4-BE49-F238E27FC236}">
+                <a16:creationId xmlns:a16="http://schemas.microsoft.com/office/drawing/2014/main" id="{AF90EFFA-6181-463C-B22F-2B24F0ECDDC4}"/>
+              </a:ext>
+            </a:extLst>
+          </p:cNvPr>
+          <p:cNvCxnSpPr>
+            <a:cxnSpLocks/>
+          </p:cNvCxnSpPr>
+          <p:nvPr/>
+        </p:nvCxnSpPr>
+        <p:spPr>
+          <a:xfrm flipV="1">
+            <a:off x="181223" y="8821387"/>
+            <a:ext cx="2348342" cy="4832"/>
+          </a:xfrm>
+          <a:prstGeom prst="straightConnector1">
+            <a:avLst/>
+          </a:prstGeom>
+          <a:ln w="28575">
+            <a:solidFill>
+              <a:schemeClr val="tx1">
+                <a:lumMod val="95000"/>
+                <a:lumOff val="5000"/>
+              </a:schemeClr>
+            </a:solidFill>
+            <a:tailEnd type="triangle"/>
+          </a:ln>
+        </p:spPr>
+        <p:style>
+          <a:lnRef idx="1">
+            <a:schemeClr val="accent1"/>
+          </a:lnRef>
+          <a:fillRef idx="0">
+            <a:schemeClr val="accent1"/>
+          </a:fillRef>
+          <a:effectRef idx="0">
+            <a:schemeClr val="accent1"/>
+          </a:effectRef>
+          <a:fontRef idx="minor">
+            <a:schemeClr val="tx1"/>
+          </a:fontRef>
+        </p:style>
+      </p:cxnSp>
+      <p:sp>
+        <p:nvSpPr>
+          <p:cNvPr id="142" name="TextBox 141">
+            <a:extLst>
+              <a:ext uri="{FF2B5EF4-FFF2-40B4-BE49-F238E27FC236}">
+                <a16:creationId xmlns:a16="http://schemas.microsoft.com/office/drawing/2014/main" id="{F410FAA9-342D-40FA-8941-FADEFA27F8ED}"/>
+              </a:ext>
+            </a:extLst>
+          </p:cNvPr>
+          <p:cNvSpPr txBox="1"/>
+          <p:nvPr/>
+        </p:nvSpPr>
+        <p:spPr>
+          <a:xfrm>
+            <a:off x="230901" y="8440851"/>
+            <a:ext cx="2283871" cy="369332"/>
+          </a:xfrm>
+          <a:prstGeom prst="rect">
+            <a:avLst/>
+          </a:prstGeom>
+          <a:noFill/>
+        </p:spPr>
+        <p:txBody>
+          <a:bodyPr wrap="square" rtlCol="0">
+            <a:spAutoFit/>
+          </a:bodyPr>
+          <a:lstStyle/>
+          <a:p>
+            <a:pPr algn="ctr"/>
+            <a:r>
+              <a:rPr lang="es-ES" dirty="0" err="1"/>
+              <a:t>Optimal_coord</a:t>
+            </a:r>
+            <a:r>
+              <a:rPr lang="es-ES" dirty="0"/>
+              <a:t>(</a:t>
+            </a:r>
+            <a:r>
+              <a:rPr lang="es-ES" dirty="0" err="1"/>
+              <a:t>image</a:t>
+            </a:r>
+            <a:r>
+              <a:rPr lang="es-ES" dirty="0"/>
+              <a:t>)</a:t>
+            </a:r>
+          </a:p>
+        </p:txBody>
+      </p:sp>
+      <p:cxnSp>
+        <p:nvCxnSpPr>
+          <p:cNvPr id="143" name="Straight Arrow Connector 142">
+            <a:extLst>
+              <a:ext uri="{FF2B5EF4-FFF2-40B4-BE49-F238E27FC236}">
+                <a16:creationId xmlns:a16="http://schemas.microsoft.com/office/drawing/2014/main" id="{CE50A71C-3FF7-4790-AAD0-EF01E740CE76}"/>
+              </a:ext>
+            </a:extLst>
+          </p:cNvPr>
+          <p:cNvCxnSpPr>
+            <a:cxnSpLocks/>
+          </p:cNvCxnSpPr>
+          <p:nvPr/>
+        </p:nvCxnSpPr>
+        <p:spPr>
+          <a:xfrm flipH="1">
+            <a:off x="203113" y="9210280"/>
+            <a:ext cx="2326452" cy="0"/>
+          </a:xfrm>
+          <a:prstGeom prst="straightConnector1">
+            <a:avLst/>
+          </a:prstGeom>
+          <a:ln w="28575">
+            <a:solidFill>
+              <a:schemeClr val="tx1">
+                <a:lumMod val="95000"/>
+                <a:lumOff val="5000"/>
+              </a:schemeClr>
+            </a:solidFill>
+            <a:tailEnd type="triangle"/>
+          </a:ln>
+        </p:spPr>
+        <p:style>
+          <a:lnRef idx="1">
+            <a:schemeClr val="accent1"/>
+          </a:lnRef>
+          <a:fillRef idx="0">
+            <a:schemeClr val="accent1"/>
+          </a:fillRef>
+          <a:effectRef idx="0">
+            <a:schemeClr val="accent1"/>
+          </a:effectRef>
+          <a:fontRef idx="minor">
+            <a:schemeClr val="tx1"/>
+          </a:fontRef>
+        </p:style>
+      </p:cxnSp>
+      <p:sp>
+        <p:nvSpPr>
+          <p:cNvPr id="144" name="TextBox 143">
+            <a:extLst>
+              <a:ext uri="{FF2B5EF4-FFF2-40B4-BE49-F238E27FC236}">
+                <a16:creationId xmlns:a16="http://schemas.microsoft.com/office/drawing/2014/main" id="{C1845C51-C5E1-4830-8C34-25537E9ACA13}"/>
+              </a:ext>
+            </a:extLst>
+          </p:cNvPr>
+          <p:cNvSpPr txBox="1"/>
+          <p:nvPr/>
+        </p:nvSpPr>
+        <p:spPr>
+          <a:xfrm>
+            <a:off x="188327" y="8844668"/>
+            <a:ext cx="2326451" cy="369332"/>
+          </a:xfrm>
+          <a:prstGeom prst="rect">
+            <a:avLst/>
+          </a:prstGeom>
+          <a:noFill/>
+        </p:spPr>
+        <p:txBody>
+          <a:bodyPr wrap="square" rtlCol="0">
+            <a:spAutoFit/>
+          </a:bodyPr>
+          <a:lstStyle/>
+          <a:p>
+            <a:pPr algn="ctr"/>
+            <a:r>
+              <a:rPr lang="es-ES" dirty="0" err="1"/>
+              <a:t>optimal_coordinates</a:t>
+            </a:r>
+            <a:endParaRPr lang="es-ES" dirty="0"/>
+          </a:p>
+        </p:txBody>
+      </p:sp>
+      <p:sp>
+        <p:nvSpPr>
+          <p:cNvPr id="145" name="TextBox 144">
+            <a:extLst>
+              <a:ext uri="{FF2B5EF4-FFF2-40B4-BE49-F238E27FC236}">
+                <a16:creationId xmlns:a16="http://schemas.microsoft.com/office/drawing/2014/main" id="{92141608-9F5A-4CFD-B32F-20EC4DF39066}"/>
+              </a:ext>
+            </a:extLst>
+          </p:cNvPr>
+          <p:cNvSpPr txBox="1"/>
+          <p:nvPr/>
+        </p:nvSpPr>
+        <p:spPr>
+          <a:xfrm>
+            <a:off x="201648" y="9172589"/>
+            <a:ext cx="4664127" cy="369332"/>
+          </a:xfrm>
+          <a:prstGeom prst="rect">
+            <a:avLst/>
+          </a:prstGeom>
+          <a:noFill/>
+        </p:spPr>
+        <p:txBody>
+          <a:bodyPr wrap="square" rtlCol="0">
+            <a:spAutoFit/>
+          </a:bodyPr>
+          <a:lstStyle/>
+          <a:p>
+            <a:pPr algn="ctr"/>
+            <a:r>
+              <a:rPr lang="es-ES" dirty="0" err="1"/>
+              <a:t>PerformPath</a:t>
+            </a:r>
+            <a:r>
+              <a:rPr lang="es-ES" dirty="0"/>
+              <a:t>(</a:t>
+            </a:r>
+            <a:r>
+              <a:rPr lang="es-ES" dirty="0" err="1"/>
+              <a:t>optimal_coordinates</a:t>
+            </a:r>
+            <a:r>
+              <a:rPr lang="es-ES" dirty="0"/>
+              <a:t>)</a:t>
+            </a:r>
+          </a:p>
+        </p:txBody>
+      </p:sp>
+      <p:cxnSp>
+        <p:nvCxnSpPr>
+          <p:cNvPr id="146" name="Straight Arrow Connector 145">
+            <a:extLst>
+              <a:ext uri="{FF2B5EF4-FFF2-40B4-BE49-F238E27FC236}">
+                <a16:creationId xmlns:a16="http://schemas.microsoft.com/office/drawing/2014/main" id="{4BD58496-51E1-4866-8FDF-7B056B8A2F23}"/>
+              </a:ext>
+            </a:extLst>
+          </p:cNvPr>
+          <p:cNvCxnSpPr>
+            <a:cxnSpLocks/>
+          </p:cNvCxnSpPr>
+          <p:nvPr/>
+        </p:nvCxnSpPr>
+        <p:spPr>
+          <a:xfrm flipV="1">
+            <a:off x="193966" y="9545641"/>
+            <a:ext cx="4679818" cy="18449"/>
+          </a:xfrm>
+          <a:prstGeom prst="straightConnector1">
+            <a:avLst/>
+          </a:prstGeom>
+          <a:ln w="28575">
+            <a:solidFill>
+              <a:schemeClr val="tx1">
+                <a:lumMod val="95000"/>
+                <a:lumOff val="5000"/>
+              </a:schemeClr>
+            </a:solidFill>
+            <a:tailEnd type="triangle"/>
+          </a:ln>
+        </p:spPr>
+        <p:style>
+          <a:lnRef idx="1">
+            <a:schemeClr val="accent1"/>
+          </a:lnRef>
+          <a:fillRef idx="0">
+            <a:schemeClr val="accent1"/>
+          </a:fillRef>
+          <a:effectRef idx="0">
+            <a:schemeClr val="accent1"/>
+          </a:effectRef>
+          <a:fontRef idx="minor">
+            <a:schemeClr val="tx1"/>
+          </a:fontRef>
+        </p:style>
+      </p:cxnSp>
+      <p:cxnSp>
+        <p:nvCxnSpPr>
+          <p:cNvPr id="147" name="Straight Arrow Connector 146">
+            <a:extLst>
+              <a:ext uri="{FF2B5EF4-FFF2-40B4-BE49-F238E27FC236}">
+                <a16:creationId xmlns:a16="http://schemas.microsoft.com/office/drawing/2014/main" id="{D32C5946-0526-49F5-B624-41BA98F82180}"/>
+              </a:ext>
+            </a:extLst>
+          </p:cNvPr>
+          <p:cNvCxnSpPr>
+            <a:cxnSpLocks/>
+          </p:cNvCxnSpPr>
+          <p:nvPr/>
+        </p:nvCxnSpPr>
+        <p:spPr>
+          <a:xfrm flipH="1" flipV="1">
+            <a:off x="208752" y="9925983"/>
+            <a:ext cx="4672147" cy="7439"/>
+          </a:xfrm>
+          <a:prstGeom prst="straightConnector1">
+            <a:avLst/>
+          </a:prstGeom>
+          <a:ln w="28575">
+            <a:solidFill>
+              <a:schemeClr val="tx1">
+                <a:lumMod val="95000"/>
+                <a:lumOff val="5000"/>
+              </a:schemeClr>
+            </a:solidFill>
+            <a:tailEnd type="triangle"/>
+          </a:ln>
+        </p:spPr>
+        <p:style>
+          <a:lnRef idx="1">
+            <a:schemeClr val="accent1"/>
+          </a:lnRef>
+          <a:fillRef idx="0">
+            <a:schemeClr val="accent1"/>
+          </a:fillRef>
+          <a:effectRef idx="0">
+            <a:schemeClr val="accent1"/>
+          </a:effectRef>
+          <a:fontRef idx="minor">
+            <a:schemeClr val="tx1"/>
+          </a:fontRef>
+        </p:style>
+      </p:cxnSp>
+      <p:sp>
+        <p:nvSpPr>
+          <p:cNvPr id="149" name="TextBox 148">
+            <a:extLst>
+              <a:ext uri="{FF2B5EF4-FFF2-40B4-BE49-F238E27FC236}">
+                <a16:creationId xmlns:a16="http://schemas.microsoft.com/office/drawing/2014/main" id="{6422D305-3994-46D6-85FF-6B6A986907C5}"/>
+              </a:ext>
+            </a:extLst>
+          </p:cNvPr>
+          <p:cNvSpPr txBox="1"/>
+          <p:nvPr/>
+        </p:nvSpPr>
+        <p:spPr>
+          <a:xfrm>
+            <a:off x="203140" y="9532363"/>
+            <a:ext cx="4664127" cy="369332"/>
+          </a:xfrm>
+          <a:prstGeom prst="rect">
+            <a:avLst/>
+          </a:prstGeom>
+          <a:noFill/>
+        </p:spPr>
+        <p:txBody>
+          <a:bodyPr wrap="square" rtlCol="0">
+            <a:spAutoFit/>
+          </a:bodyPr>
+          <a:lstStyle/>
+          <a:p>
+            <a:pPr algn="ctr"/>
+            <a:r>
+              <a:rPr lang="es-ES" dirty="0"/>
+              <a:t>Done</a:t>
+            </a:r>
+          </a:p>
+        </p:txBody>
+      </p:sp>
+      <p:sp>
+        <p:nvSpPr>
+          <p:cNvPr id="150" name="TextBox 149">
+            <a:extLst>
+              <a:ext uri="{FF2B5EF4-FFF2-40B4-BE49-F238E27FC236}">
+                <a16:creationId xmlns:a16="http://schemas.microsoft.com/office/drawing/2014/main" id="{5CB82239-130F-4AEE-AA86-53A7A20E8FEC}"/>
+              </a:ext>
+            </a:extLst>
+          </p:cNvPr>
+          <p:cNvSpPr txBox="1"/>
+          <p:nvPr/>
+        </p:nvSpPr>
+        <p:spPr>
+          <a:xfrm>
+            <a:off x="2538306" y="1277022"/>
+            <a:ext cx="4664127" cy="369332"/>
+          </a:xfrm>
+          <a:prstGeom prst="rect">
+            <a:avLst/>
+          </a:prstGeom>
+          <a:noFill/>
+        </p:spPr>
+        <p:txBody>
+          <a:bodyPr wrap="square" rtlCol="0">
+            <a:spAutoFit/>
+          </a:bodyPr>
+          <a:lstStyle/>
+          <a:p>
+            <a:pPr algn="ctr"/>
+            <a:r>
+              <a:rPr lang="es-ES" dirty="0" err="1"/>
+              <a:t>GetImage</a:t>
+            </a:r>
+            <a:r>
+              <a:rPr lang="es-ES" dirty="0"/>
+              <a:t>()</a:t>
+            </a:r>
+          </a:p>
+        </p:txBody>
+      </p:sp>
+      <p:cxnSp>
+        <p:nvCxnSpPr>
+          <p:cNvPr id="151" name="Straight Arrow Connector 150">
+            <a:extLst>
+              <a:ext uri="{FF2B5EF4-FFF2-40B4-BE49-F238E27FC236}">
+                <a16:creationId xmlns:a16="http://schemas.microsoft.com/office/drawing/2014/main" id="{8520ECBF-08D8-421E-AE0C-4D6EAFB4BA09}"/>
+              </a:ext>
+            </a:extLst>
+          </p:cNvPr>
+          <p:cNvCxnSpPr>
+            <a:cxnSpLocks/>
+          </p:cNvCxnSpPr>
+          <p:nvPr/>
+        </p:nvCxnSpPr>
+        <p:spPr>
+          <a:xfrm flipV="1">
+            <a:off x="2530624" y="1696373"/>
+            <a:ext cx="4679818" cy="18449"/>
+          </a:xfrm>
+          <a:prstGeom prst="straightConnector1">
+            <a:avLst/>
+          </a:prstGeom>
+          <a:ln w="28575">
+            <a:solidFill>
+              <a:schemeClr val="tx1">
+                <a:lumMod val="95000"/>
+                <a:lumOff val="5000"/>
+              </a:schemeClr>
+            </a:solidFill>
+            <a:tailEnd type="triangle"/>
+          </a:ln>
+        </p:spPr>
+        <p:style>
+          <a:lnRef idx="1">
+            <a:schemeClr val="accent1"/>
+          </a:lnRef>
+          <a:fillRef idx="0">
+            <a:schemeClr val="accent1"/>
+          </a:fillRef>
+          <a:effectRef idx="0">
+            <a:schemeClr val="accent1"/>
+          </a:effectRef>
+          <a:fontRef idx="minor">
+            <a:schemeClr val="tx1"/>
+          </a:fontRef>
+        </p:style>
+      </p:cxnSp>
+      <p:cxnSp>
+        <p:nvCxnSpPr>
+          <p:cNvPr id="152" name="Straight Arrow Connector 151">
+            <a:extLst>
+              <a:ext uri="{FF2B5EF4-FFF2-40B4-BE49-F238E27FC236}">
+                <a16:creationId xmlns:a16="http://schemas.microsoft.com/office/drawing/2014/main" id="{DE011379-CB4C-42C9-ACAA-9A89771C1D87}"/>
+              </a:ext>
+            </a:extLst>
+          </p:cNvPr>
+          <p:cNvCxnSpPr>
+            <a:cxnSpLocks/>
+          </p:cNvCxnSpPr>
+          <p:nvPr/>
+        </p:nvCxnSpPr>
+        <p:spPr>
+          <a:xfrm flipH="1" flipV="1">
+            <a:off x="2545410" y="2076715"/>
+            <a:ext cx="4672147" cy="7439"/>
+          </a:xfrm>
+          <a:prstGeom prst="straightConnector1">
+            <a:avLst/>
+          </a:prstGeom>
+          <a:ln w="28575">
+            <a:solidFill>
+              <a:schemeClr val="tx1">
+                <a:lumMod val="95000"/>
+                <a:lumOff val="5000"/>
+              </a:schemeClr>
+            </a:solidFill>
+            <a:tailEnd type="triangle"/>
+          </a:ln>
+        </p:spPr>
+        <p:style>
+          <a:lnRef idx="1">
+            <a:schemeClr val="accent1"/>
+          </a:lnRef>
+          <a:fillRef idx="0">
+            <a:schemeClr val="accent1"/>
+          </a:fillRef>
+          <a:effectRef idx="0">
+            <a:schemeClr val="accent1"/>
+          </a:effectRef>
+          <a:fontRef idx="minor">
+            <a:schemeClr val="tx1"/>
+          </a:fontRef>
+        </p:style>
+      </p:cxnSp>
+      <p:sp>
+        <p:nvSpPr>
+          <p:cNvPr id="153" name="TextBox 152">
+            <a:extLst>
+              <a:ext uri="{FF2B5EF4-FFF2-40B4-BE49-F238E27FC236}">
+                <a16:creationId xmlns:a16="http://schemas.microsoft.com/office/drawing/2014/main" id="{4EF627D4-0B19-4EC1-B369-96EA8AD7D6B5}"/>
+              </a:ext>
+            </a:extLst>
+          </p:cNvPr>
+          <p:cNvSpPr txBox="1"/>
+          <p:nvPr/>
+        </p:nvSpPr>
+        <p:spPr>
+          <a:xfrm>
+            <a:off x="2539798" y="1683095"/>
+            <a:ext cx="4664127" cy="369332"/>
+          </a:xfrm>
+          <a:prstGeom prst="rect">
+            <a:avLst/>
+          </a:prstGeom>
+          <a:noFill/>
+        </p:spPr>
+        <p:txBody>
+          <a:bodyPr wrap="square" rtlCol="0">
+            <a:spAutoFit/>
+          </a:bodyPr>
+          <a:lstStyle/>
+          <a:p>
+            <a:pPr algn="ctr"/>
+            <a:r>
+              <a:rPr lang="es-ES" dirty="0" err="1"/>
+              <a:t>Image</a:t>
+            </a:r>
+            <a:endParaRPr lang="es-ES" dirty="0"/>
+          </a:p>
+        </p:txBody>
+      </p:sp>
+      <p:cxnSp>
+        <p:nvCxnSpPr>
+          <p:cNvPr id="154" name="Straight Connector 153">
+            <a:extLst>
+              <a:ext uri="{FF2B5EF4-FFF2-40B4-BE49-F238E27FC236}">
+                <a16:creationId xmlns:a16="http://schemas.microsoft.com/office/drawing/2014/main" id="{F610A938-041D-4587-BD48-9F386B9C9263}"/>
+              </a:ext>
+            </a:extLst>
+          </p:cNvPr>
+          <p:cNvCxnSpPr>
+            <a:cxnSpLocks/>
+          </p:cNvCxnSpPr>
+          <p:nvPr/>
+        </p:nvCxnSpPr>
+        <p:spPr>
+          <a:xfrm>
+            <a:off x="2536689" y="1059357"/>
+            <a:ext cx="73598" cy="9254051"/>
+          </a:xfrm>
+          <a:prstGeom prst="line">
+            <a:avLst/>
+          </a:prstGeom>
+          <a:ln w="19050">
+            <a:solidFill>
+              <a:schemeClr val="bg1">
+                <a:lumMod val="75000"/>
+              </a:schemeClr>
+            </a:solidFill>
+            <a:prstDash val="dash"/>
+          </a:ln>
+        </p:spPr>
+        <p:style>
+          <a:lnRef idx="1">
+            <a:schemeClr val="accent1"/>
+          </a:lnRef>
+          <a:fillRef idx="0">
+            <a:schemeClr val="accent1"/>
+          </a:fillRef>
+          <a:effectRef idx="0">
+            <a:schemeClr val="accent1"/>
+          </a:effectRef>
+          <a:fontRef idx="minor">
+            <a:schemeClr val="tx1"/>
+          </a:fontRef>
+        </p:style>
+      </p:cxnSp>
+      <p:cxnSp>
+        <p:nvCxnSpPr>
+          <p:cNvPr id="155" name="Straight Connector 154">
+            <a:extLst>
+              <a:ext uri="{FF2B5EF4-FFF2-40B4-BE49-F238E27FC236}">
+                <a16:creationId xmlns:a16="http://schemas.microsoft.com/office/drawing/2014/main" id="{CFFAA069-F8DD-4B32-B2EC-82BD7CA37914}"/>
+              </a:ext>
+            </a:extLst>
+          </p:cNvPr>
+          <p:cNvCxnSpPr>
+            <a:cxnSpLocks/>
+          </p:cNvCxnSpPr>
+          <p:nvPr/>
+        </p:nvCxnSpPr>
+        <p:spPr>
+          <a:xfrm>
+            <a:off x="4879631" y="1093098"/>
+            <a:ext cx="73598" cy="9254051"/>
+          </a:xfrm>
+          <a:prstGeom prst="line">
+            <a:avLst/>
+          </a:prstGeom>
+          <a:ln w="19050">
+            <a:solidFill>
+              <a:schemeClr val="bg1">
+                <a:lumMod val="75000"/>
+              </a:schemeClr>
+            </a:solidFill>
+            <a:prstDash val="dash"/>
+          </a:ln>
+        </p:spPr>
+        <p:style>
+          <a:lnRef idx="1">
+            <a:schemeClr val="accent1"/>
+          </a:lnRef>
+          <a:fillRef idx="0">
+            <a:schemeClr val="accent1"/>
+          </a:fillRef>
+          <a:effectRef idx="0">
+            <a:schemeClr val="accent1"/>
+          </a:effectRef>
+          <a:fontRef idx="minor">
+            <a:schemeClr val="tx1"/>
+          </a:fontRef>
+        </p:style>
+      </p:cxnSp>
+      <p:cxnSp>
+        <p:nvCxnSpPr>
+          <p:cNvPr id="156" name="Straight Connector 155">
+            <a:extLst>
+              <a:ext uri="{FF2B5EF4-FFF2-40B4-BE49-F238E27FC236}">
+                <a16:creationId xmlns:a16="http://schemas.microsoft.com/office/drawing/2014/main" id="{A61A010F-2922-4ABE-9CD7-F71FBC006B13}"/>
+              </a:ext>
+            </a:extLst>
+          </p:cNvPr>
+          <p:cNvCxnSpPr>
+            <a:cxnSpLocks/>
+          </p:cNvCxnSpPr>
+          <p:nvPr/>
+        </p:nvCxnSpPr>
+        <p:spPr>
+          <a:xfrm>
+            <a:off x="7224298" y="1059358"/>
+            <a:ext cx="73598" cy="9254051"/>
+          </a:xfrm>
+          <a:prstGeom prst="line">
+            <a:avLst/>
+          </a:prstGeom>
+          <a:ln w="19050">
+            <a:solidFill>
+              <a:schemeClr val="bg1">
+                <a:lumMod val="75000"/>
+              </a:schemeClr>
+            </a:solidFill>
+            <a:prstDash val="dash"/>
+          </a:ln>
+        </p:spPr>
+        <p:style>
+          <a:lnRef idx="1">
+            <a:schemeClr val="accent1"/>
+          </a:lnRef>
+          <a:fillRef idx="0">
+            <a:schemeClr val="accent1"/>
+          </a:fillRef>
+          <a:effectRef idx="0">
+            <a:schemeClr val="accent1"/>
+          </a:effectRef>
+          <a:fontRef idx="minor">
+            <a:schemeClr val="tx1"/>
+          </a:fontRef>
+        </p:style>
+      </p:cxnSp>
+      <p:cxnSp>
+        <p:nvCxnSpPr>
+          <p:cNvPr id="157" name="Straight Connector 156">
+            <a:extLst>
+              <a:ext uri="{FF2B5EF4-FFF2-40B4-BE49-F238E27FC236}">
+                <a16:creationId xmlns:a16="http://schemas.microsoft.com/office/drawing/2014/main" id="{4A57FED8-4C82-42ED-95C3-81180B43E3D6}"/>
+              </a:ext>
+            </a:extLst>
+          </p:cNvPr>
+          <p:cNvCxnSpPr>
+            <a:cxnSpLocks/>
+          </p:cNvCxnSpPr>
+          <p:nvPr/>
+        </p:nvCxnSpPr>
+        <p:spPr>
+          <a:xfrm>
+            <a:off x="9530388" y="1059357"/>
+            <a:ext cx="73598" cy="9254051"/>
+          </a:xfrm>
+          <a:prstGeom prst="line">
+            <a:avLst/>
+          </a:prstGeom>
+          <a:ln w="19050">
+            <a:solidFill>
+              <a:schemeClr val="bg1">
+                <a:lumMod val="75000"/>
+              </a:schemeClr>
+            </a:solidFill>
+            <a:prstDash val="dash"/>
+          </a:ln>
+        </p:spPr>
+        <p:style>
+          <a:lnRef idx="1">
+            <a:schemeClr val="accent1"/>
+          </a:lnRef>
+          <a:fillRef idx="0">
+            <a:schemeClr val="accent1"/>
+          </a:fillRef>
+          <a:effectRef idx="0">
+            <a:schemeClr val="accent1"/>
+          </a:effectRef>
+          <a:fontRef idx="minor">
+            <a:schemeClr val="tx1"/>
+          </a:fontRef>
+        </p:style>
+      </p:cxnSp>
+      <p:cxnSp>
+        <p:nvCxnSpPr>
+          <p:cNvPr id="158" name="Straight Connector 157">
+            <a:extLst>
+              <a:ext uri="{FF2B5EF4-FFF2-40B4-BE49-F238E27FC236}">
+                <a16:creationId xmlns:a16="http://schemas.microsoft.com/office/drawing/2014/main" id="{544113CE-8902-4ABC-BC2A-C1D57CD0BE66}"/>
+              </a:ext>
+            </a:extLst>
+          </p:cNvPr>
+          <p:cNvCxnSpPr>
+            <a:cxnSpLocks/>
+          </p:cNvCxnSpPr>
+          <p:nvPr/>
+        </p:nvCxnSpPr>
+        <p:spPr>
+          <a:xfrm>
+            <a:off x="11870846" y="1059356"/>
+            <a:ext cx="73598" cy="9254051"/>
+          </a:xfrm>
+          <a:prstGeom prst="line">
+            <a:avLst/>
+          </a:prstGeom>
+          <a:ln w="19050">
+            <a:solidFill>
+              <a:schemeClr val="bg1">
+                <a:lumMod val="75000"/>
+              </a:schemeClr>
+            </a:solidFill>
+            <a:prstDash val="dash"/>
+          </a:ln>
+        </p:spPr>
+        <p:style>
+          <a:lnRef idx="1">
+            <a:schemeClr val="accent1"/>
+          </a:lnRef>
+          <a:fillRef idx="0">
+            <a:schemeClr val="accent1"/>
+          </a:fillRef>
+          <a:effectRef idx="0">
+            <a:schemeClr val="accent1"/>
+          </a:effectRef>
+          <a:fontRef idx="minor">
+            <a:schemeClr val="tx1"/>
+          </a:fontRef>
+        </p:style>
+      </p:cxnSp>
+    </p:spTree>
+    <p:extLst>
+      <p:ext uri="{BB962C8B-B14F-4D97-AF65-F5344CB8AC3E}">
+        <p14:creationId xmlns:p14="http://schemas.microsoft.com/office/powerpoint/2010/main" val="2965960671"/>
+      </p:ext>
+    </p:extLst>
+  </p:cSld>
+  <p:clrMapOvr>
+    <a:masterClrMapping/>
+  </p:clrMapOvr>
+</p:sld>
+</file>
+
 <file path=ppt/theme/theme1.xml><?xml version="1.0" encoding="utf-8"?>
 <a:theme xmlns:a="http://schemas.openxmlformats.org/drawingml/2006/main" name="Office Theme">
   <a:themeElements>

--- a/Images/graphics/Reinforcement Learning Explanation.pptx
+++ b/Images/graphics/Reinforcement Learning Explanation.pptx
@@ -7389,52 +7389,6 @@
       </p:cxnSp>
       <p:cxnSp>
         <p:nvCxnSpPr>
-          <p:cNvPr id="16" name="Straight Connector 15">
-            <a:extLst>
-              <a:ext uri="{FF2B5EF4-FFF2-40B4-BE49-F238E27FC236}">
-                <a16:creationId xmlns:a16="http://schemas.microsoft.com/office/drawing/2014/main" id="{D6E1D4D9-282B-4048-A1B1-1A934F9E4A7A}"/>
-              </a:ext>
-            </a:extLst>
-          </p:cNvPr>
-          <p:cNvCxnSpPr>
-            <a:cxnSpLocks/>
-          </p:cNvCxnSpPr>
-          <p:nvPr/>
-        </p:nvCxnSpPr>
-        <p:spPr>
-          <a:xfrm flipH="1">
-            <a:off x="2516950" y="1082149"/>
-            <a:ext cx="22800" cy="6696038"/>
-          </a:xfrm>
-          <a:prstGeom prst="line">
-            <a:avLst/>
-          </a:prstGeom>
-          <a:ln w="19050">
-            <a:solidFill>
-              <a:schemeClr val="bg1">
-                <a:lumMod val="75000"/>
-              </a:schemeClr>
-            </a:solidFill>
-            <a:prstDash val="dash"/>
-          </a:ln>
-        </p:spPr>
-        <p:style>
-          <a:lnRef idx="1">
-            <a:schemeClr val="accent1"/>
-          </a:lnRef>
-          <a:fillRef idx="0">
-            <a:schemeClr val="accent1"/>
-          </a:fillRef>
-          <a:effectRef idx="0">
-            <a:schemeClr val="accent1"/>
-          </a:effectRef>
-          <a:fontRef idx="minor">
-            <a:schemeClr val="tx1"/>
-          </a:fontRef>
-        </p:style>
-      </p:cxnSp>
-      <p:cxnSp>
-        <p:nvCxnSpPr>
           <p:cNvPr id="80" name="Straight Arrow Connector 79">
             <a:extLst>
               <a:ext uri="{FF2B5EF4-FFF2-40B4-BE49-F238E27FC236}">
@@ -7617,7 +7571,7 @@
         </p:nvSpPr>
         <p:spPr>
           <a:xfrm>
-            <a:off x="345189" y="6756181"/>
+            <a:off x="379914" y="6814056"/>
             <a:ext cx="1910937" cy="307777"/>
           </a:xfrm>
           <a:prstGeom prst="rect">
@@ -8952,12 +8906,258 @@
           </a:p>
         </p:txBody>
       </p:sp>
+      <p:grpSp>
+        <p:nvGrpSpPr>
+          <p:cNvPr id="2" name="Group 1">
+            <a:extLst>
+              <a:ext uri="{FF2B5EF4-FFF2-40B4-BE49-F238E27FC236}">
+                <a16:creationId xmlns:a16="http://schemas.microsoft.com/office/drawing/2014/main" id="{3A66AD3C-E3A6-4706-9C4C-35CF4F1799D2}"/>
+              </a:ext>
+            </a:extLst>
+          </p:cNvPr>
+          <p:cNvGrpSpPr/>
+          <p:nvPr/>
+        </p:nvGrpSpPr>
+        <p:grpSpPr>
+          <a:xfrm>
+            <a:off x="62866" y="6886575"/>
+            <a:ext cx="240182" cy="212631"/>
+            <a:chOff x="128671" y="6885063"/>
+            <a:chExt cx="108221" cy="117553"/>
+          </a:xfrm>
+        </p:grpSpPr>
+        <p:cxnSp>
+          <p:nvCxnSpPr>
+            <p:cNvPr id="54" name="Straight Connector 53">
+              <a:extLst>
+                <a:ext uri="{FF2B5EF4-FFF2-40B4-BE49-F238E27FC236}">
+                  <a16:creationId xmlns:a16="http://schemas.microsoft.com/office/drawing/2014/main" id="{5B10432A-2E56-4C53-BAC4-EFF42E7B82C8}"/>
+                </a:ext>
+              </a:extLst>
+            </p:cNvPr>
+            <p:cNvCxnSpPr>
+              <a:cxnSpLocks/>
+            </p:cNvCxnSpPr>
+            <p:nvPr/>
+          </p:nvCxnSpPr>
+          <p:spPr>
+            <a:xfrm flipH="1">
+              <a:off x="128671" y="6885063"/>
+              <a:ext cx="58498" cy="25007"/>
+            </a:xfrm>
+            <a:prstGeom prst="line">
+              <a:avLst/>
+            </a:prstGeom>
+            <a:ln w="12700">
+              <a:solidFill>
+                <a:schemeClr val="bg1">
+                  <a:lumMod val="75000"/>
+                </a:schemeClr>
+              </a:solidFill>
+            </a:ln>
+          </p:spPr>
+          <p:style>
+            <a:lnRef idx="1">
+              <a:schemeClr val="accent1"/>
+            </a:lnRef>
+            <a:fillRef idx="0">
+              <a:schemeClr val="accent1"/>
+            </a:fillRef>
+            <a:effectRef idx="0">
+              <a:schemeClr val="accent1"/>
+            </a:effectRef>
+            <a:fontRef idx="minor">
+              <a:schemeClr val="tx1"/>
+            </a:fontRef>
+          </p:style>
+        </p:cxnSp>
+        <p:cxnSp>
+          <p:nvCxnSpPr>
+            <p:cNvPr id="130" name="Straight Connector 129">
+              <a:extLst>
+                <a:ext uri="{FF2B5EF4-FFF2-40B4-BE49-F238E27FC236}">
+                  <a16:creationId xmlns:a16="http://schemas.microsoft.com/office/drawing/2014/main" id="{0CDBC072-3747-4FEC-895E-20513371B624}"/>
+                </a:ext>
+              </a:extLst>
+            </p:cNvPr>
+            <p:cNvCxnSpPr>
+              <a:cxnSpLocks/>
+            </p:cNvCxnSpPr>
+            <p:nvPr/>
+          </p:nvCxnSpPr>
+          <p:spPr>
+            <a:xfrm flipH="1" flipV="1">
+              <a:off x="128671" y="6910807"/>
+              <a:ext cx="108218" cy="27164"/>
+            </a:xfrm>
+            <a:prstGeom prst="line">
+              <a:avLst/>
+            </a:prstGeom>
+            <a:ln w="12700">
+              <a:solidFill>
+                <a:schemeClr val="bg1">
+                  <a:lumMod val="75000"/>
+                </a:schemeClr>
+              </a:solidFill>
+            </a:ln>
+          </p:spPr>
+          <p:style>
+            <a:lnRef idx="1">
+              <a:schemeClr val="accent1"/>
+            </a:lnRef>
+            <a:fillRef idx="0">
+              <a:schemeClr val="accent1"/>
+            </a:fillRef>
+            <a:effectRef idx="0">
+              <a:schemeClr val="accent1"/>
+            </a:effectRef>
+            <a:fontRef idx="minor">
+              <a:schemeClr val="tx1"/>
+            </a:fontRef>
+          </p:style>
+        </p:cxnSp>
+        <p:cxnSp>
+          <p:nvCxnSpPr>
+            <p:cNvPr id="132" name="Straight Connector 131">
+              <a:extLst>
+                <a:ext uri="{FF2B5EF4-FFF2-40B4-BE49-F238E27FC236}">
+                  <a16:creationId xmlns:a16="http://schemas.microsoft.com/office/drawing/2014/main" id="{B1BAC874-E3DF-4B4E-907B-C57A37D362C4}"/>
+                </a:ext>
+              </a:extLst>
+            </p:cNvPr>
+            <p:cNvCxnSpPr>
+              <a:cxnSpLocks/>
+            </p:cNvCxnSpPr>
+            <p:nvPr/>
+          </p:nvCxnSpPr>
+          <p:spPr>
+            <a:xfrm flipH="1">
+              <a:off x="128671" y="6935814"/>
+              <a:ext cx="108220" cy="17193"/>
+            </a:xfrm>
+            <a:prstGeom prst="line">
+              <a:avLst/>
+            </a:prstGeom>
+            <a:ln w="12700">
+              <a:solidFill>
+                <a:schemeClr val="bg1">
+                  <a:lumMod val="75000"/>
+                </a:schemeClr>
+              </a:solidFill>
+            </a:ln>
+          </p:spPr>
+          <p:style>
+            <a:lnRef idx="1">
+              <a:schemeClr val="accent1"/>
+            </a:lnRef>
+            <a:fillRef idx="0">
+              <a:schemeClr val="accent1"/>
+            </a:fillRef>
+            <a:effectRef idx="0">
+              <a:schemeClr val="accent1"/>
+            </a:effectRef>
+            <a:fontRef idx="minor">
+              <a:schemeClr val="tx1"/>
+            </a:fontRef>
+          </p:style>
+        </p:cxnSp>
+        <p:cxnSp>
+          <p:nvCxnSpPr>
+            <p:cNvPr id="137" name="Straight Connector 136">
+              <a:extLst>
+                <a:ext uri="{FF2B5EF4-FFF2-40B4-BE49-F238E27FC236}">
+                  <a16:creationId xmlns:a16="http://schemas.microsoft.com/office/drawing/2014/main" id="{4CF273F4-6D3C-4195-960A-62D925F68F2F}"/>
+                </a:ext>
+              </a:extLst>
+            </p:cNvPr>
+            <p:cNvCxnSpPr>
+              <a:cxnSpLocks/>
+            </p:cNvCxnSpPr>
+            <p:nvPr/>
+          </p:nvCxnSpPr>
+          <p:spPr>
+            <a:xfrm flipH="1" flipV="1">
+              <a:off x="128671" y="6956200"/>
+              <a:ext cx="108218" cy="27164"/>
+            </a:xfrm>
+            <a:prstGeom prst="line">
+              <a:avLst/>
+            </a:prstGeom>
+            <a:ln w="12700">
+              <a:solidFill>
+                <a:schemeClr val="bg1">
+                  <a:lumMod val="75000"/>
+                </a:schemeClr>
+              </a:solidFill>
+            </a:ln>
+          </p:spPr>
+          <p:style>
+            <a:lnRef idx="1">
+              <a:schemeClr val="accent1"/>
+            </a:lnRef>
+            <a:fillRef idx="0">
+              <a:schemeClr val="accent1"/>
+            </a:fillRef>
+            <a:effectRef idx="0">
+              <a:schemeClr val="accent1"/>
+            </a:effectRef>
+            <a:fontRef idx="minor">
+              <a:schemeClr val="tx1"/>
+            </a:fontRef>
+          </p:style>
+        </p:cxnSp>
+        <p:cxnSp>
+          <p:nvCxnSpPr>
+            <p:cNvPr id="138" name="Straight Connector 137">
+              <a:extLst>
+                <a:ext uri="{FF2B5EF4-FFF2-40B4-BE49-F238E27FC236}">
+                  <a16:creationId xmlns:a16="http://schemas.microsoft.com/office/drawing/2014/main" id="{1F8249B2-83A4-45C9-9A2C-4B01D6E4E6CF}"/>
+                </a:ext>
+              </a:extLst>
+            </p:cNvPr>
+            <p:cNvCxnSpPr>
+              <a:cxnSpLocks/>
+            </p:cNvCxnSpPr>
+            <p:nvPr/>
+          </p:nvCxnSpPr>
+          <p:spPr>
+            <a:xfrm flipH="1">
+              <a:off x="182780" y="6981207"/>
+              <a:ext cx="54112" cy="21409"/>
+            </a:xfrm>
+            <a:prstGeom prst="line">
+              <a:avLst/>
+            </a:prstGeom>
+            <a:ln w="12700">
+              <a:solidFill>
+                <a:schemeClr val="bg1">
+                  <a:lumMod val="75000"/>
+                </a:schemeClr>
+              </a:solidFill>
+            </a:ln>
+          </p:spPr>
+          <p:style>
+            <a:lnRef idx="1">
+              <a:schemeClr val="accent1"/>
+            </a:lnRef>
+            <a:fillRef idx="0">
+              <a:schemeClr val="accent1"/>
+            </a:fillRef>
+            <a:effectRef idx="0">
+              <a:schemeClr val="accent1"/>
+            </a:effectRef>
+            <a:fontRef idx="minor">
+              <a:schemeClr val="tx1"/>
+            </a:fontRef>
+          </p:style>
+        </p:cxnSp>
+      </p:grpSp>
       <p:cxnSp>
         <p:nvCxnSpPr>
-          <p:cNvPr id="54" name="Straight Connector 53">
-            <a:extLst>
-              <a:ext uri="{FF2B5EF4-FFF2-40B4-BE49-F238E27FC236}">
-                <a16:creationId xmlns:a16="http://schemas.microsoft.com/office/drawing/2014/main" id="{5B10432A-2E56-4C53-BAC4-EFF42E7B82C8}"/>
+          <p:cNvPr id="148" name="Straight Connector 147">
+            <a:extLst>
+              <a:ext uri="{FF2B5EF4-FFF2-40B4-BE49-F238E27FC236}">
+                <a16:creationId xmlns:a16="http://schemas.microsoft.com/office/drawing/2014/main" id="{E18670F5-0F6A-4364-82B2-6FF8DF782FF9}"/>
               </a:ext>
             </a:extLst>
           </p:cNvPr>
@@ -8968,233 +9168,8 @@
         </p:nvCxnSpPr>
         <p:spPr>
           <a:xfrm flipH="1">
-            <a:off x="128671" y="6885063"/>
-            <a:ext cx="58498" cy="25007"/>
-          </a:xfrm>
-          <a:prstGeom prst="line">
-            <a:avLst/>
-          </a:prstGeom>
-          <a:ln w="12700">
-            <a:solidFill>
-              <a:schemeClr val="bg1">
-                <a:lumMod val="75000"/>
-              </a:schemeClr>
-            </a:solidFill>
-          </a:ln>
-        </p:spPr>
-        <p:style>
-          <a:lnRef idx="1">
-            <a:schemeClr val="accent1"/>
-          </a:lnRef>
-          <a:fillRef idx="0">
-            <a:schemeClr val="accent1"/>
-          </a:fillRef>
-          <a:effectRef idx="0">
-            <a:schemeClr val="accent1"/>
-          </a:effectRef>
-          <a:fontRef idx="minor">
-            <a:schemeClr val="tx1"/>
-          </a:fontRef>
-        </p:style>
-      </p:cxnSp>
-      <p:cxnSp>
-        <p:nvCxnSpPr>
-          <p:cNvPr id="130" name="Straight Connector 129">
-            <a:extLst>
-              <a:ext uri="{FF2B5EF4-FFF2-40B4-BE49-F238E27FC236}">
-                <a16:creationId xmlns:a16="http://schemas.microsoft.com/office/drawing/2014/main" id="{0CDBC072-3747-4FEC-895E-20513371B624}"/>
-              </a:ext>
-            </a:extLst>
-          </p:cNvPr>
-          <p:cNvCxnSpPr>
-            <a:cxnSpLocks/>
-          </p:cNvCxnSpPr>
-          <p:nvPr/>
-        </p:nvCxnSpPr>
-        <p:spPr>
-          <a:xfrm flipH="1" flipV="1">
-            <a:off x="128671" y="6910807"/>
-            <a:ext cx="108218" cy="27164"/>
-          </a:xfrm>
-          <a:prstGeom prst="line">
-            <a:avLst/>
-          </a:prstGeom>
-          <a:ln w="12700">
-            <a:solidFill>
-              <a:schemeClr val="bg1">
-                <a:lumMod val="75000"/>
-              </a:schemeClr>
-            </a:solidFill>
-          </a:ln>
-        </p:spPr>
-        <p:style>
-          <a:lnRef idx="1">
-            <a:schemeClr val="accent1"/>
-          </a:lnRef>
-          <a:fillRef idx="0">
-            <a:schemeClr val="accent1"/>
-          </a:fillRef>
-          <a:effectRef idx="0">
-            <a:schemeClr val="accent1"/>
-          </a:effectRef>
-          <a:fontRef idx="minor">
-            <a:schemeClr val="tx1"/>
-          </a:fontRef>
-        </p:style>
-      </p:cxnSp>
-      <p:cxnSp>
-        <p:nvCxnSpPr>
-          <p:cNvPr id="132" name="Straight Connector 131">
-            <a:extLst>
-              <a:ext uri="{FF2B5EF4-FFF2-40B4-BE49-F238E27FC236}">
-                <a16:creationId xmlns:a16="http://schemas.microsoft.com/office/drawing/2014/main" id="{B1BAC874-E3DF-4B4E-907B-C57A37D362C4}"/>
-              </a:ext>
-            </a:extLst>
-          </p:cNvPr>
-          <p:cNvCxnSpPr>
-            <a:cxnSpLocks/>
-          </p:cNvCxnSpPr>
-          <p:nvPr/>
-        </p:nvCxnSpPr>
-        <p:spPr>
-          <a:xfrm flipH="1">
-            <a:off x="128671" y="6935814"/>
-            <a:ext cx="108220" cy="17193"/>
-          </a:xfrm>
-          <a:prstGeom prst="line">
-            <a:avLst/>
-          </a:prstGeom>
-          <a:ln w="12700">
-            <a:solidFill>
-              <a:schemeClr val="bg1">
-                <a:lumMod val="75000"/>
-              </a:schemeClr>
-            </a:solidFill>
-          </a:ln>
-        </p:spPr>
-        <p:style>
-          <a:lnRef idx="1">
-            <a:schemeClr val="accent1"/>
-          </a:lnRef>
-          <a:fillRef idx="0">
-            <a:schemeClr val="accent1"/>
-          </a:fillRef>
-          <a:effectRef idx="0">
-            <a:schemeClr val="accent1"/>
-          </a:effectRef>
-          <a:fontRef idx="minor">
-            <a:schemeClr val="tx1"/>
-          </a:fontRef>
-        </p:style>
-      </p:cxnSp>
-      <p:cxnSp>
-        <p:nvCxnSpPr>
-          <p:cNvPr id="137" name="Straight Connector 136">
-            <a:extLst>
-              <a:ext uri="{FF2B5EF4-FFF2-40B4-BE49-F238E27FC236}">
-                <a16:creationId xmlns:a16="http://schemas.microsoft.com/office/drawing/2014/main" id="{4CF273F4-6D3C-4195-960A-62D925F68F2F}"/>
-              </a:ext>
-            </a:extLst>
-          </p:cNvPr>
-          <p:cNvCxnSpPr>
-            <a:cxnSpLocks/>
-          </p:cNvCxnSpPr>
-          <p:nvPr/>
-        </p:nvCxnSpPr>
-        <p:spPr>
-          <a:xfrm flipH="1" flipV="1">
-            <a:off x="128671" y="6956200"/>
-            <a:ext cx="108218" cy="27164"/>
-          </a:xfrm>
-          <a:prstGeom prst="line">
-            <a:avLst/>
-          </a:prstGeom>
-          <a:ln w="12700">
-            <a:solidFill>
-              <a:schemeClr val="bg1">
-                <a:lumMod val="75000"/>
-              </a:schemeClr>
-            </a:solidFill>
-          </a:ln>
-        </p:spPr>
-        <p:style>
-          <a:lnRef idx="1">
-            <a:schemeClr val="accent1"/>
-          </a:lnRef>
-          <a:fillRef idx="0">
-            <a:schemeClr val="accent1"/>
-          </a:fillRef>
-          <a:effectRef idx="0">
-            <a:schemeClr val="accent1"/>
-          </a:effectRef>
-          <a:fontRef idx="minor">
-            <a:schemeClr val="tx1"/>
-          </a:fontRef>
-        </p:style>
-      </p:cxnSp>
-      <p:cxnSp>
-        <p:nvCxnSpPr>
-          <p:cNvPr id="138" name="Straight Connector 137">
-            <a:extLst>
-              <a:ext uri="{FF2B5EF4-FFF2-40B4-BE49-F238E27FC236}">
-                <a16:creationId xmlns:a16="http://schemas.microsoft.com/office/drawing/2014/main" id="{1F8249B2-83A4-45C9-9A2C-4B01D6E4E6CF}"/>
-              </a:ext>
-            </a:extLst>
-          </p:cNvPr>
-          <p:cNvCxnSpPr>
-            <a:cxnSpLocks/>
-          </p:cNvCxnSpPr>
-          <p:nvPr/>
-        </p:nvCxnSpPr>
-        <p:spPr>
-          <a:xfrm flipH="1">
-            <a:off x="182780" y="6981207"/>
-            <a:ext cx="54112" cy="21409"/>
-          </a:xfrm>
-          <a:prstGeom prst="line">
-            <a:avLst/>
-          </a:prstGeom>
-          <a:ln w="12700">
-            <a:solidFill>
-              <a:schemeClr val="bg1">
-                <a:lumMod val="75000"/>
-              </a:schemeClr>
-            </a:solidFill>
-          </a:ln>
-        </p:spPr>
-        <p:style>
-          <a:lnRef idx="1">
-            <a:schemeClr val="accent1"/>
-          </a:lnRef>
-          <a:fillRef idx="0">
-            <a:schemeClr val="accent1"/>
-          </a:fillRef>
-          <a:effectRef idx="0">
-            <a:schemeClr val="accent1"/>
-          </a:effectRef>
-          <a:fontRef idx="minor">
-            <a:schemeClr val="tx1"/>
-          </a:fontRef>
-        </p:style>
-      </p:cxnSp>
-      <p:cxnSp>
-        <p:nvCxnSpPr>
-          <p:cNvPr id="148" name="Straight Connector 147">
-            <a:extLst>
-              <a:ext uri="{FF2B5EF4-FFF2-40B4-BE49-F238E27FC236}">
-                <a16:creationId xmlns:a16="http://schemas.microsoft.com/office/drawing/2014/main" id="{E18670F5-0F6A-4364-82B2-6FF8DF782FF9}"/>
-              </a:ext>
-            </a:extLst>
-          </p:cNvPr>
-          <p:cNvCxnSpPr>
-            <a:cxnSpLocks/>
-          </p:cNvCxnSpPr>
-          <p:nvPr/>
-        </p:nvCxnSpPr>
-        <p:spPr>
-          <a:xfrm flipH="1">
-            <a:off x="183401" y="7000711"/>
-            <a:ext cx="5797" cy="777476"/>
+            <a:off x="175687" y="7097866"/>
+            <a:ext cx="13512" cy="710444"/>
           </a:xfrm>
           <a:prstGeom prst="line">
             <a:avLst/>
@@ -9502,10 +9477,10 @@
       </p:sp>
       <p:cxnSp>
         <p:nvCxnSpPr>
-          <p:cNvPr id="179" name="Straight Connector 178">
-            <a:extLst>
-              <a:ext uri="{FF2B5EF4-FFF2-40B4-BE49-F238E27FC236}">
-                <a16:creationId xmlns:a16="http://schemas.microsoft.com/office/drawing/2014/main" id="{AED1D1CF-A66A-42D9-B04A-3A8825D11AFC}"/>
+          <p:cNvPr id="68" name="Straight Connector 67">
+            <a:extLst>
+              <a:ext uri="{FF2B5EF4-FFF2-40B4-BE49-F238E27FC236}">
+                <a16:creationId xmlns:a16="http://schemas.microsoft.com/office/drawing/2014/main" id="{7013B603-05D5-485A-94A3-A163808F6793}"/>
               </a:ext>
             </a:extLst>
           </p:cNvPr>
@@ -9516,8 +9491,8 @@
         </p:nvCxnSpPr>
         <p:spPr>
           <a:xfrm flipH="1">
-            <a:off x="4857269" y="1082145"/>
-            <a:ext cx="22800" cy="6696038"/>
+            <a:off x="2533222" y="1081949"/>
+            <a:ext cx="11483" cy="5849859"/>
           </a:xfrm>
           <a:prstGeom prst="line">
             <a:avLst/>
@@ -9546,12 +9521,258 @@
           </a:fontRef>
         </p:style>
       </p:cxnSp>
+      <p:grpSp>
+        <p:nvGrpSpPr>
+          <p:cNvPr id="69" name="Group 68">
+            <a:extLst>
+              <a:ext uri="{FF2B5EF4-FFF2-40B4-BE49-F238E27FC236}">
+                <a16:creationId xmlns:a16="http://schemas.microsoft.com/office/drawing/2014/main" id="{CCD464B9-27EE-4DDF-913A-C743A6D2DC33}"/>
+              </a:ext>
+            </a:extLst>
+          </p:cNvPr>
+          <p:cNvGrpSpPr/>
+          <p:nvPr/>
+        </p:nvGrpSpPr>
+        <p:grpSpPr>
+          <a:xfrm>
+            <a:off x="2409059" y="6886374"/>
+            <a:ext cx="240182" cy="212631"/>
+            <a:chOff x="128671" y="6885063"/>
+            <a:chExt cx="108221" cy="117553"/>
+          </a:xfrm>
+        </p:grpSpPr>
+        <p:cxnSp>
+          <p:nvCxnSpPr>
+            <p:cNvPr id="70" name="Straight Connector 69">
+              <a:extLst>
+                <a:ext uri="{FF2B5EF4-FFF2-40B4-BE49-F238E27FC236}">
+                  <a16:creationId xmlns:a16="http://schemas.microsoft.com/office/drawing/2014/main" id="{C16F9092-5B31-4469-A54C-2F481B88BE82}"/>
+                </a:ext>
+              </a:extLst>
+            </p:cNvPr>
+            <p:cNvCxnSpPr>
+              <a:cxnSpLocks/>
+            </p:cNvCxnSpPr>
+            <p:nvPr/>
+          </p:nvCxnSpPr>
+          <p:spPr>
+            <a:xfrm flipH="1">
+              <a:off x="128671" y="6885063"/>
+              <a:ext cx="58498" cy="25007"/>
+            </a:xfrm>
+            <a:prstGeom prst="line">
+              <a:avLst/>
+            </a:prstGeom>
+            <a:ln w="12700">
+              <a:solidFill>
+                <a:schemeClr val="bg1">
+                  <a:lumMod val="75000"/>
+                </a:schemeClr>
+              </a:solidFill>
+            </a:ln>
+          </p:spPr>
+          <p:style>
+            <a:lnRef idx="1">
+              <a:schemeClr val="accent1"/>
+            </a:lnRef>
+            <a:fillRef idx="0">
+              <a:schemeClr val="accent1"/>
+            </a:fillRef>
+            <a:effectRef idx="0">
+              <a:schemeClr val="accent1"/>
+            </a:effectRef>
+            <a:fontRef idx="minor">
+              <a:schemeClr val="tx1"/>
+            </a:fontRef>
+          </p:style>
+        </p:cxnSp>
+        <p:cxnSp>
+          <p:nvCxnSpPr>
+            <p:cNvPr id="71" name="Straight Connector 70">
+              <a:extLst>
+                <a:ext uri="{FF2B5EF4-FFF2-40B4-BE49-F238E27FC236}">
+                  <a16:creationId xmlns:a16="http://schemas.microsoft.com/office/drawing/2014/main" id="{2052B431-9735-42FA-A5D4-5560D9F4450D}"/>
+                </a:ext>
+              </a:extLst>
+            </p:cNvPr>
+            <p:cNvCxnSpPr>
+              <a:cxnSpLocks/>
+            </p:cNvCxnSpPr>
+            <p:nvPr/>
+          </p:nvCxnSpPr>
+          <p:spPr>
+            <a:xfrm flipH="1" flipV="1">
+              <a:off x="128671" y="6910807"/>
+              <a:ext cx="108218" cy="27164"/>
+            </a:xfrm>
+            <a:prstGeom prst="line">
+              <a:avLst/>
+            </a:prstGeom>
+            <a:ln w="12700">
+              <a:solidFill>
+                <a:schemeClr val="bg1">
+                  <a:lumMod val="75000"/>
+                </a:schemeClr>
+              </a:solidFill>
+            </a:ln>
+          </p:spPr>
+          <p:style>
+            <a:lnRef idx="1">
+              <a:schemeClr val="accent1"/>
+            </a:lnRef>
+            <a:fillRef idx="0">
+              <a:schemeClr val="accent1"/>
+            </a:fillRef>
+            <a:effectRef idx="0">
+              <a:schemeClr val="accent1"/>
+            </a:effectRef>
+            <a:fontRef idx="minor">
+              <a:schemeClr val="tx1"/>
+            </a:fontRef>
+          </p:style>
+        </p:cxnSp>
+        <p:cxnSp>
+          <p:nvCxnSpPr>
+            <p:cNvPr id="72" name="Straight Connector 71">
+              <a:extLst>
+                <a:ext uri="{FF2B5EF4-FFF2-40B4-BE49-F238E27FC236}">
+                  <a16:creationId xmlns:a16="http://schemas.microsoft.com/office/drawing/2014/main" id="{6CEDBCB5-83FB-4C49-A34B-3BF4084313EB}"/>
+                </a:ext>
+              </a:extLst>
+            </p:cNvPr>
+            <p:cNvCxnSpPr>
+              <a:cxnSpLocks/>
+            </p:cNvCxnSpPr>
+            <p:nvPr/>
+          </p:nvCxnSpPr>
+          <p:spPr>
+            <a:xfrm flipH="1">
+              <a:off x="128671" y="6935814"/>
+              <a:ext cx="108220" cy="17193"/>
+            </a:xfrm>
+            <a:prstGeom prst="line">
+              <a:avLst/>
+            </a:prstGeom>
+            <a:ln w="12700">
+              <a:solidFill>
+                <a:schemeClr val="bg1">
+                  <a:lumMod val="75000"/>
+                </a:schemeClr>
+              </a:solidFill>
+            </a:ln>
+          </p:spPr>
+          <p:style>
+            <a:lnRef idx="1">
+              <a:schemeClr val="accent1"/>
+            </a:lnRef>
+            <a:fillRef idx="0">
+              <a:schemeClr val="accent1"/>
+            </a:fillRef>
+            <a:effectRef idx="0">
+              <a:schemeClr val="accent1"/>
+            </a:effectRef>
+            <a:fontRef idx="minor">
+              <a:schemeClr val="tx1"/>
+            </a:fontRef>
+          </p:style>
+        </p:cxnSp>
+        <p:cxnSp>
+          <p:nvCxnSpPr>
+            <p:cNvPr id="73" name="Straight Connector 72">
+              <a:extLst>
+                <a:ext uri="{FF2B5EF4-FFF2-40B4-BE49-F238E27FC236}">
+                  <a16:creationId xmlns:a16="http://schemas.microsoft.com/office/drawing/2014/main" id="{F2F3C982-F34D-42C8-A600-A1A7498FB9C8}"/>
+                </a:ext>
+              </a:extLst>
+            </p:cNvPr>
+            <p:cNvCxnSpPr>
+              <a:cxnSpLocks/>
+            </p:cNvCxnSpPr>
+            <p:nvPr/>
+          </p:nvCxnSpPr>
+          <p:spPr>
+            <a:xfrm flipH="1" flipV="1">
+              <a:off x="128671" y="6956200"/>
+              <a:ext cx="108218" cy="27164"/>
+            </a:xfrm>
+            <a:prstGeom prst="line">
+              <a:avLst/>
+            </a:prstGeom>
+            <a:ln w="12700">
+              <a:solidFill>
+                <a:schemeClr val="bg1">
+                  <a:lumMod val="75000"/>
+                </a:schemeClr>
+              </a:solidFill>
+            </a:ln>
+          </p:spPr>
+          <p:style>
+            <a:lnRef idx="1">
+              <a:schemeClr val="accent1"/>
+            </a:lnRef>
+            <a:fillRef idx="0">
+              <a:schemeClr val="accent1"/>
+            </a:fillRef>
+            <a:effectRef idx="0">
+              <a:schemeClr val="accent1"/>
+            </a:effectRef>
+            <a:fontRef idx="minor">
+              <a:schemeClr val="tx1"/>
+            </a:fontRef>
+          </p:style>
+        </p:cxnSp>
+        <p:cxnSp>
+          <p:nvCxnSpPr>
+            <p:cNvPr id="74" name="Straight Connector 73">
+              <a:extLst>
+                <a:ext uri="{FF2B5EF4-FFF2-40B4-BE49-F238E27FC236}">
+                  <a16:creationId xmlns:a16="http://schemas.microsoft.com/office/drawing/2014/main" id="{F551575A-5B2B-483E-8160-294C01585BD0}"/>
+                </a:ext>
+              </a:extLst>
+            </p:cNvPr>
+            <p:cNvCxnSpPr>
+              <a:cxnSpLocks/>
+            </p:cNvCxnSpPr>
+            <p:nvPr/>
+          </p:nvCxnSpPr>
+          <p:spPr>
+            <a:xfrm flipH="1">
+              <a:off x="182780" y="6981207"/>
+              <a:ext cx="54112" cy="21409"/>
+            </a:xfrm>
+            <a:prstGeom prst="line">
+              <a:avLst/>
+            </a:prstGeom>
+            <a:ln w="12700">
+              <a:solidFill>
+                <a:schemeClr val="bg1">
+                  <a:lumMod val="75000"/>
+                </a:schemeClr>
+              </a:solidFill>
+            </a:ln>
+          </p:spPr>
+          <p:style>
+            <a:lnRef idx="1">
+              <a:schemeClr val="accent1"/>
+            </a:lnRef>
+            <a:fillRef idx="0">
+              <a:schemeClr val="accent1"/>
+            </a:fillRef>
+            <a:effectRef idx="0">
+              <a:schemeClr val="accent1"/>
+            </a:effectRef>
+            <a:fontRef idx="minor">
+              <a:schemeClr val="tx1"/>
+            </a:fontRef>
+          </p:style>
+        </p:cxnSp>
+      </p:grpSp>
       <p:cxnSp>
         <p:nvCxnSpPr>
-          <p:cNvPr id="180" name="Straight Connector 179">
-            <a:extLst>
-              <a:ext uri="{FF2B5EF4-FFF2-40B4-BE49-F238E27FC236}">
-                <a16:creationId xmlns:a16="http://schemas.microsoft.com/office/drawing/2014/main" id="{3C99A337-0E2C-4D34-A090-D0BEE9228B43}"/>
+          <p:cNvPr id="75" name="Straight Connector 74">
+            <a:extLst>
+              <a:ext uri="{FF2B5EF4-FFF2-40B4-BE49-F238E27FC236}">
+                <a16:creationId xmlns:a16="http://schemas.microsoft.com/office/drawing/2014/main" id="{E0AFE49D-609F-4134-90B0-F38943B3C70F}"/>
               </a:ext>
             </a:extLst>
           </p:cNvPr>
@@ -9562,8 +9783,8 @@
         </p:nvCxnSpPr>
         <p:spPr>
           <a:xfrm flipH="1">
-            <a:off x="7197411" y="1066653"/>
-            <a:ext cx="22800" cy="6696038"/>
+            <a:off x="2521880" y="7097665"/>
+            <a:ext cx="13512" cy="710444"/>
           </a:xfrm>
           <a:prstGeom prst="line">
             <a:avLst/>
@@ -9592,98 +9813,1442 @@
           </a:fontRef>
         </p:style>
       </p:cxnSp>
-      <p:cxnSp>
-        <p:nvCxnSpPr>
-          <p:cNvPr id="181" name="Straight Connector 180">
-            <a:extLst>
-              <a:ext uri="{FF2B5EF4-FFF2-40B4-BE49-F238E27FC236}">
-                <a16:creationId xmlns:a16="http://schemas.microsoft.com/office/drawing/2014/main" id="{4A897D33-F434-4853-BB0A-61D6A047B2F7}"/>
-              </a:ext>
-            </a:extLst>
-          </p:cNvPr>
-          <p:cNvCxnSpPr>
-            <a:cxnSpLocks/>
-          </p:cNvCxnSpPr>
-          <p:nvPr/>
-        </p:nvCxnSpPr>
-        <p:spPr>
-          <a:xfrm flipH="1">
-            <a:off x="9537009" y="1082145"/>
-            <a:ext cx="22800" cy="6696038"/>
-          </a:xfrm>
-          <a:prstGeom prst="line">
-            <a:avLst/>
-          </a:prstGeom>
-          <a:ln w="19050">
-            <a:solidFill>
-              <a:schemeClr val="bg1">
-                <a:lumMod val="75000"/>
-              </a:schemeClr>
-            </a:solidFill>
-            <a:prstDash val="dash"/>
-          </a:ln>
-        </p:spPr>
-        <p:style>
-          <a:lnRef idx="1">
-            <a:schemeClr val="accent1"/>
-          </a:lnRef>
-          <a:fillRef idx="0">
-            <a:schemeClr val="accent1"/>
-          </a:fillRef>
-          <a:effectRef idx="0">
-            <a:schemeClr val="accent1"/>
-          </a:effectRef>
-          <a:fontRef idx="minor">
-            <a:schemeClr val="tx1"/>
-          </a:fontRef>
-        </p:style>
-      </p:cxnSp>
-      <p:cxnSp>
-        <p:nvCxnSpPr>
-          <p:cNvPr id="182" name="Straight Connector 181">
-            <a:extLst>
-              <a:ext uri="{FF2B5EF4-FFF2-40B4-BE49-F238E27FC236}">
-                <a16:creationId xmlns:a16="http://schemas.microsoft.com/office/drawing/2014/main" id="{D6C9A04F-9CC9-4833-9A05-7CE2468DAD49}"/>
-              </a:ext>
-            </a:extLst>
-          </p:cNvPr>
-          <p:cNvCxnSpPr>
-            <a:cxnSpLocks/>
-          </p:cNvCxnSpPr>
-          <p:nvPr/>
-        </p:nvCxnSpPr>
-        <p:spPr>
-          <a:xfrm flipH="1">
-            <a:off x="11887832" y="1082145"/>
-            <a:ext cx="22800" cy="6696038"/>
-          </a:xfrm>
-          <a:prstGeom prst="line">
-            <a:avLst/>
-          </a:prstGeom>
-          <a:ln w="19050">
-            <a:solidFill>
-              <a:schemeClr val="bg1">
-                <a:lumMod val="75000"/>
-              </a:schemeClr>
-            </a:solidFill>
-            <a:prstDash val="dash"/>
-          </a:ln>
-        </p:spPr>
-        <p:style>
-          <a:lnRef idx="1">
-            <a:schemeClr val="accent1"/>
-          </a:lnRef>
-          <a:fillRef idx="0">
-            <a:schemeClr val="accent1"/>
-          </a:fillRef>
-          <a:effectRef idx="0">
-            <a:schemeClr val="accent1"/>
-          </a:effectRef>
-          <a:fontRef idx="minor">
-            <a:schemeClr val="tx1"/>
-          </a:fontRef>
-        </p:style>
-      </p:cxnSp>
+      <p:grpSp>
+        <p:nvGrpSpPr>
+          <p:cNvPr id="107" name="Group 106">
+            <a:extLst>
+              <a:ext uri="{FF2B5EF4-FFF2-40B4-BE49-F238E27FC236}">
+                <a16:creationId xmlns:a16="http://schemas.microsoft.com/office/drawing/2014/main" id="{A9382C7B-C215-4B1D-BC02-C2168F256AB3}"/>
+              </a:ext>
+            </a:extLst>
+          </p:cNvPr>
+          <p:cNvGrpSpPr/>
+          <p:nvPr/>
+        </p:nvGrpSpPr>
+        <p:grpSpPr>
+          <a:xfrm>
+            <a:off x="4743762" y="1079988"/>
+            <a:ext cx="240182" cy="6726160"/>
+            <a:chOff x="2561459" y="1234349"/>
+            <a:chExt cx="240182" cy="6726160"/>
+          </a:xfrm>
+        </p:grpSpPr>
+        <p:cxnSp>
+          <p:nvCxnSpPr>
+            <p:cNvPr id="108" name="Straight Connector 107">
+              <a:extLst>
+                <a:ext uri="{FF2B5EF4-FFF2-40B4-BE49-F238E27FC236}">
+                  <a16:creationId xmlns:a16="http://schemas.microsoft.com/office/drawing/2014/main" id="{46AF77BA-F285-4353-ADEF-1708F09932DD}"/>
+                </a:ext>
+              </a:extLst>
+            </p:cNvPr>
+            <p:cNvCxnSpPr>
+              <a:cxnSpLocks/>
+            </p:cNvCxnSpPr>
+            <p:nvPr/>
+          </p:nvCxnSpPr>
+          <p:spPr>
+            <a:xfrm flipH="1">
+              <a:off x="2685622" y="1234349"/>
+              <a:ext cx="11483" cy="5849859"/>
+            </a:xfrm>
+            <a:prstGeom prst="line">
+              <a:avLst/>
+            </a:prstGeom>
+            <a:ln w="19050">
+              <a:solidFill>
+                <a:schemeClr val="bg1">
+                  <a:lumMod val="75000"/>
+                </a:schemeClr>
+              </a:solidFill>
+              <a:prstDash val="dash"/>
+            </a:ln>
+          </p:spPr>
+          <p:style>
+            <a:lnRef idx="1">
+              <a:schemeClr val="accent1"/>
+            </a:lnRef>
+            <a:fillRef idx="0">
+              <a:schemeClr val="accent1"/>
+            </a:fillRef>
+            <a:effectRef idx="0">
+              <a:schemeClr val="accent1"/>
+            </a:effectRef>
+            <a:fontRef idx="minor">
+              <a:schemeClr val="tx1"/>
+            </a:fontRef>
+          </p:style>
+        </p:cxnSp>
+        <p:grpSp>
+          <p:nvGrpSpPr>
+            <p:cNvPr id="109" name="Group 108">
+              <a:extLst>
+                <a:ext uri="{FF2B5EF4-FFF2-40B4-BE49-F238E27FC236}">
+                  <a16:creationId xmlns:a16="http://schemas.microsoft.com/office/drawing/2014/main" id="{317032AE-8C33-45D9-BB1E-0EFFFDAFBEB4}"/>
+                </a:ext>
+              </a:extLst>
+            </p:cNvPr>
+            <p:cNvGrpSpPr/>
+            <p:nvPr/>
+          </p:nvGrpSpPr>
+          <p:grpSpPr>
+            <a:xfrm>
+              <a:off x="2561459" y="7038774"/>
+              <a:ext cx="240182" cy="212631"/>
+              <a:chOff x="128671" y="6885063"/>
+              <a:chExt cx="108221" cy="117553"/>
+            </a:xfrm>
+          </p:grpSpPr>
+          <p:cxnSp>
+            <p:nvCxnSpPr>
+              <p:cNvPr id="118" name="Straight Connector 117">
+                <a:extLst>
+                  <a:ext uri="{FF2B5EF4-FFF2-40B4-BE49-F238E27FC236}">
+                    <a16:creationId xmlns:a16="http://schemas.microsoft.com/office/drawing/2014/main" id="{A87A9E7A-C7C7-41DA-B2CB-2FF70DB3151B}"/>
+                  </a:ext>
+                </a:extLst>
+              </p:cNvPr>
+              <p:cNvCxnSpPr>
+                <a:cxnSpLocks/>
+              </p:cNvCxnSpPr>
+              <p:nvPr/>
+            </p:nvCxnSpPr>
+            <p:spPr>
+              <a:xfrm flipH="1">
+                <a:off x="128671" y="6885063"/>
+                <a:ext cx="58498" cy="25007"/>
+              </a:xfrm>
+              <a:prstGeom prst="line">
+                <a:avLst/>
+              </a:prstGeom>
+              <a:ln w="12700">
+                <a:solidFill>
+                  <a:schemeClr val="bg1">
+                    <a:lumMod val="75000"/>
+                  </a:schemeClr>
+                </a:solidFill>
+              </a:ln>
+            </p:spPr>
+            <p:style>
+              <a:lnRef idx="1">
+                <a:schemeClr val="accent1"/>
+              </a:lnRef>
+              <a:fillRef idx="0">
+                <a:schemeClr val="accent1"/>
+              </a:fillRef>
+              <a:effectRef idx="0">
+                <a:schemeClr val="accent1"/>
+              </a:effectRef>
+              <a:fontRef idx="minor">
+                <a:schemeClr val="tx1"/>
+              </a:fontRef>
+            </p:style>
+          </p:cxnSp>
+          <p:cxnSp>
+            <p:nvCxnSpPr>
+              <p:cNvPr id="131" name="Straight Connector 130">
+                <a:extLst>
+                  <a:ext uri="{FF2B5EF4-FFF2-40B4-BE49-F238E27FC236}">
+                    <a16:creationId xmlns:a16="http://schemas.microsoft.com/office/drawing/2014/main" id="{6DDE83B1-5FA8-4E33-B21C-E2CBE2BD531E}"/>
+                  </a:ext>
+                </a:extLst>
+              </p:cNvPr>
+              <p:cNvCxnSpPr>
+                <a:cxnSpLocks/>
+              </p:cNvCxnSpPr>
+              <p:nvPr/>
+            </p:nvCxnSpPr>
+            <p:spPr>
+              <a:xfrm flipH="1" flipV="1">
+                <a:off x="128671" y="6910807"/>
+                <a:ext cx="108218" cy="27164"/>
+              </a:xfrm>
+              <a:prstGeom prst="line">
+                <a:avLst/>
+              </a:prstGeom>
+              <a:ln w="12700">
+                <a:solidFill>
+                  <a:schemeClr val="bg1">
+                    <a:lumMod val="75000"/>
+                  </a:schemeClr>
+                </a:solidFill>
+              </a:ln>
+            </p:spPr>
+            <p:style>
+              <a:lnRef idx="1">
+                <a:schemeClr val="accent1"/>
+              </a:lnRef>
+              <a:fillRef idx="0">
+                <a:schemeClr val="accent1"/>
+              </a:fillRef>
+              <a:effectRef idx="0">
+                <a:schemeClr val="accent1"/>
+              </a:effectRef>
+              <a:fontRef idx="minor">
+                <a:schemeClr val="tx1"/>
+              </a:fontRef>
+            </p:style>
+          </p:cxnSp>
+          <p:cxnSp>
+            <p:nvCxnSpPr>
+              <p:cNvPr id="133" name="Straight Connector 132">
+                <a:extLst>
+                  <a:ext uri="{FF2B5EF4-FFF2-40B4-BE49-F238E27FC236}">
+                    <a16:creationId xmlns:a16="http://schemas.microsoft.com/office/drawing/2014/main" id="{E8F290F5-2865-4CAE-A5CD-5214835C59F3}"/>
+                  </a:ext>
+                </a:extLst>
+              </p:cNvPr>
+              <p:cNvCxnSpPr>
+                <a:cxnSpLocks/>
+              </p:cNvCxnSpPr>
+              <p:nvPr/>
+            </p:nvCxnSpPr>
+            <p:spPr>
+              <a:xfrm flipH="1">
+                <a:off x="128671" y="6935814"/>
+                <a:ext cx="108220" cy="17193"/>
+              </a:xfrm>
+              <a:prstGeom prst="line">
+                <a:avLst/>
+              </a:prstGeom>
+              <a:ln w="12700">
+                <a:solidFill>
+                  <a:schemeClr val="bg1">
+                    <a:lumMod val="75000"/>
+                  </a:schemeClr>
+                </a:solidFill>
+              </a:ln>
+            </p:spPr>
+            <p:style>
+              <a:lnRef idx="1">
+                <a:schemeClr val="accent1"/>
+              </a:lnRef>
+              <a:fillRef idx="0">
+                <a:schemeClr val="accent1"/>
+              </a:fillRef>
+              <a:effectRef idx="0">
+                <a:schemeClr val="accent1"/>
+              </a:effectRef>
+              <a:fontRef idx="minor">
+                <a:schemeClr val="tx1"/>
+              </a:fontRef>
+            </p:style>
+          </p:cxnSp>
+          <p:cxnSp>
+            <p:nvCxnSpPr>
+              <p:cNvPr id="134" name="Straight Connector 133">
+                <a:extLst>
+                  <a:ext uri="{FF2B5EF4-FFF2-40B4-BE49-F238E27FC236}">
+                    <a16:creationId xmlns:a16="http://schemas.microsoft.com/office/drawing/2014/main" id="{D26A98D4-F91E-4A0F-AFCA-9FB4EC1F5CB6}"/>
+                  </a:ext>
+                </a:extLst>
+              </p:cNvPr>
+              <p:cNvCxnSpPr>
+                <a:cxnSpLocks/>
+              </p:cNvCxnSpPr>
+              <p:nvPr/>
+            </p:nvCxnSpPr>
+            <p:spPr>
+              <a:xfrm flipH="1" flipV="1">
+                <a:off x="128671" y="6956200"/>
+                <a:ext cx="108218" cy="27164"/>
+              </a:xfrm>
+              <a:prstGeom prst="line">
+                <a:avLst/>
+              </a:prstGeom>
+              <a:ln w="12700">
+                <a:solidFill>
+                  <a:schemeClr val="bg1">
+                    <a:lumMod val="75000"/>
+                  </a:schemeClr>
+                </a:solidFill>
+              </a:ln>
+            </p:spPr>
+            <p:style>
+              <a:lnRef idx="1">
+                <a:schemeClr val="accent1"/>
+              </a:lnRef>
+              <a:fillRef idx="0">
+                <a:schemeClr val="accent1"/>
+              </a:fillRef>
+              <a:effectRef idx="0">
+                <a:schemeClr val="accent1"/>
+              </a:effectRef>
+              <a:fontRef idx="minor">
+                <a:schemeClr val="tx1"/>
+              </a:fontRef>
+            </p:style>
+          </p:cxnSp>
+          <p:cxnSp>
+            <p:nvCxnSpPr>
+              <p:cNvPr id="135" name="Straight Connector 134">
+                <a:extLst>
+                  <a:ext uri="{FF2B5EF4-FFF2-40B4-BE49-F238E27FC236}">
+                    <a16:creationId xmlns:a16="http://schemas.microsoft.com/office/drawing/2014/main" id="{C09A3266-0C25-44A1-B6EF-AA01D1F6AEFB}"/>
+                  </a:ext>
+                </a:extLst>
+              </p:cNvPr>
+              <p:cNvCxnSpPr>
+                <a:cxnSpLocks/>
+              </p:cNvCxnSpPr>
+              <p:nvPr/>
+            </p:nvCxnSpPr>
+            <p:spPr>
+              <a:xfrm flipH="1">
+                <a:off x="182780" y="6981207"/>
+                <a:ext cx="54112" cy="21409"/>
+              </a:xfrm>
+              <a:prstGeom prst="line">
+                <a:avLst/>
+              </a:prstGeom>
+              <a:ln w="12700">
+                <a:solidFill>
+                  <a:schemeClr val="bg1">
+                    <a:lumMod val="75000"/>
+                  </a:schemeClr>
+                </a:solidFill>
+              </a:ln>
+            </p:spPr>
+            <p:style>
+              <a:lnRef idx="1">
+                <a:schemeClr val="accent1"/>
+              </a:lnRef>
+              <a:fillRef idx="0">
+                <a:schemeClr val="accent1"/>
+              </a:fillRef>
+              <a:effectRef idx="0">
+                <a:schemeClr val="accent1"/>
+              </a:effectRef>
+              <a:fontRef idx="minor">
+                <a:schemeClr val="tx1"/>
+              </a:fontRef>
+            </p:style>
+          </p:cxnSp>
+        </p:grpSp>
+        <p:cxnSp>
+          <p:nvCxnSpPr>
+            <p:cNvPr id="110" name="Straight Connector 109">
+              <a:extLst>
+                <a:ext uri="{FF2B5EF4-FFF2-40B4-BE49-F238E27FC236}">
+                  <a16:creationId xmlns:a16="http://schemas.microsoft.com/office/drawing/2014/main" id="{D0D3C7DF-79D4-488A-B90C-46956A338546}"/>
+                </a:ext>
+              </a:extLst>
+            </p:cNvPr>
+            <p:cNvCxnSpPr>
+              <a:cxnSpLocks/>
+            </p:cNvCxnSpPr>
+            <p:nvPr/>
+          </p:nvCxnSpPr>
+          <p:spPr>
+            <a:xfrm flipH="1">
+              <a:off x="2674280" y="7250065"/>
+              <a:ext cx="13512" cy="710444"/>
+            </a:xfrm>
+            <a:prstGeom prst="line">
+              <a:avLst/>
+            </a:prstGeom>
+            <a:ln w="19050">
+              <a:solidFill>
+                <a:schemeClr val="bg1">
+                  <a:lumMod val="75000"/>
+                </a:schemeClr>
+              </a:solidFill>
+              <a:prstDash val="dash"/>
+            </a:ln>
+          </p:spPr>
+          <p:style>
+            <a:lnRef idx="1">
+              <a:schemeClr val="accent1"/>
+            </a:lnRef>
+            <a:fillRef idx="0">
+              <a:schemeClr val="accent1"/>
+            </a:fillRef>
+            <a:effectRef idx="0">
+              <a:schemeClr val="accent1"/>
+            </a:effectRef>
+            <a:fontRef idx="minor">
+              <a:schemeClr val="tx1"/>
+            </a:fontRef>
+          </p:style>
+        </p:cxnSp>
+      </p:grpSp>
+      <p:grpSp>
+        <p:nvGrpSpPr>
+          <p:cNvPr id="136" name="Group 135">
+            <a:extLst>
+              <a:ext uri="{FF2B5EF4-FFF2-40B4-BE49-F238E27FC236}">
+                <a16:creationId xmlns:a16="http://schemas.microsoft.com/office/drawing/2014/main" id="{21FB167E-01B4-45FE-9ED6-4589AEB37577}"/>
+              </a:ext>
+            </a:extLst>
+          </p:cNvPr>
+          <p:cNvGrpSpPr/>
+          <p:nvPr/>
+        </p:nvGrpSpPr>
+        <p:grpSpPr>
+          <a:xfrm>
+            <a:off x="7098688" y="1079988"/>
+            <a:ext cx="240182" cy="6726160"/>
+            <a:chOff x="2561459" y="1234349"/>
+            <a:chExt cx="240182" cy="6726160"/>
+          </a:xfrm>
+        </p:grpSpPr>
+        <p:cxnSp>
+          <p:nvCxnSpPr>
+            <p:cNvPr id="139" name="Straight Connector 138">
+              <a:extLst>
+                <a:ext uri="{FF2B5EF4-FFF2-40B4-BE49-F238E27FC236}">
+                  <a16:creationId xmlns:a16="http://schemas.microsoft.com/office/drawing/2014/main" id="{2291E077-D986-4320-B463-B2E3BEC9FFFA}"/>
+                </a:ext>
+              </a:extLst>
+            </p:cNvPr>
+            <p:cNvCxnSpPr>
+              <a:cxnSpLocks/>
+            </p:cNvCxnSpPr>
+            <p:nvPr/>
+          </p:nvCxnSpPr>
+          <p:spPr>
+            <a:xfrm flipH="1">
+              <a:off x="2685622" y="1234349"/>
+              <a:ext cx="11483" cy="5849859"/>
+            </a:xfrm>
+            <a:prstGeom prst="line">
+              <a:avLst/>
+            </a:prstGeom>
+            <a:ln w="19050">
+              <a:solidFill>
+                <a:schemeClr val="bg1">
+                  <a:lumMod val="75000"/>
+                </a:schemeClr>
+              </a:solidFill>
+              <a:prstDash val="dash"/>
+            </a:ln>
+          </p:spPr>
+          <p:style>
+            <a:lnRef idx="1">
+              <a:schemeClr val="accent1"/>
+            </a:lnRef>
+            <a:fillRef idx="0">
+              <a:schemeClr val="accent1"/>
+            </a:fillRef>
+            <a:effectRef idx="0">
+              <a:schemeClr val="accent1"/>
+            </a:effectRef>
+            <a:fontRef idx="minor">
+              <a:schemeClr val="tx1"/>
+            </a:fontRef>
+          </p:style>
+        </p:cxnSp>
+        <p:grpSp>
+          <p:nvGrpSpPr>
+            <p:cNvPr id="140" name="Group 139">
+              <a:extLst>
+                <a:ext uri="{FF2B5EF4-FFF2-40B4-BE49-F238E27FC236}">
+                  <a16:creationId xmlns:a16="http://schemas.microsoft.com/office/drawing/2014/main" id="{7B15552B-B49B-487D-A24D-9210BED0B0E8}"/>
+                </a:ext>
+              </a:extLst>
+            </p:cNvPr>
+            <p:cNvGrpSpPr/>
+            <p:nvPr/>
+          </p:nvGrpSpPr>
+          <p:grpSpPr>
+            <a:xfrm>
+              <a:off x="2561459" y="7038774"/>
+              <a:ext cx="240182" cy="212631"/>
+              <a:chOff x="128671" y="6885063"/>
+              <a:chExt cx="108221" cy="117553"/>
+            </a:xfrm>
+          </p:grpSpPr>
+          <p:cxnSp>
+            <p:nvCxnSpPr>
+              <p:cNvPr id="142" name="Straight Connector 141">
+                <a:extLst>
+                  <a:ext uri="{FF2B5EF4-FFF2-40B4-BE49-F238E27FC236}">
+                    <a16:creationId xmlns:a16="http://schemas.microsoft.com/office/drawing/2014/main" id="{82EE5DD3-5246-4CFA-9316-D01D193B32BE}"/>
+                  </a:ext>
+                </a:extLst>
+              </p:cNvPr>
+              <p:cNvCxnSpPr>
+                <a:cxnSpLocks/>
+              </p:cNvCxnSpPr>
+              <p:nvPr/>
+            </p:nvCxnSpPr>
+            <p:spPr>
+              <a:xfrm flipH="1">
+                <a:off x="128671" y="6885063"/>
+                <a:ext cx="58498" cy="25007"/>
+              </a:xfrm>
+              <a:prstGeom prst="line">
+                <a:avLst/>
+              </a:prstGeom>
+              <a:ln w="12700">
+                <a:solidFill>
+                  <a:schemeClr val="bg1">
+                    <a:lumMod val="75000"/>
+                  </a:schemeClr>
+                </a:solidFill>
+              </a:ln>
+            </p:spPr>
+            <p:style>
+              <a:lnRef idx="1">
+                <a:schemeClr val="accent1"/>
+              </a:lnRef>
+              <a:fillRef idx="0">
+                <a:schemeClr val="accent1"/>
+              </a:fillRef>
+              <a:effectRef idx="0">
+                <a:schemeClr val="accent1"/>
+              </a:effectRef>
+              <a:fontRef idx="minor">
+                <a:schemeClr val="tx1"/>
+              </a:fontRef>
+            </p:style>
+          </p:cxnSp>
+          <p:cxnSp>
+            <p:nvCxnSpPr>
+              <p:cNvPr id="143" name="Straight Connector 142">
+                <a:extLst>
+                  <a:ext uri="{FF2B5EF4-FFF2-40B4-BE49-F238E27FC236}">
+                    <a16:creationId xmlns:a16="http://schemas.microsoft.com/office/drawing/2014/main" id="{085ACBBB-27FC-4BE4-91A5-FDDA83030476}"/>
+                  </a:ext>
+                </a:extLst>
+              </p:cNvPr>
+              <p:cNvCxnSpPr>
+                <a:cxnSpLocks/>
+              </p:cNvCxnSpPr>
+              <p:nvPr/>
+            </p:nvCxnSpPr>
+            <p:spPr>
+              <a:xfrm flipH="1" flipV="1">
+                <a:off x="128671" y="6910807"/>
+                <a:ext cx="108218" cy="27164"/>
+              </a:xfrm>
+              <a:prstGeom prst="line">
+                <a:avLst/>
+              </a:prstGeom>
+              <a:ln w="12700">
+                <a:solidFill>
+                  <a:schemeClr val="bg1">
+                    <a:lumMod val="75000"/>
+                  </a:schemeClr>
+                </a:solidFill>
+              </a:ln>
+            </p:spPr>
+            <p:style>
+              <a:lnRef idx="1">
+                <a:schemeClr val="accent1"/>
+              </a:lnRef>
+              <a:fillRef idx="0">
+                <a:schemeClr val="accent1"/>
+              </a:fillRef>
+              <a:effectRef idx="0">
+                <a:schemeClr val="accent1"/>
+              </a:effectRef>
+              <a:fontRef idx="minor">
+                <a:schemeClr val="tx1"/>
+              </a:fontRef>
+            </p:style>
+          </p:cxnSp>
+          <p:cxnSp>
+            <p:nvCxnSpPr>
+              <p:cNvPr id="144" name="Straight Connector 143">
+                <a:extLst>
+                  <a:ext uri="{FF2B5EF4-FFF2-40B4-BE49-F238E27FC236}">
+                    <a16:creationId xmlns:a16="http://schemas.microsoft.com/office/drawing/2014/main" id="{F10FEF6A-4BDE-4AC3-B5A4-F360E30A6A21}"/>
+                  </a:ext>
+                </a:extLst>
+              </p:cNvPr>
+              <p:cNvCxnSpPr>
+                <a:cxnSpLocks/>
+              </p:cNvCxnSpPr>
+              <p:nvPr/>
+            </p:nvCxnSpPr>
+            <p:spPr>
+              <a:xfrm flipH="1">
+                <a:off x="128671" y="6935814"/>
+                <a:ext cx="108220" cy="17193"/>
+              </a:xfrm>
+              <a:prstGeom prst="line">
+                <a:avLst/>
+              </a:prstGeom>
+              <a:ln w="12700">
+                <a:solidFill>
+                  <a:schemeClr val="bg1">
+                    <a:lumMod val="75000"/>
+                  </a:schemeClr>
+                </a:solidFill>
+              </a:ln>
+            </p:spPr>
+            <p:style>
+              <a:lnRef idx="1">
+                <a:schemeClr val="accent1"/>
+              </a:lnRef>
+              <a:fillRef idx="0">
+                <a:schemeClr val="accent1"/>
+              </a:fillRef>
+              <a:effectRef idx="0">
+                <a:schemeClr val="accent1"/>
+              </a:effectRef>
+              <a:fontRef idx="minor">
+                <a:schemeClr val="tx1"/>
+              </a:fontRef>
+            </p:style>
+          </p:cxnSp>
+          <p:cxnSp>
+            <p:nvCxnSpPr>
+              <p:cNvPr id="145" name="Straight Connector 144">
+                <a:extLst>
+                  <a:ext uri="{FF2B5EF4-FFF2-40B4-BE49-F238E27FC236}">
+                    <a16:creationId xmlns:a16="http://schemas.microsoft.com/office/drawing/2014/main" id="{A02CB72C-70A9-4860-AE0A-B96051D95B74}"/>
+                  </a:ext>
+                </a:extLst>
+              </p:cNvPr>
+              <p:cNvCxnSpPr>
+                <a:cxnSpLocks/>
+              </p:cNvCxnSpPr>
+              <p:nvPr/>
+            </p:nvCxnSpPr>
+            <p:spPr>
+              <a:xfrm flipH="1" flipV="1">
+                <a:off x="128671" y="6956200"/>
+                <a:ext cx="108218" cy="27164"/>
+              </a:xfrm>
+              <a:prstGeom prst="line">
+                <a:avLst/>
+              </a:prstGeom>
+              <a:ln w="12700">
+                <a:solidFill>
+                  <a:schemeClr val="bg1">
+                    <a:lumMod val="75000"/>
+                  </a:schemeClr>
+                </a:solidFill>
+              </a:ln>
+            </p:spPr>
+            <p:style>
+              <a:lnRef idx="1">
+                <a:schemeClr val="accent1"/>
+              </a:lnRef>
+              <a:fillRef idx="0">
+                <a:schemeClr val="accent1"/>
+              </a:fillRef>
+              <a:effectRef idx="0">
+                <a:schemeClr val="accent1"/>
+              </a:effectRef>
+              <a:fontRef idx="minor">
+                <a:schemeClr val="tx1"/>
+              </a:fontRef>
+            </p:style>
+          </p:cxnSp>
+          <p:cxnSp>
+            <p:nvCxnSpPr>
+              <p:cNvPr id="146" name="Straight Connector 145">
+                <a:extLst>
+                  <a:ext uri="{FF2B5EF4-FFF2-40B4-BE49-F238E27FC236}">
+                    <a16:creationId xmlns:a16="http://schemas.microsoft.com/office/drawing/2014/main" id="{9C4A2565-2C91-4524-A5D1-89FC28485AD6}"/>
+                  </a:ext>
+                </a:extLst>
+              </p:cNvPr>
+              <p:cNvCxnSpPr>
+                <a:cxnSpLocks/>
+              </p:cNvCxnSpPr>
+              <p:nvPr/>
+            </p:nvCxnSpPr>
+            <p:spPr>
+              <a:xfrm flipH="1">
+                <a:off x="182780" y="6981207"/>
+                <a:ext cx="54112" cy="21409"/>
+              </a:xfrm>
+              <a:prstGeom prst="line">
+                <a:avLst/>
+              </a:prstGeom>
+              <a:ln w="12700">
+                <a:solidFill>
+                  <a:schemeClr val="bg1">
+                    <a:lumMod val="75000"/>
+                  </a:schemeClr>
+                </a:solidFill>
+              </a:ln>
+            </p:spPr>
+            <p:style>
+              <a:lnRef idx="1">
+                <a:schemeClr val="accent1"/>
+              </a:lnRef>
+              <a:fillRef idx="0">
+                <a:schemeClr val="accent1"/>
+              </a:fillRef>
+              <a:effectRef idx="0">
+                <a:schemeClr val="accent1"/>
+              </a:effectRef>
+              <a:fontRef idx="minor">
+                <a:schemeClr val="tx1"/>
+              </a:fontRef>
+            </p:style>
+          </p:cxnSp>
+        </p:grpSp>
+        <p:cxnSp>
+          <p:nvCxnSpPr>
+            <p:cNvPr id="141" name="Straight Connector 140">
+              <a:extLst>
+                <a:ext uri="{FF2B5EF4-FFF2-40B4-BE49-F238E27FC236}">
+                  <a16:creationId xmlns:a16="http://schemas.microsoft.com/office/drawing/2014/main" id="{686D98AC-D5FF-4BB7-BFE2-B012E727F87B}"/>
+                </a:ext>
+              </a:extLst>
+            </p:cNvPr>
+            <p:cNvCxnSpPr>
+              <a:cxnSpLocks/>
+            </p:cNvCxnSpPr>
+            <p:nvPr/>
+          </p:nvCxnSpPr>
+          <p:spPr>
+            <a:xfrm flipH="1">
+              <a:off x="2674280" y="7250065"/>
+              <a:ext cx="13512" cy="710444"/>
+            </a:xfrm>
+            <a:prstGeom prst="line">
+              <a:avLst/>
+            </a:prstGeom>
+            <a:ln w="19050">
+              <a:solidFill>
+                <a:schemeClr val="bg1">
+                  <a:lumMod val="75000"/>
+                </a:schemeClr>
+              </a:solidFill>
+              <a:prstDash val="dash"/>
+            </a:ln>
+          </p:spPr>
+          <p:style>
+            <a:lnRef idx="1">
+              <a:schemeClr val="accent1"/>
+            </a:lnRef>
+            <a:fillRef idx="0">
+              <a:schemeClr val="accent1"/>
+            </a:fillRef>
+            <a:effectRef idx="0">
+              <a:schemeClr val="accent1"/>
+            </a:effectRef>
+            <a:fontRef idx="minor">
+              <a:schemeClr val="tx1"/>
+            </a:fontRef>
+          </p:style>
+        </p:cxnSp>
+      </p:grpSp>
+      <p:grpSp>
+        <p:nvGrpSpPr>
+          <p:cNvPr id="147" name="Group 146">
+            <a:extLst>
+              <a:ext uri="{FF2B5EF4-FFF2-40B4-BE49-F238E27FC236}">
+                <a16:creationId xmlns:a16="http://schemas.microsoft.com/office/drawing/2014/main" id="{E1ACAAC9-B2C7-44EA-BB2B-FC52264EAC94}"/>
+              </a:ext>
+            </a:extLst>
+          </p:cNvPr>
+          <p:cNvGrpSpPr/>
+          <p:nvPr/>
+        </p:nvGrpSpPr>
+        <p:grpSpPr>
+          <a:xfrm>
+            <a:off x="9441362" y="1079988"/>
+            <a:ext cx="240182" cy="6726160"/>
+            <a:chOff x="2561459" y="1234349"/>
+            <a:chExt cx="240182" cy="6726160"/>
+          </a:xfrm>
+        </p:grpSpPr>
+        <p:cxnSp>
+          <p:nvCxnSpPr>
+            <p:cNvPr id="149" name="Straight Connector 148">
+              <a:extLst>
+                <a:ext uri="{FF2B5EF4-FFF2-40B4-BE49-F238E27FC236}">
+                  <a16:creationId xmlns:a16="http://schemas.microsoft.com/office/drawing/2014/main" id="{F550648D-1F4D-453D-884F-91FD9162F95D}"/>
+                </a:ext>
+              </a:extLst>
+            </p:cNvPr>
+            <p:cNvCxnSpPr>
+              <a:cxnSpLocks/>
+            </p:cNvCxnSpPr>
+            <p:nvPr/>
+          </p:nvCxnSpPr>
+          <p:spPr>
+            <a:xfrm flipH="1">
+              <a:off x="2685622" y="1234349"/>
+              <a:ext cx="11483" cy="5849859"/>
+            </a:xfrm>
+            <a:prstGeom prst="line">
+              <a:avLst/>
+            </a:prstGeom>
+            <a:ln w="19050">
+              <a:solidFill>
+                <a:schemeClr val="bg1">
+                  <a:lumMod val="75000"/>
+                </a:schemeClr>
+              </a:solidFill>
+              <a:prstDash val="dash"/>
+            </a:ln>
+          </p:spPr>
+          <p:style>
+            <a:lnRef idx="1">
+              <a:schemeClr val="accent1"/>
+            </a:lnRef>
+            <a:fillRef idx="0">
+              <a:schemeClr val="accent1"/>
+            </a:fillRef>
+            <a:effectRef idx="0">
+              <a:schemeClr val="accent1"/>
+            </a:effectRef>
+            <a:fontRef idx="minor">
+              <a:schemeClr val="tx1"/>
+            </a:fontRef>
+          </p:style>
+        </p:cxnSp>
+        <p:grpSp>
+          <p:nvGrpSpPr>
+            <p:cNvPr id="150" name="Group 149">
+              <a:extLst>
+                <a:ext uri="{FF2B5EF4-FFF2-40B4-BE49-F238E27FC236}">
+                  <a16:creationId xmlns:a16="http://schemas.microsoft.com/office/drawing/2014/main" id="{1E184434-7CB3-4384-B2B3-F6198DFA4522}"/>
+                </a:ext>
+              </a:extLst>
+            </p:cNvPr>
+            <p:cNvGrpSpPr/>
+            <p:nvPr/>
+          </p:nvGrpSpPr>
+          <p:grpSpPr>
+            <a:xfrm>
+              <a:off x="2561459" y="7038774"/>
+              <a:ext cx="240182" cy="212631"/>
+              <a:chOff x="128671" y="6885063"/>
+              <a:chExt cx="108221" cy="117553"/>
+            </a:xfrm>
+          </p:grpSpPr>
+          <p:cxnSp>
+            <p:nvCxnSpPr>
+              <p:cNvPr id="152" name="Straight Connector 151">
+                <a:extLst>
+                  <a:ext uri="{FF2B5EF4-FFF2-40B4-BE49-F238E27FC236}">
+                    <a16:creationId xmlns:a16="http://schemas.microsoft.com/office/drawing/2014/main" id="{7EA36632-BA1A-453B-8417-D397170386B6}"/>
+                  </a:ext>
+                </a:extLst>
+              </p:cNvPr>
+              <p:cNvCxnSpPr>
+                <a:cxnSpLocks/>
+              </p:cNvCxnSpPr>
+              <p:nvPr/>
+            </p:nvCxnSpPr>
+            <p:spPr>
+              <a:xfrm flipH="1">
+                <a:off x="128671" y="6885063"/>
+                <a:ext cx="58498" cy="25007"/>
+              </a:xfrm>
+              <a:prstGeom prst="line">
+                <a:avLst/>
+              </a:prstGeom>
+              <a:ln w="12700">
+                <a:solidFill>
+                  <a:schemeClr val="bg1">
+                    <a:lumMod val="75000"/>
+                  </a:schemeClr>
+                </a:solidFill>
+              </a:ln>
+            </p:spPr>
+            <p:style>
+              <a:lnRef idx="1">
+                <a:schemeClr val="accent1"/>
+              </a:lnRef>
+              <a:fillRef idx="0">
+                <a:schemeClr val="accent1"/>
+              </a:fillRef>
+              <a:effectRef idx="0">
+                <a:schemeClr val="accent1"/>
+              </a:effectRef>
+              <a:fontRef idx="minor">
+                <a:schemeClr val="tx1"/>
+              </a:fontRef>
+            </p:style>
+          </p:cxnSp>
+          <p:cxnSp>
+            <p:nvCxnSpPr>
+              <p:cNvPr id="153" name="Straight Connector 152">
+                <a:extLst>
+                  <a:ext uri="{FF2B5EF4-FFF2-40B4-BE49-F238E27FC236}">
+                    <a16:creationId xmlns:a16="http://schemas.microsoft.com/office/drawing/2014/main" id="{25E82D5C-40A9-4D9C-BDF8-A63B3BD5B63B}"/>
+                  </a:ext>
+                </a:extLst>
+              </p:cNvPr>
+              <p:cNvCxnSpPr>
+                <a:cxnSpLocks/>
+              </p:cNvCxnSpPr>
+              <p:nvPr/>
+            </p:nvCxnSpPr>
+            <p:spPr>
+              <a:xfrm flipH="1" flipV="1">
+                <a:off x="128671" y="6910807"/>
+                <a:ext cx="108218" cy="27164"/>
+              </a:xfrm>
+              <a:prstGeom prst="line">
+                <a:avLst/>
+              </a:prstGeom>
+              <a:ln w="12700">
+                <a:solidFill>
+                  <a:schemeClr val="bg1">
+                    <a:lumMod val="75000"/>
+                  </a:schemeClr>
+                </a:solidFill>
+              </a:ln>
+            </p:spPr>
+            <p:style>
+              <a:lnRef idx="1">
+                <a:schemeClr val="accent1"/>
+              </a:lnRef>
+              <a:fillRef idx="0">
+                <a:schemeClr val="accent1"/>
+              </a:fillRef>
+              <a:effectRef idx="0">
+                <a:schemeClr val="accent1"/>
+              </a:effectRef>
+              <a:fontRef idx="minor">
+                <a:schemeClr val="tx1"/>
+              </a:fontRef>
+            </p:style>
+          </p:cxnSp>
+          <p:cxnSp>
+            <p:nvCxnSpPr>
+              <p:cNvPr id="154" name="Straight Connector 153">
+                <a:extLst>
+                  <a:ext uri="{FF2B5EF4-FFF2-40B4-BE49-F238E27FC236}">
+                    <a16:creationId xmlns:a16="http://schemas.microsoft.com/office/drawing/2014/main" id="{B7A3DC1B-D769-4B25-BD86-ED3AE4632D98}"/>
+                  </a:ext>
+                </a:extLst>
+              </p:cNvPr>
+              <p:cNvCxnSpPr>
+                <a:cxnSpLocks/>
+              </p:cNvCxnSpPr>
+              <p:nvPr/>
+            </p:nvCxnSpPr>
+            <p:spPr>
+              <a:xfrm flipH="1">
+                <a:off x="128671" y="6935814"/>
+                <a:ext cx="108220" cy="17193"/>
+              </a:xfrm>
+              <a:prstGeom prst="line">
+                <a:avLst/>
+              </a:prstGeom>
+              <a:ln w="12700">
+                <a:solidFill>
+                  <a:schemeClr val="bg1">
+                    <a:lumMod val="75000"/>
+                  </a:schemeClr>
+                </a:solidFill>
+              </a:ln>
+            </p:spPr>
+            <p:style>
+              <a:lnRef idx="1">
+                <a:schemeClr val="accent1"/>
+              </a:lnRef>
+              <a:fillRef idx="0">
+                <a:schemeClr val="accent1"/>
+              </a:fillRef>
+              <a:effectRef idx="0">
+                <a:schemeClr val="accent1"/>
+              </a:effectRef>
+              <a:fontRef idx="minor">
+                <a:schemeClr val="tx1"/>
+              </a:fontRef>
+            </p:style>
+          </p:cxnSp>
+          <p:cxnSp>
+            <p:nvCxnSpPr>
+              <p:cNvPr id="155" name="Straight Connector 154">
+                <a:extLst>
+                  <a:ext uri="{FF2B5EF4-FFF2-40B4-BE49-F238E27FC236}">
+                    <a16:creationId xmlns:a16="http://schemas.microsoft.com/office/drawing/2014/main" id="{B338E011-5D59-4FFA-AE63-BEC1342B8B2B}"/>
+                  </a:ext>
+                </a:extLst>
+              </p:cNvPr>
+              <p:cNvCxnSpPr>
+                <a:cxnSpLocks/>
+              </p:cNvCxnSpPr>
+              <p:nvPr/>
+            </p:nvCxnSpPr>
+            <p:spPr>
+              <a:xfrm flipH="1" flipV="1">
+                <a:off x="128671" y="6956200"/>
+                <a:ext cx="108218" cy="27164"/>
+              </a:xfrm>
+              <a:prstGeom prst="line">
+                <a:avLst/>
+              </a:prstGeom>
+              <a:ln w="12700">
+                <a:solidFill>
+                  <a:schemeClr val="bg1">
+                    <a:lumMod val="75000"/>
+                  </a:schemeClr>
+                </a:solidFill>
+              </a:ln>
+            </p:spPr>
+            <p:style>
+              <a:lnRef idx="1">
+                <a:schemeClr val="accent1"/>
+              </a:lnRef>
+              <a:fillRef idx="0">
+                <a:schemeClr val="accent1"/>
+              </a:fillRef>
+              <a:effectRef idx="0">
+                <a:schemeClr val="accent1"/>
+              </a:effectRef>
+              <a:fontRef idx="minor">
+                <a:schemeClr val="tx1"/>
+              </a:fontRef>
+            </p:style>
+          </p:cxnSp>
+          <p:cxnSp>
+            <p:nvCxnSpPr>
+              <p:cNvPr id="156" name="Straight Connector 155">
+                <a:extLst>
+                  <a:ext uri="{FF2B5EF4-FFF2-40B4-BE49-F238E27FC236}">
+                    <a16:creationId xmlns:a16="http://schemas.microsoft.com/office/drawing/2014/main" id="{1EBA655F-63D3-4969-8EFB-966B5999029E}"/>
+                  </a:ext>
+                </a:extLst>
+              </p:cNvPr>
+              <p:cNvCxnSpPr>
+                <a:cxnSpLocks/>
+              </p:cNvCxnSpPr>
+              <p:nvPr/>
+            </p:nvCxnSpPr>
+            <p:spPr>
+              <a:xfrm flipH="1">
+                <a:off x="182780" y="6981207"/>
+                <a:ext cx="54112" cy="21409"/>
+              </a:xfrm>
+              <a:prstGeom prst="line">
+                <a:avLst/>
+              </a:prstGeom>
+              <a:ln w="12700">
+                <a:solidFill>
+                  <a:schemeClr val="bg1">
+                    <a:lumMod val="75000"/>
+                  </a:schemeClr>
+                </a:solidFill>
+              </a:ln>
+            </p:spPr>
+            <p:style>
+              <a:lnRef idx="1">
+                <a:schemeClr val="accent1"/>
+              </a:lnRef>
+              <a:fillRef idx="0">
+                <a:schemeClr val="accent1"/>
+              </a:fillRef>
+              <a:effectRef idx="0">
+                <a:schemeClr val="accent1"/>
+              </a:effectRef>
+              <a:fontRef idx="minor">
+                <a:schemeClr val="tx1"/>
+              </a:fontRef>
+            </p:style>
+          </p:cxnSp>
+        </p:grpSp>
+        <p:cxnSp>
+          <p:nvCxnSpPr>
+            <p:cNvPr id="151" name="Straight Connector 150">
+              <a:extLst>
+                <a:ext uri="{FF2B5EF4-FFF2-40B4-BE49-F238E27FC236}">
+                  <a16:creationId xmlns:a16="http://schemas.microsoft.com/office/drawing/2014/main" id="{E0900D6D-7CA8-49B9-A6A4-C21CB31C3150}"/>
+                </a:ext>
+              </a:extLst>
+            </p:cNvPr>
+            <p:cNvCxnSpPr>
+              <a:cxnSpLocks/>
+            </p:cNvCxnSpPr>
+            <p:nvPr/>
+          </p:nvCxnSpPr>
+          <p:spPr>
+            <a:xfrm flipH="1">
+              <a:off x="2674280" y="7250065"/>
+              <a:ext cx="13512" cy="710444"/>
+            </a:xfrm>
+            <a:prstGeom prst="line">
+              <a:avLst/>
+            </a:prstGeom>
+            <a:ln w="19050">
+              <a:solidFill>
+                <a:schemeClr val="bg1">
+                  <a:lumMod val="75000"/>
+                </a:schemeClr>
+              </a:solidFill>
+              <a:prstDash val="dash"/>
+            </a:ln>
+          </p:spPr>
+          <p:style>
+            <a:lnRef idx="1">
+              <a:schemeClr val="accent1"/>
+            </a:lnRef>
+            <a:fillRef idx="0">
+              <a:schemeClr val="accent1"/>
+            </a:fillRef>
+            <a:effectRef idx="0">
+              <a:schemeClr val="accent1"/>
+            </a:effectRef>
+            <a:fontRef idx="minor">
+              <a:schemeClr val="tx1"/>
+            </a:fontRef>
+          </p:style>
+        </p:cxnSp>
+      </p:grpSp>
+      <p:grpSp>
+        <p:nvGrpSpPr>
+          <p:cNvPr id="157" name="Group 156">
+            <a:extLst>
+              <a:ext uri="{FF2B5EF4-FFF2-40B4-BE49-F238E27FC236}">
+                <a16:creationId xmlns:a16="http://schemas.microsoft.com/office/drawing/2014/main" id="{8126E6E5-8599-43E2-AD87-32BF06B5CA73}"/>
+              </a:ext>
+            </a:extLst>
+          </p:cNvPr>
+          <p:cNvGrpSpPr/>
+          <p:nvPr/>
+        </p:nvGrpSpPr>
+        <p:grpSpPr>
+          <a:xfrm>
+            <a:off x="11784908" y="1079988"/>
+            <a:ext cx="240182" cy="6726160"/>
+            <a:chOff x="2561459" y="1234349"/>
+            <a:chExt cx="240182" cy="6726160"/>
+          </a:xfrm>
+        </p:grpSpPr>
+        <p:cxnSp>
+          <p:nvCxnSpPr>
+            <p:cNvPr id="158" name="Straight Connector 157">
+              <a:extLst>
+                <a:ext uri="{FF2B5EF4-FFF2-40B4-BE49-F238E27FC236}">
+                  <a16:creationId xmlns:a16="http://schemas.microsoft.com/office/drawing/2014/main" id="{8EF854E3-EC74-4480-985A-CD50C5B9DE18}"/>
+                </a:ext>
+              </a:extLst>
+            </p:cNvPr>
+            <p:cNvCxnSpPr>
+              <a:cxnSpLocks/>
+            </p:cNvCxnSpPr>
+            <p:nvPr/>
+          </p:nvCxnSpPr>
+          <p:spPr>
+            <a:xfrm flipH="1">
+              <a:off x="2685622" y="1234349"/>
+              <a:ext cx="11483" cy="5849859"/>
+            </a:xfrm>
+            <a:prstGeom prst="line">
+              <a:avLst/>
+            </a:prstGeom>
+            <a:ln w="19050">
+              <a:solidFill>
+                <a:schemeClr val="bg1">
+                  <a:lumMod val="75000"/>
+                </a:schemeClr>
+              </a:solidFill>
+              <a:prstDash val="dash"/>
+            </a:ln>
+          </p:spPr>
+          <p:style>
+            <a:lnRef idx="1">
+              <a:schemeClr val="accent1"/>
+            </a:lnRef>
+            <a:fillRef idx="0">
+              <a:schemeClr val="accent1"/>
+            </a:fillRef>
+            <a:effectRef idx="0">
+              <a:schemeClr val="accent1"/>
+            </a:effectRef>
+            <a:fontRef idx="minor">
+              <a:schemeClr val="tx1"/>
+            </a:fontRef>
+          </p:style>
+        </p:cxnSp>
+        <p:grpSp>
+          <p:nvGrpSpPr>
+            <p:cNvPr id="159" name="Group 158">
+              <a:extLst>
+                <a:ext uri="{FF2B5EF4-FFF2-40B4-BE49-F238E27FC236}">
+                  <a16:creationId xmlns:a16="http://schemas.microsoft.com/office/drawing/2014/main" id="{440DB4D5-1052-4013-88E3-166D8486E70D}"/>
+                </a:ext>
+              </a:extLst>
+            </p:cNvPr>
+            <p:cNvGrpSpPr/>
+            <p:nvPr/>
+          </p:nvGrpSpPr>
+          <p:grpSpPr>
+            <a:xfrm>
+              <a:off x="2561459" y="7038774"/>
+              <a:ext cx="240182" cy="212631"/>
+              <a:chOff x="128671" y="6885063"/>
+              <a:chExt cx="108221" cy="117553"/>
+            </a:xfrm>
+          </p:grpSpPr>
+          <p:cxnSp>
+            <p:nvCxnSpPr>
+              <p:cNvPr id="161" name="Straight Connector 160">
+                <a:extLst>
+                  <a:ext uri="{FF2B5EF4-FFF2-40B4-BE49-F238E27FC236}">
+                    <a16:creationId xmlns:a16="http://schemas.microsoft.com/office/drawing/2014/main" id="{3C00D480-4E0B-49B4-8267-3EDA3F74D1A6}"/>
+                  </a:ext>
+                </a:extLst>
+              </p:cNvPr>
+              <p:cNvCxnSpPr>
+                <a:cxnSpLocks/>
+              </p:cNvCxnSpPr>
+              <p:nvPr/>
+            </p:nvCxnSpPr>
+            <p:spPr>
+              <a:xfrm flipH="1">
+                <a:off x="128671" y="6885063"/>
+                <a:ext cx="58498" cy="25007"/>
+              </a:xfrm>
+              <a:prstGeom prst="line">
+                <a:avLst/>
+              </a:prstGeom>
+              <a:ln w="12700">
+                <a:solidFill>
+                  <a:schemeClr val="bg1">
+                    <a:lumMod val="75000"/>
+                  </a:schemeClr>
+                </a:solidFill>
+              </a:ln>
+            </p:spPr>
+            <p:style>
+              <a:lnRef idx="1">
+                <a:schemeClr val="accent1"/>
+              </a:lnRef>
+              <a:fillRef idx="0">
+                <a:schemeClr val="accent1"/>
+              </a:fillRef>
+              <a:effectRef idx="0">
+                <a:schemeClr val="accent1"/>
+              </a:effectRef>
+              <a:fontRef idx="minor">
+                <a:schemeClr val="tx1"/>
+              </a:fontRef>
+            </p:style>
+          </p:cxnSp>
+          <p:cxnSp>
+            <p:nvCxnSpPr>
+              <p:cNvPr id="165" name="Straight Connector 164">
+                <a:extLst>
+                  <a:ext uri="{FF2B5EF4-FFF2-40B4-BE49-F238E27FC236}">
+                    <a16:creationId xmlns:a16="http://schemas.microsoft.com/office/drawing/2014/main" id="{E9311396-AD41-498B-B7B7-DFABA8716746}"/>
+                  </a:ext>
+                </a:extLst>
+              </p:cNvPr>
+              <p:cNvCxnSpPr>
+                <a:cxnSpLocks/>
+              </p:cNvCxnSpPr>
+              <p:nvPr/>
+            </p:nvCxnSpPr>
+            <p:spPr>
+              <a:xfrm flipH="1" flipV="1">
+                <a:off x="128671" y="6910807"/>
+                <a:ext cx="108218" cy="27164"/>
+              </a:xfrm>
+              <a:prstGeom prst="line">
+                <a:avLst/>
+              </a:prstGeom>
+              <a:ln w="12700">
+                <a:solidFill>
+                  <a:schemeClr val="bg1">
+                    <a:lumMod val="75000"/>
+                  </a:schemeClr>
+                </a:solidFill>
+              </a:ln>
+            </p:spPr>
+            <p:style>
+              <a:lnRef idx="1">
+                <a:schemeClr val="accent1"/>
+              </a:lnRef>
+              <a:fillRef idx="0">
+                <a:schemeClr val="accent1"/>
+              </a:fillRef>
+              <a:effectRef idx="0">
+                <a:schemeClr val="accent1"/>
+              </a:effectRef>
+              <a:fontRef idx="minor">
+                <a:schemeClr val="tx1"/>
+              </a:fontRef>
+            </p:style>
+          </p:cxnSp>
+          <p:cxnSp>
+            <p:nvCxnSpPr>
+              <p:cNvPr id="166" name="Straight Connector 165">
+                <a:extLst>
+                  <a:ext uri="{FF2B5EF4-FFF2-40B4-BE49-F238E27FC236}">
+                    <a16:creationId xmlns:a16="http://schemas.microsoft.com/office/drawing/2014/main" id="{546BFD38-1A14-43F1-B5BB-4C373083F966}"/>
+                  </a:ext>
+                </a:extLst>
+              </p:cNvPr>
+              <p:cNvCxnSpPr>
+                <a:cxnSpLocks/>
+              </p:cNvCxnSpPr>
+              <p:nvPr/>
+            </p:nvCxnSpPr>
+            <p:spPr>
+              <a:xfrm flipH="1">
+                <a:off x="128671" y="6935814"/>
+                <a:ext cx="108220" cy="17193"/>
+              </a:xfrm>
+              <a:prstGeom prst="line">
+                <a:avLst/>
+              </a:prstGeom>
+              <a:ln w="12700">
+                <a:solidFill>
+                  <a:schemeClr val="bg1">
+                    <a:lumMod val="75000"/>
+                  </a:schemeClr>
+                </a:solidFill>
+              </a:ln>
+            </p:spPr>
+            <p:style>
+              <a:lnRef idx="1">
+                <a:schemeClr val="accent1"/>
+              </a:lnRef>
+              <a:fillRef idx="0">
+                <a:schemeClr val="accent1"/>
+              </a:fillRef>
+              <a:effectRef idx="0">
+                <a:schemeClr val="accent1"/>
+              </a:effectRef>
+              <a:fontRef idx="minor">
+                <a:schemeClr val="tx1"/>
+              </a:fontRef>
+            </p:style>
+          </p:cxnSp>
+          <p:cxnSp>
+            <p:nvCxnSpPr>
+              <p:cNvPr id="167" name="Straight Connector 166">
+                <a:extLst>
+                  <a:ext uri="{FF2B5EF4-FFF2-40B4-BE49-F238E27FC236}">
+                    <a16:creationId xmlns:a16="http://schemas.microsoft.com/office/drawing/2014/main" id="{8D94CF7E-A279-41BC-B689-6BC1A7C0528C}"/>
+                  </a:ext>
+                </a:extLst>
+              </p:cNvPr>
+              <p:cNvCxnSpPr>
+                <a:cxnSpLocks/>
+              </p:cNvCxnSpPr>
+              <p:nvPr/>
+            </p:nvCxnSpPr>
+            <p:spPr>
+              <a:xfrm flipH="1" flipV="1">
+                <a:off x="128671" y="6956200"/>
+                <a:ext cx="108218" cy="27164"/>
+              </a:xfrm>
+              <a:prstGeom prst="line">
+                <a:avLst/>
+              </a:prstGeom>
+              <a:ln w="12700">
+                <a:solidFill>
+                  <a:schemeClr val="bg1">
+                    <a:lumMod val="75000"/>
+                  </a:schemeClr>
+                </a:solidFill>
+              </a:ln>
+            </p:spPr>
+            <p:style>
+              <a:lnRef idx="1">
+                <a:schemeClr val="accent1"/>
+              </a:lnRef>
+              <a:fillRef idx="0">
+                <a:schemeClr val="accent1"/>
+              </a:fillRef>
+              <a:effectRef idx="0">
+                <a:schemeClr val="accent1"/>
+              </a:effectRef>
+              <a:fontRef idx="minor">
+                <a:schemeClr val="tx1"/>
+              </a:fontRef>
+            </p:style>
+          </p:cxnSp>
+          <p:cxnSp>
+            <p:nvCxnSpPr>
+              <p:cNvPr id="168" name="Straight Connector 167">
+                <a:extLst>
+                  <a:ext uri="{FF2B5EF4-FFF2-40B4-BE49-F238E27FC236}">
+                    <a16:creationId xmlns:a16="http://schemas.microsoft.com/office/drawing/2014/main" id="{9CE3751A-026C-4D66-8AAA-E0CE0B59872B}"/>
+                  </a:ext>
+                </a:extLst>
+              </p:cNvPr>
+              <p:cNvCxnSpPr>
+                <a:cxnSpLocks/>
+              </p:cNvCxnSpPr>
+              <p:nvPr/>
+            </p:nvCxnSpPr>
+            <p:spPr>
+              <a:xfrm flipH="1">
+                <a:off x="182780" y="6981207"/>
+                <a:ext cx="54112" cy="21409"/>
+              </a:xfrm>
+              <a:prstGeom prst="line">
+                <a:avLst/>
+              </a:prstGeom>
+              <a:ln w="12700">
+                <a:solidFill>
+                  <a:schemeClr val="bg1">
+                    <a:lumMod val="75000"/>
+                  </a:schemeClr>
+                </a:solidFill>
+              </a:ln>
+            </p:spPr>
+            <p:style>
+              <a:lnRef idx="1">
+                <a:schemeClr val="accent1"/>
+              </a:lnRef>
+              <a:fillRef idx="0">
+                <a:schemeClr val="accent1"/>
+              </a:fillRef>
+              <a:effectRef idx="0">
+                <a:schemeClr val="accent1"/>
+              </a:effectRef>
+              <a:fontRef idx="minor">
+                <a:schemeClr val="tx1"/>
+              </a:fontRef>
+            </p:style>
+          </p:cxnSp>
+        </p:grpSp>
+        <p:cxnSp>
+          <p:nvCxnSpPr>
+            <p:cNvPr id="160" name="Straight Connector 159">
+              <a:extLst>
+                <a:ext uri="{FF2B5EF4-FFF2-40B4-BE49-F238E27FC236}">
+                  <a16:creationId xmlns:a16="http://schemas.microsoft.com/office/drawing/2014/main" id="{9F71C639-1EDE-46C2-8315-F1BCE8ABB122}"/>
+                </a:ext>
+              </a:extLst>
+            </p:cNvPr>
+            <p:cNvCxnSpPr>
+              <a:cxnSpLocks/>
+            </p:cNvCxnSpPr>
+            <p:nvPr/>
+          </p:nvCxnSpPr>
+          <p:spPr>
+            <a:xfrm flipH="1">
+              <a:off x="2674280" y="7250065"/>
+              <a:ext cx="13512" cy="710444"/>
+            </a:xfrm>
+            <a:prstGeom prst="line">
+              <a:avLst/>
+            </a:prstGeom>
+            <a:ln w="19050">
+              <a:solidFill>
+                <a:schemeClr val="bg1">
+                  <a:lumMod val="75000"/>
+                </a:schemeClr>
+              </a:solidFill>
+              <a:prstDash val="dash"/>
+            </a:ln>
+          </p:spPr>
+          <p:style>
+            <a:lnRef idx="1">
+              <a:schemeClr val="accent1"/>
+            </a:lnRef>
+            <a:fillRef idx="0">
+              <a:schemeClr val="accent1"/>
+            </a:fillRef>
+            <a:effectRef idx="0">
+              <a:schemeClr val="accent1"/>
+            </a:effectRef>
+            <a:fontRef idx="minor">
+              <a:schemeClr val="tx1"/>
+            </a:fontRef>
+          </p:style>
+        </p:cxnSp>
+      </p:grpSp>
     </p:spTree>
     <p:extLst>
       <p:ext uri="{BB962C8B-B14F-4D97-AF65-F5344CB8AC3E}">
